--- a/documents/LinkUpPraesentation.pptx
+++ b/documents/LinkUpPraesentation.pptx
@@ -910,6 +910,1620 @@
 </dgm:colorsDef>
 </file>
 
+<file path=ppt/diagrams/colors2.xml><?xml version="1.0" encoding="utf-8"?>
+<dgm:colorsDef xmlns:dgm="http://schemas.openxmlformats.org/drawingml/2006/diagram" xmlns:a="http://schemas.openxmlformats.org/drawingml/2006/main" uniqueId="urn:microsoft.com/office/officeart/2005/8/colors/accent2_1">
+  <dgm:title val=""/>
+  <dgm:desc val=""/>
+  <dgm:catLst>
+    <dgm:cat type="accent2" pri="11100"/>
+  </dgm:catLst>
+  <dgm:styleLbl name="node0">
+    <dgm:fillClrLst meth="repeat">
+      <a:schemeClr val="lt1"/>
+    </dgm:fillClrLst>
+    <dgm:linClrLst meth="repeat">
+      <a:schemeClr val="accent2">
+        <a:shade val="80000"/>
+      </a:schemeClr>
+    </dgm:linClrLst>
+    <dgm:effectClrLst/>
+    <dgm:txLinClrLst/>
+    <dgm:txFillClrLst meth="repeat">
+      <a:schemeClr val="dk1"/>
+    </dgm:txFillClrLst>
+    <dgm:txEffectClrLst/>
+  </dgm:styleLbl>
+  <dgm:styleLbl name="node1">
+    <dgm:fillClrLst meth="repeat">
+      <a:schemeClr val="lt1"/>
+    </dgm:fillClrLst>
+    <dgm:linClrLst meth="repeat">
+      <a:schemeClr val="accent2">
+        <a:shade val="80000"/>
+      </a:schemeClr>
+    </dgm:linClrLst>
+    <dgm:effectClrLst/>
+    <dgm:txLinClrLst/>
+    <dgm:txFillClrLst meth="repeat">
+      <a:schemeClr val="dk1"/>
+    </dgm:txFillClrLst>
+    <dgm:txEffectClrLst/>
+  </dgm:styleLbl>
+  <dgm:styleLbl name="alignNode1">
+    <dgm:fillClrLst meth="repeat">
+      <a:schemeClr val="lt1"/>
+    </dgm:fillClrLst>
+    <dgm:linClrLst meth="repeat">
+      <a:schemeClr val="accent2">
+        <a:shade val="80000"/>
+      </a:schemeClr>
+    </dgm:linClrLst>
+    <dgm:effectClrLst/>
+    <dgm:txLinClrLst/>
+    <dgm:txFillClrLst meth="repeat">
+      <a:schemeClr val="dk1"/>
+    </dgm:txFillClrLst>
+    <dgm:txEffectClrLst/>
+  </dgm:styleLbl>
+  <dgm:styleLbl name="lnNode1">
+    <dgm:fillClrLst meth="repeat">
+      <a:schemeClr val="lt1"/>
+    </dgm:fillClrLst>
+    <dgm:linClrLst meth="repeat">
+      <a:schemeClr val="accent2">
+        <a:shade val="80000"/>
+      </a:schemeClr>
+    </dgm:linClrLst>
+    <dgm:effectClrLst/>
+    <dgm:txLinClrLst/>
+    <dgm:txFillClrLst meth="repeat">
+      <a:schemeClr val="dk1"/>
+    </dgm:txFillClrLst>
+    <dgm:txEffectClrLst/>
+  </dgm:styleLbl>
+  <dgm:styleLbl name="vennNode1">
+    <dgm:fillClrLst meth="repeat">
+      <a:schemeClr val="lt1">
+        <a:alpha val="50000"/>
+      </a:schemeClr>
+    </dgm:fillClrLst>
+    <dgm:linClrLst meth="repeat">
+      <a:schemeClr val="accent2">
+        <a:shade val="80000"/>
+      </a:schemeClr>
+    </dgm:linClrLst>
+    <dgm:effectClrLst/>
+    <dgm:txLinClrLst/>
+    <dgm:txFillClrLst/>
+    <dgm:txEffectClrLst/>
+  </dgm:styleLbl>
+  <dgm:styleLbl name="node2">
+    <dgm:fillClrLst meth="repeat">
+      <a:schemeClr val="lt1"/>
+    </dgm:fillClrLst>
+    <dgm:linClrLst meth="repeat">
+      <a:schemeClr val="accent2">
+        <a:shade val="80000"/>
+      </a:schemeClr>
+    </dgm:linClrLst>
+    <dgm:effectClrLst/>
+    <dgm:txLinClrLst/>
+    <dgm:txFillClrLst meth="repeat">
+      <a:schemeClr val="dk1"/>
+    </dgm:txFillClrLst>
+    <dgm:txEffectClrLst/>
+  </dgm:styleLbl>
+  <dgm:styleLbl name="node3">
+    <dgm:fillClrLst meth="repeat">
+      <a:schemeClr val="lt1"/>
+    </dgm:fillClrLst>
+    <dgm:linClrLst meth="repeat">
+      <a:schemeClr val="accent2">
+        <a:shade val="80000"/>
+      </a:schemeClr>
+    </dgm:linClrLst>
+    <dgm:effectClrLst/>
+    <dgm:txLinClrLst/>
+    <dgm:txFillClrLst meth="repeat">
+      <a:schemeClr val="dk1"/>
+    </dgm:txFillClrLst>
+    <dgm:txEffectClrLst/>
+  </dgm:styleLbl>
+  <dgm:styleLbl name="node4">
+    <dgm:fillClrLst meth="repeat">
+      <a:schemeClr val="lt1"/>
+    </dgm:fillClrLst>
+    <dgm:linClrLst meth="repeat">
+      <a:schemeClr val="accent2">
+        <a:shade val="80000"/>
+      </a:schemeClr>
+    </dgm:linClrLst>
+    <dgm:effectClrLst/>
+    <dgm:txLinClrLst/>
+    <dgm:txFillClrLst meth="repeat">
+      <a:schemeClr val="dk1"/>
+    </dgm:txFillClrLst>
+    <dgm:txEffectClrLst/>
+  </dgm:styleLbl>
+  <dgm:styleLbl name="fgImgPlace1">
+    <dgm:fillClrLst meth="repeat">
+      <a:schemeClr val="accent2">
+        <a:tint val="40000"/>
+      </a:schemeClr>
+    </dgm:fillClrLst>
+    <dgm:linClrLst meth="repeat">
+      <a:schemeClr val="accent2">
+        <a:shade val="80000"/>
+      </a:schemeClr>
+    </dgm:linClrLst>
+    <dgm:effectClrLst/>
+    <dgm:txLinClrLst/>
+    <dgm:txFillClrLst meth="repeat">
+      <a:schemeClr val="lt1"/>
+    </dgm:txFillClrLst>
+    <dgm:txEffectClrLst/>
+  </dgm:styleLbl>
+  <dgm:styleLbl name="alignImgPlace1">
+    <dgm:fillClrLst meth="repeat">
+      <a:schemeClr val="accent2">
+        <a:tint val="40000"/>
+      </a:schemeClr>
+    </dgm:fillClrLst>
+    <dgm:linClrLst meth="repeat">
+      <a:schemeClr val="accent2">
+        <a:shade val="80000"/>
+      </a:schemeClr>
+    </dgm:linClrLst>
+    <dgm:effectClrLst/>
+    <dgm:txLinClrLst/>
+    <dgm:txFillClrLst meth="repeat">
+      <a:schemeClr val="lt1"/>
+    </dgm:txFillClrLst>
+    <dgm:txEffectClrLst/>
+  </dgm:styleLbl>
+  <dgm:styleLbl name="bgImgPlace1">
+    <dgm:fillClrLst meth="repeat">
+      <a:schemeClr val="accent2">
+        <a:tint val="40000"/>
+      </a:schemeClr>
+    </dgm:fillClrLst>
+    <dgm:linClrLst meth="repeat">
+      <a:schemeClr val="accent2">
+        <a:shade val="80000"/>
+      </a:schemeClr>
+    </dgm:linClrLst>
+    <dgm:effectClrLst/>
+    <dgm:txLinClrLst/>
+    <dgm:txFillClrLst meth="repeat">
+      <a:schemeClr val="lt1"/>
+    </dgm:txFillClrLst>
+    <dgm:txEffectClrLst/>
+  </dgm:styleLbl>
+  <dgm:styleLbl name="sibTrans2D1">
+    <dgm:fillClrLst meth="repeat">
+      <a:schemeClr val="accent2">
+        <a:tint val="60000"/>
+      </a:schemeClr>
+    </dgm:fillClrLst>
+    <dgm:linClrLst meth="repeat">
+      <a:schemeClr val="accent2">
+        <a:tint val="60000"/>
+      </a:schemeClr>
+    </dgm:linClrLst>
+    <dgm:effectClrLst/>
+    <dgm:txLinClrLst/>
+    <dgm:txFillClrLst meth="repeat">
+      <a:schemeClr val="dk1"/>
+    </dgm:txFillClrLst>
+    <dgm:txEffectClrLst/>
+  </dgm:styleLbl>
+  <dgm:styleLbl name="fgSibTrans2D1">
+    <dgm:fillClrLst meth="repeat">
+      <a:schemeClr val="accent2">
+        <a:tint val="60000"/>
+      </a:schemeClr>
+    </dgm:fillClrLst>
+    <dgm:linClrLst meth="repeat">
+      <a:schemeClr val="accent2">
+        <a:tint val="60000"/>
+      </a:schemeClr>
+    </dgm:linClrLst>
+    <dgm:effectClrLst/>
+    <dgm:txLinClrLst/>
+    <dgm:txFillClrLst meth="repeat">
+      <a:schemeClr val="dk1"/>
+    </dgm:txFillClrLst>
+    <dgm:txEffectClrLst/>
+  </dgm:styleLbl>
+  <dgm:styleLbl name="bgSibTrans2D1">
+    <dgm:fillClrLst meth="repeat">
+      <a:schemeClr val="accent2">
+        <a:tint val="60000"/>
+      </a:schemeClr>
+    </dgm:fillClrLst>
+    <dgm:linClrLst meth="repeat">
+      <a:schemeClr val="accent2">
+        <a:tint val="60000"/>
+      </a:schemeClr>
+    </dgm:linClrLst>
+    <dgm:effectClrLst/>
+    <dgm:txLinClrLst/>
+    <dgm:txFillClrLst meth="repeat">
+      <a:schemeClr val="dk1"/>
+    </dgm:txFillClrLst>
+    <dgm:txEffectClrLst/>
+  </dgm:styleLbl>
+  <dgm:styleLbl name="sibTrans1D1">
+    <dgm:fillClrLst meth="repeat">
+      <a:schemeClr val="accent2"/>
+    </dgm:fillClrLst>
+    <dgm:linClrLst meth="repeat">
+      <a:schemeClr val="accent2"/>
+    </dgm:linClrLst>
+    <dgm:effectClrLst/>
+    <dgm:txLinClrLst/>
+    <dgm:txFillClrLst meth="repeat">
+      <a:schemeClr val="tx1"/>
+    </dgm:txFillClrLst>
+    <dgm:txEffectClrLst/>
+  </dgm:styleLbl>
+  <dgm:styleLbl name="callout">
+    <dgm:fillClrLst meth="repeat">
+      <a:schemeClr val="accent2"/>
+    </dgm:fillClrLst>
+    <dgm:linClrLst meth="repeat">
+      <a:schemeClr val="accent2"/>
+    </dgm:linClrLst>
+    <dgm:effectClrLst/>
+    <dgm:txLinClrLst/>
+    <dgm:txFillClrLst meth="repeat">
+      <a:schemeClr val="tx1"/>
+    </dgm:txFillClrLst>
+    <dgm:txEffectClrLst/>
+  </dgm:styleLbl>
+  <dgm:styleLbl name="asst0">
+    <dgm:fillClrLst meth="repeat">
+      <a:schemeClr val="lt1"/>
+    </dgm:fillClrLst>
+    <dgm:linClrLst meth="repeat">
+      <a:schemeClr val="accent2">
+        <a:shade val="80000"/>
+      </a:schemeClr>
+    </dgm:linClrLst>
+    <dgm:effectClrLst/>
+    <dgm:txLinClrLst/>
+    <dgm:txFillClrLst meth="repeat">
+      <a:schemeClr val="dk1"/>
+    </dgm:txFillClrLst>
+    <dgm:txEffectClrLst/>
+  </dgm:styleLbl>
+  <dgm:styleLbl name="asst1">
+    <dgm:fillClrLst meth="repeat">
+      <a:schemeClr val="lt1"/>
+    </dgm:fillClrLst>
+    <dgm:linClrLst meth="repeat">
+      <a:schemeClr val="accent2">
+        <a:shade val="80000"/>
+      </a:schemeClr>
+    </dgm:linClrLst>
+    <dgm:effectClrLst/>
+    <dgm:txLinClrLst/>
+    <dgm:txFillClrLst meth="repeat">
+      <a:schemeClr val="dk1"/>
+    </dgm:txFillClrLst>
+    <dgm:txEffectClrLst/>
+  </dgm:styleLbl>
+  <dgm:styleLbl name="asst2">
+    <dgm:fillClrLst meth="repeat">
+      <a:schemeClr val="lt1"/>
+    </dgm:fillClrLst>
+    <dgm:linClrLst meth="repeat">
+      <a:schemeClr val="accent2">
+        <a:shade val="80000"/>
+      </a:schemeClr>
+    </dgm:linClrLst>
+    <dgm:effectClrLst/>
+    <dgm:txLinClrLst/>
+    <dgm:txFillClrLst meth="repeat">
+      <a:schemeClr val="dk1"/>
+    </dgm:txFillClrLst>
+    <dgm:txEffectClrLst/>
+  </dgm:styleLbl>
+  <dgm:styleLbl name="asst3">
+    <dgm:fillClrLst meth="repeat">
+      <a:schemeClr val="lt1"/>
+    </dgm:fillClrLst>
+    <dgm:linClrLst meth="repeat">
+      <a:schemeClr val="accent2">
+        <a:shade val="80000"/>
+      </a:schemeClr>
+    </dgm:linClrLst>
+    <dgm:effectClrLst/>
+    <dgm:txLinClrLst/>
+    <dgm:txFillClrLst meth="repeat">
+      <a:schemeClr val="dk1"/>
+    </dgm:txFillClrLst>
+    <dgm:txEffectClrLst/>
+  </dgm:styleLbl>
+  <dgm:styleLbl name="asst4">
+    <dgm:fillClrLst meth="repeat">
+      <a:schemeClr val="lt1"/>
+    </dgm:fillClrLst>
+    <dgm:linClrLst meth="repeat">
+      <a:schemeClr val="accent2">
+        <a:shade val="80000"/>
+      </a:schemeClr>
+    </dgm:linClrLst>
+    <dgm:effectClrLst/>
+    <dgm:txLinClrLst/>
+    <dgm:txFillClrLst meth="repeat">
+      <a:schemeClr val="dk1"/>
+    </dgm:txFillClrLst>
+    <dgm:txEffectClrLst/>
+  </dgm:styleLbl>
+  <dgm:styleLbl name="parChTrans2D1">
+    <dgm:fillClrLst meth="repeat">
+      <a:schemeClr val="accent2">
+        <a:tint val="60000"/>
+      </a:schemeClr>
+    </dgm:fillClrLst>
+    <dgm:linClrLst meth="repeat">
+      <a:schemeClr val="accent2">
+        <a:tint val="60000"/>
+      </a:schemeClr>
+    </dgm:linClrLst>
+    <dgm:effectClrLst/>
+    <dgm:txLinClrLst/>
+    <dgm:txFillClrLst/>
+    <dgm:txEffectClrLst/>
+  </dgm:styleLbl>
+  <dgm:styleLbl name="parChTrans2D2">
+    <dgm:fillClrLst meth="repeat">
+      <a:schemeClr val="accent2"/>
+    </dgm:fillClrLst>
+    <dgm:linClrLst meth="repeat">
+      <a:schemeClr val="accent2"/>
+    </dgm:linClrLst>
+    <dgm:effectClrLst/>
+    <dgm:txLinClrLst/>
+    <dgm:txFillClrLst/>
+    <dgm:txEffectClrLst/>
+  </dgm:styleLbl>
+  <dgm:styleLbl name="parChTrans2D3">
+    <dgm:fillClrLst meth="repeat">
+      <a:schemeClr val="accent2"/>
+    </dgm:fillClrLst>
+    <dgm:linClrLst meth="repeat">
+      <a:schemeClr val="accent2"/>
+    </dgm:linClrLst>
+    <dgm:effectClrLst/>
+    <dgm:txLinClrLst/>
+    <dgm:txFillClrLst/>
+    <dgm:txEffectClrLst/>
+  </dgm:styleLbl>
+  <dgm:styleLbl name="parChTrans2D4">
+    <dgm:fillClrLst meth="repeat">
+      <a:schemeClr val="accent2"/>
+    </dgm:fillClrLst>
+    <dgm:linClrLst meth="repeat">
+      <a:schemeClr val="accent2"/>
+    </dgm:linClrLst>
+    <dgm:effectClrLst/>
+    <dgm:txLinClrLst/>
+    <dgm:txFillClrLst meth="repeat">
+      <a:schemeClr val="lt1"/>
+    </dgm:txFillClrLst>
+    <dgm:txEffectClrLst/>
+  </dgm:styleLbl>
+  <dgm:styleLbl name="parChTrans1D1">
+    <dgm:fillClrLst meth="repeat">
+      <a:schemeClr val="accent2"/>
+    </dgm:fillClrLst>
+    <dgm:linClrLst meth="repeat">
+      <a:schemeClr val="accent2">
+        <a:shade val="60000"/>
+      </a:schemeClr>
+    </dgm:linClrLst>
+    <dgm:effectClrLst/>
+    <dgm:txLinClrLst/>
+    <dgm:txFillClrLst meth="repeat">
+      <a:schemeClr val="tx1"/>
+    </dgm:txFillClrLst>
+    <dgm:txEffectClrLst/>
+  </dgm:styleLbl>
+  <dgm:styleLbl name="parChTrans1D2">
+    <dgm:fillClrLst meth="repeat">
+      <a:schemeClr val="accent2"/>
+    </dgm:fillClrLst>
+    <dgm:linClrLst meth="repeat">
+      <a:schemeClr val="accent2">
+        <a:shade val="60000"/>
+      </a:schemeClr>
+    </dgm:linClrLst>
+    <dgm:effectClrLst/>
+    <dgm:txLinClrLst/>
+    <dgm:txFillClrLst meth="repeat">
+      <a:schemeClr val="tx1"/>
+    </dgm:txFillClrLst>
+    <dgm:txEffectClrLst/>
+  </dgm:styleLbl>
+  <dgm:styleLbl name="parChTrans1D3">
+    <dgm:fillClrLst meth="repeat">
+      <a:schemeClr val="accent2"/>
+    </dgm:fillClrLst>
+    <dgm:linClrLst meth="repeat">
+      <a:schemeClr val="accent2">
+        <a:shade val="80000"/>
+      </a:schemeClr>
+    </dgm:linClrLst>
+    <dgm:effectClrLst/>
+    <dgm:txLinClrLst/>
+    <dgm:txFillClrLst meth="repeat">
+      <a:schemeClr val="tx1"/>
+    </dgm:txFillClrLst>
+    <dgm:txEffectClrLst/>
+  </dgm:styleLbl>
+  <dgm:styleLbl name="parChTrans1D4">
+    <dgm:fillClrLst meth="repeat">
+      <a:schemeClr val="accent2"/>
+    </dgm:fillClrLst>
+    <dgm:linClrLst meth="repeat">
+      <a:schemeClr val="accent2">
+        <a:shade val="80000"/>
+      </a:schemeClr>
+    </dgm:linClrLst>
+    <dgm:effectClrLst/>
+    <dgm:txLinClrLst/>
+    <dgm:txFillClrLst meth="repeat">
+      <a:schemeClr val="tx1"/>
+    </dgm:txFillClrLst>
+    <dgm:txEffectClrLst/>
+  </dgm:styleLbl>
+  <dgm:styleLbl name="fgAcc1">
+    <dgm:fillClrLst meth="repeat">
+      <a:schemeClr val="accent2">
+        <a:alpha val="90000"/>
+        <a:tint val="40000"/>
+      </a:schemeClr>
+    </dgm:fillClrLst>
+    <dgm:linClrLst meth="repeat">
+      <a:schemeClr val="accent2"/>
+    </dgm:linClrLst>
+    <dgm:effectClrLst/>
+    <dgm:txLinClrLst/>
+    <dgm:txFillClrLst meth="repeat">
+      <a:schemeClr val="dk1"/>
+    </dgm:txFillClrLst>
+    <dgm:txEffectClrLst/>
+  </dgm:styleLbl>
+  <dgm:styleLbl name="conFgAcc1">
+    <dgm:fillClrLst meth="repeat">
+      <a:schemeClr val="accent2">
+        <a:alpha val="90000"/>
+        <a:tint val="40000"/>
+      </a:schemeClr>
+    </dgm:fillClrLst>
+    <dgm:linClrLst meth="repeat">
+      <a:schemeClr val="accent2"/>
+    </dgm:linClrLst>
+    <dgm:effectClrLst/>
+    <dgm:txLinClrLst/>
+    <dgm:txFillClrLst meth="repeat">
+      <a:schemeClr val="dk1"/>
+    </dgm:txFillClrLst>
+    <dgm:txEffectClrLst/>
+  </dgm:styleLbl>
+  <dgm:styleLbl name="alignAcc1">
+    <dgm:fillClrLst meth="repeat">
+      <a:schemeClr val="accent2">
+        <a:alpha val="90000"/>
+        <a:tint val="40000"/>
+      </a:schemeClr>
+    </dgm:fillClrLst>
+    <dgm:linClrLst meth="repeat">
+      <a:schemeClr val="accent2"/>
+    </dgm:linClrLst>
+    <dgm:effectClrLst/>
+    <dgm:txLinClrLst/>
+    <dgm:txFillClrLst meth="repeat">
+      <a:schemeClr val="dk1"/>
+    </dgm:txFillClrLst>
+    <dgm:txEffectClrLst/>
+  </dgm:styleLbl>
+  <dgm:styleLbl name="trAlignAcc1">
+    <dgm:fillClrLst meth="repeat">
+      <a:schemeClr val="accent2">
+        <a:alpha val="40000"/>
+        <a:tint val="40000"/>
+      </a:schemeClr>
+    </dgm:fillClrLst>
+    <dgm:linClrLst meth="repeat">
+      <a:schemeClr val="accent2"/>
+    </dgm:linClrLst>
+    <dgm:effectClrLst/>
+    <dgm:txLinClrLst/>
+    <dgm:txFillClrLst meth="repeat">
+      <a:schemeClr val="dk1"/>
+    </dgm:txFillClrLst>
+    <dgm:txEffectClrLst/>
+  </dgm:styleLbl>
+  <dgm:styleLbl name="bgAcc1">
+    <dgm:fillClrLst meth="repeat">
+      <a:schemeClr val="accent2">
+        <a:alpha val="90000"/>
+        <a:tint val="40000"/>
+      </a:schemeClr>
+    </dgm:fillClrLst>
+    <dgm:linClrLst meth="repeat">
+      <a:schemeClr val="accent2"/>
+    </dgm:linClrLst>
+    <dgm:effectClrLst/>
+    <dgm:txLinClrLst/>
+    <dgm:txFillClrLst meth="repeat">
+      <a:schemeClr val="dk1"/>
+    </dgm:txFillClrLst>
+    <dgm:txEffectClrLst/>
+  </dgm:styleLbl>
+  <dgm:styleLbl name="solidFgAcc1">
+    <dgm:fillClrLst meth="repeat">
+      <a:schemeClr val="lt1"/>
+    </dgm:fillClrLst>
+    <dgm:linClrLst meth="repeat">
+      <a:schemeClr val="accent2"/>
+    </dgm:linClrLst>
+    <dgm:effectClrLst/>
+    <dgm:txLinClrLst/>
+    <dgm:txFillClrLst meth="repeat">
+      <a:schemeClr val="dk1"/>
+    </dgm:txFillClrLst>
+    <dgm:txEffectClrLst/>
+  </dgm:styleLbl>
+  <dgm:styleLbl name="solidAlignAcc1">
+    <dgm:fillClrLst meth="repeat">
+      <a:schemeClr val="lt1"/>
+    </dgm:fillClrLst>
+    <dgm:linClrLst meth="repeat">
+      <a:schemeClr val="accent2"/>
+    </dgm:linClrLst>
+    <dgm:effectClrLst/>
+    <dgm:txLinClrLst/>
+    <dgm:txFillClrLst meth="repeat">
+      <a:schemeClr val="dk1"/>
+    </dgm:txFillClrLst>
+    <dgm:txEffectClrLst/>
+  </dgm:styleLbl>
+  <dgm:styleLbl name="solidBgAcc1">
+    <dgm:fillClrLst meth="repeat">
+      <a:schemeClr val="lt1"/>
+    </dgm:fillClrLst>
+    <dgm:linClrLst meth="repeat">
+      <a:schemeClr val="accent2"/>
+    </dgm:linClrLst>
+    <dgm:effectClrLst/>
+    <dgm:txLinClrLst/>
+    <dgm:txFillClrLst meth="repeat">
+      <a:schemeClr val="dk1"/>
+    </dgm:txFillClrLst>
+    <dgm:txEffectClrLst/>
+  </dgm:styleLbl>
+  <dgm:styleLbl name="fgAccFollowNode1">
+    <dgm:fillClrLst meth="repeat">
+      <a:schemeClr val="lt1">
+        <a:alpha val="90000"/>
+        <a:tint val="40000"/>
+      </a:schemeClr>
+    </dgm:fillClrLst>
+    <dgm:linClrLst meth="repeat">
+      <a:schemeClr val="accent2">
+        <a:alpha val="90000"/>
+      </a:schemeClr>
+    </dgm:linClrLst>
+    <dgm:effectClrLst/>
+    <dgm:txLinClrLst/>
+    <dgm:txFillClrLst meth="repeat">
+      <a:schemeClr val="dk1"/>
+    </dgm:txFillClrLst>
+    <dgm:txEffectClrLst/>
+  </dgm:styleLbl>
+  <dgm:styleLbl name="alignAccFollowNode1">
+    <dgm:fillClrLst meth="repeat">
+      <a:schemeClr val="lt1">
+        <a:alpha val="90000"/>
+        <a:tint val="40000"/>
+      </a:schemeClr>
+    </dgm:fillClrLst>
+    <dgm:linClrLst meth="repeat">
+      <a:schemeClr val="accent2">
+        <a:alpha val="90000"/>
+      </a:schemeClr>
+    </dgm:linClrLst>
+    <dgm:effectClrLst/>
+    <dgm:txLinClrLst/>
+    <dgm:txFillClrLst meth="repeat">
+      <a:schemeClr val="dk1"/>
+    </dgm:txFillClrLst>
+    <dgm:txEffectClrLst/>
+  </dgm:styleLbl>
+  <dgm:styleLbl name="bgAccFollowNode1">
+    <dgm:fillClrLst meth="repeat">
+      <a:schemeClr val="lt1">
+        <a:alpha val="90000"/>
+        <a:tint val="40000"/>
+      </a:schemeClr>
+    </dgm:fillClrLst>
+    <dgm:linClrLst meth="repeat">
+      <a:schemeClr val="accent2">
+        <a:alpha val="90000"/>
+      </a:schemeClr>
+    </dgm:linClrLst>
+    <dgm:effectClrLst/>
+    <dgm:txLinClrLst/>
+    <dgm:txFillClrLst meth="repeat">
+      <a:schemeClr val="dk1"/>
+    </dgm:txFillClrLst>
+    <dgm:txEffectClrLst/>
+  </dgm:styleLbl>
+  <dgm:styleLbl name="fgAcc0">
+    <dgm:fillClrLst meth="repeat">
+      <a:schemeClr val="accent2">
+        <a:alpha val="90000"/>
+        <a:tint val="40000"/>
+      </a:schemeClr>
+    </dgm:fillClrLst>
+    <dgm:linClrLst meth="repeat">
+      <a:schemeClr val="accent2"/>
+    </dgm:linClrLst>
+    <dgm:effectClrLst/>
+    <dgm:txLinClrLst/>
+    <dgm:txFillClrLst meth="repeat">
+      <a:schemeClr val="dk1"/>
+    </dgm:txFillClrLst>
+    <dgm:txEffectClrLst/>
+  </dgm:styleLbl>
+  <dgm:styleLbl name="fgAcc2">
+    <dgm:fillClrLst meth="repeat">
+      <a:schemeClr val="accent2">
+        <a:alpha val="90000"/>
+        <a:tint val="40000"/>
+      </a:schemeClr>
+    </dgm:fillClrLst>
+    <dgm:linClrLst meth="repeat">
+      <a:schemeClr val="accent2"/>
+    </dgm:linClrLst>
+    <dgm:effectClrLst/>
+    <dgm:txLinClrLst/>
+    <dgm:txFillClrLst meth="repeat">
+      <a:schemeClr val="dk1"/>
+    </dgm:txFillClrLst>
+    <dgm:txEffectClrLst/>
+  </dgm:styleLbl>
+  <dgm:styleLbl name="fgAcc3">
+    <dgm:fillClrLst meth="repeat">
+      <a:schemeClr val="accent2">
+        <a:alpha val="90000"/>
+        <a:tint val="40000"/>
+      </a:schemeClr>
+    </dgm:fillClrLst>
+    <dgm:linClrLst meth="repeat">
+      <a:schemeClr val="accent2"/>
+    </dgm:linClrLst>
+    <dgm:effectClrLst/>
+    <dgm:txLinClrLst/>
+    <dgm:txFillClrLst meth="repeat">
+      <a:schemeClr val="dk1"/>
+    </dgm:txFillClrLst>
+    <dgm:txEffectClrLst/>
+  </dgm:styleLbl>
+  <dgm:styleLbl name="fgAcc4">
+    <dgm:fillClrLst meth="repeat">
+      <a:schemeClr val="accent2">
+        <a:alpha val="90000"/>
+        <a:tint val="40000"/>
+      </a:schemeClr>
+    </dgm:fillClrLst>
+    <dgm:linClrLst meth="repeat">
+      <a:schemeClr val="accent2"/>
+    </dgm:linClrLst>
+    <dgm:effectClrLst/>
+    <dgm:txLinClrLst/>
+    <dgm:txFillClrLst meth="repeat">
+      <a:schemeClr val="dk1"/>
+    </dgm:txFillClrLst>
+    <dgm:txEffectClrLst/>
+  </dgm:styleLbl>
+  <dgm:styleLbl name="bgShp">
+    <dgm:fillClrLst meth="repeat">
+      <a:schemeClr val="accent2">
+        <a:tint val="40000"/>
+      </a:schemeClr>
+    </dgm:fillClrLst>
+    <dgm:linClrLst meth="repeat">
+      <a:schemeClr val="accent2"/>
+    </dgm:linClrLst>
+    <dgm:effectClrLst/>
+    <dgm:txLinClrLst/>
+    <dgm:txFillClrLst meth="repeat">
+      <a:schemeClr val="dk1"/>
+    </dgm:txFillClrLst>
+    <dgm:txEffectClrLst/>
+  </dgm:styleLbl>
+  <dgm:styleLbl name="dkBgShp">
+    <dgm:fillClrLst meth="repeat">
+      <a:schemeClr val="accent2">
+        <a:shade val="80000"/>
+      </a:schemeClr>
+    </dgm:fillClrLst>
+    <dgm:linClrLst meth="repeat">
+      <a:schemeClr val="accent2"/>
+    </dgm:linClrLst>
+    <dgm:effectClrLst/>
+    <dgm:txLinClrLst/>
+    <dgm:txFillClrLst meth="repeat">
+      <a:schemeClr val="lt1"/>
+    </dgm:txFillClrLst>
+    <dgm:txEffectClrLst/>
+  </dgm:styleLbl>
+  <dgm:styleLbl name="trBgShp">
+    <dgm:fillClrLst meth="repeat">
+      <a:schemeClr val="accent2">
+        <a:tint val="50000"/>
+        <a:alpha val="40000"/>
+      </a:schemeClr>
+    </dgm:fillClrLst>
+    <dgm:linClrLst meth="repeat">
+      <a:schemeClr val="accent2"/>
+    </dgm:linClrLst>
+    <dgm:effectClrLst/>
+    <dgm:txLinClrLst/>
+    <dgm:txFillClrLst meth="repeat">
+      <a:schemeClr val="lt1"/>
+    </dgm:txFillClrLst>
+    <dgm:txEffectClrLst/>
+  </dgm:styleLbl>
+  <dgm:styleLbl name="fgShp">
+    <dgm:fillClrLst meth="repeat">
+      <a:schemeClr val="accent2">
+        <a:tint val="60000"/>
+      </a:schemeClr>
+    </dgm:fillClrLst>
+    <dgm:linClrLst meth="repeat">
+      <a:schemeClr val="lt1"/>
+    </dgm:linClrLst>
+    <dgm:effectClrLst/>
+    <dgm:txLinClrLst/>
+    <dgm:txFillClrLst meth="repeat">
+      <a:schemeClr val="dk1"/>
+    </dgm:txFillClrLst>
+    <dgm:txEffectClrLst/>
+  </dgm:styleLbl>
+  <dgm:styleLbl name="revTx">
+    <dgm:fillClrLst meth="repeat">
+      <a:schemeClr val="lt1">
+        <a:alpha val="0"/>
+      </a:schemeClr>
+    </dgm:fillClrLst>
+    <dgm:linClrLst meth="repeat">
+      <a:schemeClr val="dk1">
+        <a:alpha val="0"/>
+      </a:schemeClr>
+    </dgm:linClrLst>
+    <dgm:effectClrLst/>
+    <dgm:txLinClrLst/>
+    <dgm:txFillClrLst meth="repeat">
+      <a:schemeClr val="tx1"/>
+    </dgm:txFillClrLst>
+    <dgm:txEffectClrLst/>
+  </dgm:styleLbl>
+</dgm:colorsDef>
+</file>
+
+<file path=ppt/diagrams/colors3.xml><?xml version="1.0" encoding="utf-8"?>
+<dgm:colorsDef xmlns:dgm="http://schemas.openxmlformats.org/drawingml/2006/diagram" xmlns:a="http://schemas.openxmlformats.org/drawingml/2006/main" uniqueId="urn:microsoft.com/office/officeart/2005/8/colors/accent2_1">
+  <dgm:title val=""/>
+  <dgm:desc val=""/>
+  <dgm:catLst>
+    <dgm:cat type="accent2" pri="11100"/>
+  </dgm:catLst>
+  <dgm:styleLbl name="node0">
+    <dgm:fillClrLst meth="repeat">
+      <a:schemeClr val="lt1"/>
+    </dgm:fillClrLst>
+    <dgm:linClrLst meth="repeat">
+      <a:schemeClr val="accent2">
+        <a:shade val="80000"/>
+      </a:schemeClr>
+    </dgm:linClrLst>
+    <dgm:effectClrLst/>
+    <dgm:txLinClrLst/>
+    <dgm:txFillClrLst meth="repeat">
+      <a:schemeClr val="dk1"/>
+    </dgm:txFillClrLst>
+    <dgm:txEffectClrLst/>
+  </dgm:styleLbl>
+  <dgm:styleLbl name="node1">
+    <dgm:fillClrLst meth="repeat">
+      <a:schemeClr val="lt1"/>
+    </dgm:fillClrLst>
+    <dgm:linClrLst meth="repeat">
+      <a:schemeClr val="accent2">
+        <a:shade val="80000"/>
+      </a:schemeClr>
+    </dgm:linClrLst>
+    <dgm:effectClrLst/>
+    <dgm:txLinClrLst/>
+    <dgm:txFillClrLst meth="repeat">
+      <a:schemeClr val="dk1"/>
+    </dgm:txFillClrLst>
+    <dgm:txEffectClrLst/>
+  </dgm:styleLbl>
+  <dgm:styleLbl name="alignNode1">
+    <dgm:fillClrLst meth="repeat">
+      <a:schemeClr val="lt1"/>
+    </dgm:fillClrLst>
+    <dgm:linClrLst meth="repeat">
+      <a:schemeClr val="accent2">
+        <a:shade val="80000"/>
+      </a:schemeClr>
+    </dgm:linClrLst>
+    <dgm:effectClrLst/>
+    <dgm:txLinClrLst/>
+    <dgm:txFillClrLst meth="repeat">
+      <a:schemeClr val="dk1"/>
+    </dgm:txFillClrLst>
+    <dgm:txEffectClrLst/>
+  </dgm:styleLbl>
+  <dgm:styleLbl name="lnNode1">
+    <dgm:fillClrLst meth="repeat">
+      <a:schemeClr val="lt1"/>
+    </dgm:fillClrLst>
+    <dgm:linClrLst meth="repeat">
+      <a:schemeClr val="accent2">
+        <a:shade val="80000"/>
+      </a:schemeClr>
+    </dgm:linClrLst>
+    <dgm:effectClrLst/>
+    <dgm:txLinClrLst/>
+    <dgm:txFillClrLst meth="repeat">
+      <a:schemeClr val="dk1"/>
+    </dgm:txFillClrLst>
+    <dgm:txEffectClrLst/>
+  </dgm:styleLbl>
+  <dgm:styleLbl name="vennNode1">
+    <dgm:fillClrLst meth="repeat">
+      <a:schemeClr val="lt1">
+        <a:alpha val="50000"/>
+      </a:schemeClr>
+    </dgm:fillClrLst>
+    <dgm:linClrLst meth="repeat">
+      <a:schemeClr val="accent2">
+        <a:shade val="80000"/>
+      </a:schemeClr>
+    </dgm:linClrLst>
+    <dgm:effectClrLst/>
+    <dgm:txLinClrLst/>
+    <dgm:txFillClrLst/>
+    <dgm:txEffectClrLst/>
+  </dgm:styleLbl>
+  <dgm:styleLbl name="node2">
+    <dgm:fillClrLst meth="repeat">
+      <a:schemeClr val="lt1"/>
+    </dgm:fillClrLst>
+    <dgm:linClrLst meth="repeat">
+      <a:schemeClr val="accent2">
+        <a:shade val="80000"/>
+      </a:schemeClr>
+    </dgm:linClrLst>
+    <dgm:effectClrLst/>
+    <dgm:txLinClrLst/>
+    <dgm:txFillClrLst meth="repeat">
+      <a:schemeClr val="dk1"/>
+    </dgm:txFillClrLst>
+    <dgm:txEffectClrLst/>
+  </dgm:styleLbl>
+  <dgm:styleLbl name="node3">
+    <dgm:fillClrLst meth="repeat">
+      <a:schemeClr val="lt1"/>
+    </dgm:fillClrLst>
+    <dgm:linClrLst meth="repeat">
+      <a:schemeClr val="accent2">
+        <a:shade val="80000"/>
+      </a:schemeClr>
+    </dgm:linClrLst>
+    <dgm:effectClrLst/>
+    <dgm:txLinClrLst/>
+    <dgm:txFillClrLst meth="repeat">
+      <a:schemeClr val="dk1"/>
+    </dgm:txFillClrLst>
+    <dgm:txEffectClrLst/>
+  </dgm:styleLbl>
+  <dgm:styleLbl name="node4">
+    <dgm:fillClrLst meth="repeat">
+      <a:schemeClr val="lt1"/>
+    </dgm:fillClrLst>
+    <dgm:linClrLst meth="repeat">
+      <a:schemeClr val="accent2">
+        <a:shade val="80000"/>
+      </a:schemeClr>
+    </dgm:linClrLst>
+    <dgm:effectClrLst/>
+    <dgm:txLinClrLst/>
+    <dgm:txFillClrLst meth="repeat">
+      <a:schemeClr val="dk1"/>
+    </dgm:txFillClrLst>
+    <dgm:txEffectClrLst/>
+  </dgm:styleLbl>
+  <dgm:styleLbl name="fgImgPlace1">
+    <dgm:fillClrLst meth="repeat">
+      <a:schemeClr val="accent2">
+        <a:tint val="40000"/>
+      </a:schemeClr>
+    </dgm:fillClrLst>
+    <dgm:linClrLst meth="repeat">
+      <a:schemeClr val="accent2">
+        <a:shade val="80000"/>
+      </a:schemeClr>
+    </dgm:linClrLst>
+    <dgm:effectClrLst/>
+    <dgm:txLinClrLst/>
+    <dgm:txFillClrLst meth="repeat">
+      <a:schemeClr val="lt1"/>
+    </dgm:txFillClrLst>
+    <dgm:txEffectClrLst/>
+  </dgm:styleLbl>
+  <dgm:styleLbl name="alignImgPlace1">
+    <dgm:fillClrLst meth="repeat">
+      <a:schemeClr val="accent2">
+        <a:tint val="40000"/>
+      </a:schemeClr>
+    </dgm:fillClrLst>
+    <dgm:linClrLst meth="repeat">
+      <a:schemeClr val="accent2">
+        <a:shade val="80000"/>
+      </a:schemeClr>
+    </dgm:linClrLst>
+    <dgm:effectClrLst/>
+    <dgm:txLinClrLst/>
+    <dgm:txFillClrLst meth="repeat">
+      <a:schemeClr val="lt1"/>
+    </dgm:txFillClrLst>
+    <dgm:txEffectClrLst/>
+  </dgm:styleLbl>
+  <dgm:styleLbl name="bgImgPlace1">
+    <dgm:fillClrLst meth="repeat">
+      <a:schemeClr val="accent2">
+        <a:tint val="40000"/>
+      </a:schemeClr>
+    </dgm:fillClrLst>
+    <dgm:linClrLst meth="repeat">
+      <a:schemeClr val="accent2">
+        <a:shade val="80000"/>
+      </a:schemeClr>
+    </dgm:linClrLst>
+    <dgm:effectClrLst/>
+    <dgm:txLinClrLst/>
+    <dgm:txFillClrLst meth="repeat">
+      <a:schemeClr val="lt1"/>
+    </dgm:txFillClrLst>
+    <dgm:txEffectClrLst/>
+  </dgm:styleLbl>
+  <dgm:styleLbl name="sibTrans2D1">
+    <dgm:fillClrLst meth="repeat">
+      <a:schemeClr val="accent2">
+        <a:tint val="60000"/>
+      </a:schemeClr>
+    </dgm:fillClrLst>
+    <dgm:linClrLst meth="repeat">
+      <a:schemeClr val="accent2">
+        <a:tint val="60000"/>
+      </a:schemeClr>
+    </dgm:linClrLst>
+    <dgm:effectClrLst/>
+    <dgm:txLinClrLst/>
+    <dgm:txFillClrLst meth="repeat">
+      <a:schemeClr val="dk1"/>
+    </dgm:txFillClrLst>
+    <dgm:txEffectClrLst/>
+  </dgm:styleLbl>
+  <dgm:styleLbl name="fgSibTrans2D1">
+    <dgm:fillClrLst meth="repeat">
+      <a:schemeClr val="accent2">
+        <a:tint val="60000"/>
+      </a:schemeClr>
+    </dgm:fillClrLst>
+    <dgm:linClrLst meth="repeat">
+      <a:schemeClr val="accent2">
+        <a:tint val="60000"/>
+      </a:schemeClr>
+    </dgm:linClrLst>
+    <dgm:effectClrLst/>
+    <dgm:txLinClrLst/>
+    <dgm:txFillClrLst meth="repeat">
+      <a:schemeClr val="dk1"/>
+    </dgm:txFillClrLst>
+    <dgm:txEffectClrLst/>
+  </dgm:styleLbl>
+  <dgm:styleLbl name="bgSibTrans2D1">
+    <dgm:fillClrLst meth="repeat">
+      <a:schemeClr val="accent2">
+        <a:tint val="60000"/>
+      </a:schemeClr>
+    </dgm:fillClrLst>
+    <dgm:linClrLst meth="repeat">
+      <a:schemeClr val="accent2">
+        <a:tint val="60000"/>
+      </a:schemeClr>
+    </dgm:linClrLst>
+    <dgm:effectClrLst/>
+    <dgm:txLinClrLst/>
+    <dgm:txFillClrLst meth="repeat">
+      <a:schemeClr val="dk1"/>
+    </dgm:txFillClrLst>
+    <dgm:txEffectClrLst/>
+  </dgm:styleLbl>
+  <dgm:styleLbl name="sibTrans1D1">
+    <dgm:fillClrLst meth="repeat">
+      <a:schemeClr val="accent2"/>
+    </dgm:fillClrLst>
+    <dgm:linClrLst meth="repeat">
+      <a:schemeClr val="accent2"/>
+    </dgm:linClrLst>
+    <dgm:effectClrLst/>
+    <dgm:txLinClrLst/>
+    <dgm:txFillClrLst meth="repeat">
+      <a:schemeClr val="tx1"/>
+    </dgm:txFillClrLst>
+    <dgm:txEffectClrLst/>
+  </dgm:styleLbl>
+  <dgm:styleLbl name="callout">
+    <dgm:fillClrLst meth="repeat">
+      <a:schemeClr val="accent2"/>
+    </dgm:fillClrLst>
+    <dgm:linClrLst meth="repeat">
+      <a:schemeClr val="accent2"/>
+    </dgm:linClrLst>
+    <dgm:effectClrLst/>
+    <dgm:txLinClrLst/>
+    <dgm:txFillClrLst meth="repeat">
+      <a:schemeClr val="tx1"/>
+    </dgm:txFillClrLst>
+    <dgm:txEffectClrLst/>
+  </dgm:styleLbl>
+  <dgm:styleLbl name="asst0">
+    <dgm:fillClrLst meth="repeat">
+      <a:schemeClr val="lt1"/>
+    </dgm:fillClrLst>
+    <dgm:linClrLst meth="repeat">
+      <a:schemeClr val="accent2">
+        <a:shade val="80000"/>
+      </a:schemeClr>
+    </dgm:linClrLst>
+    <dgm:effectClrLst/>
+    <dgm:txLinClrLst/>
+    <dgm:txFillClrLst meth="repeat">
+      <a:schemeClr val="dk1"/>
+    </dgm:txFillClrLst>
+    <dgm:txEffectClrLst/>
+  </dgm:styleLbl>
+  <dgm:styleLbl name="asst1">
+    <dgm:fillClrLst meth="repeat">
+      <a:schemeClr val="lt1"/>
+    </dgm:fillClrLst>
+    <dgm:linClrLst meth="repeat">
+      <a:schemeClr val="accent2">
+        <a:shade val="80000"/>
+      </a:schemeClr>
+    </dgm:linClrLst>
+    <dgm:effectClrLst/>
+    <dgm:txLinClrLst/>
+    <dgm:txFillClrLst meth="repeat">
+      <a:schemeClr val="dk1"/>
+    </dgm:txFillClrLst>
+    <dgm:txEffectClrLst/>
+  </dgm:styleLbl>
+  <dgm:styleLbl name="asst2">
+    <dgm:fillClrLst meth="repeat">
+      <a:schemeClr val="lt1"/>
+    </dgm:fillClrLst>
+    <dgm:linClrLst meth="repeat">
+      <a:schemeClr val="accent2">
+        <a:shade val="80000"/>
+      </a:schemeClr>
+    </dgm:linClrLst>
+    <dgm:effectClrLst/>
+    <dgm:txLinClrLst/>
+    <dgm:txFillClrLst meth="repeat">
+      <a:schemeClr val="dk1"/>
+    </dgm:txFillClrLst>
+    <dgm:txEffectClrLst/>
+  </dgm:styleLbl>
+  <dgm:styleLbl name="asst3">
+    <dgm:fillClrLst meth="repeat">
+      <a:schemeClr val="lt1"/>
+    </dgm:fillClrLst>
+    <dgm:linClrLst meth="repeat">
+      <a:schemeClr val="accent2">
+        <a:shade val="80000"/>
+      </a:schemeClr>
+    </dgm:linClrLst>
+    <dgm:effectClrLst/>
+    <dgm:txLinClrLst/>
+    <dgm:txFillClrLst meth="repeat">
+      <a:schemeClr val="dk1"/>
+    </dgm:txFillClrLst>
+    <dgm:txEffectClrLst/>
+  </dgm:styleLbl>
+  <dgm:styleLbl name="asst4">
+    <dgm:fillClrLst meth="repeat">
+      <a:schemeClr val="lt1"/>
+    </dgm:fillClrLst>
+    <dgm:linClrLst meth="repeat">
+      <a:schemeClr val="accent2">
+        <a:shade val="80000"/>
+      </a:schemeClr>
+    </dgm:linClrLst>
+    <dgm:effectClrLst/>
+    <dgm:txLinClrLst/>
+    <dgm:txFillClrLst meth="repeat">
+      <a:schemeClr val="dk1"/>
+    </dgm:txFillClrLst>
+    <dgm:txEffectClrLst/>
+  </dgm:styleLbl>
+  <dgm:styleLbl name="parChTrans2D1">
+    <dgm:fillClrLst meth="repeat">
+      <a:schemeClr val="accent2">
+        <a:tint val="60000"/>
+      </a:schemeClr>
+    </dgm:fillClrLst>
+    <dgm:linClrLst meth="repeat">
+      <a:schemeClr val="accent2">
+        <a:tint val="60000"/>
+      </a:schemeClr>
+    </dgm:linClrLst>
+    <dgm:effectClrLst/>
+    <dgm:txLinClrLst/>
+    <dgm:txFillClrLst/>
+    <dgm:txEffectClrLst/>
+  </dgm:styleLbl>
+  <dgm:styleLbl name="parChTrans2D2">
+    <dgm:fillClrLst meth="repeat">
+      <a:schemeClr val="accent2"/>
+    </dgm:fillClrLst>
+    <dgm:linClrLst meth="repeat">
+      <a:schemeClr val="accent2"/>
+    </dgm:linClrLst>
+    <dgm:effectClrLst/>
+    <dgm:txLinClrLst/>
+    <dgm:txFillClrLst/>
+    <dgm:txEffectClrLst/>
+  </dgm:styleLbl>
+  <dgm:styleLbl name="parChTrans2D3">
+    <dgm:fillClrLst meth="repeat">
+      <a:schemeClr val="accent2"/>
+    </dgm:fillClrLst>
+    <dgm:linClrLst meth="repeat">
+      <a:schemeClr val="accent2"/>
+    </dgm:linClrLst>
+    <dgm:effectClrLst/>
+    <dgm:txLinClrLst/>
+    <dgm:txFillClrLst/>
+    <dgm:txEffectClrLst/>
+  </dgm:styleLbl>
+  <dgm:styleLbl name="parChTrans2D4">
+    <dgm:fillClrLst meth="repeat">
+      <a:schemeClr val="accent2"/>
+    </dgm:fillClrLst>
+    <dgm:linClrLst meth="repeat">
+      <a:schemeClr val="accent2"/>
+    </dgm:linClrLst>
+    <dgm:effectClrLst/>
+    <dgm:txLinClrLst/>
+    <dgm:txFillClrLst meth="repeat">
+      <a:schemeClr val="lt1"/>
+    </dgm:txFillClrLst>
+    <dgm:txEffectClrLst/>
+  </dgm:styleLbl>
+  <dgm:styleLbl name="parChTrans1D1">
+    <dgm:fillClrLst meth="repeat">
+      <a:schemeClr val="accent2"/>
+    </dgm:fillClrLst>
+    <dgm:linClrLst meth="repeat">
+      <a:schemeClr val="accent2">
+        <a:shade val="60000"/>
+      </a:schemeClr>
+    </dgm:linClrLst>
+    <dgm:effectClrLst/>
+    <dgm:txLinClrLst/>
+    <dgm:txFillClrLst meth="repeat">
+      <a:schemeClr val="tx1"/>
+    </dgm:txFillClrLst>
+    <dgm:txEffectClrLst/>
+  </dgm:styleLbl>
+  <dgm:styleLbl name="parChTrans1D2">
+    <dgm:fillClrLst meth="repeat">
+      <a:schemeClr val="accent2"/>
+    </dgm:fillClrLst>
+    <dgm:linClrLst meth="repeat">
+      <a:schemeClr val="accent2">
+        <a:shade val="60000"/>
+      </a:schemeClr>
+    </dgm:linClrLst>
+    <dgm:effectClrLst/>
+    <dgm:txLinClrLst/>
+    <dgm:txFillClrLst meth="repeat">
+      <a:schemeClr val="tx1"/>
+    </dgm:txFillClrLst>
+    <dgm:txEffectClrLst/>
+  </dgm:styleLbl>
+  <dgm:styleLbl name="parChTrans1D3">
+    <dgm:fillClrLst meth="repeat">
+      <a:schemeClr val="accent2"/>
+    </dgm:fillClrLst>
+    <dgm:linClrLst meth="repeat">
+      <a:schemeClr val="accent2">
+        <a:shade val="80000"/>
+      </a:schemeClr>
+    </dgm:linClrLst>
+    <dgm:effectClrLst/>
+    <dgm:txLinClrLst/>
+    <dgm:txFillClrLst meth="repeat">
+      <a:schemeClr val="tx1"/>
+    </dgm:txFillClrLst>
+    <dgm:txEffectClrLst/>
+  </dgm:styleLbl>
+  <dgm:styleLbl name="parChTrans1D4">
+    <dgm:fillClrLst meth="repeat">
+      <a:schemeClr val="accent2"/>
+    </dgm:fillClrLst>
+    <dgm:linClrLst meth="repeat">
+      <a:schemeClr val="accent2">
+        <a:shade val="80000"/>
+      </a:schemeClr>
+    </dgm:linClrLst>
+    <dgm:effectClrLst/>
+    <dgm:txLinClrLst/>
+    <dgm:txFillClrLst meth="repeat">
+      <a:schemeClr val="tx1"/>
+    </dgm:txFillClrLst>
+    <dgm:txEffectClrLst/>
+  </dgm:styleLbl>
+  <dgm:styleLbl name="fgAcc1">
+    <dgm:fillClrLst meth="repeat">
+      <a:schemeClr val="accent2">
+        <a:alpha val="90000"/>
+        <a:tint val="40000"/>
+      </a:schemeClr>
+    </dgm:fillClrLst>
+    <dgm:linClrLst meth="repeat">
+      <a:schemeClr val="accent2"/>
+    </dgm:linClrLst>
+    <dgm:effectClrLst/>
+    <dgm:txLinClrLst/>
+    <dgm:txFillClrLst meth="repeat">
+      <a:schemeClr val="dk1"/>
+    </dgm:txFillClrLst>
+    <dgm:txEffectClrLst/>
+  </dgm:styleLbl>
+  <dgm:styleLbl name="conFgAcc1">
+    <dgm:fillClrLst meth="repeat">
+      <a:schemeClr val="accent2">
+        <a:alpha val="90000"/>
+        <a:tint val="40000"/>
+      </a:schemeClr>
+    </dgm:fillClrLst>
+    <dgm:linClrLst meth="repeat">
+      <a:schemeClr val="accent2"/>
+    </dgm:linClrLst>
+    <dgm:effectClrLst/>
+    <dgm:txLinClrLst/>
+    <dgm:txFillClrLst meth="repeat">
+      <a:schemeClr val="dk1"/>
+    </dgm:txFillClrLst>
+    <dgm:txEffectClrLst/>
+  </dgm:styleLbl>
+  <dgm:styleLbl name="alignAcc1">
+    <dgm:fillClrLst meth="repeat">
+      <a:schemeClr val="accent2">
+        <a:alpha val="90000"/>
+        <a:tint val="40000"/>
+      </a:schemeClr>
+    </dgm:fillClrLst>
+    <dgm:linClrLst meth="repeat">
+      <a:schemeClr val="accent2"/>
+    </dgm:linClrLst>
+    <dgm:effectClrLst/>
+    <dgm:txLinClrLst/>
+    <dgm:txFillClrLst meth="repeat">
+      <a:schemeClr val="dk1"/>
+    </dgm:txFillClrLst>
+    <dgm:txEffectClrLst/>
+  </dgm:styleLbl>
+  <dgm:styleLbl name="trAlignAcc1">
+    <dgm:fillClrLst meth="repeat">
+      <a:schemeClr val="accent2">
+        <a:alpha val="40000"/>
+        <a:tint val="40000"/>
+      </a:schemeClr>
+    </dgm:fillClrLst>
+    <dgm:linClrLst meth="repeat">
+      <a:schemeClr val="accent2"/>
+    </dgm:linClrLst>
+    <dgm:effectClrLst/>
+    <dgm:txLinClrLst/>
+    <dgm:txFillClrLst meth="repeat">
+      <a:schemeClr val="dk1"/>
+    </dgm:txFillClrLst>
+    <dgm:txEffectClrLst/>
+  </dgm:styleLbl>
+  <dgm:styleLbl name="bgAcc1">
+    <dgm:fillClrLst meth="repeat">
+      <a:schemeClr val="accent2">
+        <a:alpha val="90000"/>
+        <a:tint val="40000"/>
+      </a:schemeClr>
+    </dgm:fillClrLst>
+    <dgm:linClrLst meth="repeat">
+      <a:schemeClr val="accent2"/>
+    </dgm:linClrLst>
+    <dgm:effectClrLst/>
+    <dgm:txLinClrLst/>
+    <dgm:txFillClrLst meth="repeat">
+      <a:schemeClr val="dk1"/>
+    </dgm:txFillClrLst>
+    <dgm:txEffectClrLst/>
+  </dgm:styleLbl>
+  <dgm:styleLbl name="solidFgAcc1">
+    <dgm:fillClrLst meth="repeat">
+      <a:schemeClr val="lt1"/>
+    </dgm:fillClrLst>
+    <dgm:linClrLst meth="repeat">
+      <a:schemeClr val="accent2"/>
+    </dgm:linClrLst>
+    <dgm:effectClrLst/>
+    <dgm:txLinClrLst/>
+    <dgm:txFillClrLst meth="repeat">
+      <a:schemeClr val="dk1"/>
+    </dgm:txFillClrLst>
+    <dgm:txEffectClrLst/>
+  </dgm:styleLbl>
+  <dgm:styleLbl name="solidAlignAcc1">
+    <dgm:fillClrLst meth="repeat">
+      <a:schemeClr val="lt1"/>
+    </dgm:fillClrLst>
+    <dgm:linClrLst meth="repeat">
+      <a:schemeClr val="accent2"/>
+    </dgm:linClrLst>
+    <dgm:effectClrLst/>
+    <dgm:txLinClrLst/>
+    <dgm:txFillClrLst meth="repeat">
+      <a:schemeClr val="dk1"/>
+    </dgm:txFillClrLst>
+    <dgm:txEffectClrLst/>
+  </dgm:styleLbl>
+  <dgm:styleLbl name="solidBgAcc1">
+    <dgm:fillClrLst meth="repeat">
+      <a:schemeClr val="lt1"/>
+    </dgm:fillClrLst>
+    <dgm:linClrLst meth="repeat">
+      <a:schemeClr val="accent2"/>
+    </dgm:linClrLst>
+    <dgm:effectClrLst/>
+    <dgm:txLinClrLst/>
+    <dgm:txFillClrLst meth="repeat">
+      <a:schemeClr val="dk1"/>
+    </dgm:txFillClrLst>
+    <dgm:txEffectClrLst/>
+  </dgm:styleLbl>
+  <dgm:styleLbl name="fgAccFollowNode1">
+    <dgm:fillClrLst meth="repeat">
+      <a:schemeClr val="lt1">
+        <a:alpha val="90000"/>
+        <a:tint val="40000"/>
+      </a:schemeClr>
+    </dgm:fillClrLst>
+    <dgm:linClrLst meth="repeat">
+      <a:schemeClr val="accent2">
+        <a:alpha val="90000"/>
+      </a:schemeClr>
+    </dgm:linClrLst>
+    <dgm:effectClrLst/>
+    <dgm:txLinClrLst/>
+    <dgm:txFillClrLst meth="repeat">
+      <a:schemeClr val="dk1"/>
+    </dgm:txFillClrLst>
+    <dgm:txEffectClrLst/>
+  </dgm:styleLbl>
+  <dgm:styleLbl name="alignAccFollowNode1">
+    <dgm:fillClrLst meth="repeat">
+      <a:schemeClr val="lt1">
+        <a:alpha val="90000"/>
+        <a:tint val="40000"/>
+      </a:schemeClr>
+    </dgm:fillClrLst>
+    <dgm:linClrLst meth="repeat">
+      <a:schemeClr val="accent2">
+        <a:alpha val="90000"/>
+      </a:schemeClr>
+    </dgm:linClrLst>
+    <dgm:effectClrLst/>
+    <dgm:txLinClrLst/>
+    <dgm:txFillClrLst meth="repeat">
+      <a:schemeClr val="dk1"/>
+    </dgm:txFillClrLst>
+    <dgm:txEffectClrLst/>
+  </dgm:styleLbl>
+  <dgm:styleLbl name="bgAccFollowNode1">
+    <dgm:fillClrLst meth="repeat">
+      <a:schemeClr val="lt1">
+        <a:alpha val="90000"/>
+        <a:tint val="40000"/>
+      </a:schemeClr>
+    </dgm:fillClrLst>
+    <dgm:linClrLst meth="repeat">
+      <a:schemeClr val="accent2">
+        <a:alpha val="90000"/>
+      </a:schemeClr>
+    </dgm:linClrLst>
+    <dgm:effectClrLst/>
+    <dgm:txLinClrLst/>
+    <dgm:txFillClrLst meth="repeat">
+      <a:schemeClr val="dk1"/>
+    </dgm:txFillClrLst>
+    <dgm:txEffectClrLst/>
+  </dgm:styleLbl>
+  <dgm:styleLbl name="fgAcc0">
+    <dgm:fillClrLst meth="repeat">
+      <a:schemeClr val="accent2">
+        <a:alpha val="90000"/>
+        <a:tint val="40000"/>
+      </a:schemeClr>
+    </dgm:fillClrLst>
+    <dgm:linClrLst meth="repeat">
+      <a:schemeClr val="accent2"/>
+    </dgm:linClrLst>
+    <dgm:effectClrLst/>
+    <dgm:txLinClrLst/>
+    <dgm:txFillClrLst meth="repeat">
+      <a:schemeClr val="dk1"/>
+    </dgm:txFillClrLst>
+    <dgm:txEffectClrLst/>
+  </dgm:styleLbl>
+  <dgm:styleLbl name="fgAcc2">
+    <dgm:fillClrLst meth="repeat">
+      <a:schemeClr val="accent2">
+        <a:alpha val="90000"/>
+        <a:tint val="40000"/>
+      </a:schemeClr>
+    </dgm:fillClrLst>
+    <dgm:linClrLst meth="repeat">
+      <a:schemeClr val="accent2"/>
+    </dgm:linClrLst>
+    <dgm:effectClrLst/>
+    <dgm:txLinClrLst/>
+    <dgm:txFillClrLst meth="repeat">
+      <a:schemeClr val="dk1"/>
+    </dgm:txFillClrLst>
+    <dgm:txEffectClrLst/>
+  </dgm:styleLbl>
+  <dgm:styleLbl name="fgAcc3">
+    <dgm:fillClrLst meth="repeat">
+      <a:schemeClr val="accent2">
+        <a:alpha val="90000"/>
+        <a:tint val="40000"/>
+      </a:schemeClr>
+    </dgm:fillClrLst>
+    <dgm:linClrLst meth="repeat">
+      <a:schemeClr val="accent2"/>
+    </dgm:linClrLst>
+    <dgm:effectClrLst/>
+    <dgm:txLinClrLst/>
+    <dgm:txFillClrLst meth="repeat">
+      <a:schemeClr val="dk1"/>
+    </dgm:txFillClrLst>
+    <dgm:txEffectClrLst/>
+  </dgm:styleLbl>
+  <dgm:styleLbl name="fgAcc4">
+    <dgm:fillClrLst meth="repeat">
+      <a:schemeClr val="accent2">
+        <a:alpha val="90000"/>
+        <a:tint val="40000"/>
+      </a:schemeClr>
+    </dgm:fillClrLst>
+    <dgm:linClrLst meth="repeat">
+      <a:schemeClr val="accent2"/>
+    </dgm:linClrLst>
+    <dgm:effectClrLst/>
+    <dgm:txLinClrLst/>
+    <dgm:txFillClrLst meth="repeat">
+      <a:schemeClr val="dk1"/>
+    </dgm:txFillClrLst>
+    <dgm:txEffectClrLst/>
+  </dgm:styleLbl>
+  <dgm:styleLbl name="bgShp">
+    <dgm:fillClrLst meth="repeat">
+      <a:schemeClr val="accent2">
+        <a:tint val="40000"/>
+      </a:schemeClr>
+    </dgm:fillClrLst>
+    <dgm:linClrLst meth="repeat">
+      <a:schemeClr val="accent2"/>
+    </dgm:linClrLst>
+    <dgm:effectClrLst/>
+    <dgm:txLinClrLst/>
+    <dgm:txFillClrLst meth="repeat">
+      <a:schemeClr val="dk1"/>
+    </dgm:txFillClrLst>
+    <dgm:txEffectClrLst/>
+  </dgm:styleLbl>
+  <dgm:styleLbl name="dkBgShp">
+    <dgm:fillClrLst meth="repeat">
+      <a:schemeClr val="accent2">
+        <a:shade val="80000"/>
+      </a:schemeClr>
+    </dgm:fillClrLst>
+    <dgm:linClrLst meth="repeat">
+      <a:schemeClr val="accent2"/>
+    </dgm:linClrLst>
+    <dgm:effectClrLst/>
+    <dgm:txLinClrLst/>
+    <dgm:txFillClrLst meth="repeat">
+      <a:schemeClr val="lt1"/>
+    </dgm:txFillClrLst>
+    <dgm:txEffectClrLst/>
+  </dgm:styleLbl>
+  <dgm:styleLbl name="trBgShp">
+    <dgm:fillClrLst meth="repeat">
+      <a:schemeClr val="accent2">
+        <a:tint val="50000"/>
+        <a:alpha val="40000"/>
+      </a:schemeClr>
+    </dgm:fillClrLst>
+    <dgm:linClrLst meth="repeat">
+      <a:schemeClr val="accent2"/>
+    </dgm:linClrLst>
+    <dgm:effectClrLst/>
+    <dgm:txLinClrLst/>
+    <dgm:txFillClrLst meth="repeat">
+      <a:schemeClr val="lt1"/>
+    </dgm:txFillClrLst>
+    <dgm:txEffectClrLst/>
+  </dgm:styleLbl>
+  <dgm:styleLbl name="fgShp">
+    <dgm:fillClrLst meth="repeat">
+      <a:schemeClr val="accent2">
+        <a:tint val="60000"/>
+      </a:schemeClr>
+    </dgm:fillClrLst>
+    <dgm:linClrLst meth="repeat">
+      <a:schemeClr val="lt1"/>
+    </dgm:linClrLst>
+    <dgm:effectClrLst/>
+    <dgm:txLinClrLst/>
+    <dgm:txFillClrLst meth="repeat">
+      <a:schemeClr val="dk1"/>
+    </dgm:txFillClrLst>
+    <dgm:txEffectClrLst/>
+  </dgm:styleLbl>
+  <dgm:styleLbl name="revTx">
+    <dgm:fillClrLst meth="repeat">
+      <a:schemeClr val="lt1">
+        <a:alpha val="0"/>
+      </a:schemeClr>
+    </dgm:fillClrLst>
+    <dgm:linClrLst meth="repeat">
+      <a:schemeClr val="dk1">
+        <a:alpha val="0"/>
+      </a:schemeClr>
+    </dgm:linClrLst>
+    <dgm:effectClrLst/>
+    <dgm:txLinClrLst/>
+    <dgm:txFillClrLst meth="repeat">
+      <a:schemeClr val="tx1"/>
+    </dgm:txFillClrLst>
+    <dgm:txEffectClrLst/>
+  </dgm:styleLbl>
+</dgm:colorsDef>
+</file>
+
 <file path=ppt/diagrams/data1.xml><?xml version="1.0" encoding="utf-8"?>
 <dgm:dataModel xmlns:dgm="http://schemas.openxmlformats.org/drawingml/2006/diagram" xmlns:a="http://schemas.openxmlformats.org/drawingml/2006/main">
   <dgm:ptLst>
@@ -962,6 +2576,11 @@
         <a:bodyPr/>
         <a:lstStyle/>
         <a:p>
+          <a:pPr>
+            <a:lnSpc>
+              <a:spcPct val="100000"/>
+            </a:lnSpc>
+          </a:pPr>
           <a:endParaRPr lang="en-US"/>
         </a:p>
       </dgm:t>
@@ -1003,6 +2622,11 @@
         <a:bodyPr/>
         <a:lstStyle/>
         <a:p>
+          <a:pPr>
+            <a:lnSpc>
+              <a:spcPct val="100000"/>
+            </a:lnSpc>
+          </a:pPr>
           <a:endParaRPr lang="en-US"/>
         </a:p>
       </dgm:t>
@@ -1053,6 +2677,11 @@
         <a:bodyPr/>
         <a:lstStyle/>
         <a:p>
+          <a:pPr>
+            <a:lnSpc>
+              <a:spcPct val="100000"/>
+            </a:lnSpc>
+          </a:pPr>
           <a:endParaRPr lang="en-US"/>
         </a:p>
       </dgm:t>
@@ -1094,6 +2723,11 @@
         <a:bodyPr/>
         <a:lstStyle/>
         <a:p>
+          <a:pPr>
+            <a:lnSpc>
+              <a:spcPct val="100000"/>
+            </a:lnSpc>
+          </a:pPr>
           <a:endParaRPr lang="en-US"/>
         </a:p>
       </dgm:t>
@@ -1135,6 +2769,11 @@
         <a:bodyPr/>
         <a:lstStyle/>
         <a:p>
+          <a:pPr>
+            <a:lnSpc>
+              <a:spcPct val="100000"/>
+            </a:lnSpc>
+          </a:pPr>
           <a:endParaRPr lang="de-DE"/>
         </a:p>
       </dgm:t>
@@ -1481,48 +3120,741 @@
     </dgm:pt>
   </dgm:ptLst>
   <dgm:cxnLst>
+    <dgm:cxn modelId="{6B68ED17-0172-4F48-94AC-C968EACBC688}" type="presOf" srcId="{C9310350-2DE1-4BC5-88E1-BA1AE3A1EC95}" destId="{B24BECE6-C788-4B50-880E-73539616EC74}" srcOrd="0" destOrd="0" presId="urn:microsoft.com/office/officeart/2018/2/layout/IconLabelList"/>
     <dgm:cxn modelId="{63693B19-9D8F-4236-BF4F-EE4B45C13232}" srcId="{BBD2DC35-C442-4D7D-BD2B-D59E4B68FFA5}" destId="{C9310350-2DE1-4BC5-88E1-BA1AE3A1EC95}" srcOrd="1" destOrd="0" parTransId="{D725C67D-9366-4E7D-8E40-4BF43C75F6E3}" sibTransId="{494B4D96-EFBC-4656-90FE-279BB60A7E62}"/>
-    <dgm:cxn modelId="{3DEA3134-DDA9-4E0F-B014-91FB5666CAAD}" type="presOf" srcId="{30B32C27-9B45-4661-AD8B-C9238DAEBFE0}" destId="{D845E24B-3ED2-4F68-873C-F275BB69B074}" srcOrd="0" destOrd="0" presId="urn:microsoft.com/office/officeart/2018/2/layout/IconLabelList"/>
     <dgm:cxn modelId="{B3D4BA61-EFC3-439D-BDD2-8DA40FB5C5CB}" srcId="{BBD2DC35-C442-4D7D-BD2B-D59E4B68FFA5}" destId="{E5FA1CFE-1167-4EC8-8343-755A47063276}" srcOrd="4" destOrd="0" parTransId="{F4797923-E209-45A8-949C-2E5319FD8D1E}" sibTransId="{5B27C8E9-6E42-4F11-AC4A-D3090BA38139}"/>
-    <dgm:cxn modelId="{E083FD48-9688-4591-9791-5A2DDA859BCC}" type="presOf" srcId="{E144378C-875F-46DF-9636-1047EE067E15}" destId="{B1E17036-5025-4F2D-8D38-62CB275E0183}" srcOrd="0" destOrd="0" presId="urn:microsoft.com/office/officeart/2018/2/layout/IconLabelList"/>
-    <dgm:cxn modelId="{03E82E4B-DE04-47C0-B4C4-FEC4226815B5}" type="presOf" srcId="{C9310350-2DE1-4BC5-88E1-BA1AE3A1EC95}" destId="{B24BECE6-C788-4B50-880E-73539616EC74}" srcOrd="0" destOrd="0" presId="urn:microsoft.com/office/officeart/2018/2/layout/IconLabelList"/>
-    <dgm:cxn modelId="{224D4B4D-66A0-4EDF-A0AA-7A9A1BCB2C0A}" type="presOf" srcId="{BBD2DC35-C442-4D7D-BD2B-D59E4B68FFA5}" destId="{21A453EB-4F40-4487-8B96-D53BF3EA4C0B}" srcOrd="0" destOrd="0" presId="urn:microsoft.com/office/officeart/2018/2/layout/IconLabelList"/>
+    <dgm:cxn modelId="{20F3774B-E8F5-454E-93FE-E8BB78234BFC}" type="presOf" srcId="{E6151F91-998D-49A1-8424-BE82EA290011}" destId="{1E41F4FC-5740-44D9-BCCB-39C4F9CEB579}" srcOrd="0" destOrd="0" presId="urn:microsoft.com/office/officeart/2018/2/layout/IconLabelList"/>
+    <dgm:cxn modelId="{F275C76E-BCCC-4D18-8475-EED39980E779}" type="presOf" srcId="{E144378C-875F-46DF-9636-1047EE067E15}" destId="{B1E17036-5025-4F2D-8D38-62CB275E0183}" srcOrd="0" destOrd="0" presId="urn:microsoft.com/office/officeart/2018/2/layout/IconLabelList"/>
     <dgm:cxn modelId="{DDCF6851-0CB4-43FB-9BC5-E5A83C3C3538}" srcId="{BBD2DC35-C442-4D7D-BD2B-D59E4B68FFA5}" destId="{9CEE8E29-421C-4AE7-ADC1-1A9E65C1E44C}" srcOrd="0" destOrd="0" parTransId="{29B40147-86FD-415F-AA0F-2932D0E84F2F}" sibTransId="{69F18365-4F3F-432A-9E56-DA46D6DEF0A0}"/>
     <dgm:cxn modelId="{17DE9956-F5BC-45A6-896D-1A758822C8A7}" srcId="{BBD2DC35-C442-4D7D-BD2B-D59E4B68FFA5}" destId="{E144378C-875F-46DF-9636-1047EE067E15}" srcOrd="2" destOrd="0" parTransId="{281B8213-7929-4665-95D5-7192CF655F2F}" sibTransId="{DE8F27AC-E6DF-429D-8488-ADCF894BE8EF}"/>
-    <dgm:cxn modelId="{8F00C48B-FB79-42A7-8281-F18CD1CF3D6F}" type="presOf" srcId="{9CEE8E29-421C-4AE7-ADC1-1A9E65C1E44C}" destId="{C90FD8F1-CAFE-45D9-A560-271AD6D9CF7C}" srcOrd="0" destOrd="0" presId="urn:microsoft.com/office/officeart/2018/2/layout/IconLabelList"/>
+    <dgm:cxn modelId="{F591AA77-3CD3-4127-95E3-26C1AC0503ED}" type="presOf" srcId="{E5FA1CFE-1167-4EC8-8343-755A47063276}" destId="{8E2AAB40-9452-47C4-BC76-3137ED6E279C}" srcOrd="0" destOrd="0" presId="urn:microsoft.com/office/officeart/2018/2/layout/IconLabelList"/>
+    <dgm:cxn modelId="{5DC2A18B-EE4B-4FD1-91EB-4176F3737C9C}" type="presOf" srcId="{BBD2DC35-C442-4D7D-BD2B-D59E4B68FFA5}" destId="{21A453EB-4F40-4487-8B96-D53BF3EA4C0B}" srcOrd="0" destOrd="0" presId="urn:microsoft.com/office/officeart/2018/2/layout/IconLabelList"/>
     <dgm:cxn modelId="{33238FA0-7F69-4977-92B9-5B35696B2A5C}" srcId="{BBD2DC35-C442-4D7D-BD2B-D59E4B68FFA5}" destId="{E6151F91-998D-49A1-8424-BE82EA290011}" srcOrd="3" destOrd="0" parTransId="{4B936147-6540-47EE-948A-E68F7B7E1983}" sibTransId="{8DE095D2-5577-4BB9-A298-71EDAB086ECE}"/>
-    <dgm:cxn modelId="{BECDF9C0-DED4-4F93-AA58-2324F439DCE8}" type="presOf" srcId="{E5FA1CFE-1167-4EC8-8343-755A47063276}" destId="{8E2AAB40-9452-47C4-BC76-3137ED6E279C}" srcOrd="0" destOrd="0" presId="urn:microsoft.com/office/officeart/2018/2/layout/IconLabelList"/>
+    <dgm:cxn modelId="{C48D51A3-78F7-4C98-9758-E24F8A8F1565}" type="presOf" srcId="{9CEE8E29-421C-4AE7-ADC1-1A9E65C1E44C}" destId="{C90FD8F1-CAFE-45D9-A560-271AD6D9CF7C}" srcOrd="0" destOrd="0" presId="urn:microsoft.com/office/officeart/2018/2/layout/IconLabelList"/>
+    <dgm:cxn modelId="{1CE0DFA3-887D-4E90-B463-FDE61B494CF7}" type="presOf" srcId="{30B32C27-9B45-4661-AD8B-C9238DAEBFE0}" destId="{D845E24B-3ED2-4F68-873C-F275BB69B074}" srcOrd="0" destOrd="0" presId="urn:microsoft.com/office/officeart/2018/2/layout/IconLabelList"/>
     <dgm:cxn modelId="{B17F60D3-AD0F-4FA9-9E46-06FD3E547CD6}" srcId="{BBD2DC35-C442-4D7D-BD2B-D59E4B68FFA5}" destId="{30B32C27-9B45-4661-AD8B-C9238DAEBFE0}" srcOrd="5" destOrd="0" parTransId="{41632135-C9C0-4207-86C3-851774268A5E}" sibTransId="{84B652A6-142C-4B5C-8E50-B15F21CA7822}"/>
-    <dgm:cxn modelId="{B5C5D3E7-63A8-4970-AFA1-51D4619B1FC9}" type="presOf" srcId="{E6151F91-998D-49A1-8424-BE82EA290011}" destId="{1E41F4FC-5740-44D9-BCCB-39C4F9CEB579}" srcOrd="0" destOrd="0" presId="urn:microsoft.com/office/officeart/2018/2/layout/IconLabelList"/>
-    <dgm:cxn modelId="{9025069B-A347-4970-980E-1E1D7CFF65BB}" type="presParOf" srcId="{21A453EB-4F40-4487-8B96-D53BF3EA4C0B}" destId="{78FB7366-0972-47FF-A4A6-3BD33EF962DA}" srcOrd="0" destOrd="0" presId="urn:microsoft.com/office/officeart/2018/2/layout/IconLabelList"/>
-    <dgm:cxn modelId="{A6D8A368-4777-4FAE-8998-F3F89F3B8E99}" type="presParOf" srcId="{78FB7366-0972-47FF-A4A6-3BD33EF962DA}" destId="{B3082A7E-CC9B-4ABD-9CF3-8E352E3218EC}" srcOrd="0" destOrd="0" presId="urn:microsoft.com/office/officeart/2018/2/layout/IconLabelList"/>
-    <dgm:cxn modelId="{9BFB1AA5-8C41-4F67-ADA4-04D7BFB2B337}" type="presParOf" srcId="{78FB7366-0972-47FF-A4A6-3BD33EF962DA}" destId="{360CC984-1CB4-4675-AF1B-9D8C80FD2740}" srcOrd="1" destOrd="0" presId="urn:microsoft.com/office/officeart/2018/2/layout/IconLabelList"/>
-    <dgm:cxn modelId="{35E801F9-5C4F-46B8-9C4D-D5A15206FDF7}" type="presParOf" srcId="{78FB7366-0972-47FF-A4A6-3BD33EF962DA}" destId="{C90FD8F1-CAFE-45D9-A560-271AD6D9CF7C}" srcOrd="2" destOrd="0" presId="urn:microsoft.com/office/officeart/2018/2/layout/IconLabelList"/>
-    <dgm:cxn modelId="{43B6D2EF-E232-4B50-88FA-F3173ABF37F4}" type="presParOf" srcId="{21A453EB-4F40-4487-8B96-D53BF3EA4C0B}" destId="{14057DBD-5859-4E5E-8382-F13EC3D4923D}" srcOrd="1" destOrd="0" presId="urn:microsoft.com/office/officeart/2018/2/layout/IconLabelList"/>
-    <dgm:cxn modelId="{472C1217-B93D-49CC-B0E7-9B58D3F93FE3}" type="presParOf" srcId="{21A453EB-4F40-4487-8B96-D53BF3EA4C0B}" destId="{82BB2A22-0A42-4374-B8F0-E136086C1CD4}" srcOrd="2" destOrd="0" presId="urn:microsoft.com/office/officeart/2018/2/layout/IconLabelList"/>
-    <dgm:cxn modelId="{39A11D94-0B33-4A1D-88F2-C158711ADA88}" type="presParOf" srcId="{82BB2A22-0A42-4374-B8F0-E136086C1CD4}" destId="{0D8CB145-E653-4B1A-B20A-02EFB8B57551}" srcOrd="0" destOrd="0" presId="urn:microsoft.com/office/officeart/2018/2/layout/IconLabelList"/>
-    <dgm:cxn modelId="{266242A6-D7C8-4D24-8FD8-CF45C189E7CF}" type="presParOf" srcId="{82BB2A22-0A42-4374-B8F0-E136086C1CD4}" destId="{CDF33076-EF77-43FE-AAC2-CB401EF5F4C0}" srcOrd="1" destOrd="0" presId="urn:microsoft.com/office/officeart/2018/2/layout/IconLabelList"/>
-    <dgm:cxn modelId="{67405359-D1A6-43DD-B607-9B3955823523}" type="presParOf" srcId="{82BB2A22-0A42-4374-B8F0-E136086C1CD4}" destId="{B24BECE6-C788-4B50-880E-73539616EC74}" srcOrd="2" destOrd="0" presId="urn:microsoft.com/office/officeart/2018/2/layout/IconLabelList"/>
-    <dgm:cxn modelId="{54D0C7BA-ED74-4E83-9744-716A31971DF9}" type="presParOf" srcId="{21A453EB-4F40-4487-8B96-D53BF3EA4C0B}" destId="{E0BCFE4F-4E8A-4862-9B63-D57BBB73AE99}" srcOrd="3" destOrd="0" presId="urn:microsoft.com/office/officeart/2018/2/layout/IconLabelList"/>
-    <dgm:cxn modelId="{872CCB4D-F0A3-4582-8124-19DF47F5E0C7}" type="presParOf" srcId="{21A453EB-4F40-4487-8B96-D53BF3EA4C0B}" destId="{6FF90B09-2B26-4483-878A-47582E447FD0}" srcOrd="4" destOrd="0" presId="urn:microsoft.com/office/officeart/2018/2/layout/IconLabelList"/>
-    <dgm:cxn modelId="{0322FE68-600B-4A0C-ACFD-51BBBF80D29B}" type="presParOf" srcId="{6FF90B09-2B26-4483-878A-47582E447FD0}" destId="{C09C204C-FCA3-41ED-8997-81C1772B2E02}" srcOrd="0" destOrd="0" presId="urn:microsoft.com/office/officeart/2018/2/layout/IconLabelList"/>
-    <dgm:cxn modelId="{248208D5-C7EB-45BC-80FA-BCEF384BFD91}" type="presParOf" srcId="{6FF90B09-2B26-4483-878A-47582E447FD0}" destId="{D16A265B-6B61-49AE-9503-BF49E4D9653A}" srcOrd="1" destOrd="0" presId="urn:microsoft.com/office/officeart/2018/2/layout/IconLabelList"/>
-    <dgm:cxn modelId="{D95D9971-CC64-4184-9EEA-2BB620363302}" type="presParOf" srcId="{6FF90B09-2B26-4483-878A-47582E447FD0}" destId="{B1E17036-5025-4F2D-8D38-62CB275E0183}" srcOrd="2" destOrd="0" presId="urn:microsoft.com/office/officeart/2018/2/layout/IconLabelList"/>
-    <dgm:cxn modelId="{DCA7D9BE-9327-4183-89C6-7E81DC6076F4}" type="presParOf" srcId="{21A453EB-4F40-4487-8B96-D53BF3EA4C0B}" destId="{62D6E20C-353A-4AD3-83BB-54BA2676546A}" srcOrd="5" destOrd="0" presId="urn:microsoft.com/office/officeart/2018/2/layout/IconLabelList"/>
-    <dgm:cxn modelId="{281A580F-AD25-4407-954B-FE826A083B39}" type="presParOf" srcId="{21A453EB-4F40-4487-8B96-D53BF3EA4C0B}" destId="{2F580327-2F8C-40D8-9718-9FC9289A837D}" srcOrd="6" destOrd="0" presId="urn:microsoft.com/office/officeart/2018/2/layout/IconLabelList"/>
-    <dgm:cxn modelId="{9BBE4C67-232A-44FF-B194-ADF9C5BD8E5C}" type="presParOf" srcId="{2F580327-2F8C-40D8-9718-9FC9289A837D}" destId="{8BD2AB19-7F9C-44D9-B9D8-2009AF6D321E}" srcOrd="0" destOrd="0" presId="urn:microsoft.com/office/officeart/2018/2/layout/IconLabelList"/>
-    <dgm:cxn modelId="{ABA06774-91F4-45AD-8990-025B7FB3750C}" type="presParOf" srcId="{2F580327-2F8C-40D8-9718-9FC9289A837D}" destId="{11DA63F3-54FA-4469-B7B5-020E318E3D3A}" srcOrd="1" destOrd="0" presId="urn:microsoft.com/office/officeart/2018/2/layout/IconLabelList"/>
-    <dgm:cxn modelId="{62555F9F-C456-4FAA-8BE3-FD4E2B7AADEE}" type="presParOf" srcId="{2F580327-2F8C-40D8-9718-9FC9289A837D}" destId="{1E41F4FC-5740-44D9-BCCB-39C4F9CEB579}" srcOrd="2" destOrd="0" presId="urn:microsoft.com/office/officeart/2018/2/layout/IconLabelList"/>
-    <dgm:cxn modelId="{224485DB-18DE-40AB-9AC4-3ABB8F75782F}" type="presParOf" srcId="{21A453EB-4F40-4487-8B96-D53BF3EA4C0B}" destId="{E0523E79-DEEA-4A60-8503-454705A8727B}" srcOrd="7" destOrd="0" presId="urn:microsoft.com/office/officeart/2018/2/layout/IconLabelList"/>
-    <dgm:cxn modelId="{FF3E89B3-0347-434B-B500-A665628D5B72}" type="presParOf" srcId="{21A453EB-4F40-4487-8B96-D53BF3EA4C0B}" destId="{4C8ACF71-E212-47AF-8926-ABFFA20A2450}" srcOrd="8" destOrd="0" presId="urn:microsoft.com/office/officeart/2018/2/layout/IconLabelList"/>
-    <dgm:cxn modelId="{E5053284-5ACA-4F11-9F14-FFCFCEE82D4B}" type="presParOf" srcId="{4C8ACF71-E212-47AF-8926-ABFFA20A2450}" destId="{04916B1B-E560-4A4F-B2D8-7E9CD7EE6876}" srcOrd="0" destOrd="0" presId="urn:microsoft.com/office/officeart/2018/2/layout/IconLabelList"/>
-    <dgm:cxn modelId="{5D216AB2-D1B2-4F32-B7AF-8B8FC163728C}" type="presParOf" srcId="{4C8ACF71-E212-47AF-8926-ABFFA20A2450}" destId="{56F63377-AF81-4BD6-988E-3D753C74E67F}" srcOrd="1" destOrd="0" presId="urn:microsoft.com/office/officeart/2018/2/layout/IconLabelList"/>
-    <dgm:cxn modelId="{771D0C55-C22D-45AC-B643-4192B3FBDF69}" type="presParOf" srcId="{4C8ACF71-E212-47AF-8926-ABFFA20A2450}" destId="{8E2AAB40-9452-47C4-BC76-3137ED6E279C}" srcOrd="2" destOrd="0" presId="urn:microsoft.com/office/officeart/2018/2/layout/IconLabelList"/>
-    <dgm:cxn modelId="{E6D04E00-F9CB-4C9B-AAAF-D437C1E0A087}" type="presParOf" srcId="{21A453EB-4F40-4487-8B96-D53BF3EA4C0B}" destId="{E9356EAE-6C49-4431-9F2D-C7ECAA92B3AB}" srcOrd="9" destOrd="0" presId="urn:microsoft.com/office/officeart/2018/2/layout/IconLabelList"/>
-    <dgm:cxn modelId="{60E85CB5-1694-4BCC-8224-AF5BCD9CC27C}" type="presParOf" srcId="{21A453EB-4F40-4487-8B96-D53BF3EA4C0B}" destId="{239F7208-672C-4882-9FA0-A9DF538230C8}" srcOrd="10" destOrd="0" presId="urn:microsoft.com/office/officeart/2018/2/layout/IconLabelList"/>
-    <dgm:cxn modelId="{85EBA826-0611-4297-AAA7-6B4ECC36BDB6}" type="presParOf" srcId="{239F7208-672C-4882-9FA0-A9DF538230C8}" destId="{AB6D0D24-DF9D-4A65-8D55-6E410BFA06A9}" srcOrd="0" destOrd="0" presId="urn:microsoft.com/office/officeart/2018/2/layout/IconLabelList"/>
-    <dgm:cxn modelId="{041B16DB-F012-4A07-A581-5579562E1311}" type="presParOf" srcId="{239F7208-672C-4882-9FA0-A9DF538230C8}" destId="{06270542-B452-48BC-A4A4-A16E2E456CE9}" srcOrd="1" destOrd="0" presId="urn:microsoft.com/office/officeart/2018/2/layout/IconLabelList"/>
-    <dgm:cxn modelId="{688054FC-6DAF-4818-A95E-A7AA6E29BB14}" type="presParOf" srcId="{239F7208-672C-4882-9FA0-A9DF538230C8}" destId="{D845E24B-3ED2-4F68-873C-F275BB69B074}" srcOrd="2" destOrd="0" presId="urn:microsoft.com/office/officeart/2018/2/layout/IconLabelList"/>
+    <dgm:cxn modelId="{71A82293-96DC-4B71-A2A5-A97FA6B3B351}" type="presParOf" srcId="{21A453EB-4F40-4487-8B96-D53BF3EA4C0B}" destId="{78FB7366-0972-47FF-A4A6-3BD33EF962DA}" srcOrd="0" destOrd="0" presId="urn:microsoft.com/office/officeart/2018/2/layout/IconLabelList"/>
+    <dgm:cxn modelId="{1AE52B3A-9608-40F4-8BA5-E52D07138572}" type="presParOf" srcId="{78FB7366-0972-47FF-A4A6-3BD33EF962DA}" destId="{B3082A7E-CC9B-4ABD-9CF3-8E352E3218EC}" srcOrd="0" destOrd="0" presId="urn:microsoft.com/office/officeart/2018/2/layout/IconLabelList"/>
+    <dgm:cxn modelId="{00D6895A-1DCF-4DF0-A5B7-6EFA705A41A8}" type="presParOf" srcId="{78FB7366-0972-47FF-A4A6-3BD33EF962DA}" destId="{360CC984-1CB4-4675-AF1B-9D8C80FD2740}" srcOrd="1" destOrd="0" presId="urn:microsoft.com/office/officeart/2018/2/layout/IconLabelList"/>
+    <dgm:cxn modelId="{FEBE881C-1155-4506-B512-C2A24144ABCD}" type="presParOf" srcId="{78FB7366-0972-47FF-A4A6-3BD33EF962DA}" destId="{C90FD8F1-CAFE-45D9-A560-271AD6D9CF7C}" srcOrd="2" destOrd="0" presId="urn:microsoft.com/office/officeart/2018/2/layout/IconLabelList"/>
+    <dgm:cxn modelId="{82CD0BCB-6DD4-464D-BD8E-60094F33D92E}" type="presParOf" srcId="{21A453EB-4F40-4487-8B96-D53BF3EA4C0B}" destId="{14057DBD-5859-4E5E-8382-F13EC3D4923D}" srcOrd="1" destOrd="0" presId="urn:microsoft.com/office/officeart/2018/2/layout/IconLabelList"/>
+    <dgm:cxn modelId="{768A750D-F91F-4771-BA19-38F30B876100}" type="presParOf" srcId="{21A453EB-4F40-4487-8B96-D53BF3EA4C0B}" destId="{82BB2A22-0A42-4374-B8F0-E136086C1CD4}" srcOrd="2" destOrd="0" presId="urn:microsoft.com/office/officeart/2018/2/layout/IconLabelList"/>
+    <dgm:cxn modelId="{4AD021EB-7007-490E-8D6D-4E4BF1933C83}" type="presParOf" srcId="{82BB2A22-0A42-4374-B8F0-E136086C1CD4}" destId="{0D8CB145-E653-4B1A-B20A-02EFB8B57551}" srcOrd="0" destOrd="0" presId="urn:microsoft.com/office/officeart/2018/2/layout/IconLabelList"/>
+    <dgm:cxn modelId="{8AA24DD7-3A34-4689-B172-7FEBCB6F749E}" type="presParOf" srcId="{82BB2A22-0A42-4374-B8F0-E136086C1CD4}" destId="{CDF33076-EF77-43FE-AAC2-CB401EF5F4C0}" srcOrd="1" destOrd="0" presId="urn:microsoft.com/office/officeart/2018/2/layout/IconLabelList"/>
+    <dgm:cxn modelId="{E95E8713-B0D9-4173-905F-44F0647D8583}" type="presParOf" srcId="{82BB2A22-0A42-4374-B8F0-E136086C1CD4}" destId="{B24BECE6-C788-4B50-880E-73539616EC74}" srcOrd="2" destOrd="0" presId="urn:microsoft.com/office/officeart/2018/2/layout/IconLabelList"/>
+    <dgm:cxn modelId="{03714812-DA28-487B-A12C-04D70B729139}" type="presParOf" srcId="{21A453EB-4F40-4487-8B96-D53BF3EA4C0B}" destId="{E0BCFE4F-4E8A-4862-9B63-D57BBB73AE99}" srcOrd="3" destOrd="0" presId="urn:microsoft.com/office/officeart/2018/2/layout/IconLabelList"/>
+    <dgm:cxn modelId="{70ACCA8D-030E-4EDE-8A82-E231E6867B6B}" type="presParOf" srcId="{21A453EB-4F40-4487-8B96-D53BF3EA4C0B}" destId="{6FF90B09-2B26-4483-878A-47582E447FD0}" srcOrd="4" destOrd="0" presId="urn:microsoft.com/office/officeart/2018/2/layout/IconLabelList"/>
+    <dgm:cxn modelId="{7E90A63C-9A8B-4FB2-AEA8-50DE53E54E0B}" type="presParOf" srcId="{6FF90B09-2B26-4483-878A-47582E447FD0}" destId="{C09C204C-FCA3-41ED-8997-81C1772B2E02}" srcOrd="0" destOrd="0" presId="urn:microsoft.com/office/officeart/2018/2/layout/IconLabelList"/>
+    <dgm:cxn modelId="{FB0E62D7-25AA-431E-97C5-AD2FAD8949A3}" type="presParOf" srcId="{6FF90B09-2B26-4483-878A-47582E447FD0}" destId="{D16A265B-6B61-49AE-9503-BF49E4D9653A}" srcOrd="1" destOrd="0" presId="urn:microsoft.com/office/officeart/2018/2/layout/IconLabelList"/>
+    <dgm:cxn modelId="{C9F81A3A-5475-480A-8F56-AF608E8D6F9E}" type="presParOf" srcId="{6FF90B09-2B26-4483-878A-47582E447FD0}" destId="{B1E17036-5025-4F2D-8D38-62CB275E0183}" srcOrd="2" destOrd="0" presId="urn:microsoft.com/office/officeart/2018/2/layout/IconLabelList"/>
+    <dgm:cxn modelId="{0CD4E442-2620-4E46-98C9-DFFAC935D0EC}" type="presParOf" srcId="{21A453EB-4F40-4487-8B96-D53BF3EA4C0B}" destId="{62D6E20C-353A-4AD3-83BB-54BA2676546A}" srcOrd="5" destOrd="0" presId="urn:microsoft.com/office/officeart/2018/2/layout/IconLabelList"/>
+    <dgm:cxn modelId="{D799814D-B0E6-4DCE-9BC8-9FB4F6496691}" type="presParOf" srcId="{21A453EB-4F40-4487-8B96-D53BF3EA4C0B}" destId="{2F580327-2F8C-40D8-9718-9FC9289A837D}" srcOrd="6" destOrd="0" presId="urn:microsoft.com/office/officeart/2018/2/layout/IconLabelList"/>
+    <dgm:cxn modelId="{5509F643-6A35-445E-8AF1-C3D15CE1F784}" type="presParOf" srcId="{2F580327-2F8C-40D8-9718-9FC9289A837D}" destId="{8BD2AB19-7F9C-44D9-B9D8-2009AF6D321E}" srcOrd="0" destOrd="0" presId="urn:microsoft.com/office/officeart/2018/2/layout/IconLabelList"/>
+    <dgm:cxn modelId="{3048421D-7703-48E8-B904-1C1F61BD8CD2}" type="presParOf" srcId="{2F580327-2F8C-40D8-9718-9FC9289A837D}" destId="{11DA63F3-54FA-4469-B7B5-020E318E3D3A}" srcOrd="1" destOrd="0" presId="urn:microsoft.com/office/officeart/2018/2/layout/IconLabelList"/>
+    <dgm:cxn modelId="{3D55CC03-072B-4FA7-AA0B-D3BABC1FB797}" type="presParOf" srcId="{2F580327-2F8C-40D8-9718-9FC9289A837D}" destId="{1E41F4FC-5740-44D9-BCCB-39C4F9CEB579}" srcOrd="2" destOrd="0" presId="urn:microsoft.com/office/officeart/2018/2/layout/IconLabelList"/>
+    <dgm:cxn modelId="{69027B18-9EEA-4822-9177-34007107D49A}" type="presParOf" srcId="{21A453EB-4F40-4487-8B96-D53BF3EA4C0B}" destId="{E0523E79-DEEA-4A60-8503-454705A8727B}" srcOrd="7" destOrd="0" presId="urn:microsoft.com/office/officeart/2018/2/layout/IconLabelList"/>
+    <dgm:cxn modelId="{57117FB3-ED2B-4FC5-BEA0-3776525E4D71}" type="presParOf" srcId="{21A453EB-4F40-4487-8B96-D53BF3EA4C0B}" destId="{4C8ACF71-E212-47AF-8926-ABFFA20A2450}" srcOrd="8" destOrd="0" presId="urn:microsoft.com/office/officeart/2018/2/layout/IconLabelList"/>
+    <dgm:cxn modelId="{05F35703-F863-4901-B5CE-ED3170218BC5}" type="presParOf" srcId="{4C8ACF71-E212-47AF-8926-ABFFA20A2450}" destId="{04916B1B-E560-4A4F-B2D8-7E9CD7EE6876}" srcOrd="0" destOrd="0" presId="urn:microsoft.com/office/officeart/2018/2/layout/IconLabelList"/>
+    <dgm:cxn modelId="{778FAB51-4EC8-43A5-B565-DEBA87E6A9E4}" type="presParOf" srcId="{4C8ACF71-E212-47AF-8926-ABFFA20A2450}" destId="{56F63377-AF81-4BD6-988E-3D753C74E67F}" srcOrd="1" destOrd="0" presId="urn:microsoft.com/office/officeart/2018/2/layout/IconLabelList"/>
+    <dgm:cxn modelId="{C4454444-260F-4983-9CCB-97A03EDDB284}" type="presParOf" srcId="{4C8ACF71-E212-47AF-8926-ABFFA20A2450}" destId="{8E2AAB40-9452-47C4-BC76-3137ED6E279C}" srcOrd="2" destOrd="0" presId="urn:microsoft.com/office/officeart/2018/2/layout/IconLabelList"/>
+    <dgm:cxn modelId="{831B6AC1-1E9C-4A80-A478-D1F553779480}" type="presParOf" srcId="{21A453EB-4F40-4487-8B96-D53BF3EA4C0B}" destId="{E9356EAE-6C49-4431-9F2D-C7ECAA92B3AB}" srcOrd="9" destOrd="0" presId="urn:microsoft.com/office/officeart/2018/2/layout/IconLabelList"/>
+    <dgm:cxn modelId="{B11D973F-6E96-4E7F-BF9B-1231294BA0CB}" type="presParOf" srcId="{21A453EB-4F40-4487-8B96-D53BF3EA4C0B}" destId="{239F7208-672C-4882-9FA0-A9DF538230C8}" srcOrd="10" destOrd="0" presId="urn:microsoft.com/office/officeart/2018/2/layout/IconLabelList"/>
+    <dgm:cxn modelId="{033E5324-DE02-4529-AE93-CABC067B5CD8}" type="presParOf" srcId="{239F7208-672C-4882-9FA0-A9DF538230C8}" destId="{AB6D0D24-DF9D-4A65-8D55-6E410BFA06A9}" srcOrd="0" destOrd="0" presId="urn:microsoft.com/office/officeart/2018/2/layout/IconLabelList"/>
+    <dgm:cxn modelId="{13FE125D-E01E-4A57-AD50-76A2E1E0F529}" type="presParOf" srcId="{239F7208-672C-4882-9FA0-A9DF538230C8}" destId="{06270542-B452-48BC-A4A4-A16E2E456CE9}" srcOrd="1" destOrd="0" presId="urn:microsoft.com/office/officeart/2018/2/layout/IconLabelList"/>
+    <dgm:cxn modelId="{28FBEC90-1B46-4528-A9CC-5470C16F927F}" type="presParOf" srcId="{239F7208-672C-4882-9FA0-A9DF538230C8}" destId="{D845E24B-3ED2-4F68-873C-F275BB69B074}" srcOrd="2" destOrd="0" presId="urn:microsoft.com/office/officeart/2018/2/layout/IconLabelList"/>
+  </dgm:cxnLst>
+  <dgm:bg/>
+  <dgm:whole/>
+  <dgm:extLst>
+    <a:ext uri="http://schemas.microsoft.com/office/drawing/2008/diagram">
+      <dsp:dataModelExt xmlns:dsp="http://schemas.microsoft.com/office/drawing/2008/diagram" relId="rId6" minVer="http://schemas.openxmlformats.org/drawingml/2006/diagram"/>
+    </a:ext>
+  </dgm:extLst>
+</dgm:dataModel>
+</file>
+
+<file path=ppt/diagrams/data2.xml><?xml version="1.0" encoding="utf-8"?>
+<dgm:dataModel xmlns:dgm="http://schemas.openxmlformats.org/drawingml/2006/diagram" xmlns:a="http://schemas.openxmlformats.org/drawingml/2006/main">
+  <dgm:ptLst>
+    <dgm:pt modelId="{3D900BCB-5734-401A-8BC1-EA5F697A4842}" type="doc">
+      <dgm:prSet loTypeId="urn:microsoft.com/office/officeart/2005/8/layout/vList2" loCatId="list" qsTypeId="urn:microsoft.com/office/officeart/2005/8/quickstyle/simple1" qsCatId="simple" csTypeId="urn:microsoft.com/office/officeart/2005/8/colors/accent2_1" csCatId="accent2"/>
+      <dgm:spPr/>
+      <dgm:t>
+        <a:bodyPr/>
+        <a:lstStyle/>
+        <a:p>
+          <a:endParaRPr lang="de-DE"/>
+        </a:p>
+      </dgm:t>
+    </dgm:pt>
+    <dgm:pt modelId="{CE6E63B6-EEC9-4EEA-A987-25F5645B5EED}">
+      <dgm:prSet custT="1"/>
+      <dgm:spPr/>
+      <dgm:t>
+        <a:bodyPr/>
+        <a:lstStyle/>
+        <a:p>
+          <a:r>
+            <a:rPr lang="en-US" sz="2000" dirty="0"/>
+            <a:t>To Do, Doing, Done</a:t>
+          </a:r>
+          <a:endParaRPr lang="de-DE" sz="2000" dirty="0"/>
+        </a:p>
+      </dgm:t>
+    </dgm:pt>
+    <dgm:pt modelId="{2833F208-D133-4494-8372-D468660E25C3}" type="parTrans" cxnId="{E827EE01-FE4A-4C21-A367-1D4D3DF5F1DF}">
+      <dgm:prSet/>
+      <dgm:spPr/>
+      <dgm:t>
+        <a:bodyPr/>
+        <a:lstStyle/>
+        <a:p>
+          <a:endParaRPr lang="de-DE"/>
+        </a:p>
+      </dgm:t>
+    </dgm:pt>
+    <dgm:pt modelId="{B799153B-E563-4E2E-B560-A69D47858854}" type="sibTrans" cxnId="{E827EE01-FE4A-4C21-A367-1D4D3DF5F1DF}">
+      <dgm:prSet/>
+      <dgm:spPr/>
+      <dgm:t>
+        <a:bodyPr/>
+        <a:lstStyle/>
+        <a:p>
+          <a:endParaRPr lang="de-DE"/>
+        </a:p>
+      </dgm:t>
+    </dgm:pt>
+    <dgm:pt modelId="{48530082-780D-4B7C-BED8-E46D55B54E49}">
+      <dgm:prSet custT="1"/>
+      <dgm:spPr/>
+      <dgm:t>
+        <a:bodyPr/>
+        <a:lstStyle/>
+        <a:p>
+          <a:r>
+            <a:rPr lang="en-US" sz="2000"/>
+            <a:t>Arbeitspakete</a:t>
+          </a:r>
+          <a:endParaRPr lang="de-DE" sz="2000"/>
+        </a:p>
+      </dgm:t>
+    </dgm:pt>
+    <dgm:pt modelId="{CD002891-DBC3-4F65-8A32-C0913A1F767F}" type="parTrans" cxnId="{6D57D02D-1898-4FFC-BFF4-EFB0EE9B8E10}">
+      <dgm:prSet/>
+      <dgm:spPr/>
+      <dgm:t>
+        <a:bodyPr/>
+        <a:lstStyle/>
+        <a:p>
+          <a:endParaRPr lang="de-DE"/>
+        </a:p>
+      </dgm:t>
+    </dgm:pt>
+    <dgm:pt modelId="{89D29EC6-8ABF-424C-87FF-FFE7FDD676B3}" type="sibTrans" cxnId="{6D57D02D-1898-4FFC-BFF4-EFB0EE9B8E10}">
+      <dgm:prSet/>
+      <dgm:spPr/>
+      <dgm:t>
+        <a:bodyPr/>
+        <a:lstStyle/>
+        <a:p>
+          <a:endParaRPr lang="de-DE"/>
+        </a:p>
+      </dgm:t>
+    </dgm:pt>
+    <dgm:pt modelId="{CECC342C-3BA0-4C59-BC78-1F0EC31EAA5A}">
+      <dgm:prSet custT="1"/>
+      <dgm:spPr/>
+      <dgm:t>
+        <a:bodyPr/>
+        <a:lstStyle/>
+        <a:p>
+          <a:r>
+            <a:rPr lang="en-US" sz="2000"/>
+            <a:t>Gruppen</a:t>
+          </a:r>
+          <a:endParaRPr lang="de-DE" sz="2000"/>
+        </a:p>
+      </dgm:t>
+    </dgm:pt>
+    <dgm:pt modelId="{EE7D8D18-0566-402E-86C7-798527D5519F}" type="parTrans" cxnId="{90A6D9DA-97CE-4A45-8CAA-4E396CB9696F}">
+      <dgm:prSet/>
+      <dgm:spPr/>
+      <dgm:t>
+        <a:bodyPr/>
+        <a:lstStyle/>
+        <a:p>
+          <a:endParaRPr lang="de-DE"/>
+        </a:p>
+      </dgm:t>
+    </dgm:pt>
+    <dgm:pt modelId="{B4238025-6E46-4747-A148-3F14635FDADD}" type="sibTrans" cxnId="{90A6D9DA-97CE-4A45-8CAA-4E396CB9696F}">
+      <dgm:prSet/>
+      <dgm:spPr/>
+      <dgm:t>
+        <a:bodyPr/>
+        <a:lstStyle/>
+        <a:p>
+          <a:endParaRPr lang="de-DE"/>
+        </a:p>
+      </dgm:t>
+    </dgm:pt>
+    <dgm:pt modelId="{85929CF5-59F2-4664-B328-6146FEF1A50F}">
+      <dgm:prSet custT="1"/>
+      <dgm:spPr/>
+      <dgm:t>
+        <a:bodyPr/>
+        <a:lstStyle/>
+        <a:p>
+          <a:r>
+            <a:rPr lang="en-US" sz="2000"/>
+            <a:t>Zeitplanung</a:t>
+          </a:r>
+          <a:endParaRPr lang="de-DE" sz="2000"/>
+        </a:p>
+      </dgm:t>
+    </dgm:pt>
+    <dgm:pt modelId="{C0E158C1-2B4B-441D-875D-B27681A10BEC}" type="parTrans" cxnId="{FB6B426A-7E89-4E69-9B18-5818E99B89CC}">
+      <dgm:prSet/>
+      <dgm:spPr/>
+      <dgm:t>
+        <a:bodyPr/>
+        <a:lstStyle/>
+        <a:p>
+          <a:endParaRPr lang="de-DE"/>
+        </a:p>
+      </dgm:t>
+    </dgm:pt>
+    <dgm:pt modelId="{C0F3EF66-5DC0-4A78-8787-49A1420E85D4}" type="sibTrans" cxnId="{FB6B426A-7E89-4E69-9B18-5818E99B89CC}">
+      <dgm:prSet/>
+      <dgm:spPr/>
+      <dgm:t>
+        <a:bodyPr/>
+        <a:lstStyle/>
+        <a:p>
+          <a:endParaRPr lang="de-DE"/>
+        </a:p>
+      </dgm:t>
+    </dgm:pt>
+    <dgm:pt modelId="{649CE4DF-333C-4AF3-BA27-8095E579F0CA}" type="pres">
+      <dgm:prSet presAssocID="{3D900BCB-5734-401A-8BC1-EA5F697A4842}" presName="linear" presStyleCnt="0">
+        <dgm:presLayoutVars>
+          <dgm:animLvl val="lvl"/>
+          <dgm:resizeHandles val="exact"/>
+        </dgm:presLayoutVars>
+      </dgm:prSet>
+      <dgm:spPr/>
+    </dgm:pt>
+    <dgm:pt modelId="{7C3F008C-75C5-4E20-8520-5E57722D57D8}" type="pres">
+      <dgm:prSet presAssocID="{CE6E63B6-EEC9-4EEA-A987-25F5645B5EED}" presName="parentText" presStyleLbl="node1" presStyleIdx="0" presStyleCnt="4">
+        <dgm:presLayoutVars>
+          <dgm:chMax val="0"/>
+          <dgm:bulletEnabled val="1"/>
+        </dgm:presLayoutVars>
+      </dgm:prSet>
+      <dgm:spPr/>
+    </dgm:pt>
+    <dgm:pt modelId="{F12525C5-906D-4270-9CCA-2472BEB8C70A}" type="pres">
+      <dgm:prSet presAssocID="{B799153B-E563-4E2E-B560-A69D47858854}" presName="spacer" presStyleCnt="0"/>
+      <dgm:spPr/>
+    </dgm:pt>
+    <dgm:pt modelId="{4699591F-8B04-4567-B550-B48E688CA527}" type="pres">
+      <dgm:prSet presAssocID="{48530082-780D-4B7C-BED8-E46D55B54E49}" presName="parentText" presStyleLbl="node1" presStyleIdx="1" presStyleCnt="4">
+        <dgm:presLayoutVars>
+          <dgm:chMax val="0"/>
+          <dgm:bulletEnabled val="1"/>
+        </dgm:presLayoutVars>
+      </dgm:prSet>
+      <dgm:spPr/>
+    </dgm:pt>
+    <dgm:pt modelId="{C22131ED-D96A-4A22-9B08-04FD712EE0CB}" type="pres">
+      <dgm:prSet presAssocID="{89D29EC6-8ABF-424C-87FF-FFE7FDD676B3}" presName="spacer" presStyleCnt="0"/>
+      <dgm:spPr/>
+    </dgm:pt>
+    <dgm:pt modelId="{3A44855D-80A1-4A64-923A-E5551F70DCD7}" type="pres">
+      <dgm:prSet presAssocID="{CECC342C-3BA0-4C59-BC78-1F0EC31EAA5A}" presName="parentText" presStyleLbl="node1" presStyleIdx="2" presStyleCnt="4">
+        <dgm:presLayoutVars>
+          <dgm:chMax val="0"/>
+          <dgm:bulletEnabled val="1"/>
+        </dgm:presLayoutVars>
+      </dgm:prSet>
+      <dgm:spPr/>
+    </dgm:pt>
+    <dgm:pt modelId="{9943BA7E-8499-423C-AFE2-CE7057FACF06}" type="pres">
+      <dgm:prSet presAssocID="{B4238025-6E46-4747-A148-3F14635FDADD}" presName="spacer" presStyleCnt="0"/>
+      <dgm:spPr/>
+    </dgm:pt>
+    <dgm:pt modelId="{984F5C0E-0DCF-4AF7-8FA1-0AF770BBAC5A}" type="pres">
+      <dgm:prSet presAssocID="{85929CF5-59F2-4664-B328-6146FEF1A50F}" presName="parentText" presStyleLbl="node1" presStyleIdx="3" presStyleCnt="4">
+        <dgm:presLayoutVars>
+          <dgm:chMax val="0"/>
+          <dgm:bulletEnabled val="1"/>
+        </dgm:presLayoutVars>
+      </dgm:prSet>
+      <dgm:spPr/>
+    </dgm:pt>
+  </dgm:ptLst>
+  <dgm:cxnLst>
+    <dgm:cxn modelId="{E827EE01-FE4A-4C21-A367-1D4D3DF5F1DF}" srcId="{3D900BCB-5734-401A-8BC1-EA5F697A4842}" destId="{CE6E63B6-EEC9-4EEA-A987-25F5645B5EED}" srcOrd="0" destOrd="0" parTransId="{2833F208-D133-4494-8372-D468660E25C3}" sibTransId="{B799153B-E563-4E2E-B560-A69D47858854}"/>
+    <dgm:cxn modelId="{D2850C1C-44E0-47A0-B537-EB5B440F96B1}" type="presOf" srcId="{3D900BCB-5734-401A-8BC1-EA5F697A4842}" destId="{649CE4DF-333C-4AF3-BA27-8095E579F0CA}" srcOrd="0" destOrd="0" presId="urn:microsoft.com/office/officeart/2005/8/layout/vList2"/>
+    <dgm:cxn modelId="{6D57D02D-1898-4FFC-BFF4-EFB0EE9B8E10}" srcId="{3D900BCB-5734-401A-8BC1-EA5F697A4842}" destId="{48530082-780D-4B7C-BED8-E46D55B54E49}" srcOrd="1" destOrd="0" parTransId="{CD002891-DBC3-4F65-8A32-C0913A1F767F}" sibTransId="{89D29EC6-8ABF-424C-87FF-FFE7FDD676B3}"/>
+    <dgm:cxn modelId="{4199E635-06AE-4C30-99D9-05EB93008D1C}" type="presOf" srcId="{CECC342C-3BA0-4C59-BC78-1F0EC31EAA5A}" destId="{3A44855D-80A1-4A64-923A-E5551F70DCD7}" srcOrd="0" destOrd="0" presId="urn:microsoft.com/office/officeart/2005/8/layout/vList2"/>
+    <dgm:cxn modelId="{FB6B426A-7E89-4E69-9B18-5818E99B89CC}" srcId="{3D900BCB-5734-401A-8BC1-EA5F697A4842}" destId="{85929CF5-59F2-4664-B328-6146FEF1A50F}" srcOrd="3" destOrd="0" parTransId="{C0E158C1-2B4B-441D-875D-B27681A10BEC}" sibTransId="{C0F3EF66-5DC0-4A78-8787-49A1420E85D4}"/>
+    <dgm:cxn modelId="{2CABA575-06DA-4F1D-9962-0D71374D806D}" type="presOf" srcId="{48530082-780D-4B7C-BED8-E46D55B54E49}" destId="{4699591F-8B04-4567-B550-B48E688CA527}" srcOrd="0" destOrd="0" presId="urn:microsoft.com/office/officeart/2005/8/layout/vList2"/>
+    <dgm:cxn modelId="{BF626B8D-247C-4A1D-A69B-0CA5A905DC00}" type="presOf" srcId="{85929CF5-59F2-4664-B328-6146FEF1A50F}" destId="{984F5C0E-0DCF-4AF7-8FA1-0AF770BBAC5A}" srcOrd="0" destOrd="0" presId="urn:microsoft.com/office/officeart/2005/8/layout/vList2"/>
+    <dgm:cxn modelId="{CC74F0D3-F454-405E-8CCA-524B6F82B8A0}" type="presOf" srcId="{CE6E63B6-EEC9-4EEA-A987-25F5645B5EED}" destId="{7C3F008C-75C5-4E20-8520-5E57722D57D8}" srcOrd="0" destOrd="0" presId="urn:microsoft.com/office/officeart/2005/8/layout/vList2"/>
+    <dgm:cxn modelId="{90A6D9DA-97CE-4A45-8CAA-4E396CB9696F}" srcId="{3D900BCB-5734-401A-8BC1-EA5F697A4842}" destId="{CECC342C-3BA0-4C59-BC78-1F0EC31EAA5A}" srcOrd="2" destOrd="0" parTransId="{EE7D8D18-0566-402E-86C7-798527D5519F}" sibTransId="{B4238025-6E46-4747-A148-3F14635FDADD}"/>
+    <dgm:cxn modelId="{44657208-C971-4908-9F3B-3961446FE309}" type="presParOf" srcId="{649CE4DF-333C-4AF3-BA27-8095E579F0CA}" destId="{7C3F008C-75C5-4E20-8520-5E57722D57D8}" srcOrd="0" destOrd="0" presId="urn:microsoft.com/office/officeart/2005/8/layout/vList2"/>
+    <dgm:cxn modelId="{E66F9F76-F6BE-4586-B926-6F5A868392F0}" type="presParOf" srcId="{649CE4DF-333C-4AF3-BA27-8095E579F0CA}" destId="{F12525C5-906D-4270-9CCA-2472BEB8C70A}" srcOrd="1" destOrd="0" presId="urn:microsoft.com/office/officeart/2005/8/layout/vList2"/>
+    <dgm:cxn modelId="{C43800C6-6338-48CF-A681-57C637D02AB2}" type="presParOf" srcId="{649CE4DF-333C-4AF3-BA27-8095E579F0CA}" destId="{4699591F-8B04-4567-B550-B48E688CA527}" srcOrd="2" destOrd="0" presId="urn:microsoft.com/office/officeart/2005/8/layout/vList2"/>
+    <dgm:cxn modelId="{99922F3D-AB64-4D17-A80A-DA7A8D51D1EF}" type="presParOf" srcId="{649CE4DF-333C-4AF3-BA27-8095E579F0CA}" destId="{C22131ED-D96A-4A22-9B08-04FD712EE0CB}" srcOrd="3" destOrd="0" presId="urn:microsoft.com/office/officeart/2005/8/layout/vList2"/>
+    <dgm:cxn modelId="{EBEE5296-EC7E-4291-A3FC-429C1F5FE7D0}" type="presParOf" srcId="{649CE4DF-333C-4AF3-BA27-8095E579F0CA}" destId="{3A44855D-80A1-4A64-923A-E5551F70DCD7}" srcOrd="4" destOrd="0" presId="urn:microsoft.com/office/officeart/2005/8/layout/vList2"/>
+    <dgm:cxn modelId="{9A259506-E5FA-45A1-AC72-E8A48CB8A37D}" type="presParOf" srcId="{649CE4DF-333C-4AF3-BA27-8095E579F0CA}" destId="{9943BA7E-8499-423C-AFE2-CE7057FACF06}" srcOrd="5" destOrd="0" presId="urn:microsoft.com/office/officeart/2005/8/layout/vList2"/>
+    <dgm:cxn modelId="{B8F591C6-4C1E-4EFB-ABF5-FBDFF25B92E8}" type="presParOf" srcId="{649CE4DF-333C-4AF3-BA27-8095E579F0CA}" destId="{984F5C0E-0DCF-4AF7-8FA1-0AF770BBAC5A}" srcOrd="6" destOrd="0" presId="urn:microsoft.com/office/officeart/2005/8/layout/vList2"/>
+  </dgm:cxnLst>
+  <dgm:bg/>
+  <dgm:whole/>
+  <dgm:extLst>
+    <a:ext uri="http://schemas.microsoft.com/office/drawing/2008/diagram">
+      <dsp:dataModelExt xmlns:dsp="http://schemas.microsoft.com/office/drawing/2008/diagram" relId="rId7" minVer="http://schemas.openxmlformats.org/drawingml/2006/diagram"/>
+    </a:ext>
+  </dgm:extLst>
+</dgm:dataModel>
+</file>
+
+<file path=ppt/diagrams/data3.xml><?xml version="1.0" encoding="utf-8"?>
+<dgm:dataModel xmlns:dgm="http://schemas.openxmlformats.org/drawingml/2006/diagram" xmlns:a="http://schemas.openxmlformats.org/drawingml/2006/main">
+  <dgm:ptLst>
+    <dgm:pt modelId="{B4B1784D-BEAD-4A55-A594-DFB95985BE95}" type="doc">
+      <dgm:prSet loTypeId="urn:microsoft.com/office/officeart/2005/8/layout/hList7" loCatId="list" qsTypeId="urn:microsoft.com/office/officeart/2005/8/quickstyle/simple1" qsCatId="simple" csTypeId="urn:microsoft.com/office/officeart/2005/8/colors/accent2_1" csCatId="accent2" phldr="1"/>
+      <dgm:spPr/>
+      <dgm:t>
+        <a:bodyPr/>
+        <a:lstStyle/>
+        <a:p>
+          <a:endParaRPr lang="de-DE"/>
+        </a:p>
+      </dgm:t>
+    </dgm:pt>
+    <dgm:pt modelId="{8760C044-7608-4156-849E-7497D065DAD9}">
+      <dgm:prSet/>
+      <dgm:spPr/>
+      <dgm:t>
+        <a:bodyPr/>
+        <a:lstStyle/>
+        <a:p>
+          <a:r>
+            <a:rPr lang="de-DE"/>
+            <a:t>Insgesamt zufrieden</a:t>
+          </a:r>
+        </a:p>
+      </dgm:t>
+    </dgm:pt>
+    <dgm:pt modelId="{3A0B1820-539E-481F-979B-C63707E5C88D}" type="parTrans" cxnId="{09BDC75E-D39A-48B7-AB39-78A5701D492F}">
+      <dgm:prSet/>
+      <dgm:spPr/>
+      <dgm:t>
+        <a:bodyPr/>
+        <a:lstStyle/>
+        <a:p>
+          <a:endParaRPr lang="de-DE"/>
+        </a:p>
+      </dgm:t>
+    </dgm:pt>
+    <dgm:pt modelId="{ECE92022-C1CA-4BD0-BD6E-5F5E80908911}" type="sibTrans" cxnId="{09BDC75E-D39A-48B7-AB39-78A5701D492F}">
+      <dgm:prSet/>
+      <dgm:spPr/>
+      <dgm:t>
+        <a:bodyPr/>
+        <a:lstStyle/>
+        <a:p>
+          <a:endParaRPr lang="de-DE"/>
+        </a:p>
+      </dgm:t>
+    </dgm:pt>
+    <dgm:pt modelId="{57A02B8A-087F-4AE2-A304-2E568076F666}">
+      <dgm:prSet/>
+      <dgm:spPr/>
+      <dgm:t>
+        <a:bodyPr/>
+        <a:lstStyle/>
+        <a:p>
+          <a:r>
+            <a:rPr lang="de-DE"/>
+            <a:t>Gute Umsetzung der Kernfunktionen </a:t>
+          </a:r>
+        </a:p>
+      </dgm:t>
+    </dgm:pt>
+    <dgm:pt modelId="{93D02305-3BA7-4999-926B-57F81C0D5753}" type="parTrans" cxnId="{C40C767D-49A4-4DE3-A53F-50CAAFACF79A}">
+      <dgm:prSet/>
+      <dgm:spPr/>
+      <dgm:t>
+        <a:bodyPr/>
+        <a:lstStyle/>
+        <a:p>
+          <a:endParaRPr lang="de-DE"/>
+        </a:p>
+      </dgm:t>
+    </dgm:pt>
+    <dgm:pt modelId="{4FDAD454-86CC-4656-B3CC-79D29DDA38E9}" type="sibTrans" cxnId="{C40C767D-49A4-4DE3-A53F-50CAAFACF79A}">
+      <dgm:prSet/>
+      <dgm:spPr/>
+      <dgm:t>
+        <a:bodyPr/>
+        <a:lstStyle/>
+        <a:p>
+          <a:endParaRPr lang="de-DE"/>
+        </a:p>
+      </dgm:t>
+    </dgm:pt>
+    <dgm:pt modelId="{6C2EF7EE-38CC-4B22-8BEA-A7765C24F38A}">
+      <dgm:prSet/>
+      <dgm:spPr/>
+      <dgm:t>
+        <a:bodyPr/>
+        <a:lstStyle/>
+        <a:p>
+          <a:r>
+            <a:rPr lang="de-DE"/>
+            <a:t>Unterschätzung der Zeit</a:t>
+          </a:r>
+        </a:p>
+      </dgm:t>
+    </dgm:pt>
+    <dgm:pt modelId="{60F1BBD8-9F3C-4708-B3F2-6CE582095708}" type="parTrans" cxnId="{0BCFFDCD-1532-4607-9172-D1D119D66535}">
+      <dgm:prSet/>
+      <dgm:spPr/>
+      <dgm:t>
+        <a:bodyPr/>
+        <a:lstStyle/>
+        <a:p>
+          <a:endParaRPr lang="de-DE"/>
+        </a:p>
+      </dgm:t>
+    </dgm:pt>
+    <dgm:pt modelId="{F5E318DC-75B2-4CA2-9D44-87914C7D7444}" type="sibTrans" cxnId="{0BCFFDCD-1532-4607-9172-D1D119D66535}">
+      <dgm:prSet/>
+      <dgm:spPr/>
+      <dgm:t>
+        <a:bodyPr/>
+        <a:lstStyle/>
+        <a:p>
+          <a:endParaRPr lang="de-DE"/>
+        </a:p>
+      </dgm:t>
+    </dgm:pt>
+    <dgm:pt modelId="{DC3D4572-E6AF-4DB3-B8C0-23A119B03126}">
+      <dgm:prSet/>
+      <dgm:spPr/>
+      <dgm:t>
+        <a:bodyPr/>
+        <a:lstStyle/>
+        <a:p>
+          <a:r>
+            <a:rPr lang="de-DE"/>
+            <a:t>Viel gelernt und praktische Erfahrung</a:t>
+          </a:r>
+        </a:p>
+      </dgm:t>
+    </dgm:pt>
+    <dgm:pt modelId="{66C35D12-3073-486F-A98D-EF606F9C2DCE}" type="parTrans" cxnId="{0076D638-7DC9-4D4B-8638-996A1522A598}">
+      <dgm:prSet/>
+      <dgm:spPr/>
+      <dgm:t>
+        <a:bodyPr/>
+        <a:lstStyle/>
+        <a:p>
+          <a:endParaRPr lang="de-DE"/>
+        </a:p>
+      </dgm:t>
+    </dgm:pt>
+    <dgm:pt modelId="{13BE73CE-2357-486F-9E3E-F5B66896772C}" type="sibTrans" cxnId="{0076D638-7DC9-4D4B-8638-996A1522A598}">
+      <dgm:prSet/>
+      <dgm:spPr/>
+      <dgm:t>
+        <a:bodyPr/>
+        <a:lstStyle/>
+        <a:p>
+          <a:endParaRPr lang="de-DE"/>
+        </a:p>
+      </dgm:t>
+    </dgm:pt>
+    <dgm:pt modelId="{97392C70-4A02-4857-A349-ACC852EC5C0B}" type="pres">
+      <dgm:prSet presAssocID="{B4B1784D-BEAD-4A55-A594-DFB95985BE95}" presName="Name0" presStyleCnt="0">
+        <dgm:presLayoutVars>
+          <dgm:dir/>
+          <dgm:resizeHandles val="exact"/>
+        </dgm:presLayoutVars>
+      </dgm:prSet>
+      <dgm:spPr/>
+    </dgm:pt>
+    <dgm:pt modelId="{CABCFD7C-8511-48C7-9FDC-147903A4A716}" type="pres">
+      <dgm:prSet presAssocID="{B4B1784D-BEAD-4A55-A594-DFB95985BE95}" presName="fgShape" presStyleLbl="fgShp" presStyleIdx="0" presStyleCnt="1"/>
+      <dgm:spPr/>
+    </dgm:pt>
+    <dgm:pt modelId="{5FC2B040-2A82-48C6-90DE-F9C674BEA1D8}" type="pres">
+      <dgm:prSet presAssocID="{B4B1784D-BEAD-4A55-A594-DFB95985BE95}" presName="linComp" presStyleCnt="0"/>
+      <dgm:spPr/>
+    </dgm:pt>
+    <dgm:pt modelId="{50EDC3E8-1A71-4034-8B26-DD8E235F0987}" type="pres">
+      <dgm:prSet presAssocID="{8760C044-7608-4156-849E-7497D065DAD9}" presName="compNode" presStyleCnt="0"/>
+      <dgm:spPr/>
+    </dgm:pt>
+    <dgm:pt modelId="{CB151BD7-5822-4B7F-A5C7-5C7DC96BE10B}" type="pres">
+      <dgm:prSet presAssocID="{8760C044-7608-4156-849E-7497D065DAD9}" presName="bkgdShape" presStyleLbl="node1" presStyleIdx="0" presStyleCnt="4"/>
+      <dgm:spPr/>
+    </dgm:pt>
+    <dgm:pt modelId="{2F06ED01-6B6E-4A88-ADEA-8992E96830A9}" type="pres">
+      <dgm:prSet presAssocID="{8760C044-7608-4156-849E-7497D065DAD9}" presName="nodeTx" presStyleLbl="node1" presStyleIdx="0" presStyleCnt="4">
+        <dgm:presLayoutVars>
+          <dgm:bulletEnabled val="1"/>
+        </dgm:presLayoutVars>
+      </dgm:prSet>
+      <dgm:spPr/>
+    </dgm:pt>
+    <dgm:pt modelId="{D5BAFA8F-7F79-420A-9E12-9FABAE7070AF}" type="pres">
+      <dgm:prSet presAssocID="{8760C044-7608-4156-849E-7497D065DAD9}" presName="invisiNode" presStyleLbl="node1" presStyleIdx="0" presStyleCnt="4"/>
+      <dgm:spPr/>
+    </dgm:pt>
+    <dgm:pt modelId="{ED4F6D27-A045-4FF1-B725-64CFF7582309}" type="pres">
+      <dgm:prSet presAssocID="{8760C044-7608-4156-849E-7497D065DAD9}" presName="imagNode" presStyleLbl="fgImgPlace1" presStyleIdx="0" presStyleCnt="4"/>
+      <dgm:spPr>
+        <a:blipFill>
+          <a:blip xmlns:r="http://schemas.openxmlformats.org/officeDocument/2006/relationships" r:embed="rId1">
+            <a:extLst>
+              <a:ext uri="{28A0092B-C50C-407E-A947-70E740481C1C}">
+                <a14:useLocalDpi xmlns:a14="http://schemas.microsoft.com/office/drawing/2010/main" val="0"/>
+              </a:ext>
+              <a:ext uri="{96DAC541-7B7A-43D3-8B79-37D633B846F1}">
+                <asvg:svgBlip xmlns:asvg="http://schemas.microsoft.com/office/drawing/2016/SVG/main" r:embed="rId2"/>
+              </a:ext>
+            </a:extLst>
+          </a:blip>
+          <a:srcRect/>
+          <a:stretch>
+            <a:fillRect/>
+          </a:stretch>
+        </a:blipFill>
+        <a:ln>
+          <a:solidFill>
+            <a:schemeClr val="bg1"/>
+          </a:solidFill>
+        </a:ln>
+      </dgm:spPr>
+      <dgm:extLst>
+        <a:ext uri="{E40237B7-FDA0-4F09-8148-C483321AD2D9}">
+          <dgm14:cNvPr xmlns:dgm14="http://schemas.microsoft.com/office/drawing/2010/diagram" id="0" name="" descr="Lächelnde Gesichtskontur mit einfarbiger Füllung"/>
+        </a:ext>
+      </dgm:extLst>
+    </dgm:pt>
+    <dgm:pt modelId="{794E38C1-C137-4D34-9D6A-A184C9FE93FA}" type="pres">
+      <dgm:prSet presAssocID="{ECE92022-C1CA-4BD0-BD6E-5F5E80908911}" presName="sibTrans" presStyleLbl="sibTrans2D1" presStyleIdx="0" presStyleCnt="0"/>
+      <dgm:spPr/>
+    </dgm:pt>
+    <dgm:pt modelId="{6C3246D0-57DA-4399-A077-F605F33A6E05}" type="pres">
+      <dgm:prSet presAssocID="{57A02B8A-087F-4AE2-A304-2E568076F666}" presName="compNode" presStyleCnt="0"/>
+      <dgm:spPr/>
+    </dgm:pt>
+    <dgm:pt modelId="{4FEEE3E2-E5A2-42D9-8BE2-759009ECBF14}" type="pres">
+      <dgm:prSet presAssocID="{57A02B8A-087F-4AE2-A304-2E568076F666}" presName="bkgdShape" presStyleLbl="node1" presStyleIdx="1" presStyleCnt="4"/>
+      <dgm:spPr/>
+    </dgm:pt>
+    <dgm:pt modelId="{755A6073-6670-4C2F-A9C1-3726E51B5204}" type="pres">
+      <dgm:prSet presAssocID="{57A02B8A-087F-4AE2-A304-2E568076F666}" presName="nodeTx" presStyleLbl="node1" presStyleIdx="1" presStyleCnt="4">
+        <dgm:presLayoutVars>
+          <dgm:bulletEnabled val="1"/>
+        </dgm:presLayoutVars>
+      </dgm:prSet>
+      <dgm:spPr/>
+    </dgm:pt>
+    <dgm:pt modelId="{CE1B992C-A0CF-4B7D-B1D2-02FCE683E4D7}" type="pres">
+      <dgm:prSet presAssocID="{57A02B8A-087F-4AE2-A304-2E568076F666}" presName="invisiNode" presStyleLbl="node1" presStyleIdx="1" presStyleCnt="4"/>
+      <dgm:spPr/>
+    </dgm:pt>
+    <dgm:pt modelId="{87D11281-6321-4765-87A6-59ABCAFCCB42}" type="pres">
+      <dgm:prSet presAssocID="{57A02B8A-087F-4AE2-A304-2E568076F666}" presName="imagNode" presStyleLbl="fgImgPlace1" presStyleIdx="1" presStyleCnt="4"/>
+      <dgm:spPr>
+        <a:blipFill>
+          <a:blip xmlns:r="http://schemas.openxmlformats.org/officeDocument/2006/relationships" r:embed="rId3">
+            <a:extLst>
+              <a:ext uri="{28A0092B-C50C-407E-A947-70E740481C1C}">
+                <a14:useLocalDpi xmlns:a14="http://schemas.microsoft.com/office/drawing/2010/main" val="0"/>
+              </a:ext>
+              <a:ext uri="{96DAC541-7B7A-43D3-8B79-37D633B846F1}">
+                <asvg:svgBlip xmlns:asvg="http://schemas.microsoft.com/office/drawing/2016/SVG/main" r:embed="rId4"/>
+              </a:ext>
+            </a:extLst>
+          </a:blip>
+          <a:srcRect/>
+          <a:stretch>
+            <a:fillRect/>
+          </a:stretch>
+        </a:blipFill>
+        <a:ln>
+          <a:solidFill>
+            <a:schemeClr val="bg1"/>
+          </a:solidFill>
+        </a:ln>
+      </dgm:spPr>
+      <dgm:extLst>
+        <a:ext uri="{E40237B7-FDA0-4F09-8148-C483321AD2D9}">
+          <dgm14:cNvPr xmlns:dgm14="http://schemas.microsoft.com/office/drawing/2010/diagram" id="0" name="" descr="Cmd (Terminal) mit einfarbiger Füllung"/>
+        </a:ext>
+      </dgm:extLst>
+    </dgm:pt>
+    <dgm:pt modelId="{F94BCCB5-E372-4F99-B808-30370D6295A2}" type="pres">
+      <dgm:prSet presAssocID="{4FDAD454-86CC-4656-B3CC-79D29DDA38E9}" presName="sibTrans" presStyleLbl="sibTrans2D1" presStyleIdx="0" presStyleCnt="0"/>
+      <dgm:spPr/>
+    </dgm:pt>
+    <dgm:pt modelId="{87202CA5-025A-4208-92A3-67234F0B974B}" type="pres">
+      <dgm:prSet presAssocID="{6C2EF7EE-38CC-4B22-8BEA-A7765C24F38A}" presName="compNode" presStyleCnt="0"/>
+      <dgm:spPr/>
+    </dgm:pt>
+    <dgm:pt modelId="{4BC77B38-B7FE-4962-9A5A-F6C021EE0CAF}" type="pres">
+      <dgm:prSet presAssocID="{6C2EF7EE-38CC-4B22-8BEA-A7765C24F38A}" presName="bkgdShape" presStyleLbl="node1" presStyleIdx="2" presStyleCnt="4"/>
+      <dgm:spPr/>
+    </dgm:pt>
+    <dgm:pt modelId="{80789FF6-6F9B-44A0-9E29-1CB408BC6FBD}" type="pres">
+      <dgm:prSet presAssocID="{6C2EF7EE-38CC-4B22-8BEA-A7765C24F38A}" presName="nodeTx" presStyleLbl="node1" presStyleIdx="2" presStyleCnt="4">
+        <dgm:presLayoutVars>
+          <dgm:bulletEnabled val="1"/>
+        </dgm:presLayoutVars>
+      </dgm:prSet>
+      <dgm:spPr/>
+    </dgm:pt>
+    <dgm:pt modelId="{884E3B50-2F2D-4190-8B7D-74E1B09071F1}" type="pres">
+      <dgm:prSet presAssocID="{6C2EF7EE-38CC-4B22-8BEA-A7765C24F38A}" presName="invisiNode" presStyleLbl="node1" presStyleIdx="2" presStyleCnt="4"/>
+      <dgm:spPr/>
+    </dgm:pt>
+    <dgm:pt modelId="{AD5BADEA-847D-4993-AC65-E45AD1B6ECC5}" type="pres">
+      <dgm:prSet presAssocID="{6C2EF7EE-38CC-4B22-8BEA-A7765C24F38A}" presName="imagNode" presStyleLbl="fgImgPlace1" presStyleIdx="2" presStyleCnt="4"/>
+      <dgm:spPr>
+        <a:blipFill>
+          <a:blip xmlns:r="http://schemas.openxmlformats.org/officeDocument/2006/relationships" r:embed="rId5">
+            <a:extLst>
+              <a:ext uri="{28A0092B-C50C-407E-A947-70E740481C1C}">
+                <a14:useLocalDpi xmlns:a14="http://schemas.microsoft.com/office/drawing/2010/main" val="0"/>
+              </a:ext>
+              <a:ext uri="{96DAC541-7B7A-43D3-8B79-37D633B846F1}">
+                <asvg:svgBlip xmlns:asvg="http://schemas.microsoft.com/office/drawing/2016/SVG/main" r:embed="rId6"/>
+              </a:ext>
+            </a:extLst>
+          </a:blip>
+          <a:srcRect/>
+          <a:stretch>
+            <a:fillRect/>
+          </a:stretch>
+        </a:blipFill>
+        <a:ln>
+          <a:solidFill>
+            <a:schemeClr val="bg1"/>
+          </a:solidFill>
+        </a:ln>
+      </dgm:spPr>
+      <dgm:extLst>
+        <a:ext uri="{E40237B7-FDA0-4F09-8148-C483321AD2D9}">
+          <dgm14:cNvPr xmlns:dgm14="http://schemas.microsoft.com/office/drawing/2010/diagram" id="0" name="" descr="Sanduhr abgelaufen mit einfarbiger Füllung"/>
+        </a:ext>
+      </dgm:extLst>
+    </dgm:pt>
+    <dgm:pt modelId="{6FFE5086-5F15-49E8-A740-376597DE3461}" type="pres">
+      <dgm:prSet presAssocID="{F5E318DC-75B2-4CA2-9D44-87914C7D7444}" presName="sibTrans" presStyleLbl="sibTrans2D1" presStyleIdx="0" presStyleCnt="0"/>
+      <dgm:spPr/>
+    </dgm:pt>
+    <dgm:pt modelId="{A4CA1E17-EA93-4723-890D-11D9D49FF7B2}" type="pres">
+      <dgm:prSet presAssocID="{DC3D4572-E6AF-4DB3-B8C0-23A119B03126}" presName="compNode" presStyleCnt="0"/>
+      <dgm:spPr/>
+    </dgm:pt>
+    <dgm:pt modelId="{6B698E92-1394-4122-AFFC-448F2F8BBAB0}" type="pres">
+      <dgm:prSet presAssocID="{DC3D4572-E6AF-4DB3-B8C0-23A119B03126}" presName="bkgdShape" presStyleLbl="node1" presStyleIdx="3" presStyleCnt="4" custLinFactNeighborX="6060" custLinFactNeighborY="-2033"/>
+      <dgm:spPr/>
+    </dgm:pt>
+    <dgm:pt modelId="{E36EFBC0-70CA-4E75-B390-3BED736D8058}" type="pres">
+      <dgm:prSet presAssocID="{DC3D4572-E6AF-4DB3-B8C0-23A119B03126}" presName="nodeTx" presStyleLbl="node1" presStyleIdx="3" presStyleCnt="4">
+        <dgm:presLayoutVars>
+          <dgm:bulletEnabled val="1"/>
+        </dgm:presLayoutVars>
+      </dgm:prSet>
+      <dgm:spPr/>
+    </dgm:pt>
+    <dgm:pt modelId="{86F977B3-D515-4A10-8542-FB10F6730CD8}" type="pres">
+      <dgm:prSet presAssocID="{DC3D4572-E6AF-4DB3-B8C0-23A119B03126}" presName="invisiNode" presStyleLbl="node1" presStyleIdx="3" presStyleCnt="4"/>
+      <dgm:spPr/>
+    </dgm:pt>
+    <dgm:pt modelId="{1380D25F-7FB1-4702-AE14-01FEA9067CE0}" type="pres">
+      <dgm:prSet presAssocID="{DC3D4572-E6AF-4DB3-B8C0-23A119B03126}" presName="imagNode" presStyleLbl="fgImgPlace1" presStyleIdx="3" presStyleCnt="4"/>
+      <dgm:spPr>
+        <a:blipFill>
+          <a:blip xmlns:r="http://schemas.openxmlformats.org/officeDocument/2006/relationships" r:embed="rId7">
+            <a:extLst>
+              <a:ext uri="{28A0092B-C50C-407E-A947-70E740481C1C}">
+                <a14:useLocalDpi xmlns:a14="http://schemas.microsoft.com/office/drawing/2010/main" val="0"/>
+              </a:ext>
+              <a:ext uri="{96DAC541-7B7A-43D3-8B79-37D633B846F1}">
+                <asvg:svgBlip xmlns:asvg="http://schemas.microsoft.com/office/drawing/2016/SVG/main" r:embed="rId8"/>
+              </a:ext>
+            </a:extLst>
+          </a:blip>
+          <a:srcRect/>
+          <a:stretch>
+            <a:fillRect/>
+          </a:stretch>
+        </a:blipFill>
+        <a:ln>
+          <a:solidFill>
+            <a:schemeClr val="bg1"/>
+          </a:solidFill>
+        </a:ln>
+      </dgm:spPr>
+      <dgm:extLst>
+        <a:ext uri="{E40237B7-FDA0-4F09-8148-C483321AD2D9}">
+          <dgm14:cNvPr xmlns:dgm14="http://schemas.microsoft.com/office/drawing/2010/diagram" id="0" name="" descr="Aufwärtstrend mit einfarbiger Füllung"/>
+        </a:ext>
+      </dgm:extLst>
+    </dgm:pt>
+  </dgm:ptLst>
+  <dgm:cxnLst>
+    <dgm:cxn modelId="{77A5C60E-9087-442F-8D14-01E23185697B}" type="presOf" srcId="{8760C044-7608-4156-849E-7497D065DAD9}" destId="{2F06ED01-6B6E-4A88-ADEA-8992E96830A9}" srcOrd="1" destOrd="0" presId="urn:microsoft.com/office/officeart/2005/8/layout/hList7"/>
+    <dgm:cxn modelId="{5F5D062D-72BE-45D1-96AC-FC5E2BE8A5A4}" type="presOf" srcId="{4FDAD454-86CC-4656-B3CC-79D29DDA38E9}" destId="{F94BCCB5-E372-4F99-B808-30370D6295A2}" srcOrd="0" destOrd="0" presId="urn:microsoft.com/office/officeart/2005/8/layout/hList7"/>
+    <dgm:cxn modelId="{0076D638-7DC9-4D4B-8638-996A1522A598}" srcId="{B4B1784D-BEAD-4A55-A594-DFB95985BE95}" destId="{DC3D4572-E6AF-4DB3-B8C0-23A119B03126}" srcOrd="3" destOrd="0" parTransId="{66C35D12-3073-486F-A98D-EF606F9C2DCE}" sibTransId="{13BE73CE-2357-486F-9E3E-F5B66896772C}"/>
+    <dgm:cxn modelId="{09BDC75E-D39A-48B7-AB39-78A5701D492F}" srcId="{B4B1784D-BEAD-4A55-A594-DFB95985BE95}" destId="{8760C044-7608-4156-849E-7497D065DAD9}" srcOrd="0" destOrd="0" parTransId="{3A0B1820-539E-481F-979B-C63707E5C88D}" sibTransId="{ECE92022-C1CA-4BD0-BD6E-5F5E80908911}"/>
+    <dgm:cxn modelId="{6166E062-BCA9-4960-BC5E-8A9A28475D88}" type="presOf" srcId="{57A02B8A-087F-4AE2-A304-2E568076F666}" destId="{4FEEE3E2-E5A2-42D9-8BE2-759009ECBF14}" srcOrd="0" destOrd="0" presId="urn:microsoft.com/office/officeart/2005/8/layout/hList7"/>
+    <dgm:cxn modelId="{95A89A66-D0B1-43CB-BEB5-69A44843B458}" type="presOf" srcId="{B4B1784D-BEAD-4A55-A594-DFB95985BE95}" destId="{97392C70-4A02-4857-A349-ACC852EC5C0B}" srcOrd="0" destOrd="0" presId="urn:microsoft.com/office/officeart/2005/8/layout/hList7"/>
+    <dgm:cxn modelId="{F0F7766D-E2AC-41C9-9BF4-F402BE6F9B2E}" type="presOf" srcId="{6C2EF7EE-38CC-4B22-8BEA-A7765C24F38A}" destId="{80789FF6-6F9B-44A0-9E29-1CB408BC6FBD}" srcOrd="1" destOrd="0" presId="urn:microsoft.com/office/officeart/2005/8/layout/hList7"/>
+    <dgm:cxn modelId="{C40C767D-49A4-4DE3-A53F-50CAAFACF79A}" srcId="{B4B1784D-BEAD-4A55-A594-DFB95985BE95}" destId="{57A02B8A-087F-4AE2-A304-2E568076F666}" srcOrd="1" destOrd="0" parTransId="{93D02305-3BA7-4999-926B-57F81C0D5753}" sibTransId="{4FDAD454-86CC-4656-B3CC-79D29DDA38E9}"/>
+    <dgm:cxn modelId="{4E68368C-1A80-4CD1-B523-86F205506F6D}" type="presOf" srcId="{8760C044-7608-4156-849E-7497D065DAD9}" destId="{CB151BD7-5822-4B7F-A5C7-5C7DC96BE10B}" srcOrd="0" destOrd="0" presId="urn:microsoft.com/office/officeart/2005/8/layout/hList7"/>
+    <dgm:cxn modelId="{D6D6E29A-5CAE-4953-A97F-A063A47A62BC}" type="presOf" srcId="{DC3D4572-E6AF-4DB3-B8C0-23A119B03126}" destId="{6B698E92-1394-4122-AFFC-448F2F8BBAB0}" srcOrd="0" destOrd="0" presId="urn:microsoft.com/office/officeart/2005/8/layout/hList7"/>
+    <dgm:cxn modelId="{2F1003BF-0307-4EAF-845F-CBA34FB1EBF7}" type="presOf" srcId="{F5E318DC-75B2-4CA2-9D44-87914C7D7444}" destId="{6FFE5086-5F15-49E8-A740-376597DE3461}" srcOrd="0" destOrd="0" presId="urn:microsoft.com/office/officeart/2005/8/layout/hList7"/>
+    <dgm:cxn modelId="{0BCFFDCD-1532-4607-9172-D1D119D66535}" srcId="{B4B1784D-BEAD-4A55-A594-DFB95985BE95}" destId="{6C2EF7EE-38CC-4B22-8BEA-A7765C24F38A}" srcOrd="2" destOrd="0" parTransId="{60F1BBD8-9F3C-4708-B3F2-6CE582095708}" sibTransId="{F5E318DC-75B2-4CA2-9D44-87914C7D7444}"/>
+    <dgm:cxn modelId="{64E6C0D3-C98C-4BD0-9E48-A8272E497556}" type="presOf" srcId="{ECE92022-C1CA-4BD0-BD6E-5F5E80908911}" destId="{794E38C1-C137-4D34-9D6A-A184C9FE93FA}" srcOrd="0" destOrd="0" presId="urn:microsoft.com/office/officeart/2005/8/layout/hList7"/>
+    <dgm:cxn modelId="{8B78EEE2-0C0F-4CDC-92B9-DAD04888F8AF}" type="presOf" srcId="{6C2EF7EE-38CC-4B22-8BEA-A7765C24F38A}" destId="{4BC77B38-B7FE-4962-9A5A-F6C021EE0CAF}" srcOrd="0" destOrd="0" presId="urn:microsoft.com/office/officeart/2005/8/layout/hList7"/>
+    <dgm:cxn modelId="{ECE0BEE6-42EB-4D93-8772-65DFD16E150B}" type="presOf" srcId="{DC3D4572-E6AF-4DB3-B8C0-23A119B03126}" destId="{E36EFBC0-70CA-4E75-B390-3BED736D8058}" srcOrd="1" destOrd="0" presId="urn:microsoft.com/office/officeart/2005/8/layout/hList7"/>
+    <dgm:cxn modelId="{F4F450EF-5111-4D4C-9A2F-7F427ABA8A68}" type="presOf" srcId="{57A02B8A-087F-4AE2-A304-2E568076F666}" destId="{755A6073-6670-4C2F-A9C1-3726E51B5204}" srcOrd="1" destOrd="0" presId="urn:microsoft.com/office/officeart/2005/8/layout/hList7"/>
+    <dgm:cxn modelId="{F2A0E34E-755D-4A39-965D-84B764D6C05A}" type="presParOf" srcId="{97392C70-4A02-4857-A349-ACC852EC5C0B}" destId="{CABCFD7C-8511-48C7-9FDC-147903A4A716}" srcOrd="0" destOrd="0" presId="urn:microsoft.com/office/officeart/2005/8/layout/hList7"/>
+    <dgm:cxn modelId="{C7F97EBB-5ABC-4362-88BC-6BB24B30A387}" type="presParOf" srcId="{97392C70-4A02-4857-A349-ACC852EC5C0B}" destId="{5FC2B040-2A82-48C6-90DE-F9C674BEA1D8}" srcOrd="1" destOrd="0" presId="urn:microsoft.com/office/officeart/2005/8/layout/hList7"/>
+    <dgm:cxn modelId="{A5AC9E27-ED61-4B8A-B2C9-F66B74EAC34D}" type="presParOf" srcId="{5FC2B040-2A82-48C6-90DE-F9C674BEA1D8}" destId="{50EDC3E8-1A71-4034-8B26-DD8E235F0987}" srcOrd="0" destOrd="0" presId="urn:microsoft.com/office/officeart/2005/8/layout/hList7"/>
+    <dgm:cxn modelId="{007D68FA-5E04-48C9-AA89-543280D8C478}" type="presParOf" srcId="{50EDC3E8-1A71-4034-8B26-DD8E235F0987}" destId="{CB151BD7-5822-4B7F-A5C7-5C7DC96BE10B}" srcOrd="0" destOrd="0" presId="urn:microsoft.com/office/officeart/2005/8/layout/hList7"/>
+    <dgm:cxn modelId="{FDCF0D29-1BE0-4840-A340-FAD350EEA7BF}" type="presParOf" srcId="{50EDC3E8-1A71-4034-8B26-DD8E235F0987}" destId="{2F06ED01-6B6E-4A88-ADEA-8992E96830A9}" srcOrd="1" destOrd="0" presId="urn:microsoft.com/office/officeart/2005/8/layout/hList7"/>
+    <dgm:cxn modelId="{D29DCB75-23A8-44F3-8ADF-085C0A046BDD}" type="presParOf" srcId="{50EDC3E8-1A71-4034-8B26-DD8E235F0987}" destId="{D5BAFA8F-7F79-420A-9E12-9FABAE7070AF}" srcOrd="2" destOrd="0" presId="urn:microsoft.com/office/officeart/2005/8/layout/hList7"/>
+    <dgm:cxn modelId="{7649102B-2E2E-4416-BD56-BB8D51CBE635}" type="presParOf" srcId="{50EDC3E8-1A71-4034-8B26-DD8E235F0987}" destId="{ED4F6D27-A045-4FF1-B725-64CFF7582309}" srcOrd="3" destOrd="0" presId="urn:microsoft.com/office/officeart/2005/8/layout/hList7"/>
+    <dgm:cxn modelId="{8611BD2F-4863-467D-9245-2727A2F70D32}" type="presParOf" srcId="{5FC2B040-2A82-48C6-90DE-F9C674BEA1D8}" destId="{794E38C1-C137-4D34-9D6A-A184C9FE93FA}" srcOrd="1" destOrd="0" presId="urn:microsoft.com/office/officeart/2005/8/layout/hList7"/>
+    <dgm:cxn modelId="{DC5A93ED-5BBB-4E14-872C-F29CB08F48EF}" type="presParOf" srcId="{5FC2B040-2A82-48C6-90DE-F9C674BEA1D8}" destId="{6C3246D0-57DA-4399-A077-F605F33A6E05}" srcOrd="2" destOrd="0" presId="urn:microsoft.com/office/officeart/2005/8/layout/hList7"/>
+    <dgm:cxn modelId="{BE915172-CCA3-40AF-BFF5-138B4FA211F1}" type="presParOf" srcId="{6C3246D0-57DA-4399-A077-F605F33A6E05}" destId="{4FEEE3E2-E5A2-42D9-8BE2-759009ECBF14}" srcOrd="0" destOrd="0" presId="urn:microsoft.com/office/officeart/2005/8/layout/hList7"/>
+    <dgm:cxn modelId="{E3E80FD3-D0B6-4FBB-9065-C93BABDAA099}" type="presParOf" srcId="{6C3246D0-57DA-4399-A077-F605F33A6E05}" destId="{755A6073-6670-4C2F-A9C1-3726E51B5204}" srcOrd="1" destOrd="0" presId="urn:microsoft.com/office/officeart/2005/8/layout/hList7"/>
+    <dgm:cxn modelId="{A4DD752E-EB1C-4BD7-9729-0B2F10AD2599}" type="presParOf" srcId="{6C3246D0-57DA-4399-A077-F605F33A6E05}" destId="{CE1B992C-A0CF-4B7D-B1D2-02FCE683E4D7}" srcOrd="2" destOrd="0" presId="urn:microsoft.com/office/officeart/2005/8/layout/hList7"/>
+    <dgm:cxn modelId="{005D83B6-D285-419B-92E1-9999FE0EB737}" type="presParOf" srcId="{6C3246D0-57DA-4399-A077-F605F33A6E05}" destId="{87D11281-6321-4765-87A6-59ABCAFCCB42}" srcOrd="3" destOrd="0" presId="urn:microsoft.com/office/officeart/2005/8/layout/hList7"/>
+    <dgm:cxn modelId="{E29CADB1-6347-43FE-B4A9-9B1831788239}" type="presParOf" srcId="{5FC2B040-2A82-48C6-90DE-F9C674BEA1D8}" destId="{F94BCCB5-E372-4F99-B808-30370D6295A2}" srcOrd="3" destOrd="0" presId="urn:microsoft.com/office/officeart/2005/8/layout/hList7"/>
+    <dgm:cxn modelId="{63B69425-CCED-4D4E-A2BA-62E2273F9062}" type="presParOf" srcId="{5FC2B040-2A82-48C6-90DE-F9C674BEA1D8}" destId="{87202CA5-025A-4208-92A3-67234F0B974B}" srcOrd="4" destOrd="0" presId="urn:microsoft.com/office/officeart/2005/8/layout/hList7"/>
+    <dgm:cxn modelId="{4110A176-2C9A-464E-8D74-DCB1F7FF0BC9}" type="presParOf" srcId="{87202CA5-025A-4208-92A3-67234F0B974B}" destId="{4BC77B38-B7FE-4962-9A5A-F6C021EE0CAF}" srcOrd="0" destOrd="0" presId="urn:microsoft.com/office/officeart/2005/8/layout/hList7"/>
+    <dgm:cxn modelId="{CECD5D7C-6FF6-423B-873B-6935730A1CB3}" type="presParOf" srcId="{87202CA5-025A-4208-92A3-67234F0B974B}" destId="{80789FF6-6F9B-44A0-9E29-1CB408BC6FBD}" srcOrd="1" destOrd="0" presId="urn:microsoft.com/office/officeart/2005/8/layout/hList7"/>
+    <dgm:cxn modelId="{630EBDE4-0CB2-43F7-A215-4932926F3FFB}" type="presParOf" srcId="{87202CA5-025A-4208-92A3-67234F0B974B}" destId="{884E3B50-2F2D-4190-8B7D-74E1B09071F1}" srcOrd="2" destOrd="0" presId="urn:microsoft.com/office/officeart/2005/8/layout/hList7"/>
+    <dgm:cxn modelId="{2F7E70E0-3A54-4753-B658-533B413D8DC4}" type="presParOf" srcId="{87202CA5-025A-4208-92A3-67234F0B974B}" destId="{AD5BADEA-847D-4993-AC65-E45AD1B6ECC5}" srcOrd="3" destOrd="0" presId="urn:microsoft.com/office/officeart/2005/8/layout/hList7"/>
+    <dgm:cxn modelId="{6EF93036-77EA-4043-A00C-F35BCCD27AC6}" type="presParOf" srcId="{5FC2B040-2A82-48C6-90DE-F9C674BEA1D8}" destId="{6FFE5086-5F15-49E8-A740-376597DE3461}" srcOrd="5" destOrd="0" presId="urn:microsoft.com/office/officeart/2005/8/layout/hList7"/>
+    <dgm:cxn modelId="{C36923E0-8BA5-487C-8332-EB149987A31E}" type="presParOf" srcId="{5FC2B040-2A82-48C6-90DE-F9C674BEA1D8}" destId="{A4CA1E17-EA93-4723-890D-11D9D49FF7B2}" srcOrd="6" destOrd="0" presId="urn:microsoft.com/office/officeart/2005/8/layout/hList7"/>
+    <dgm:cxn modelId="{BDEDF475-DD8B-481C-8490-E6D680E8B2B9}" type="presParOf" srcId="{A4CA1E17-EA93-4723-890D-11D9D49FF7B2}" destId="{6B698E92-1394-4122-AFFC-448F2F8BBAB0}" srcOrd="0" destOrd="0" presId="urn:microsoft.com/office/officeart/2005/8/layout/hList7"/>
+    <dgm:cxn modelId="{608AFBFB-7CB5-4102-B34C-0E3FF30D9FE8}" type="presParOf" srcId="{A4CA1E17-EA93-4723-890D-11D9D49FF7B2}" destId="{E36EFBC0-70CA-4E75-B390-3BED736D8058}" srcOrd="1" destOrd="0" presId="urn:microsoft.com/office/officeart/2005/8/layout/hList7"/>
+    <dgm:cxn modelId="{C88F5F4C-5AF5-49BA-9358-F96C7633A1AB}" type="presParOf" srcId="{A4CA1E17-EA93-4723-890D-11D9D49FF7B2}" destId="{86F977B3-D515-4A10-8542-FB10F6730CD8}" srcOrd="2" destOrd="0" presId="urn:microsoft.com/office/officeart/2005/8/layout/hList7"/>
+    <dgm:cxn modelId="{0AF7ED53-772D-45A7-A0B9-FBD7F492BEB2}" type="presParOf" srcId="{A4CA1E17-EA93-4723-890D-11D9D49FF7B2}" destId="{1380D25F-7FB1-4702-AE14-01FEA9067CE0}" srcOrd="3" destOrd="0" presId="urn:microsoft.com/office/officeart/2005/8/layout/hList7"/>
   </dgm:cxnLst>
   <dgm:bg/>
   <dgm:whole/>
@@ -2216,6 +4548,927 @@
 </dsp:drawing>
 </file>
 
+<file path=ppt/diagrams/drawing2.xml><?xml version="1.0" encoding="utf-8"?>
+<dsp:drawing xmlns:dgm="http://schemas.openxmlformats.org/drawingml/2006/diagram" xmlns:dsp="http://schemas.microsoft.com/office/drawing/2008/diagram" xmlns:a="http://schemas.openxmlformats.org/drawingml/2006/main">
+  <dsp:spTree>
+    <dsp:nvGrpSpPr>
+      <dsp:cNvPr id="0" name=""/>
+      <dsp:cNvGrpSpPr/>
+    </dsp:nvGrpSpPr>
+    <dsp:grpSpPr/>
+    <dsp:sp modelId="{7C3F008C-75C5-4E20-8520-5E57722D57D8}">
+      <dsp:nvSpPr>
+        <dsp:cNvPr id="0" name=""/>
+        <dsp:cNvSpPr/>
+      </dsp:nvSpPr>
+      <dsp:spPr>
+        <a:xfrm>
+          <a:off x="0" y="28345"/>
+          <a:ext cx="5233566" cy="524160"/>
+        </a:xfrm>
+        <a:prstGeom prst="roundRect">
+          <a:avLst/>
+        </a:prstGeom>
+        <a:solidFill>
+          <a:schemeClr val="lt1">
+            <a:hueOff val="0"/>
+            <a:satOff val="0"/>
+            <a:lumOff val="0"/>
+            <a:alphaOff val="0"/>
+          </a:schemeClr>
+        </a:solidFill>
+        <a:ln w="12700" cap="flat" cmpd="sng" algn="ctr">
+          <a:solidFill>
+            <a:schemeClr val="accent2">
+              <a:shade val="80000"/>
+              <a:hueOff val="0"/>
+              <a:satOff val="0"/>
+              <a:lumOff val="0"/>
+              <a:alphaOff val="0"/>
+            </a:schemeClr>
+          </a:solidFill>
+          <a:prstDash val="solid"/>
+          <a:miter lim="800000"/>
+        </a:ln>
+        <a:effectLst/>
+      </dsp:spPr>
+      <dsp:style>
+        <a:lnRef idx="2">
+          <a:scrgbClr r="0" g="0" b="0"/>
+        </a:lnRef>
+        <a:fillRef idx="1">
+          <a:scrgbClr r="0" g="0" b="0"/>
+        </a:fillRef>
+        <a:effectRef idx="0">
+          <a:scrgbClr r="0" g="0" b="0"/>
+        </a:effectRef>
+        <a:fontRef idx="minor">
+          <a:schemeClr val="lt1"/>
+        </a:fontRef>
+      </dsp:style>
+      <dsp:txBody>
+        <a:bodyPr spcFirstLastPara="0" vert="horz" wrap="square" lIns="76200" tIns="76200" rIns="76200" bIns="76200" numCol="1" spcCol="1270" anchor="ctr" anchorCtr="0">
+          <a:noAutofit/>
+        </a:bodyPr>
+        <a:lstStyle/>
+        <a:p>
+          <a:pPr marL="0" lvl="0" indent="0" algn="l" defTabSz="889000">
+            <a:lnSpc>
+              <a:spcPct val="90000"/>
+            </a:lnSpc>
+            <a:spcBef>
+              <a:spcPct val="0"/>
+            </a:spcBef>
+            <a:spcAft>
+              <a:spcPct val="35000"/>
+            </a:spcAft>
+            <a:buNone/>
+          </a:pPr>
+          <a:r>
+            <a:rPr lang="en-US" sz="2000" kern="1200" dirty="0"/>
+            <a:t>To Do, Doing, Done</a:t>
+          </a:r>
+          <a:endParaRPr lang="de-DE" sz="2000" kern="1200" dirty="0"/>
+        </a:p>
+      </dsp:txBody>
+      <dsp:txXfrm>
+        <a:off x="25587" y="53932"/>
+        <a:ext cx="5182392" cy="472986"/>
+      </dsp:txXfrm>
+    </dsp:sp>
+    <dsp:sp modelId="{4699591F-8B04-4567-B550-B48E688CA527}">
+      <dsp:nvSpPr>
+        <dsp:cNvPr id="0" name=""/>
+        <dsp:cNvSpPr/>
+      </dsp:nvSpPr>
+      <dsp:spPr>
+        <a:xfrm>
+          <a:off x="0" y="633145"/>
+          <a:ext cx="5233566" cy="524160"/>
+        </a:xfrm>
+        <a:prstGeom prst="roundRect">
+          <a:avLst/>
+        </a:prstGeom>
+        <a:solidFill>
+          <a:schemeClr val="lt1">
+            <a:hueOff val="0"/>
+            <a:satOff val="0"/>
+            <a:lumOff val="0"/>
+            <a:alphaOff val="0"/>
+          </a:schemeClr>
+        </a:solidFill>
+        <a:ln w="12700" cap="flat" cmpd="sng" algn="ctr">
+          <a:solidFill>
+            <a:schemeClr val="accent2">
+              <a:shade val="80000"/>
+              <a:hueOff val="0"/>
+              <a:satOff val="0"/>
+              <a:lumOff val="0"/>
+              <a:alphaOff val="0"/>
+            </a:schemeClr>
+          </a:solidFill>
+          <a:prstDash val="solid"/>
+          <a:miter lim="800000"/>
+        </a:ln>
+        <a:effectLst/>
+      </dsp:spPr>
+      <dsp:style>
+        <a:lnRef idx="2">
+          <a:scrgbClr r="0" g="0" b="0"/>
+        </a:lnRef>
+        <a:fillRef idx="1">
+          <a:scrgbClr r="0" g="0" b="0"/>
+        </a:fillRef>
+        <a:effectRef idx="0">
+          <a:scrgbClr r="0" g="0" b="0"/>
+        </a:effectRef>
+        <a:fontRef idx="minor">
+          <a:schemeClr val="lt1"/>
+        </a:fontRef>
+      </dsp:style>
+      <dsp:txBody>
+        <a:bodyPr spcFirstLastPara="0" vert="horz" wrap="square" lIns="76200" tIns="76200" rIns="76200" bIns="76200" numCol="1" spcCol="1270" anchor="ctr" anchorCtr="0">
+          <a:noAutofit/>
+        </a:bodyPr>
+        <a:lstStyle/>
+        <a:p>
+          <a:pPr marL="0" lvl="0" indent="0" algn="l" defTabSz="889000">
+            <a:lnSpc>
+              <a:spcPct val="90000"/>
+            </a:lnSpc>
+            <a:spcBef>
+              <a:spcPct val="0"/>
+            </a:spcBef>
+            <a:spcAft>
+              <a:spcPct val="35000"/>
+            </a:spcAft>
+            <a:buNone/>
+          </a:pPr>
+          <a:r>
+            <a:rPr lang="en-US" sz="2000" kern="1200"/>
+            <a:t>Arbeitspakete</a:t>
+          </a:r>
+          <a:endParaRPr lang="de-DE" sz="2000" kern="1200"/>
+        </a:p>
+      </dsp:txBody>
+      <dsp:txXfrm>
+        <a:off x="25587" y="658732"/>
+        <a:ext cx="5182392" cy="472986"/>
+      </dsp:txXfrm>
+    </dsp:sp>
+    <dsp:sp modelId="{3A44855D-80A1-4A64-923A-E5551F70DCD7}">
+      <dsp:nvSpPr>
+        <dsp:cNvPr id="0" name=""/>
+        <dsp:cNvSpPr/>
+      </dsp:nvSpPr>
+      <dsp:spPr>
+        <a:xfrm>
+          <a:off x="0" y="1237945"/>
+          <a:ext cx="5233566" cy="524160"/>
+        </a:xfrm>
+        <a:prstGeom prst="roundRect">
+          <a:avLst/>
+        </a:prstGeom>
+        <a:solidFill>
+          <a:schemeClr val="lt1">
+            <a:hueOff val="0"/>
+            <a:satOff val="0"/>
+            <a:lumOff val="0"/>
+            <a:alphaOff val="0"/>
+          </a:schemeClr>
+        </a:solidFill>
+        <a:ln w="12700" cap="flat" cmpd="sng" algn="ctr">
+          <a:solidFill>
+            <a:schemeClr val="accent2">
+              <a:shade val="80000"/>
+              <a:hueOff val="0"/>
+              <a:satOff val="0"/>
+              <a:lumOff val="0"/>
+              <a:alphaOff val="0"/>
+            </a:schemeClr>
+          </a:solidFill>
+          <a:prstDash val="solid"/>
+          <a:miter lim="800000"/>
+        </a:ln>
+        <a:effectLst/>
+      </dsp:spPr>
+      <dsp:style>
+        <a:lnRef idx="2">
+          <a:scrgbClr r="0" g="0" b="0"/>
+        </a:lnRef>
+        <a:fillRef idx="1">
+          <a:scrgbClr r="0" g="0" b="0"/>
+        </a:fillRef>
+        <a:effectRef idx="0">
+          <a:scrgbClr r="0" g="0" b="0"/>
+        </a:effectRef>
+        <a:fontRef idx="minor">
+          <a:schemeClr val="lt1"/>
+        </a:fontRef>
+      </dsp:style>
+      <dsp:txBody>
+        <a:bodyPr spcFirstLastPara="0" vert="horz" wrap="square" lIns="76200" tIns="76200" rIns="76200" bIns="76200" numCol="1" spcCol="1270" anchor="ctr" anchorCtr="0">
+          <a:noAutofit/>
+        </a:bodyPr>
+        <a:lstStyle/>
+        <a:p>
+          <a:pPr marL="0" lvl="0" indent="0" algn="l" defTabSz="889000">
+            <a:lnSpc>
+              <a:spcPct val="90000"/>
+            </a:lnSpc>
+            <a:spcBef>
+              <a:spcPct val="0"/>
+            </a:spcBef>
+            <a:spcAft>
+              <a:spcPct val="35000"/>
+            </a:spcAft>
+            <a:buNone/>
+          </a:pPr>
+          <a:r>
+            <a:rPr lang="en-US" sz="2000" kern="1200"/>
+            <a:t>Gruppen</a:t>
+          </a:r>
+          <a:endParaRPr lang="de-DE" sz="2000" kern="1200"/>
+        </a:p>
+      </dsp:txBody>
+      <dsp:txXfrm>
+        <a:off x="25587" y="1263532"/>
+        <a:ext cx="5182392" cy="472986"/>
+      </dsp:txXfrm>
+    </dsp:sp>
+    <dsp:sp modelId="{984F5C0E-0DCF-4AF7-8FA1-0AF770BBAC5A}">
+      <dsp:nvSpPr>
+        <dsp:cNvPr id="0" name=""/>
+        <dsp:cNvSpPr/>
+      </dsp:nvSpPr>
+      <dsp:spPr>
+        <a:xfrm>
+          <a:off x="0" y="1842745"/>
+          <a:ext cx="5233566" cy="524160"/>
+        </a:xfrm>
+        <a:prstGeom prst="roundRect">
+          <a:avLst/>
+        </a:prstGeom>
+        <a:solidFill>
+          <a:schemeClr val="lt1">
+            <a:hueOff val="0"/>
+            <a:satOff val="0"/>
+            <a:lumOff val="0"/>
+            <a:alphaOff val="0"/>
+          </a:schemeClr>
+        </a:solidFill>
+        <a:ln w="12700" cap="flat" cmpd="sng" algn="ctr">
+          <a:solidFill>
+            <a:schemeClr val="accent2">
+              <a:shade val="80000"/>
+              <a:hueOff val="0"/>
+              <a:satOff val="0"/>
+              <a:lumOff val="0"/>
+              <a:alphaOff val="0"/>
+            </a:schemeClr>
+          </a:solidFill>
+          <a:prstDash val="solid"/>
+          <a:miter lim="800000"/>
+        </a:ln>
+        <a:effectLst/>
+      </dsp:spPr>
+      <dsp:style>
+        <a:lnRef idx="2">
+          <a:scrgbClr r="0" g="0" b="0"/>
+        </a:lnRef>
+        <a:fillRef idx="1">
+          <a:scrgbClr r="0" g="0" b="0"/>
+        </a:fillRef>
+        <a:effectRef idx="0">
+          <a:scrgbClr r="0" g="0" b="0"/>
+        </a:effectRef>
+        <a:fontRef idx="minor">
+          <a:schemeClr val="lt1"/>
+        </a:fontRef>
+      </dsp:style>
+      <dsp:txBody>
+        <a:bodyPr spcFirstLastPara="0" vert="horz" wrap="square" lIns="76200" tIns="76200" rIns="76200" bIns="76200" numCol="1" spcCol="1270" anchor="ctr" anchorCtr="0">
+          <a:noAutofit/>
+        </a:bodyPr>
+        <a:lstStyle/>
+        <a:p>
+          <a:pPr marL="0" lvl="0" indent="0" algn="l" defTabSz="889000">
+            <a:lnSpc>
+              <a:spcPct val="90000"/>
+            </a:lnSpc>
+            <a:spcBef>
+              <a:spcPct val="0"/>
+            </a:spcBef>
+            <a:spcAft>
+              <a:spcPct val="35000"/>
+            </a:spcAft>
+            <a:buNone/>
+          </a:pPr>
+          <a:r>
+            <a:rPr lang="en-US" sz="2000" kern="1200"/>
+            <a:t>Zeitplanung</a:t>
+          </a:r>
+          <a:endParaRPr lang="de-DE" sz="2000" kern="1200"/>
+        </a:p>
+      </dsp:txBody>
+      <dsp:txXfrm>
+        <a:off x="25587" y="1868332"/>
+        <a:ext cx="5182392" cy="472986"/>
+      </dsp:txXfrm>
+    </dsp:sp>
+  </dsp:spTree>
+</dsp:drawing>
+</file>
+
+<file path=ppt/diagrams/drawing3.xml><?xml version="1.0" encoding="utf-8"?>
+<dsp:drawing xmlns:dgm="http://schemas.openxmlformats.org/drawingml/2006/diagram" xmlns:dsp="http://schemas.microsoft.com/office/drawing/2008/diagram" xmlns:a="http://schemas.openxmlformats.org/drawingml/2006/main">
+  <dsp:spTree>
+    <dsp:nvGrpSpPr>
+      <dsp:cNvPr id="0" name=""/>
+      <dsp:cNvGrpSpPr/>
+    </dsp:nvGrpSpPr>
+    <dsp:grpSpPr/>
+    <dsp:sp modelId="{CB151BD7-5822-4B7F-A5C7-5C7DC96BE10B}">
+      <dsp:nvSpPr>
+        <dsp:cNvPr id="0" name=""/>
+        <dsp:cNvSpPr/>
+      </dsp:nvSpPr>
+      <dsp:spPr>
+        <a:xfrm>
+          <a:off x="2279" y="0"/>
+          <a:ext cx="2389233" cy="3373450"/>
+        </a:xfrm>
+        <a:prstGeom prst="roundRect">
+          <a:avLst>
+            <a:gd name="adj" fmla="val 10000"/>
+          </a:avLst>
+        </a:prstGeom>
+        <a:solidFill>
+          <a:schemeClr val="lt1">
+            <a:hueOff val="0"/>
+            <a:satOff val="0"/>
+            <a:lumOff val="0"/>
+            <a:alphaOff val="0"/>
+          </a:schemeClr>
+        </a:solidFill>
+        <a:ln w="12700" cap="flat" cmpd="sng" algn="ctr">
+          <a:solidFill>
+            <a:schemeClr val="accent2">
+              <a:shade val="80000"/>
+              <a:hueOff val="0"/>
+              <a:satOff val="0"/>
+              <a:lumOff val="0"/>
+              <a:alphaOff val="0"/>
+            </a:schemeClr>
+          </a:solidFill>
+          <a:prstDash val="solid"/>
+          <a:miter lim="800000"/>
+        </a:ln>
+        <a:effectLst/>
+      </dsp:spPr>
+      <dsp:style>
+        <a:lnRef idx="2">
+          <a:scrgbClr r="0" g="0" b="0"/>
+        </a:lnRef>
+        <a:fillRef idx="1">
+          <a:scrgbClr r="0" g="0" b="0"/>
+        </a:fillRef>
+        <a:effectRef idx="0">
+          <a:scrgbClr r="0" g="0" b="0"/>
+        </a:effectRef>
+        <a:fontRef idx="minor">
+          <a:schemeClr val="lt1"/>
+        </a:fontRef>
+      </dsp:style>
+      <dsp:txBody>
+        <a:bodyPr spcFirstLastPara="0" vert="horz" wrap="square" lIns="156464" tIns="156464" rIns="156464" bIns="156464" numCol="1" spcCol="1270" anchor="ctr" anchorCtr="0">
+          <a:noAutofit/>
+        </a:bodyPr>
+        <a:lstStyle/>
+        <a:p>
+          <a:pPr marL="0" lvl="0" indent="0" algn="ctr" defTabSz="977900">
+            <a:lnSpc>
+              <a:spcPct val="90000"/>
+            </a:lnSpc>
+            <a:spcBef>
+              <a:spcPct val="0"/>
+            </a:spcBef>
+            <a:spcAft>
+              <a:spcPct val="35000"/>
+            </a:spcAft>
+            <a:buNone/>
+          </a:pPr>
+          <a:r>
+            <a:rPr lang="de-DE" sz="2200" kern="1200"/>
+            <a:t>Insgesamt zufrieden</a:t>
+          </a:r>
+        </a:p>
+      </dsp:txBody>
+      <dsp:txXfrm>
+        <a:off x="2279" y="1349380"/>
+        <a:ext cx="2389233" cy="1349380"/>
+      </dsp:txXfrm>
+    </dsp:sp>
+    <dsp:sp modelId="{ED4F6D27-A045-4FF1-B725-64CFF7582309}">
+      <dsp:nvSpPr>
+        <dsp:cNvPr id="0" name=""/>
+        <dsp:cNvSpPr/>
+      </dsp:nvSpPr>
+      <dsp:spPr>
+        <a:xfrm>
+          <a:off x="635216" y="202406"/>
+          <a:ext cx="1123358" cy="1123358"/>
+        </a:xfrm>
+        <a:prstGeom prst="ellipse">
+          <a:avLst/>
+        </a:prstGeom>
+        <a:blipFill>
+          <a:blip xmlns:r="http://schemas.openxmlformats.org/officeDocument/2006/relationships" r:embed="rId1">
+            <a:extLst>
+              <a:ext uri="{28A0092B-C50C-407E-A947-70E740481C1C}">
+                <a14:useLocalDpi xmlns:a14="http://schemas.microsoft.com/office/drawing/2010/main" val="0"/>
+              </a:ext>
+              <a:ext uri="{96DAC541-7B7A-43D3-8B79-37D633B846F1}">
+                <asvg:svgBlip xmlns:asvg="http://schemas.microsoft.com/office/drawing/2016/SVG/main" r:embed="rId2"/>
+              </a:ext>
+            </a:extLst>
+          </a:blip>
+          <a:srcRect/>
+          <a:stretch>
+            <a:fillRect/>
+          </a:stretch>
+        </a:blipFill>
+        <a:ln w="12700" cap="flat" cmpd="sng" algn="ctr">
+          <a:solidFill>
+            <a:schemeClr val="bg1"/>
+          </a:solidFill>
+          <a:prstDash val="solid"/>
+          <a:miter lim="800000"/>
+        </a:ln>
+        <a:effectLst/>
+      </dsp:spPr>
+      <dsp:style>
+        <a:lnRef idx="2">
+          <a:scrgbClr r="0" g="0" b="0"/>
+        </a:lnRef>
+        <a:fillRef idx="1">
+          <a:scrgbClr r="0" g="0" b="0"/>
+        </a:fillRef>
+        <a:effectRef idx="0">
+          <a:scrgbClr r="0" g="0" b="0"/>
+        </a:effectRef>
+        <a:fontRef idx="minor"/>
+      </dsp:style>
+    </dsp:sp>
+    <dsp:sp modelId="{4FEEE3E2-E5A2-42D9-8BE2-759009ECBF14}">
+      <dsp:nvSpPr>
+        <dsp:cNvPr id="0" name=""/>
+        <dsp:cNvSpPr/>
+      </dsp:nvSpPr>
+      <dsp:spPr>
+        <a:xfrm>
+          <a:off x="2463189" y="0"/>
+          <a:ext cx="2389233" cy="3373450"/>
+        </a:xfrm>
+        <a:prstGeom prst="roundRect">
+          <a:avLst>
+            <a:gd name="adj" fmla="val 10000"/>
+          </a:avLst>
+        </a:prstGeom>
+        <a:solidFill>
+          <a:schemeClr val="lt1">
+            <a:hueOff val="0"/>
+            <a:satOff val="0"/>
+            <a:lumOff val="0"/>
+            <a:alphaOff val="0"/>
+          </a:schemeClr>
+        </a:solidFill>
+        <a:ln w="12700" cap="flat" cmpd="sng" algn="ctr">
+          <a:solidFill>
+            <a:schemeClr val="accent2">
+              <a:shade val="80000"/>
+              <a:hueOff val="0"/>
+              <a:satOff val="0"/>
+              <a:lumOff val="0"/>
+              <a:alphaOff val="0"/>
+            </a:schemeClr>
+          </a:solidFill>
+          <a:prstDash val="solid"/>
+          <a:miter lim="800000"/>
+        </a:ln>
+        <a:effectLst/>
+      </dsp:spPr>
+      <dsp:style>
+        <a:lnRef idx="2">
+          <a:scrgbClr r="0" g="0" b="0"/>
+        </a:lnRef>
+        <a:fillRef idx="1">
+          <a:scrgbClr r="0" g="0" b="0"/>
+        </a:fillRef>
+        <a:effectRef idx="0">
+          <a:scrgbClr r="0" g="0" b="0"/>
+        </a:effectRef>
+        <a:fontRef idx="minor">
+          <a:schemeClr val="lt1"/>
+        </a:fontRef>
+      </dsp:style>
+      <dsp:txBody>
+        <a:bodyPr spcFirstLastPara="0" vert="horz" wrap="square" lIns="156464" tIns="156464" rIns="156464" bIns="156464" numCol="1" spcCol="1270" anchor="ctr" anchorCtr="0">
+          <a:noAutofit/>
+        </a:bodyPr>
+        <a:lstStyle/>
+        <a:p>
+          <a:pPr marL="0" lvl="0" indent="0" algn="ctr" defTabSz="977900">
+            <a:lnSpc>
+              <a:spcPct val="90000"/>
+            </a:lnSpc>
+            <a:spcBef>
+              <a:spcPct val="0"/>
+            </a:spcBef>
+            <a:spcAft>
+              <a:spcPct val="35000"/>
+            </a:spcAft>
+            <a:buNone/>
+          </a:pPr>
+          <a:r>
+            <a:rPr lang="de-DE" sz="2200" kern="1200"/>
+            <a:t>Gute Umsetzung der Kernfunktionen </a:t>
+          </a:r>
+        </a:p>
+      </dsp:txBody>
+      <dsp:txXfrm>
+        <a:off x="2463189" y="1349380"/>
+        <a:ext cx="2389233" cy="1349380"/>
+      </dsp:txXfrm>
+    </dsp:sp>
+    <dsp:sp modelId="{87D11281-6321-4765-87A6-59ABCAFCCB42}">
+      <dsp:nvSpPr>
+        <dsp:cNvPr id="0" name=""/>
+        <dsp:cNvSpPr/>
+      </dsp:nvSpPr>
+      <dsp:spPr>
+        <a:xfrm>
+          <a:off x="3096126" y="202406"/>
+          <a:ext cx="1123358" cy="1123358"/>
+        </a:xfrm>
+        <a:prstGeom prst="ellipse">
+          <a:avLst/>
+        </a:prstGeom>
+        <a:blipFill>
+          <a:blip xmlns:r="http://schemas.openxmlformats.org/officeDocument/2006/relationships" r:embed="rId3">
+            <a:extLst>
+              <a:ext uri="{28A0092B-C50C-407E-A947-70E740481C1C}">
+                <a14:useLocalDpi xmlns:a14="http://schemas.microsoft.com/office/drawing/2010/main" val="0"/>
+              </a:ext>
+              <a:ext uri="{96DAC541-7B7A-43D3-8B79-37D633B846F1}">
+                <asvg:svgBlip xmlns:asvg="http://schemas.microsoft.com/office/drawing/2016/SVG/main" r:embed="rId4"/>
+              </a:ext>
+            </a:extLst>
+          </a:blip>
+          <a:srcRect/>
+          <a:stretch>
+            <a:fillRect/>
+          </a:stretch>
+        </a:blipFill>
+        <a:ln w="12700" cap="flat" cmpd="sng" algn="ctr">
+          <a:solidFill>
+            <a:schemeClr val="bg1"/>
+          </a:solidFill>
+          <a:prstDash val="solid"/>
+          <a:miter lim="800000"/>
+        </a:ln>
+        <a:effectLst/>
+      </dsp:spPr>
+      <dsp:style>
+        <a:lnRef idx="2">
+          <a:scrgbClr r="0" g="0" b="0"/>
+        </a:lnRef>
+        <a:fillRef idx="1">
+          <a:scrgbClr r="0" g="0" b="0"/>
+        </a:fillRef>
+        <a:effectRef idx="0">
+          <a:scrgbClr r="0" g="0" b="0"/>
+        </a:effectRef>
+        <a:fontRef idx="minor"/>
+      </dsp:style>
+    </dsp:sp>
+    <dsp:sp modelId="{4BC77B38-B7FE-4962-9A5A-F6C021EE0CAF}">
+      <dsp:nvSpPr>
+        <dsp:cNvPr id="0" name=""/>
+        <dsp:cNvSpPr/>
+      </dsp:nvSpPr>
+      <dsp:spPr>
+        <a:xfrm>
+          <a:off x="4924099" y="0"/>
+          <a:ext cx="2389233" cy="3373450"/>
+        </a:xfrm>
+        <a:prstGeom prst="roundRect">
+          <a:avLst>
+            <a:gd name="adj" fmla="val 10000"/>
+          </a:avLst>
+        </a:prstGeom>
+        <a:solidFill>
+          <a:schemeClr val="lt1">
+            <a:hueOff val="0"/>
+            <a:satOff val="0"/>
+            <a:lumOff val="0"/>
+            <a:alphaOff val="0"/>
+          </a:schemeClr>
+        </a:solidFill>
+        <a:ln w="12700" cap="flat" cmpd="sng" algn="ctr">
+          <a:solidFill>
+            <a:schemeClr val="accent2">
+              <a:shade val="80000"/>
+              <a:hueOff val="0"/>
+              <a:satOff val="0"/>
+              <a:lumOff val="0"/>
+              <a:alphaOff val="0"/>
+            </a:schemeClr>
+          </a:solidFill>
+          <a:prstDash val="solid"/>
+          <a:miter lim="800000"/>
+        </a:ln>
+        <a:effectLst/>
+      </dsp:spPr>
+      <dsp:style>
+        <a:lnRef idx="2">
+          <a:scrgbClr r="0" g="0" b="0"/>
+        </a:lnRef>
+        <a:fillRef idx="1">
+          <a:scrgbClr r="0" g="0" b="0"/>
+        </a:fillRef>
+        <a:effectRef idx="0">
+          <a:scrgbClr r="0" g="0" b="0"/>
+        </a:effectRef>
+        <a:fontRef idx="minor">
+          <a:schemeClr val="lt1"/>
+        </a:fontRef>
+      </dsp:style>
+      <dsp:txBody>
+        <a:bodyPr spcFirstLastPara="0" vert="horz" wrap="square" lIns="156464" tIns="156464" rIns="156464" bIns="156464" numCol="1" spcCol="1270" anchor="ctr" anchorCtr="0">
+          <a:noAutofit/>
+        </a:bodyPr>
+        <a:lstStyle/>
+        <a:p>
+          <a:pPr marL="0" lvl="0" indent="0" algn="ctr" defTabSz="977900">
+            <a:lnSpc>
+              <a:spcPct val="90000"/>
+            </a:lnSpc>
+            <a:spcBef>
+              <a:spcPct val="0"/>
+            </a:spcBef>
+            <a:spcAft>
+              <a:spcPct val="35000"/>
+            </a:spcAft>
+            <a:buNone/>
+          </a:pPr>
+          <a:r>
+            <a:rPr lang="de-DE" sz="2200" kern="1200"/>
+            <a:t>Unterschätzung der Zeit</a:t>
+          </a:r>
+        </a:p>
+      </dsp:txBody>
+      <dsp:txXfrm>
+        <a:off x="4924099" y="1349380"/>
+        <a:ext cx="2389233" cy="1349380"/>
+      </dsp:txXfrm>
+    </dsp:sp>
+    <dsp:sp modelId="{AD5BADEA-847D-4993-AC65-E45AD1B6ECC5}">
+      <dsp:nvSpPr>
+        <dsp:cNvPr id="0" name=""/>
+        <dsp:cNvSpPr/>
+      </dsp:nvSpPr>
+      <dsp:spPr>
+        <a:xfrm>
+          <a:off x="5557037" y="202406"/>
+          <a:ext cx="1123358" cy="1123358"/>
+        </a:xfrm>
+        <a:prstGeom prst="ellipse">
+          <a:avLst/>
+        </a:prstGeom>
+        <a:blipFill>
+          <a:blip xmlns:r="http://schemas.openxmlformats.org/officeDocument/2006/relationships" r:embed="rId5">
+            <a:extLst>
+              <a:ext uri="{28A0092B-C50C-407E-A947-70E740481C1C}">
+                <a14:useLocalDpi xmlns:a14="http://schemas.microsoft.com/office/drawing/2010/main" val="0"/>
+              </a:ext>
+              <a:ext uri="{96DAC541-7B7A-43D3-8B79-37D633B846F1}">
+                <asvg:svgBlip xmlns:asvg="http://schemas.microsoft.com/office/drawing/2016/SVG/main" r:embed="rId6"/>
+              </a:ext>
+            </a:extLst>
+          </a:blip>
+          <a:srcRect/>
+          <a:stretch>
+            <a:fillRect/>
+          </a:stretch>
+        </a:blipFill>
+        <a:ln w="12700" cap="flat" cmpd="sng" algn="ctr">
+          <a:solidFill>
+            <a:schemeClr val="bg1"/>
+          </a:solidFill>
+          <a:prstDash val="solid"/>
+          <a:miter lim="800000"/>
+        </a:ln>
+        <a:effectLst/>
+      </dsp:spPr>
+      <dsp:style>
+        <a:lnRef idx="2">
+          <a:scrgbClr r="0" g="0" b="0"/>
+        </a:lnRef>
+        <a:fillRef idx="1">
+          <a:scrgbClr r="0" g="0" b="0"/>
+        </a:fillRef>
+        <a:effectRef idx="0">
+          <a:scrgbClr r="0" g="0" b="0"/>
+        </a:effectRef>
+        <a:fontRef idx="minor"/>
+      </dsp:style>
+    </dsp:sp>
+    <dsp:sp modelId="{6B698E92-1394-4122-AFFC-448F2F8BBAB0}">
+      <dsp:nvSpPr>
+        <dsp:cNvPr id="0" name=""/>
+        <dsp:cNvSpPr/>
+      </dsp:nvSpPr>
+      <dsp:spPr>
+        <a:xfrm>
+          <a:off x="7387289" y="0"/>
+          <a:ext cx="2389233" cy="3373450"/>
+        </a:xfrm>
+        <a:prstGeom prst="roundRect">
+          <a:avLst>
+            <a:gd name="adj" fmla="val 10000"/>
+          </a:avLst>
+        </a:prstGeom>
+        <a:solidFill>
+          <a:schemeClr val="lt1">
+            <a:hueOff val="0"/>
+            <a:satOff val="0"/>
+            <a:lumOff val="0"/>
+            <a:alphaOff val="0"/>
+          </a:schemeClr>
+        </a:solidFill>
+        <a:ln w="12700" cap="flat" cmpd="sng" algn="ctr">
+          <a:solidFill>
+            <a:schemeClr val="accent2">
+              <a:shade val="80000"/>
+              <a:hueOff val="0"/>
+              <a:satOff val="0"/>
+              <a:lumOff val="0"/>
+              <a:alphaOff val="0"/>
+            </a:schemeClr>
+          </a:solidFill>
+          <a:prstDash val="solid"/>
+          <a:miter lim="800000"/>
+        </a:ln>
+        <a:effectLst/>
+      </dsp:spPr>
+      <dsp:style>
+        <a:lnRef idx="2">
+          <a:scrgbClr r="0" g="0" b="0"/>
+        </a:lnRef>
+        <a:fillRef idx="1">
+          <a:scrgbClr r="0" g="0" b="0"/>
+        </a:fillRef>
+        <a:effectRef idx="0">
+          <a:scrgbClr r="0" g="0" b="0"/>
+        </a:effectRef>
+        <a:fontRef idx="minor">
+          <a:schemeClr val="lt1"/>
+        </a:fontRef>
+      </dsp:style>
+      <dsp:txBody>
+        <a:bodyPr spcFirstLastPara="0" vert="horz" wrap="square" lIns="156464" tIns="156464" rIns="156464" bIns="156464" numCol="1" spcCol="1270" anchor="ctr" anchorCtr="0">
+          <a:noAutofit/>
+        </a:bodyPr>
+        <a:lstStyle/>
+        <a:p>
+          <a:pPr marL="0" lvl="0" indent="0" algn="ctr" defTabSz="977900">
+            <a:lnSpc>
+              <a:spcPct val="90000"/>
+            </a:lnSpc>
+            <a:spcBef>
+              <a:spcPct val="0"/>
+            </a:spcBef>
+            <a:spcAft>
+              <a:spcPct val="35000"/>
+            </a:spcAft>
+            <a:buNone/>
+          </a:pPr>
+          <a:r>
+            <a:rPr lang="de-DE" sz="2200" kern="1200"/>
+            <a:t>Viel gelernt und praktische Erfahrung</a:t>
+          </a:r>
+        </a:p>
+      </dsp:txBody>
+      <dsp:txXfrm>
+        <a:off x="7387289" y="1349380"/>
+        <a:ext cx="2389233" cy="1349380"/>
+      </dsp:txXfrm>
+    </dsp:sp>
+    <dsp:sp modelId="{1380D25F-7FB1-4702-AE14-01FEA9067CE0}">
+      <dsp:nvSpPr>
+        <dsp:cNvPr id="0" name=""/>
+        <dsp:cNvSpPr/>
+      </dsp:nvSpPr>
+      <dsp:spPr>
+        <a:xfrm>
+          <a:off x="8017947" y="202406"/>
+          <a:ext cx="1123358" cy="1123358"/>
+        </a:xfrm>
+        <a:prstGeom prst="ellipse">
+          <a:avLst/>
+        </a:prstGeom>
+        <a:blipFill>
+          <a:blip xmlns:r="http://schemas.openxmlformats.org/officeDocument/2006/relationships" r:embed="rId7">
+            <a:extLst>
+              <a:ext uri="{28A0092B-C50C-407E-A947-70E740481C1C}">
+                <a14:useLocalDpi xmlns:a14="http://schemas.microsoft.com/office/drawing/2010/main" val="0"/>
+              </a:ext>
+              <a:ext uri="{96DAC541-7B7A-43D3-8B79-37D633B846F1}">
+                <asvg:svgBlip xmlns:asvg="http://schemas.microsoft.com/office/drawing/2016/SVG/main" r:embed="rId8"/>
+              </a:ext>
+            </a:extLst>
+          </a:blip>
+          <a:srcRect/>
+          <a:stretch>
+            <a:fillRect/>
+          </a:stretch>
+        </a:blipFill>
+        <a:ln w="12700" cap="flat" cmpd="sng" algn="ctr">
+          <a:solidFill>
+            <a:schemeClr val="bg1"/>
+          </a:solidFill>
+          <a:prstDash val="solid"/>
+          <a:miter lim="800000"/>
+        </a:ln>
+        <a:effectLst/>
+      </dsp:spPr>
+      <dsp:style>
+        <a:lnRef idx="2">
+          <a:scrgbClr r="0" g="0" b="0"/>
+        </a:lnRef>
+        <a:fillRef idx="1">
+          <a:scrgbClr r="0" g="0" b="0"/>
+        </a:fillRef>
+        <a:effectRef idx="0">
+          <a:scrgbClr r="0" g="0" b="0"/>
+        </a:effectRef>
+        <a:fontRef idx="minor"/>
+      </dsp:style>
+    </dsp:sp>
+    <dsp:sp modelId="{CABCFD7C-8511-48C7-9FDC-147903A4A716}">
+      <dsp:nvSpPr>
+        <dsp:cNvPr id="0" name=""/>
+        <dsp:cNvSpPr/>
+      </dsp:nvSpPr>
+      <dsp:spPr>
+        <a:xfrm>
+          <a:off x="391060" y="2698760"/>
+          <a:ext cx="8994401" cy="506017"/>
+        </a:xfrm>
+        <a:prstGeom prst="leftRightArrow">
+          <a:avLst/>
+        </a:prstGeom>
+        <a:solidFill>
+          <a:schemeClr val="accent2">
+            <a:tint val="60000"/>
+            <a:hueOff val="0"/>
+            <a:satOff val="0"/>
+            <a:lumOff val="0"/>
+            <a:alphaOff val="0"/>
+          </a:schemeClr>
+        </a:solidFill>
+        <a:ln w="12700" cap="flat" cmpd="sng" algn="ctr">
+          <a:solidFill>
+            <a:schemeClr val="lt1">
+              <a:hueOff val="0"/>
+              <a:satOff val="0"/>
+              <a:lumOff val="0"/>
+              <a:alphaOff val="0"/>
+            </a:schemeClr>
+          </a:solidFill>
+          <a:prstDash val="solid"/>
+          <a:miter lim="800000"/>
+        </a:ln>
+        <a:effectLst/>
+      </dsp:spPr>
+      <dsp:style>
+        <a:lnRef idx="2">
+          <a:scrgbClr r="0" g="0" b="0"/>
+        </a:lnRef>
+        <a:fillRef idx="1">
+          <a:scrgbClr r="0" g="0" b="0"/>
+        </a:fillRef>
+        <a:effectRef idx="0">
+          <a:scrgbClr r="0" g="0" b="0"/>
+        </a:effectRef>
+        <a:fontRef idx="minor"/>
+      </dsp:style>
+    </dsp:sp>
+  </dsp:spTree>
+</dsp:drawing>
+</file>
+
 <file path=ppt/diagrams/layout1.xml><?xml version="1.0" encoding="utf-8"?>
 <dgm:layoutDef xmlns:dgm="http://schemas.openxmlformats.org/drawingml/2006/diagram" xmlns:a="http://schemas.openxmlformats.org/drawingml/2006/main" uniqueId="urn:microsoft.com/office/officeart/2018/2/layout/IconLabelList">
   <dgm:title val="Icon Label List"/>
@@ -2406,7 +5659,2437 @@
 </dgm:layoutDef>
 </file>
 
+<file path=ppt/diagrams/layout2.xml><?xml version="1.0" encoding="utf-8"?>
+<dgm:layoutDef xmlns:dgm="http://schemas.openxmlformats.org/drawingml/2006/diagram" xmlns:a="http://schemas.openxmlformats.org/drawingml/2006/main" uniqueId="urn:microsoft.com/office/officeart/2005/8/layout/vList2">
+  <dgm:title val=""/>
+  <dgm:desc val=""/>
+  <dgm:catLst>
+    <dgm:cat type="list" pri="3000"/>
+    <dgm:cat type="convert" pri="1000"/>
+  </dgm:catLst>
+  <dgm:sampData>
+    <dgm:dataModel>
+      <dgm:ptLst>
+        <dgm:pt modelId="0" type="doc"/>
+        <dgm:pt modelId="1">
+          <dgm:prSet phldr="1"/>
+        </dgm:pt>
+        <dgm:pt modelId="11">
+          <dgm:prSet phldr="1"/>
+        </dgm:pt>
+        <dgm:pt modelId="2">
+          <dgm:prSet phldr="1"/>
+        </dgm:pt>
+        <dgm:pt modelId="21">
+          <dgm:prSet phldr="1"/>
+        </dgm:pt>
+      </dgm:ptLst>
+      <dgm:cxnLst>
+        <dgm:cxn modelId="4" srcId="0" destId="1" srcOrd="0" destOrd="0"/>
+        <dgm:cxn modelId="5" srcId="0" destId="2" srcOrd="1" destOrd="0"/>
+        <dgm:cxn modelId="12" srcId="1" destId="11" srcOrd="0" destOrd="0"/>
+        <dgm:cxn modelId="23" srcId="2" destId="21" srcOrd="0" destOrd="0"/>
+      </dgm:cxnLst>
+      <dgm:bg/>
+      <dgm:whole/>
+    </dgm:dataModel>
+  </dgm:sampData>
+  <dgm:styleData>
+    <dgm:dataModel>
+      <dgm:ptLst>
+        <dgm:pt modelId="0" type="doc"/>
+        <dgm:pt modelId="1"/>
+        <dgm:pt modelId="2"/>
+      </dgm:ptLst>
+      <dgm:cxnLst>
+        <dgm:cxn modelId="3" srcId="0" destId="1" srcOrd="0" destOrd="0"/>
+        <dgm:cxn modelId="4" srcId="0" destId="2" srcOrd="1" destOrd="0"/>
+      </dgm:cxnLst>
+      <dgm:bg/>
+      <dgm:whole/>
+    </dgm:dataModel>
+  </dgm:styleData>
+  <dgm:clrData>
+    <dgm:dataModel>
+      <dgm:ptLst>
+        <dgm:pt modelId="0" type="doc"/>
+        <dgm:pt modelId="1"/>
+        <dgm:pt modelId="2"/>
+        <dgm:pt modelId="3"/>
+        <dgm:pt modelId="4"/>
+      </dgm:ptLst>
+      <dgm:cxnLst>
+        <dgm:cxn modelId="5" srcId="0" destId="1" srcOrd="0" destOrd="0"/>
+        <dgm:cxn modelId="6" srcId="0" destId="2" srcOrd="1" destOrd="0"/>
+        <dgm:cxn modelId="7" srcId="0" destId="3" srcOrd="2" destOrd="0"/>
+        <dgm:cxn modelId="8" srcId="0" destId="4" srcOrd="3" destOrd="0"/>
+      </dgm:cxnLst>
+      <dgm:bg/>
+      <dgm:whole/>
+    </dgm:dataModel>
+  </dgm:clrData>
+  <dgm:layoutNode name="linear">
+    <dgm:varLst>
+      <dgm:animLvl val="lvl"/>
+      <dgm:resizeHandles val="exact"/>
+    </dgm:varLst>
+    <dgm:alg type="lin">
+      <dgm:param type="linDir" val="fromT"/>
+      <dgm:param type="vertAlign" val="mid"/>
+    </dgm:alg>
+    <dgm:shape xmlns:r="http://schemas.openxmlformats.org/officeDocument/2006/relationships" r:blip="">
+      <dgm:adjLst/>
+    </dgm:shape>
+    <dgm:presOf/>
+    <dgm:constrLst>
+      <dgm:constr type="w" for="ch" forName="parentText" refType="w"/>
+      <dgm:constr type="h" for="ch" forName="parentText" refType="primFontSz" refFor="ch" refForName="parentText" fact="0.52"/>
+      <dgm:constr type="w" for="ch" forName="childText" refType="w"/>
+      <dgm:constr type="h" for="ch" forName="childText" refType="primFontSz" refFor="ch" refForName="parentText" fact="0.46"/>
+      <dgm:constr type="h" for="ch" forName="parentText" op="equ"/>
+      <dgm:constr type="primFontSz" for="ch" forName="parentText" op="equ" val="65"/>
+      <dgm:constr type="primFontSz" for="ch" forName="childText" refType="primFontSz" refFor="ch" refForName="parentText" op="equ"/>
+      <dgm:constr type="h" for="ch" forName="spacer" refType="primFontSz" refFor="ch" refForName="parentText" fact="0.08"/>
+    </dgm:constrLst>
+    <dgm:ruleLst>
+      <dgm:rule type="primFontSz" for="ch" forName="parentText" val="5" fact="NaN" max="NaN"/>
+    </dgm:ruleLst>
+    <dgm:forEach name="Name0" axis="ch" ptType="node">
+      <dgm:layoutNode name="parentText" styleLbl="node1">
+        <dgm:varLst>
+          <dgm:chMax val="0"/>
+          <dgm:bulletEnabled val="1"/>
+        </dgm:varLst>
+        <dgm:alg type="tx">
+          <dgm:param type="parTxLTRAlign" val="l"/>
+          <dgm:param type="parTxRTLAlign" val="r"/>
+        </dgm:alg>
+        <dgm:shape xmlns:r="http://schemas.openxmlformats.org/officeDocument/2006/relationships" type="roundRect" r:blip="">
+          <dgm:adjLst/>
+        </dgm:shape>
+        <dgm:presOf axis="self"/>
+        <dgm:constrLst>
+          <dgm:constr type="tMarg" refType="primFontSz" fact="0.3"/>
+          <dgm:constr type="bMarg" refType="primFontSz" fact="0.3"/>
+          <dgm:constr type="lMarg" refType="primFontSz" fact="0.3"/>
+          <dgm:constr type="rMarg" refType="primFontSz" fact="0.3"/>
+        </dgm:constrLst>
+        <dgm:ruleLst>
+          <dgm:rule type="h" val="INF" fact="NaN" max="NaN"/>
+        </dgm:ruleLst>
+      </dgm:layoutNode>
+      <dgm:choose name="Name1">
+        <dgm:if name="Name2" axis="ch" ptType="node" func="cnt" op="gte" val="1">
+          <dgm:layoutNode name="childText" styleLbl="revTx">
+            <dgm:varLst>
+              <dgm:bulletEnabled val="1"/>
+            </dgm:varLst>
+            <dgm:alg type="tx">
+              <dgm:param type="stBulletLvl" val="1"/>
+              <dgm:param type="lnSpAfChP" val="20"/>
+            </dgm:alg>
+            <dgm:shape xmlns:r="http://schemas.openxmlformats.org/officeDocument/2006/relationships" type="rect" r:blip="">
+              <dgm:adjLst/>
+            </dgm:shape>
+            <dgm:presOf axis="des" ptType="node"/>
+            <dgm:constrLst>
+              <dgm:constr type="tMarg" refType="primFontSz" fact="0.1"/>
+              <dgm:constr type="bMarg" refType="primFontSz" fact="0.1"/>
+              <dgm:constr type="lMarg" refType="w" fact="0.09"/>
+            </dgm:constrLst>
+            <dgm:ruleLst>
+              <dgm:rule type="h" val="INF" fact="NaN" max="NaN"/>
+            </dgm:ruleLst>
+          </dgm:layoutNode>
+        </dgm:if>
+        <dgm:else name="Name3">
+          <dgm:choose name="Name4">
+            <dgm:if name="Name5" axis="par ch" ptType="doc node" func="cnt" op="gte" val="2">
+              <dgm:forEach name="Name6" axis="followSib" ptType="sibTrans" cnt="1">
+                <dgm:layoutNode name="spacer">
+                  <dgm:alg type="sp"/>
+                  <dgm:shape xmlns:r="http://schemas.openxmlformats.org/officeDocument/2006/relationships" r:blip="">
+                    <dgm:adjLst/>
+                  </dgm:shape>
+                  <dgm:presOf/>
+                  <dgm:constrLst/>
+                  <dgm:ruleLst/>
+                </dgm:layoutNode>
+              </dgm:forEach>
+            </dgm:if>
+            <dgm:else name="Name7"/>
+          </dgm:choose>
+        </dgm:else>
+      </dgm:choose>
+    </dgm:forEach>
+  </dgm:layoutNode>
+</dgm:layoutDef>
+</file>
+
+<file path=ppt/diagrams/layout3.xml><?xml version="1.0" encoding="utf-8"?>
+<dgm:layoutDef xmlns:dgm="http://schemas.openxmlformats.org/drawingml/2006/diagram" xmlns:a="http://schemas.openxmlformats.org/drawingml/2006/main" uniqueId="urn:microsoft.com/office/officeart/2005/8/layout/hList7">
+  <dgm:title val=""/>
+  <dgm:desc val=""/>
+  <dgm:catLst>
+    <dgm:cat type="list" pri="12000"/>
+    <dgm:cat type="process" pri="20000"/>
+    <dgm:cat type="relationship" pri="14000"/>
+    <dgm:cat type="convert" pri="8000"/>
+    <dgm:cat type="picture" pri="25000"/>
+    <dgm:cat type="pictureconvert" pri="25000"/>
+  </dgm:catLst>
+  <dgm:sampData useDef="1">
+    <dgm:dataModel>
+      <dgm:ptLst/>
+      <dgm:bg/>
+      <dgm:whole/>
+    </dgm:dataModel>
+  </dgm:sampData>
+  <dgm:styleData>
+    <dgm:dataModel>
+      <dgm:ptLst>
+        <dgm:pt modelId="0" type="doc"/>
+        <dgm:pt modelId="1"/>
+        <dgm:pt modelId="2"/>
+      </dgm:ptLst>
+      <dgm:cxnLst>
+        <dgm:cxn modelId="3" srcId="0" destId="1" srcOrd="0" destOrd="0"/>
+        <dgm:cxn modelId="4" srcId="0" destId="2" srcOrd="1" destOrd="0"/>
+      </dgm:cxnLst>
+      <dgm:bg/>
+      <dgm:whole/>
+    </dgm:dataModel>
+  </dgm:styleData>
+  <dgm:clrData>
+    <dgm:dataModel>
+      <dgm:ptLst>
+        <dgm:pt modelId="0" type="doc"/>
+        <dgm:pt modelId="1"/>
+        <dgm:pt modelId="2"/>
+        <dgm:pt modelId="3"/>
+        <dgm:pt modelId="4"/>
+      </dgm:ptLst>
+      <dgm:cxnLst>
+        <dgm:cxn modelId="5" srcId="0" destId="1" srcOrd="0" destOrd="0"/>
+        <dgm:cxn modelId="6" srcId="0" destId="2" srcOrd="1" destOrd="0"/>
+        <dgm:cxn modelId="7" srcId="0" destId="3" srcOrd="2" destOrd="0"/>
+        <dgm:cxn modelId="8" srcId="0" destId="4" srcOrd="3" destOrd="0"/>
+      </dgm:cxnLst>
+      <dgm:bg/>
+      <dgm:whole/>
+    </dgm:dataModel>
+  </dgm:clrData>
+  <dgm:layoutNode name="Name0">
+    <dgm:varLst>
+      <dgm:dir/>
+      <dgm:resizeHandles val="exact"/>
+    </dgm:varLst>
+    <dgm:alg type="composite"/>
+    <dgm:shape xmlns:r="http://schemas.openxmlformats.org/officeDocument/2006/relationships" r:blip="">
+      <dgm:adjLst/>
+    </dgm:shape>
+    <dgm:presOf/>
+    <dgm:constrLst>
+      <dgm:constr type="w" for="ch" forName="fgShape" refType="w" fact="0.92"/>
+      <dgm:constr type="h" for="ch" forName="fgShape" refType="h" fact="0.15"/>
+      <dgm:constr type="b" for="ch" forName="fgShape" refType="h" fact="0.95"/>
+      <dgm:constr type="ctrX" for="ch" forName="fgShape" refType="w" fact="0.5"/>
+      <dgm:constr type="w" for="ch" forName="linComp" refType="w"/>
+      <dgm:constr type="h" for="ch" forName="linComp" refType="h"/>
+      <dgm:constr type="ctrX" for="ch" forName="linComp" refType="w" fact="0.5"/>
+    </dgm:constrLst>
+    <dgm:ruleLst/>
+    <dgm:layoutNode name="fgShape" styleLbl="fgShp">
+      <dgm:alg type="sp"/>
+      <dgm:shape xmlns:r="http://schemas.openxmlformats.org/officeDocument/2006/relationships" type="leftRightArrow" r:blip="" zOrderOff="99999">
+        <dgm:adjLst/>
+      </dgm:shape>
+      <dgm:presOf/>
+      <dgm:constrLst/>
+      <dgm:ruleLst/>
+    </dgm:layoutNode>
+    <dgm:layoutNode name="linComp">
+      <dgm:choose name="Name1">
+        <dgm:if name="Name2" func="var" arg="dir" op="equ" val="norm">
+          <dgm:alg type="lin"/>
+        </dgm:if>
+        <dgm:else name="Name3">
+          <dgm:alg type="lin">
+            <dgm:param type="linDir" val="fromR"/>
+          </dgm:alg>
+        </dgm:else>
+      </dgm:choose>
+      <dgm:shape xmlns:r="http://schemas.openxmlformats.org/officeDocument/2006/relationships" r:blip="">
+        <dgm:adjLst/>
+      </dgm:shape>
+      <dgm:presOf/>
+      <dgm:constrLst>
+        <dgm:constr type="w" for="ch" forName="compNode" refType="w"/>
+        <dgm:constr type="h" for="ch" forName="compNode" refType="h"/>
+        <dgm:constr type="w" for="ch" ptType="sibTrans" refType="w" refFor="ch" refForName="compNode" fact="0.03"/>
+        <dgm:constr type="primFontSz" for="des" ptType="node" op="equ" val="65"/>
+      </dgm:constrLst>
+      <dgm:ruleLst/>
+      <dgm:forEach name="nodesForEach" axis="ch" ptType="node">
+        <dgm:layoutNode name="compNode">
+          <dgm:alg type="composite"/>
+          <dgm:shape xmlns:r="http://schemas.openxmlformats.org/officeDocument/2006/relationships" r:blip="">
+            <dgm:adjLst/>
+          </dgm:shape>
+          <dgm:presOf/>
+          <dgm:constrLst>
+            <dgm:constr type="w" for="ch" forName="bkgdShape" refType="w"/>
+            <dgm:constr type="h" for="ch" forName="bkgdShape" refType="h"/>
+            <dgm:constr type="w" for="ch" forName="nodeTx" refType="w"/>
+            <dgm:constr type="h" for="ch" forName="nodeTx" refType="h" fact="0.4"/>
+            <dgm:constr type="b" for="ch" forName="nodeTx" refType="h" fact="0.8"/>
+            <dgm:constr type="w" for="ch" forName="invisiNode" refType="w" fact="0.01"/>
+            <dgm:constr type="h" for="ch" forName="invisiNode" refType="h" fact="0.06"/>
+            <dgm:constr type="t" for="ch" forName="invisiNode"/>
+            <dgm:constr type="ctrX" for="ch" forName="invisiNode" refType="w" fact="0.5"/>
+            <dgm:constr type="h" for="ch" forName="imagNode" refType="h" fact="0.333"/>
+            <dgm:constr type="w" for="ch" forName="imagNode" refType="h" refFor="ch" refForName="imagNode"/>
+            <dgm:constr type="ctrX" for="ch" forName="imagNode" refType="w" fact="0.5"/>
+            <dgm:constr type="t" for="ch" forName="imagNode" refType="h" fact="0.06"/>
+            <dgm:constr type="w" for="ch" forName="imagNode" refType="w" op="lte" fact="0.94"/>
+          </dgm:constrLst>
+          <dgm:ruleLst/>
+          <dgm:layoutNode name="bkgdShape">
+            <dgm:alg type="sp"/>
+            <dgm:shape xmlns:r="http://schemas.openxmlformats.org/officeDocument/2006/relationships" type="roundRect" r:blip="">
+              <dgm:adjLst>
+                <dgm:adj idx="1" val="0.1"/>
+              </dgm:adjLst>
+            </dgm:shape>
+            <dgm:presOf axis="desOrSelf" ptType="node"/>
+            <dgm:constrLst/>
+            <dgm:ruleLst/>
+          </dgm:layoutNode>
+          <dgm:layoutNode name="nodeTx">
+            <dgm:varLst>
+              <dgm:bulletEnabled val="1"/>
+            </dgm:varLst>
+            <dgm:alg type="tx">
+              <dgm:param type="txAnchorVert" val="mid"/>
+              <dgm:param type="txAnchorHorzCh" val="ctr"/>
+              <dgm:param type="stBulletLvl" val="2"/>
+            </dgm:alg>
+            <dgm:shape xmlns:r="http://schemas.openxmlformats.org/officeDocument/2006/relationships" type="rect" r:blip="" hideGeom="1">
+              <dgm:adjLst/>
+            </dgm:shape>
+            <dgm:presOf axis="desOrSelf" ptType="node"/>
+            <dgm:constrLst/>
+            <dgm:ruleLst>
+              <dgm:rule type="primFontSz" val="5" fact="NaN" max="NaN"/>
+            </dgm:ruleLst>
+          </dgm:layoutNode>
+          <dgm:layoutNode name="invisiNode">
+            <dgm:alg type="sp"/>
+            <dgm:shape xmlns:r="http://schemas.openxmlformats.org/officeDocument/2006/relationships" type="roundRect" r:blip="" hideGeom="1">
+              <dgm:adjLst>
+                <dgm:adj idx="1" val="0.1"/>
+              </dgm:adjLst>
+            </dgm:shape>
+            <dgm:presOf/>
+            <dgm:constrLst/>
+            <dgm:ruleLst/>
+          </dgm:layoutNode>
+          <dgm:layoutNode name="imagNode" styleLbl="fgImgPlace1">
+            <dgm:alg type="sp"/>
+            <dgm:shape xmlns:r="http://schemas.openxmlformats.org/officeDocument/2006/relationships" type="ellipse" r:blip="" blipPhldr="1">
+              <dgm:adjLst/>
+            </dgm:shape>
+            <dgm:presOf/>
+            <dgm:constrLst/>
+            <dgm:ruleLst/>
+          </dgm:layoutNode>
+        </dgm:layoutNode>
+        <dgm:forEach name="sibTransForEach" axis="followSib" ptType="sibTrans" cnt="1">
+          <dgm:layoutNode name="sibTrans">
+            <dgm:alg type="sp"/>
+            <dgm:shape xmlns:r="http://schemas.openxmlformats.org/officeDocument/2006/relationships" type="rect" r:blip="" hideGeom="1">
+              <dgm:adjLst/>
+            </dgm:shape>
+            <dgm:presOf axis="self"/>
+            <dgm:constrLst/>
+            <dgm:ruleLst/>
+          </dgm:layoutNode>
+        </dgm:forEach>
+      </dgm:forEach>
+    </dgm:layoutNode>
+  </dgm:layoutNode>
+</dgm:layoutDef>
+</file>
+
 <file path=ppt/diagrams/quickStyle1.xml><?xml version="1.0" encoding="utf-8"?>
+<dgm:styleDef xmlns:dgm="http://schemas.openxmlformats.org/drawingml/2006/diagram" xmlns:a="http://schemas.openxmlformats.org/drawingml/2006/main" uniqueId="urn:microsoft.com/office/officeart/2005/8/quickstyle/simple1">
+  <dgm:title val=""/>
+  <dgm:desc val=""/>
+  <dgm:catLst>
+    <dgm:cat type="simple" pri="10100"/>
+  </dgm:catLst>
+  <dgm:scene3d>
+    <a:camera prst="orthographicFront"/>
+    <a:lightRig rig="threePt" dir="t"/>
+  </dgm:scene3d>
+  <dgm:styleLbl name="node0">
+    <dgm:scene3d>
+      <a:camera prst="orthographicFront"/>
+      <a:lightRig rig="threePt" dir="t"/>
+    </dgm:scene3d>
+    <dgm:sp3d/>
+    <dgm:txPr/>
+    <dgm:style>
+      <a:lnRef idx="2">
+        <a:scrgbClr r="0" g="0" b="0"/>
+      </a:lnRef>
+      <a:fillRef idx="1">
+        <a:scrgbClr r="0" g="0" b="0"/>
+      </a:fillRef>
+      <a:effectRef idx="0">
+        <a:scrgbClr r="0" g="0" b="0"/>
+      </a:effectRef>
+      <a:fontRef idx="minor">
+        <a:schemeClr val="lt1"/>
+      </a:fontRef>
+    </dgm:style>
+  </dgm:styleLbl>
+  <dgm:styleLbl name="lnNode1">
+    <dgm:scene3d>
+      <a:camera prst="orthographicFront"/>
+      <a:lightRig rig="threePt" dir="t"/>
+    </dgm:scene3d>
+    <dgm:sp3d/>
+    <dgm:txPr/>
+    <dgm:style>
+      <a:lnRef idx="2">
+        <a:scrgbClr r="0" g="0" b="0"/>
+      </a:lnRef>
+      <a:fillRef idx="1">
+        <a:scrgbClr r="0" g="0" b="0"/>
+      </a:fillRef>
+      <a:effectRef idx="0">
+        <a:scrgbClr r="0" g="0" b="0"/>
+      </a:effectRef>
+      <a:fontRef idx="minor">
+        <a:schemeClr val="lt1"/>
+      </a:fontRef>
+    </dgm:style>
+  </dgm:styleLbl>
+  <dgm:styleLbl name="vennNode1">
+    <dgm:scene3d>
+      <a:camera prst="orthographicFront"/>
+      <a:lightRig rig="threePt" dir="t"/>
+    </dgm:scene3d>
+    <dgm:sp3d/>
+    <dgm:txPr/>
+    <dgm:style>
+      <a:lnRef idx="2">
+        <a:scrgbClr r="0" g="0" b="0"/>
+      </a:lnRef>
+      <a:fillRef idx="1">
+        <a:scrgbClr r="0" g="0" b="0"/>
+      </a:fillRef>
+      <a:effectRef idx="0">
+        <a:scrgbClr r="0" g="0" b="0"/>
+      </a:effectRef>
+      <a:fontRef idx="minor">
+        <a:schemeClr val="tx1"/>
+      </a:fontRef>
+    </dgm:style>
+  </dgm:styleLbl>
+  <dgm:styleLbl name="alignNode1">
+    <dgm:scene3d>
+      <a:camera prst="orthographicFront"/>
+      <a:lightRig rig="threePt" dir="t"/>
+    </dgm:scene3d>
+    <dgm:sp3d/>
+    <dgm:txPr/>
+    <dgm:style>
+      <a:lnRef idx="2">
+        <a:scrgbClr r="0" g="0" b="0"/>
+      </a:lnRef>
+      <a:fillRef idx="1">
+        <a:scrgbClr r="0" g="0" b="0"/>
+      </a:fillRef>
+      <a:effectRef idx="0">
+        <a:scrgbClr r="0" g="0" b="0"/>
+      </a:effectRef>
+      <a:fontRef idx="minor">
+        <a:schemeClr val="lt1"/>
+      </a:fontRef>
+    </dgm:style>
+  </dgm:styleLbl>
+  <dgm:styleLbl name="node1">
+    <dgm:scene3d>
+      <a:camera prst="orthographicFront"/>
+      <a:lightRig rig="threePt" dir="t"/>
+    </dgm:scene3d>
+    <dgm:sp3d/>
+    <dgm:txPr/>
+    <dgm:style>
+      <a:lnRef idx="2">
+        <a:scrgbClr r="0" g="0" b="0"/>
+      </a:lnRef>
+      <a:fillRef idx="1">
+        <a:scrgbClr r="0" g="0" b="0"/>
+      </a:fillRef>
+      <a:effectRef idx="0">
+        <a:scrgbClr r="0" g="0" b="0"/>
+      </a:effectRef>
+      <a:fontRef idx="minor">
+        <a:schemeClr val="lt1"/>
+      </a:fontRef>
+    </dgm:style>
+  </dgm:styleLbl>
+  <dgm:styleLbl name="node2">
+    <dgm:scene3d>
+      <a:camera prst="orthographicFront"/>
+      <a:lightRig rig="threePt" dir="t"/>
+    </dgm:scene3d>
+    <dgm:sp3d/>
+    <dgm:txPr/>
+    <dgm:style>
+      <a:lnRef idx="2">
+        <a:scrgbClr r="0" g="0" b="0"/>
+      </a:lnRef>
+      <a:fillRef idx="1">
+        <a:scrgbClr r="0" g="0" b="0"/>
+      </a:fillRef>
+      <a:effectRef idx="0">
+        <a:scrgbClr r="0" g="0" b="0"/>
+      </a:effectRef>
+      <a:fontRef idx="minor">
+        <a:schemeClr val="lt1"/>
+      </a:fontRef>
+    </dgm:style>
+  </dgm:styleLbl>
+  <dgm:styleLbl name="node3">
+    <dgm:scene3d>
+      <a:camera prst="orthographicFront"/>
+      <a:lightRig rig="threePt" dir="t"/>
+    </dgm:scene3d>
+    <dgm:sp3d/>
+    <dgm:txPr/>
+    <dgm:style>
+      <a:lnRef idx="2">
+        <a:scrgbClr r="0" g="0" b="0"/>
+      </a:lnRef>
+      <a:fillRef idx="1">
+        <a:scrgbClr r="0" g="0" b="0"/>
+      </a:fillRef>
+      <a:effectRef idx="0">
+        <a:scrgbClr r="0" g="0" b="0"/>
+      </a:effectRef>
+      <a:fontRef idx="minor">
+        <a:schemeClr val="lt1"/>
+      </a:fontRef>
+    </dgm:style>
+  </dgm:styleLbl>
+  <dgm:styleLbl name="node4">
+    <dgm:scene3d>
+      <a:camera prst="orthographicFront"/>
+      <a:lightRig rig="threePt" dir="t"/>
+    </dgm:scene3d>
+    <dgm:sp3d/>
+    <dgm:txPr/>
+    <dgm:style>
+      <a:lnRef idx="2">
+        <a:scrgbClr r="0" g="0" b="0"/>
+      </a:lnRef>
+      <a:fillRef idx="1">
+        <a:scrgbClr r="0" g="0" b="0"/>
+      </a:fillRef>
+      <a:effectRef idx="0">
+        <a:scrgbClr r="0" g="0" b="0"/>
+      </a:effectRef>
+      <a:fontRef idx="minor">
+        <a:schemeClr val="lt1"/>
+      </a:fontRef>
+    </dgm:style>
+  </dgm:styleLbl>
+  <dgm:styleLbl name="fgImgPlace1">
+    <dgm:scene3d>
+      <a:camera prst="orthographicFront"/>
+      <a:lightRig rig="threePt" dir="t"/>
+    </dgm:scene3d>
+    <dgm:sp3d/>
+    <dgm:txPr/>
+    <dgm:style>
+      <a:lnRef idx="2">
+        <a:scrgbClr r="0" g="0" b="0"/>
+      </a:lnRef>
+      <a:fillRef idx="1">
+        <a:scrgbClr r="0" g="0" b="0"/>
+      </a:fillRef>
+      <a:effectRef idx="0">
+        <a:scrgbClr r="0" g="0" b="0"/>
+      </a:effectRef>
+      <a:fontRef idx="minor"/>
+    </dgm:style>
+  </dgm:styleLbl>
+  <dgm:styleLbl name="alignImgPlace1">
+    <dgm:scene3d>
+      <a:camera prst="orthographicFront"/>
+      <a:lightRig rig="threePt" dir="t"/>
+    </dgm:scene3d>
+    <dgm:sp3d/>
+    <dgm:txPr/>
+    <dgm:style>
+      <a:lnRef idx="2">
+        <a:scrgbClr r="0" g="0" b="0"/>
+      </a:lnRef>
+      <a:fillRef idx="1">
+        <a:scrgbClr r="0" g="0" b="0"/>
+      </a:fillRef>
+      <a:effectRef idx="0">
+        <a:scrgbClr r="0" g="0" b="0"/>
+      </a:effectRef>
+      <a:fontRef idx="minor"/>
+    </dgm:style>
+  </dgm:styleLbl>
+  <dgm:styleLbl name="bgImgPlace1">
+    <dgm:scene3d>
+      <a:camera prst="orthographicFront"/>
+      <a:lightRig rig="threePt" dir="t"/>
+    </dgm:scene3d>
+    <dgm:sp3d/>
+    <dgm:txPr/>
+    <dgm:style>
+      <a:lnRef idx="2">
+        <a:scrgbClr r="0" g="0" b="0"/>
+      </a:lnRef>
+      <a:fillRef idx="1">
+        <a:scrgbClr r="0" g="0" b="0"/>
+      </a:fillRef>
+      <a:effectRef idx="0">
+        <a:scrgbClr r="0" g="0" b="0"/>
+      </a:effectRef>
+      <a:fontRef idx="minor"/>
+    </dgm:style>
+  </dgm:styleLbl>
+  <dgm:styleLbl name="sibTrans2D1">
+    <dgm:scene3d>
+      <a:camera prst="orthographicFront"/>
+      <a:lightRig rig="threePt" dir="t"/>
+    </dgm:scene3d>
+    <dgm:sp3d/>
+    <dgm:txPr/>
+    <dgm:style>
+      <a:lnRef idx="0">
+        <a:scrgbClr r="0" g="0" b="0"/>
+      </a:lnRef>
+      <a:fillRef idx="1">
+        <a:scrgbClr r="0" g="0" b="0"/>
+      </a:fillRef>
+      <a:effectRef idx="0">
+        <a:scrgbClr r="0" g="0" b="0"/>
+      </a:effectRef>
+      <a:fontRef idx="minor">
+        <a:schemeClr val="lt1"/>
+      </a:fontRef>
+    </dgm:style>
+  </dgm:styleLbl>
+  <dgm:styleLbl name="fgSibTrans2D1">
+    <dgm:scene3d>
+      <a:camera prst="orthographicFront"/>
+      <a:lightRig rig="threePt" dir="t"/>
+    </dgm:scene3d>
+    <dgm:sp3d/>
+    <dgm:txPr/>
+    <dgm:style>
+      <a:lnRef idx="0">
+        <a:scrgbClr r="0" g="0" b="0"/>
+      </a:lnRef>
+      <a:fillRef idx="1">
+        <a:scrgbClr r="0" g="0" b="0"/>
+      </a:fillRef>
+      <a:effectRef idx="0">
+        <a:scrgbClr r="0" g="0" b="0"/>
+      </a:effectRef>
+      <a:fontRef idx="minor">
+        <a:schemeClr val="lt1"/>
+      </a:fontRef>
+    </dgm:style>
+  </dgm:styleLbl>
+  <dgm:styleLbl name="bgSibTrans2D1">
+    <dgm:scene3d>
+      <a:camera prst="orthographicFront"/>
+      <a:lightRig rig="threePt" dir="t"/>
+    </dgm:scene3d>
+    <dgm:sp3d/>
+    <dgm:txPr/>
+    <dgm:style>
+      <a:lnRef idx="0">
+        <a:scrgbClr r="0" g="0" b="0"/>
+      </a:lnRef>
+      <a:fillRef idx="1">
+        <a:scrgbClr r="0" g="0" b="0"/>
+      </a:fillRef>
+      <a:effectRef idx="0">
+        <a:scrgbClr r="0" g="0" b="0"/>
+      </a:effectRef>
+      <a:fontRef idx="minor">
+        <a:schemeClr val="lt1"/>
+      </a:fontRef>
+    </dgm:style>
+  </dgm:styleLbl>
+  <dgm:styleLbl name="sibTrans1D1">
+    <dgm:scene3d>
+      <a:camera prst="orthographicFront"/>
+      <a:lightRig rig="threePt" dir="t"/>
+    </dgm:scene3d>
+    <dgm:sp3d/>
+    <dgm:txPr/>
+    <dgm:style>
+      <a:lnRef idx="1">
+        <a:scrgbClr r="0" g="0" b="0"/>
+      </a:lnRef>
+      <a:fillRef idx="0">
+        <a:scrgbClr r="0" g="0" b="0"/>
+      </a:fillRef>
+      <a:effectRef idx="0">
+        <a:scrgbClr r="0" g="0" b="0"/>
+      </a:effectRef>
+      <a:fontRef idx="minor"/>
+    </dgm:style>
+  </dgm:styleLbl>
+  <dgm:styleLbl name="callout">
+    <dgm:scene3d>
+      <a:camera prst="orthographicFront"/>
+      <a:lightRig rig="threePt" dir="t"/>
+    </dgm:scene3d>
+    <dgm:sp3d/>
+    <dgm:txPr/>
+    <dgm:style>
+      <a:lnRef idx="2">
+        <a:scrgbClr r="0" g="0" b="0"/>
+      </a:lnRef>
+      <a:fillRef idx="1">
+        <a:scrgbClr r="0" g="0" b="0"/>
+      </a:fillRef>
+      <a:effectRef idx="0">
+        <a:scrgbClr r="0" g="0" b="0"/>
+      </a:effectRef>
+      <a:fontRef idx="minor"/>
+    </dgm:style>
+  </dgm:styleLbl>
+  <dgm:styleLbl name="asst0">
+    <dgm:scene3d>
+      <a:camera prst="orthographicFront"/>
+      <a:lightRig rig="threePt" dir="t"/>
+    </dgm:scene3d>
+    <dgm:sp3d/>
+    <dgm:txPr/>
+    <dgm:style>
+      <a:lnRef idx="2">
+        <a:scrgbClr r="0" g="0" b="0"/>
+      </a:lnRef>
+      <a:fillRef idx="1">
+        <a:scrgbClr r="0" g="0" b="0"/>
+      </a:fillRef>
+      <a:effectRef idx="0">
+        <a:scrgbClr r="0" g="0" b="0"/>
+      </a:effectRef>
+      <a:fontRef idx="minor">
+        <a:schemeClr val="lt1"/>
+      </a:fontRef>
+    </dgm:style>
+  </dgm:styleLbl>
+  <dgm:styleLbl name="asst1">
+    <dgm:scene3d>
+      <a:camera prst="orthographicFront"/>
+      <a:lightRig rig="threePt" dir="t"/>
+    </dgm:scene3d>
+    <dgm:sp3d/>
+    <dgm:txPr/>
+    <dgm:style>
+      <a:lnRef idx="2">
+        <a:scrgbClr r="0" g="0" b="0"/>
+      </a:lnRef>
+      <a:fillRef idx="1">
+        <a:scrgbClr r="0" g="0" b="0"/>
+      </a:fillRef>
+      <a:effectRef idx="0">
+        <a:scrgbClr r="0" g="0" b="0"/>
+      </a:effectRef>
+      <a:fontRef idx="minor">
+        <a:schemeClr val="lt1"/>
+      </a:fontRef>
+    </dgm:style>
+  </dgm:styleLbl>
+  <dgm:styleLbl name="asst2">
+    <dgm:scene3d>
+      <a:camera prst="orthographicFront"/>
+      <a:lightRig rig="threePt" dir="t"/>
+    </dgm:scene3d>
+    <dgm:sp3d/>
+    <dgm:txPr/>
+    <dgm:style>
+      <a:lnRef idx="2">
+        <a:scrgbClr r="0" g="0" b="0"/>
+      </a:lnRef>
+      <a:fillRef idx="1">
+        <a:scrgbClr r="0" g="0" b="0"/>
+      </a:fillRef>
+      <a:effectRef idx="0">
+        <a:scrgbClr r="0" g="0" b="0"/>
+      </a:effectRef>
+      <a:fontRef idx="minor">
+        <a:schemeClr val="lt1"/>
+      </a:fontRef>
+    </dgm:style>
+  </dgm:styleLbl>
+  <dgm:styleLbl name="asst3">
+    <dgm:scene3d>
+      <a:camera prst="orthographicFront"/>
+      <a:lightRig rig="threePt" dir="t"/>
+    </dgm:scene3d>
+    <dgm:sp3d/>
+    <dgm:txPr/>
+    <dgm:style>
+      <a:lnRef idx="2">
+        <a:scrgbClr r="0" g="0" b="0"/>
+      </a:lnRef>
+      <a:fillRef idx="1">
+        <a:scrgbClr r="0" g="0" b="0"/>
+      </a:fillRef>
+      <a:effectRef idx="0">
+        <a:scrgbClr r="0" g="0" b="0"/>
+      </a:effectRef>
+      <a:fontRef idx="minor">
+        <a:schemeClr val="lt1"/>
+      </a:fontRef>
+    </dgm:style>
+  </dgm:styleLbl>
+  <dgm:styleLbl name="asst4">
+    <dgm:scene3d>
+      <a:camera prst="orthographicFront"/>
+      <a:lightRig rig="threePt" dir="t"/>
+    </dgm:scene3d>
+    <dgm:sp3d/>
+    <dgm:txPr/>
+    <dgm:style>
+      <a:lnRef idx="2">
+        <a:scrgbClr r="0" g="0" b="0"/>
+      </a:lnRef>
+      <a:fillRef idx="1">
+        <a:scrgbClr r="0" g="0" b="0"/>
+      </a:fillRef>
+      <a:effectRef idx="0">
+        <a:scrgbClr r="0" g="0" b="0"/>
+      </a:effectRef>
+      <a:fontRef idx="minor">
+        <a:schemeClr val="lt1"/>
+      </a:fontRef>
+    </dgm:style>
+  </dgm:styleLbl>
+  <dgm:styleLbl name="parChTrans2D1">
+    <dgm:scene3d>
+      <a:camera prst="orthographicFront"/>
+      <a:lightRig rig="threePt" dir="t"/>
+    </dgm:scene3d>
+    <dgm:sp3d/>
+    <dgm:txPr/>
+    <dgm:style>
+      <a:lnRef idx="2">
+        <a:scrgbClr r="0" g="0" b="0"/>
+      </a:lnRef>
+      <a:fillRef idx="1">
+        <a:scrgbClr r="0" g="0" b="0"/>
+      </a:fillRef>
+      <a:effectRef idx="0">
+        <a:scrgbClr r="0" g="0" b="0"/>
+      </a:effectRef>
+      <a:fontRef idx="minor">
+        <a:schemeClr val="lt1"/>
+      </a:fontRef>
+    </dgm:style>
+  </dgm:styleLbl>
+  <dgm:styleLbl name="parChTrans2D2">
+    <dgm:scene3d>
+      <a:camera prst="orthographicFront"/>
+      <a:lightRig rig="threePt" dir="t"/>
+    </dgm:scene3d>
+    <dgm:sp3d/>
+    <dgm:txPr/>
+    <dgm:style>
+      <a:lnRef idx="2">
+        <a:scrgbClr r="0" g="0" b="0"/>
+      </a:lnRef>
+      <a:fillRef idx="1">
+        <a:scrgbClr r="0" g="0" b="0"/>
+      </a:fillRef>
+      <a:effectRef idx="0">
+        <a:scrgbClr r="0" g="0" b="0"/>
+      </a:effectRef>
+      <a:fontRef idx="minor">
+        <a:schemeClr val="lt1"/>
+      </a:fontRef>
+    </dgm:style>
+  </dgm:styleLbl>
+  <dgm:styleLbl name="parChTrans2D3">
+    <dgm:scene3d>
+      <a:camera prst="orthographicFront"/>
+      <a:lightRig rig="threePt" dir="t"/>
+    </dgm:scene3d>
+    <dgm:sp3d/>
+    <dgm:txPr/>
+    <dgm:style>
+      <a:lnRef idx="2">
+        <a:scrgbClr r="0" g="0" b="0"/>
+      </a:lnRef>
+      <a:fillRef idx="1">
+        <a:scrgbClr r="0" g="0" b="0"/>
+      </a:fillRef>
+      <a:effectRef idx="0">
+        <a:scrgbClr r="0" g="0" b="0"/>
+      </a:effectRef>
+      <a:fontRef idx="minor">
+        <a:schemeClr val="lt1"/>
+      </a:fontRef>
+    </dgm:style>
+  </dgm:styleLbl>
+  <dgm:styleLbl name="parChTrans2D4">
+    <dgm:scene3d>
+      <a:camera prst="orthographicFront"/>
+      <a:lightRig rig="threePt" dir="t"/>
+    </dgm:scene3d>
+    <dgm:sp3d/>
+    <dgm:txPr/>
+    <dgm:style>
+      <a:lnRef idx="2">
+        <a:scrgbClr r="0" g="0" b="0"/>
+      </a:lnRef>
+      <a:fillRef idx="1">
+        <a:scrgbClr r="0" g="0" b="0"/>
+      </a:fillRef>
+      <a:effectRef idx="0">
+        <a:scrgbClr r="0" g="0" b="0"/>
+      </a:effectRef>
+      <a:fontRef idx="minor">
+        <a:schemeClr val="lt1"/>
+      </a:fontRef>
+    </dgm:style>
+  </dgm:styleLbl>
+  <dgm:styleLbl name="parChTrans1D1">
+    <dgm:scene3d>
+      <a:camera prst="orthographicFront"/>
+      <a:lightRig rig="threePt" dir="t"/>
+    </dgm:scene3d>
+    <dgm:sp3d/>
+    <dgm:txPr/>
+    <dgm:style>
+      <a:lnRef idx="2">
+        <a:scrgbClr r="0" g="0" b="0"/>
+      </a:lnRef>
+      <a:fillRef idx="0">
+        <a:scrgbClr r="0" g="0" b="0"/>
+      </a:fillRef>
+      <a:effectRef idx="0">
+        <a:scrgbClr r="0" g="0" b="0"/>
+      </a:effectRef>
+      <a:fontRef idx="minor"/>
+    </dgm:style>
+  </dgm:styleLbl>
+  <dgm:styleLbl name="parChTrans1D2">
+    <dgm:scene3d>
+      <a:camera prst="orthographicFront"/>
+      <a:lightRig rig="threePt" dir="t"/>
+    </dgm:scene3d>
+    <dgm:sp3d/>
+    <dgm:txPr/>
+    <dgm:style>
+      <a:lnRef idx="2">
+        <a:scrgbClr r="0" g="0" b="0"/>
+      </a:lnRef>
+      <a:fillRef idx="0">
+        <a:scrgbClr r="0" g="0" b="0"/>
+      </a:fillRef>
+      <a:effectRef idx="0">
+        <a:scrgbClr r="0" g="0" b="0"/>
+      </a:effectRef>
+      <a:fontRef idx="minor"/>
+    </dgm:style>
+  </dgm:styleLbl>
+  <dgm:styleLbl name="parChTrans1D3">
+    <dgm:scene3d>
+      <a:camera prst="orthographicFront"/>
+      <a:lightRig rig="threePt" dir="t"/>
+    </dgm:scene3d>
+    <dgm:sp3d/>
+    <dgm:txPr/>
+    <dgm:style>
+      <a:lnRef idx="2">
+        <a:scrgbClr r="0" g="0" b="0"/>
+      </a:lnRef>
+      <a:fillRef idx="0">
+        <a:scrgbClr r="0" g="0" b="0"/>
+      </a:fillRef>
+      <a:effectRef idx="0">
+        <a:scrgbClr r="0" g="0" b="0"/>
+      </a:effectRef>
+      <a:fontRef idx="minor"/>
+    </dgm:style>
+  </dgm:styleLbl>
+  <dgm:styleLbl name="parChTrans1D4">
+    <dgm:scene3d>
+      <a:camera prst="orthographicFront"/>
+      <a:lightRig rig="threePt" dir="t"/>
+    </dgm:scene3d>
+    <dgm:sp3d/>
+    <dgm:txPr/>
+    <dgm:style>
+      <a:lnRef idx="2">
+        <a:scrgbClr r="0" g="0" b="0"/>
+      </a:lnRef>
+      <a:fillRef idx="0">
+        <a:scrgbClr r="0" g="0" b="0"/>
+      </a:fillRef>
+      <a:effectRef idx="0">
+        <a:scrgbClr r="0" g="0" b="0"/>
+      </a:effectRef>
+      <a:fontRef idx="minor"/>
+    </dgm:style>
+  </dgm:styleLbl>
+  <dgm:styleLbl name="fgAcc1">
+    <dgm:scene3d>
+      <a:camera prst="orthographicFront"/>
+      <a:lightRig rig="threePt" dir="t"/>
+    </dgm:scene3d>
+    <dgm:sp3d/>
+    <dgm:txPr/>
+    <dgm:style>
+      <a:lnRef idx="2">
+        <a:scrgbClr r="0" g="0" b="0"/>
+      </a:lnRef>
+      <a:fillRef idx="1">
+        <a:scrgbClr r="0" g="0" b="0"/>
+      </a:fillRef>
+      <a:effectRef idx="0">
+        <a:scrgbClr r="0" g="0" b="0"/>
+      </a:effectRef>
+      <a:fontRef idx="minor"/>
+    </dgm:style>
+  </dgm:styleLbl>
+  <dgm:styleLbl name="conFgAcc1">
+    <dgm:scene3d>
+      <a:camera prst="orthographicFront"/>
+      <a:lightRig rig="threePt" dir="t"/>
+    </dgm:scene3d>
+    <dgm:sp3d/>
+    <dgm:txPr/>
+    <dgm:style>
+      <a:lnRef idx="2">
+        <a:scrgbClr r="0" g="0" b="0"/>
+      </a:lnRef>
+      <a:fillRef idx="1">
+        <a:scrgbClr r="0" g="0" b="0"/>
+      </a:fillRef>
+      <a:effectRef idx="0">
+        <a:scrgbClr r="0" g="0" b="0"/>
+      </a:effectRef>
+      <a:fontRef idx="minor"/>
+    </dgm:style>
+  </dgm:styleLbl>
+  <dgm:styleLbl name="alignAcc1">
+    <dgm:scene3d>
+      <a:camera prst="orthographicFront"/>
+      <a:lightRig rig="threePt" dir="t"/>
+    </dgm:scene3d>
+    <dgm:sp3d/>
+    <dgm:txPr/>
+    <dgm:style>
+      <a:lnRef idx="2">
+        <a:scrgbClr r="0" g="0" b="0"/>
+      </a:lnRef>
+      <a:fillRef idx="1">
+        <a:scrgbClr r="0" g="0" b="0"/>
+      </a:fillRef>
+      <a:effectRef idx="0">
+        <a:scrgbClr r="0" g="0" b="0"/>
+      </a:effectRef>
+      <a:fontRef idx="minor"/>
+    </dgm:style>
+  </dgm:styleLbl>
+  <dgm:styleLbl name="trAlignAcc1">
+    <dgm:scene3d>
+      <a:camera prst="orthographicFront"/>
+      <a:lightRig rig="threePt" dir="t"/>
+    </dgm:scene3d>
+    <dgm:sp3d/>
+    <dgm:txPr/>
+    <dgm:style>
+      <a:lnRef idx="1">
+        <a:scrgbClr r="0" g="0" b="0"/>
+      </a:lnRef>
+      <a:fillRef idx="1">
+        <a:scrgbClr r="0" g="0" b="0"/>
+      </a:fillRef>
+      <a:effectRef idx="0">
+        <a:scrgbClr r="0" g="0" b="0"/>
+      </a:effectRef>
+      <a:fontRef idx="minor"/>
+    </dgm:style>
+  </dgm:styleLbl>
+  <dgm:styleLbl name="bgAcc1">
+    <dgm:scene3d>
+      <a:camera prst="orthographicFront"/>
+      <a:lightRig rig="threePt" dir="t"/>
+    </dgm:scene3d>
+    <dgm:sp3d/>
+    <dgm:txPr/>
+    <dgm:style>
+      <a:lnRef idx="2">
+        <a:scrgbClr r="0" g="0" b="0"/>
+      </a:lnRef>
+      <a:fillRef idx="1">
+        <a:scrgbClr r="0" g="0" b="0"/>
+      </a:fillRef>
+      <a:effectRef idx="0">
+        <a:scrgbClr r="0" g="0" b="0"/>
+      </a:effectRef>
+      <a:fontRef idx="minor"/>
+    </dgm:style>
+  </dgm:styleLbl>
+  <dgm:styleLbl name="solidFgAcc1">
+    <dgm:scene3d>
+      <a:camera prst="orthographicFront"/>
+      <a:lightRig rig="threePt" dir="t"/>
+    </dgm:scene3d>
+    <dgm:sp3d/>
+    <dgm:txPr/>
+    <dgm:style>
+      <a:lnRef idx="2">
+        <a:scrgbClr r="0" g="0" b="0"/>
+      </a:lnRef>
+      <a:fillRef idx="1">
+        <a:scrgbClr r="0" g="0" b="0"/>
+      </a:fillRef>
+      <a:effectRef idx="0">
+        <a:scrgbClr r="0" g="0" b="0"/>
+      </a:effectRef>
+      <a:fontRef idx="minor"/>
+    </dgm:style>
+  </dgm:styleLbl>
+  <dgm:styleLbl name="solidAlignAcc1">
+    <dgm:scene3d>
+      <a:camera prst="orthographicFront"/>
+      <a:lightRig rig="threePt" dir="t"/>
+    </dgm:scene3d>
+    <dgm:sp3d/>
+    <dgm:txPr/>
+    <dgm:style>
+      <a:lnRef idx="2">
+        <a:scrgbClr r="0" g="0" b="0"/>
+      </a:lnRef>
+      <a:fillRef idx="1">
+        <a:scrgbClr r="0" g="0" b="0"/>
+      </a:fillRef>
+      <a:effectRef idx="0">
+        <a:scrgbClr r="0" g="0" b="0"/>
+      </a:effectRef>
+      <a:fontRef idx="minor"/>
+    </dgm:style>
+  </dgm:styleLbl>
+  <dgm:styleLbl name="solidBgAcc1">
+    <dgm:scene3d>
+      <a:camera prst="orthographicFront"/>
+      <a:lightRig rig="threePt" dir="t"/>
+    </dgm:scene3d>
+    <dgm:sp3d/>
+    <dgm:txPr/>
+    <dgm:style>
+      <a:lnRef idx="2">
+        <a:scrgbClr r="0" g="0" b="0"/>
+      </a:lnRef>
+      <a:fillRef idx="1">
+        <a:scrgbClr r="0" g="0" b="0"/>
+      </a:fillRef>
+      <a:effectRef idx="0">
+        <a:scrgbClr r="0" g="0" b="0"/>
+      </a:effectRef>
+      <a:fontRef idx="minor"/>
+    </dgm:style>
+  </dgm:styleLbl>
+  <dgm:styleLbl name="fgAccFollowNode1">
+    <dgm:scene3d>
+      <a:camera prst="orthographicFront"/>
+      <a:lightRig rig="threePt" dir="t"/>
+    </dgm:scene3d>
+    <dgm:sp3d/>
+    <dgm:txPr/>
+    <dgm:style>
+      <a:lnRef idx="2">
+        <a:scrgbClr r="0" g="0" b="0"/>
+      </a:lnRef>
+      <a:fillRef idx="1">
+        <a:scrgbClr r="0" g="0" b="0"/>
+      </a:fillRef>
+      <a:effectRef idx="0">
+        <a:scrgbClr r="0" g="0" b="0"/>
+      </a:effectRef>
+      <a:fontRef idx="minor"/>
+    </dgm:style>
+  </dgm:styleLbl>
+  <dgm:styleLbl name="alignAccFollowNode1">
+    <dgm:scene3d>
+      <a:camera prst="orthographicFront"/>
+      <a:lightRig rig="threePt" dir="t"/>
+    </dgm:scene3d>
+    <dgm:sp3d/>
+    <dgm:txPr/>
+    <dgm:style>
+      <a:lnRef idx="2">
+        <a:scrgbClr r="0" g="0" b="0"/>
+      </a:lnRef>
+      <a:fillRef idx="1">
+        <a:scrgbClr r="0" g="0" b="0"/>
+      </a:fillRef>
+      <a:effectRef idx="0">
+        <a:scrgbClr r="0" g="0" b="0"/>
+      </a:effectRef>
+      <a:fontRef idx="minor"/>
+    </dgm:style>
+  </dgm:styleLbl>
+  <dgm:styleLbl name="bgAccFollowNode1">
+    <dgm:scene3d>
+      <a:camera prst="orthographicFront"/>
+      <a:lightRig rig="threePt" dir="t"/>
+    </dgm:scene3d>
+    <dgm:sp3d/>
+    <dgm:txPr/>
+    <dgm:style>
+      <a:lnRef idx="2">
+        <a:scrgbClr r="0" g="0" b="0"/>
+      </a:lnRef>
+      <a:fillRef idx="1">
+        <a:scrgbClr r="0" g="0" b="0"/>
+      </a:fillRef>
+      <a:effectRef idx="0">
+        <a:scrgbClr r="0" g="0" b="0"/>
+      </a:effectRef>
+      <a:fontRef idx="minor"/>
+    </dgm:style>
+  </dgm:styleLbl>
+  <dgm:styleLbl name="fgAcc0">
+    <dgm:scene3d>
+      <a:camera prst="orthographicFront"/>
+      <a:lightRig rig="threePt" dir="t"/>
+    </dgm:scene3d>
+    <dgm:sp3d/>
+    <dgm:txPr/>
+    <dgm:style>
+      <a:lnRef idx="2">
+        <a:scrgbClr r="0" g="0" b="0"/>
+      </a:lnRef>
+      <a:fillRef idx="1">
+        <a:scrgbClr r="0" g="0" b="0"/>
+      </a:fillRef>
+      <a:effectRef idx="0">
+        <a:scrgbClr r="0" g="0" b="0"/>
+      </a:effectRef>
+      <a:fontRef idx="minor"/>
+    </dgm:style>
+  </dgm:styleLbl>
+  <dgm:styleLbl name="fgAcc2">
+    <dgm:scene3d>
+      <a:camera prst="orthographicFront"/>
+      <a:lightRig rig="threePt" dir="t"/>
+    </dgm:scene3d>
+    <dgm:sp3d/>
+    <dgm:txPr/>
+    <dgm:style>
+      <a:lnRef idx="2">
+        <a:scrgbClr r="0" g="0" b="0"/>
+      </a:lnRef>
+      <a:fillRef idx="1">
+        <a:scrgbClr r="0" g="0" b="0"/>
+      </a:fillRef>
+      <a:effectRef idx="0">
+        <a:scrgbClr r="0" g="0" b="0"/>
+      </a:effectRef>
+      <a:fontRef idx="minor"/>
+    </dgm:style>
+  </dgm:styleLbl>
+  <dgm:styleLbl name="fgAcc3">
+    <dgm:scene3d>
+      <a:camera prst="orthographicFront"/>
+      <a:lightRig rig="threePt" dir="t"/>
+    </dgm:scene3d>
+    <dgm:sp3d/>
+    <dgm:txPr/>
+    <dgm:style>
+      <a:lnRef idx="2">
+        <a:scrgbClr r="0" g="0" b="0"/>
+      </a:lnRef>
+      <a:fillRef idx="1">
+        <a:scrgbClr r="0" g="0" b="0"/>
+      </a:fillRef>
+      <a:effectRef idx="0">
+        <a:scrgbClr r="0" g="0" b="0"/>
+      </a:effectRef>
+      <a:fontRef idx="minor"/>
+    </dgm:style>
+  </dgm:styleLbl>
+  <dgm:styleLbl name="fgAcc4">
+    <dgm:scene3d>
+      <a:camera prst="orthographicFront"/>
+      <a:lightRig rig="threePt" dir="t"/>
+    </dgm:scene3d>
+    <dgm:sp3d/>
+    <dgm:txPr/>
+    <dgm:style>
+      <a:lnRef idx="2">
+        <a:scrgbClr r="0" g="0" b="0"/>
+      </a:lnRef>
+      <a:fillRef idx="1">
+        <a:scrgbClr r="0" g="0" b="0"/>
+      </a:fillRef>
+      <a:effectRef idx="0">
+        <a:scrgbClr r="0" g="0" b="0"/>
+      </a:effectRef>
+      <a:fontRef idx="minor"/>
+    </dgm:style>
+  </dgm:styleLbl>
+  <dgm:styleLbl name="bgShp">
+    <dgm:scene3d>
+      <a:camera prst="orthographicFront"/>
+      <a:lightRig rig="threePt" dir="t"/>
+    </dgm:scene3d>
+    <dgm:sp3d/>
+    <dgm:txPr/>
+    <dgm:style>
+      <a:lnRef idx="0">
+        <a:scrgbClr r="0" g="0" b="0"/>
+      </a:lnRef>
+      <a:fillRef idx="1">
+        <a:scrgbClr r="0" g="0" b="0"/>
+      </a:fillRef>
+      <a:effectRef idx="0">
+        <a:scrgbClr r="0" g="0" b="0"/>
+      </a:effectRef>
+      <a:fontRef idx="minor"/>
+    </dgm:style>
+  </dgm:styleLbl>
+  <dgm:styleLbl name="dkBgShp">
+    <dgm:scene3d>
+      <a:camera prst="orthographicFront"/>
+      <a:lightRig rig="threePt" dir="t"/>
+    </dgm:scene3d>
+    <dgm:sp3d/>
+    <dgm:txPr/>
+    <dgm:style>
+      <a:lnRef idx="0">
+        <a:scrgbClr r="0" g="0" b="0"/>
+      </a:lnRef>
+      <a:fillRef idx="1">
+        <a:scrgbClr r="0" g="0" b="0"/>
+      </a:fillRef>
+      <a:effectRef idx="0">
+        <a:scrgbClr r="0" g="0" b="0"/>
+      </a:effectRef>
+      <a:fontRef idx="minor"/>
+    </dgm:style>
+  </dgm:styleLbl>
+  <dgm:styleLbl name="trBgShp">
+    <dgm:scene3d>
+      <a:camera prst="orthographicFront"/>
+      <a:lightRig rig="threePt" dir="t"/>
+    </dgm:scene3d>
+    <dgm:sp3d/>
+    <dgm:txPr/>
+    <dgm:style>
+      <a:lnRef idx="0">
+        <a:scrgbClr r="0" g="0" b="0"/>
+      </a:lnRef>
+      <a:fillRef idx="1">
+        <a:scrgbClr r="0" g="0" b="0"/>
+      </a:fillRef>
+      <a:effectRef idx="0">
+        <a:scrgbClr r="0" g="0" b="0"/>
+      </a:effectRef>
+      <a:fontRef idx="minor"/>
+    </dgm:style>
+  </dgm:styleLbl>
+  <dgm:styleLbl name="fgShp">
+    <dgm:scene3d>
+      <a:camera prst="orthographicFront"/>
+      <a:lightRig rig="threePt" dir="t"/>
+    </dgm:scene3d>
+    <dgm:sp3d/>
+    <dgm:txPr/>
+    <dgm:style>
+      <a:lnRef idx="2">
+        <a:scrgbClr r="0" g="0" b="0"/>
+      </a:lnRef>
+      <a:fillRef idx="1">
+        <a:scrgbClr r="0" g="0" b="0"/>
+      </a:fillRef>
+      <a:effectRef idx="0">
+        <a:scrgbClr r="0" g="0" b="0"/>
+      </a:effectRef>
+      <a:fontRef idx="minor"/>
+    </dgm:style>
+  </dgm:styleLbl>
+  <dgm:styleLbl name="revTx">
+    <dgm:scene3d>
+      <a:camera prst="orthographicFront"/>
+      <a:lightRig rig="threePt" dir="t"/>
+    </dgm:scene3d>
+    <dgm:sp3d/>
+    <dgm:txPr/>
+    <dgm:style>
+      <a:lnRef idx="0">
+        <a:scrgbClr r="0" g="0" b="0"/>
+      </a:lnRef>
+      <a:fillRef idx="0">
+        <a:scrgbClr r="0" g="0" b="0"/>
+      </a:fillRef>
+      <a:effectRef idx="0">
+        <a:scrgbClr r="0" g="0" b="0"/>
+      </a:effectRef>
+      <a:fontRef idx="minor"/>
+    </dgm:style>
+  </dgm:styleLbl>
+</dgm:styleDef>
+</file>
+
+<file path=ppt/diagrams/quickStyle2.xml><?xml version="1.0" encoding="utf-8"?>
+<dgm:styleDef xmlns:dgm="http://schemas.openxmlformats.org/drawingml/2006/diagram" xmlns:a="http://schemas.openxmlformats.org/drawingml/2006/main" uniqueId="urn:microsoft.com/office/officeart/2005/8/quickstyle/simple1">
+  <dgm:title val=""/>
+  <dgm:desc val=""/>
+  <dgm:catLst>
+    <dgm:cat type="simple" pri="10100"/>
+  </dgm:catLst>
+  <dgm:scene3d>
+    <a:camera prst="orthographicFront"/>
+    <a:lightRig rig="threePt" dir="t"/>
+  </dgm:scene3d>
+  <dgm:styleLbl name="node0">
+    <dgm:scene3d>
+      <a:camera prst="orthographicFront"/>
+      <a:lightRig rig="threePt" dir="t"/>
+    </dgm:scene3d>
+    <dgm:sp3d/>
+    <dgm:txPr/>
+    <dgm:style>
+      <a:lnRef idx="2">
+        <a:scrgbClr r="0" g="0" b="0"/>
+      </a:lnRef>
+      <a:fillRef idx="1">
+        <a:scrgbClr r="0" g="0" b="0"/>
+      </a:fillRef>
+      <a:effectRef idx="0">
+        <a:scrgbClr r="0" g="0" b="0"/>
+      </a:effectRef>
+      <a:fontRef idx="minor">
+        <a:schemeClr val="lt1"/>
+      </a:fontRef>
+    </dgm:style>
+  </dgm:styleLbl>
+  <dgm:styleLbl name="lnNode1">
+    <dgm:scene3d>
+      <a:camera prst="orthographicFront"/>
+      <a:lightRig rig="threePt" dir="t"/>
+    </dgm:scene3d>
+    <dgm:sp3d/>
+    <dgm:txPr/>
+    <dgm:style>
+      <a:lnRef idx="2">
+        <a:scrgbClr r="0" g="0" b="0"/>
+      </a:lnRef>
+      <a:fillRef idx="1">
+        <a:scrgbClr r="0" g="0" b="0"/>
+      </a:fillRef>
+      <a:effectRef idx="0">
+        <a:scrgbClr r="0" g="0" b="0"/>
+      </a:effectRef>
+      <a:fontRef idx="minor">
+        <a:schemeClr val="lt1"/>
+      </a:fontRef>
+    </dgm:style>
+  </dgm:styleLbl>
+  <dgm:styleLbl name="vennNode1">
+    <dgm:scene3d>
+      <a:camera prst="orthographicFront"/>
+      <a:lightRig rig="threePt" dir="t"/>
+    </dgm:scene3d>
+    <dgm:sp3d/>
+    <dgm:txPr/>
+    <dgm:style>
+      <a:lnRef idx="2">
+        <a:scrgbClr r="0" g="0" b="0"/>
+      </a:lnRef>
+      <a:fillRef idx="1">
+        <a:scrgbClr r="0" g="0" b="0"/>
+      </a:fillRef>
+      <a:effectRef idx="0">
+        <a:scrgbClr r="0" g="0" b="0"/>
+      </a:effectRef>
+      <a:fontRef idx="minor">
+        <a:schemeClr val="tx1"/>
+      </a:fontRef>
+    </dgm:style>
+  </dgm:styleLbl>
+  <dgm:styleLbl name="alignNode1">
+    <dgm:scene3d>
+      <a:camera prst="orthographicFront"/>
+      <a:lightRig rig="threePt" dir="t"/>
+    </dgm:scene3d>
+    <dgm:sp3d/>
+    <dgm:txPr/>
+    <dgm:style>
+      <a:lnRef idx="2">
+        <a:scrgbClr r="0" g="0" b="0"/>
+      </a:lnRef>
+      <a:fillRef idx="1">
+        <a:scrgbClr r="0" g="0" b="0"/>
+      </a:fillRef>
+      <a:effectRef idx="0">
+        <a:scrgbClr r="0" g="0" b="0"/>
+      </a:effectRef>
+      <a:fontRef idx="minor">
+        <a:schemeClr val="lt1"/>
+      </a:fontRef>
+    </dgm:style>
+  </dgm:styleLbl>
+  <dgm:styleLbl name="node1">
+    <dgm:scene3d>
+      <a:camera prst="orthographicFront"/>
+      <a:lightRig rig="threePt" dir="t"/>
+    </dgm:scene3d>
+    <dgm:sp3d/>
+    <dgm:txPr/>
+    <dgm:style>
+      <a:lnRef idx="2">
+        <a:scrgbClr r="0" g="0" b="0"/>
+      </a:lnRef>
+      <a:fillRef idx="1">
+        <a:scrgbClr r="0" g="0" b="0"/>
+      </a:fillRef>
+      <a:effectRef idx="0">
+        <a:scrgbClr r="0" g="0" b="0"/>
+      </a:effectRef>
+      <a:fontRef idx="minor">
+        <a:schemeClr val="lt1"/>
+      </a:fontRef>
+    </dgm:style>
+  </dgm:styleLbl>
+  <dgm:styleLbl name="node2">
+    <dgm:scene3d>
+      <a:camera prst="orthographicFront"/>
+      <a:lightRig rig="threePt" dir="t"/>
+    </dgm:scene3d>
+    <dgm:sp3d/>
+    <dgm:txPr/>
+    <dgm:style>
+      <a:lnRef idx="2">
+        <a:scrgbClr r="0" g="0" b="0"/>
+      </a:lnRef>
+      <a:fillRef idx="1">
+        <a:scrgbClr r="0" g="0" b="0"/>
+      </a:fillRef>
+      <a:effectRef idx="0">
+        <a:scrgbClr r="0" g="0" b="0"/>
+      </a:effectRef>
+      <a:fontRef idx="minor">
+        <a:schemeClr val="lt1"/>
+      </a:fontRef>
+    </dgm:style>
+  </dgm:styleLbl>
+  <dgm:styleLbl name="node3">
+    <dgm:scene3d>
+      <a:camera prst="orthographicFront"/>
+      <a:lightRig rig="threePt" dir="t"/>
+    </dgm:scene3d>
+    <dgm:sp3d/>
+    <dgm:txPr/>
+    <dgm:style>
+      <a:lnRef idx="2">
+        <a:scrgbClr r="0" g="0" b="0"/>
+      </a:lnRef>
+      <a:fillRef idx="1">
+        <a:scrgbClr r="0" g="0" b="0"/>
+      </a:fillRef>
+      <a:effectRef idx="0">
+        <a:scrgbClr r="0" g="0" b="0"/>
+      </a:effectRef>
+      <a:fontRef idx="minor">
+        <a:schemeClr val="lt1"/>
+      </a:fontRef>
+    </dgm:style>
+  </dgm:styleLbl>
+  <dgm:styleLbl name="node4">
+    <dgm:scene3d>
+      <a:camera prst="orthographicFront"/>
+      <a:lightRig rig="threePt" dir="t"/>
+    </dgm:scene3d>
+    <dgm:sp3d/>
+    <dgm:txPr/>
+    <dgm:style>
+      <a:lnRef idx="2">
+        <a:scrgbClr r="0" g="0" b="0"/>
+      </a:lnRef>
+      <a:fillRef idx="1">
+        <a:scrgbClr r="0" g="0" b="0"/>
+      </a:fillRef>
+      <a:effectRef idx="0">
+        <a:scrgbClr r="0" g="0" b="0"/>
+      </a:effectRef>
+      <a:fontRef idx="minor">
+        <a:schemeClr val="lt1"/>
+      </a:fontRef>
+    </dgm:style>
+  </dgm:styleLbl>
+  <dgm:styleLbl name="fgImgPlace1">
+    <dgm:scene3d>
+      <a:camera prst="orthographicFront"/>
+      <a:lightRig rig="threePt" dir="t"/>
+    </dgm:scene3d>
+    <dgm:sp3d/>
+    <dgm:txPr/>
+    <dgm:style>
+      <a:lnRef idx="2">
+        <a:scrgbClr r="0" g="0" b="0"/>
+      </a:lnRef>
+      <a:fillRef idx="1">
+        <a:scrgbClr r="0" g="0" b="0"/>
+      </a:fillRef>
+      <a:effectRef idx="0">
+        <a:scrgbClr r="0" g="0" b="0"/>
+      </a:effectRef>
+      <a:fontRef idx="minor"/>
+    </dgm:style>
+  </dgm:styleLbl>
+  <dgm:styleLbl name="alignImgPlace1">
+    <dgm:scene3d>
+      <a:camera prst="orthographicFront"/>
+      <a:lightRig rig="threePt" dir="t"/>
+    </dgm:scene3d>
+    <dgm:sp3d/>
+    <dgm:txPr/>
+    <dgm:style>
+      <a:lnRef idx="2">
+        <a:scrgbClr r="0" g="0" b="0"/>
+      </a:lnRef>
+      <a:fillRef idx="1">
+        <a:scrgbClr r="0" g="0" b="0"/>
+      </a:fillRef>
+      <a:effectRef idx="0">
+        <a:scrgbClr r="0" g="0" b="0"/>
+      </a:effectRef>
+      <a:fontRef idx="minor"/>
+    </dgm:style>
+  </dgm:styleLbl>
+  <dgm:styleLbl name="bgImgPlace1">
+    <dgm:scene3d>
+      <a:camera prst="orthographicFront"/>
+      <a:lightRig rig="threePt" dir="t"/>
+    </dgm:scene3d>
+    <dgm:sp3d/>
+    <dgm:txPr/>
+    <dgm:style>
+      <a:lnRef idx="2">
+        <a:scrgbClr r="0" g="0" b="0"/>
+      </a:lnRef>
+      <a:fillRef idx="1">
+        <a:scrgbClr r="0" g="0" b="0"/>
+      </a:fillRef>
+      <a:effectRef idx="0">
+        <a:scrgbClr r="0" g="0" b="0"/>
+      </a:effectRef>
+      <a:fontRef idx="minor"/>
+    </dgm:style>
+  </dgm:styleLbl>
+  <dgm:styleLbl name="sibTrans2D1">
+    <dgm:scene3d>
+      <a:camera prst="orthographicFront"/>
+      <a:lightRig rig="threePt" dir="t"/>
+    </dgm:scene3d>
+    <dgm:sp3d/>
+    <dgm:txPr/>
+    <dgm:style>
+      <a:lnRef idx="0">
+        <a:scrgbClr r="0" g="0" b="0"/>
+      </a:lnRef>
+      <a:fillRef idx="1">
+        <a:scrgbClr r="0" g="0" b="0"/>
+      </a:fillRef>
+      <a:effectRef idx="0">
+        <a:scrgbClr r="0" g="0" b="0"/>
+      </a:effectRef>
+      <a:fontRef idx="minor">
+        <a:schemeClr val="lt1"/>
+      </a:fontRef>
+    </dgm:style>
+  </dgm:styleLbl>
+  <dgm:styleLbl name="fgSibTrans2D1">
+    <dgm:scene3d>
+      <a:camera prst="orthographicFront"/>
+      <a:lightRig rig="threePt" dir="t"/>
+    </dgm:scene3d>
+    <dgm:sp3d/>
+    <dgm:txPr/>
+    <dgm:style>
+      <a:lnRef idx="0">
+        <a:scrgbClr r="0" g="0" b="0"/>
+      </a:lnRef>
+      <a:fillRef idx="1">
+        <a:scrgbClr r="0" g="0" b="0"/>
+      </a:fillRef>
+      <a:effectRef idx="0">
+        <a:scrgbClr r="0" g="0" b="0"/>
+      </a:effectRef>
+      <a:fontRef idx="minor">
+        <a:schemeClr val="lt1"/>
+      </a:fontRef>
+    </dgm:style>
+  </dgm:styleLbl>
+  <dgm:styleLbl name="bgSibTrans2D1">
+    <dgm:scene3d>
+      <a:camera prst="orthographicFront"/>
+      <a:lightRig rig="threePt" dir="t"/>
+    </dgm:scene3d>
+    <dgm:sp3d/>
+    <dgm:txPr/>
+    <dgm:style>
+      <a:lnRef idx="0">
+        <a:scrgbClr r="0" g="0" b="0"/>
+      </a:lnRef>
+      <a:fillRef idx="1">
+        <a:scrgbClr r="0" g="0" b="0"/>
+      </a:fillRef>
+      <a:effectRef idx="0">
+        <a:scrgbClr r="0" g="0" b="0"/>
+      </a:effectRef>
+      <a:fontRef idx="minor">
+        <a:schemeClr val="lt1"/>
+      </a:fontRef>
+    </dgm:style>
+  </dgm:styleLbl>
+  <dgm:styleLbl name="sibTrans1D1">
+    <dgm:scene3d>
+      <a:camera prst="orthographicFront"/>
+      <a:lightRig rig="threePt" dir="t"/>
+    </dgm:scene3d>
+    <dgm:sp3d/>
+    <dgm:txPr/>
+    <dgm:style>
+      <a:lnRef idx="1">
+        <a:scrgbClr r="0" g="0" b="0"/>
+      </a:lnRef>
+      <a:fillRef idx="0">
+        <a:scrgbClr r="0" g="0" b="0"/>
+      </a:fillRef>
+      <a:effectRef idx="0">
+        <a:scrgbClr r="0" g="0" b="0"/>
+      </a:effectRef>
+      <a:fontRef idx="minor"/>
+    </dgm:style>
+  </dgm:styleLbl>
+  <dgm:styleLbl name="callout">
+    <dgm:scene3d>
+      <a:camera prst="orthographicFront"/>
+      <a:lightRig rig="threePt" dir="t"/>
+    </dgm:scene3d>
+    <dgm:sp3d/>
+    <dgm:txPr/>
+    <dgm:style>
+      <a:lnRef idx="2">
+        <a:scrgbClr r="0" g="0" b="0"/>
+      </a:lnRef>
+      <a:fillRef idx="1">
+        <a:scrgbClr r="0" g="0" b="0"/>
+      </a:fillRef>
+      <a:effectRef idx="0">
+        <a:scrgbClr r="0" g="0" b="0"/>
+      </a:effectRef>
+      <a:fontRef idx="minor"/>
+    </dgm:style>
+  </dgm:styleLbl>
+  <dgm:styleLbl name="asst0">
+    <dgm:scene3d>
+      <a:camera prst="orthographicFront"/>
+      <a:lightRig rig="threePt" dir="t"/>
+    </dgm:scene3d>
+    <dgm:sp3d/>
+    <dgm:txPr/>
+    <dgm:style>
+      <a:lnRef idx="2">
+        <a:scrgbClr r="0" g="0" b="0"/>
+      </a:lnRef>
+      <a:fillRef idx="1">
+        <a:scrgbClr r="0" g="0" b="0"/>
+      </a:fillRef>
+      <a:effectRef idx="0">
+        <a:scrgbClr r="0" g="0" b="0"/>
+      </a:effectRef>
+      <a:fontRef idx="minor">
+        <a:schemeClr val="lt1"/>
+      </a:fontRef>
+    </dgm:style>
+  </dgm:styleLbl>
+  <dgm:styleLbl name="asst1">
+    <dgm:scene3d>
+      <a:camera prst="orthographicFront"/>
+      <a:lightRig rig="threePt" dir="t"/>
+    </dgm:scene3d>
+    <dgm:sp3d/>
+    <dgm:txPr/>
+    <dgm:style>
+      <a:lnRef idx="2">
+        <a:scrgbClr r="0" g="0" b="0"/>
+      </a:lnRef>
+      <a:fillRef idx="1">
+        <a:scrgbClr r="0" g="0" b="0"/>
+      </a:fillRef>
+      <a:effectRef idx="0">
+        <a:scrgbClr r="0" g="0" b="0"/>
+      </a:effectRef>
+      <a:fontRef idx="minor">
+        <a:schemeClr val="lt1"/>
+      </a:fontRef>
+    </dgm:style>
+  </dgm:styleLbl>
+  <dgm:styleLbl name="asst2">
+    <dgm:scene3d>
+      <a:camera prst="orthographicFront"/>
+      <a:lightRig rig="threePt" dir="t"/>
+    </dgm:scene3d>
+    <dgm:sp3d/>
+    <dgm:txPr/>
+    <dgm:style>
+      <a:lnRef idx="2">
+        <a:scrgbClr r="0" g="0" b="0"/>
+      </a:lnRef>
+      <a:fillRef idx="1">
+        <a:scrgbClr r="0" g="0" b="0"/>
+      </a:fillRef>
+      <a:effectRef idx="0">
+        <a:scrgbClr r="0" g="0" b="0"/>
+      </a:effectRef>
+      <a:fontRef idx="minor">
+        <a:schemeClr val="lt1"/>
+      </a:fontRef>
+    </dgm:style>
+  </dgm:styleLbl>
+  <dgm:styleLbl name="asst3">
+    <dgm:scene3d>
+      <a:camera prst="orthographicFront"/>
+      <a:lightRig rig="threePt" dir="t"/>
+    </dgm:scene3d>
+    <dgm:sp3d/>
+    <dgm:txPr/>
+    <dgm:style>
+      <a:lnRef idx="2">
+        <a:scrgbClr r="0" g="0" b="0"/>
+      </a:lnRef>
+      <a:fillRef idx="1">
+        <a:scrgbClr r="0" g="0" b="0"/>
+      </a:fillRef>
+      <a:effectRef idx="0">
+        <a:scrgbClr r="0" g="0" b="0"/>
+      </a:effectRef>
+      <a:fontRef idx="minor">
+        <a:schemeClr val="lt1"/>
+      </a:fontRef>
+    </dgm:style>
+  </dgm:styleLbl>
+  <dgm:styleLbl name="asst4">
+    <dgm:scene3d>
+      <a:camera prst="orthographicFront"/>
+      <a:lightRig rig="threePt" dir="t"/>
+    </dgm:scene3d>
+    <dgm:sp3d/>
+    <dgm:txPr/>
+    <dgm:style>
+      <a:lnRef idx="2">
+        <a:scrgbClr r="0" g="0" b="0"/>
+      </a:lnRef>
+      <a:fillRef idx="1">
+        <a:scrgbClr r="0" g="0" b="0"/>
+      </a:fillRef>
+      <a:effectRef idx="0">
+        <a:scrgbClr r="0" g="0" b="0"/>
+      </a:effectRef>
+      <a:fontRef idx="minor">
+        <a:schemeClr val="lt1"/>
+      </a:fontRef>
+    </dgm:style>
+  </dgm:styleLbl>
+  <dgm:styleLbl name="parChTrans2D1">
+    <dgm:scene3d>
+      <a:camera prst="orthographicFront"/>
+      <a:lightRig rig="threePt" dir="t"/>
+    </dgm:scene3d>
+    <dgm:sp3d/>
+    <dgm:txPr/>
+    <dgm:style>
+      <a:lnRef idx="2">
+        <a:scrgbClr r="0" g="0" b="0"/>
+      </a:lnRef>
+      <a:fillRef idx="1">
+        <a:scrgbClr r="0" g="0" b="0"/>
+      </a:fillRef>
+      <a:effectRef idx="0">
+        <a:scrgbClr r="0" g="0" b="0"/>
+      </a:effectRef>
+      <a:fontRef idx="minor">
+        <a:schemeClr val="lt1"/>
+      </a:fontRef>
+    </dgm:style>
+  </dgm:styleLbl>
+  <dgm:styleLbl name="parChTrans2D2">
+    <dgm:scene3d>
+      <a:camera prst="orthographicFront"/>
+      <a:lightRig rig="threePt" dir="t"/>
+    </dgm:scene3d>
+    <dgm:sp3d/>
+    <dgm:txPr/>
+    <dgm:style>
+      <a:lnRef idx="2">
+        <a:scrgbClr r="0" g="0" b="0"/>
+      </a:lnRef>
+      <a:fillRef idx="1">
+        <a:scrgbClr r="0" g="0" b="0"/>
+      </a:fillRef>
+      <a:effectRef idx="0">
+        <a:scrgbClr r="0" g="0" b="0"/>
+      </a:effectRef>
+      <a:fontRef idx="minor">
+        <a:schemeClr val="lt1"/>
+      </a:fontRef>
+    </dgm:style>
+  </dgm:styleLbl>
+  <dgm:styleLbl name="parChTrans2D3">
+    <dgm:scene3d>
+      <a:camera prst="orthographicFront"/>
+      <a:lightRig rig="threePt" dir="t"/>
+    </dgm:scene3d>
+    <dgm:sp3d/>
+    <dgm:txPr/>
+    <dgm:style>
+      <a:lnRef idx="2">
+        <a:scrgbClr r="0" g="0" b="0"/>
+      </a:lnRef>
+      <a:fillRef idx="1">
+        <a:scrgbClr r="0" g="0" b="0"/>
+      </a:fillRef>
+      <a:effectRef idx="0">
+        <a:scrgbClr r="0" g="0" b="0"/>
+      </a:effectRef>
+      <a:fontRef idx="minor">
+        <a:schemeClr val="lt1"/>
+      </a:fontRef>
+    </dgm:style>
+  </dgm:styleLbl>
+  <dgm:styleLbl name="parChTrans2D4">
+    <dgm:scene3d>
+      <a:camera prst="orthographicFront"/>
+      <a:lightRig rig="threePt" dir="t"/>
+    </dgm:scene3d>
+    <dgm:sp3d/>
+    <dgm:txPr/>
+    <dgm:style>
+      <a:lnRef idx="2">
+        <a:scrgbClr r="0" g="0" b="0"/>
+      </a:lnRef>
+      <a:fillRef idx="1">
+        <a:scrgbClr r="0" g="0" b="0"/>
+      </a:fillRef>
+      <a:effectRef idx="0">
+        <a:scrgbClr r="0" g="0" b="0"/>
+      </a:effectRef>
+      <a:fontRef idx="minor">
+        <a:schemeClr val="lt1"/>
+      </a:fontRef>
+    </dgm:style>
+  </dgm:styleLbl>
+  <dgm:styleLbl name="parChTrans1D1">
+    <dgm:scene3d>
+      <a:camera prst="orthographicFront"/>
+      <a:lightRig rig="threePt" dir="t"/>
+    </dgm:scene3d>
+    <dgm:sp3d/>
+    <dgm:txPr/>
+    <dgm:style>
+      <a:lnRef idx="2">
+        <a:scrgbClr r="0" g="0" b="0"/>
+      </a:lnRef>
+      <a:fillRef idx="0">
+        <a:scrgbClr r="0" g="0" b="0"/>
+      </a:fillRef>
+      <a:effectRef idx="0">
+        <a:scrgbClr r="0" g="0" b="0"/>
+      </a:effectRef>
+      <a:fontRef idx="minor"/>
+    </dgm:style>
+  </dgm:styleLbl>
+  <dgm:styleLbl name="parChTrans1D2">
+    <dgm:scene3d>
+      <a:camera prst="orthographicFront"/>
+      <a:lightRig rig="threePt" dir="t"/>
+    </dgm:scene3d>
+    <dgm:sp3d/>
+    <dgm:txPr/>
+    <dgm:style>
+      <a:lnRef idx="2">
+        <a:scrgbClr r="0" g="0" b="0"/>
+      </a:lnRef>
+      <a:fillRef idx="0">
+        <a:scrgbClr r="0" g="0" b="0"/>
+      </a:fillRef>
+      <a:effectRef idx="0">
+        <a:scrgbClr r="0" g="0" b="0"/>
+      </a:effectRef>
+      <a:fontRef idx="minor"/>
+    </dgm:style>
+  </dgm:styleLbl>
+  <dgm:styleLbl name="parChTrans1D3">
+    <dgm:scene3d>
+      <a:camera prst="orthographicFront"/>
+      <a:lightRig rig="threePt" dir="t"/>
+    </dgm:scene3d>
+    <dgm:sp3d/>
+    <dgm:txPr/>
+    <dgm:style>
+      <a:lnRef idx="2">
+        <a:scrgbClr r="0" g="0" b="0"/>
+      </a:lnRef>
+      <a:fillRef idx="0">
+        <a:scrgbClr r="0" g="0" b="0"/>
+      </a:fillRef>
+      <a:effectRef idx="0">
+        <a:scrgbClr r="0" g="0" b="0"/>
+      </a:effectRef>
+      <a:fontRef idx="minor"/>
+    </dgm:style>
+  </dgm:styleLbl>
+  <dgm:styleLbl name="parChTrans1D4">
+    <dgm:scene3d>
+      <a:camera prst="orthographicFront"/>
+      <a:lightRig rig="threePt" dir="t"/>
+    </dgm:scene3d>
+    <dgm:sp3d/>
+    <dgm:txPr/>
+    <dgm:style>
+      <a:lnRef idx="2">
+        <a:scrgbClr r="0" g="0" b="0"/>
+      </a:lnRef>
+      <a:fillRef idx="0">
+        <a:scrgbClr r="0" g="0" b="0"/>
+      </a:fillRef>
+      <a:effectRef idx="0">
+        <a:scrgbClr r="0" g="0" b="0"/>
+      </a:effectRef>
+      <a:fontRef idx="minor"/>
+    </dgm:style>
+  </dgm:styleLbl>
+  <dgm:styleLbl name="fgAcc1">
+    <dgm:scene3d>
+      <a:camera prst="orthographicFront"/>
+      <a:lightRig rig="threePt" dir="t"/>
+    </dgm:scene3d>
+    <dgm:sp3d/>
+    <dgm:txPr/>
+    <dgm:style>
+      <a:lnRef idx="2">
+        <a:scrgbClr r="0" g="0" b="0"/>
+      </a:lnRef>
+      <a:fillRef idx="1">
+        <a:scrgbClr r="0" g="0" b="0"/>
+      </a:fillRef>
+      <a:effectRef idx="0">
+        <a:scrgbClr r="0" g="0" b="0"/>
+      </a:effectRef>
+      <a:fontRef idx="minor"/>
+    </dgm:style>
+  </dgm:styleLbl>
+  <dgm:styleLbl name="conFgAcc1">
+    <dgm:scene3d>
+      <a:camera prst="orthographicFront"/>
+      <a:lightRig rig="threePt" dir="t"/>
+    </dgm:scene3d>
+    <dgm:sp3d/>
+    <dgm:txPr/>
+    <dgm:style>
+      <a:lnRef idx="2">
+        <a:scrgbClr r="0" g="0" b="0"/>
+      </a:lnRef>
+      <a:fillRef idx="1">
+        <a:scrgbClr r="0" g="0" b="0"/>
+      </a:fillRef>
+      <a:effectRef idx="0">
+        <a:scrgbClr r="0" g="0" b="0"/>
+      </a:effectRef>
+      <a:fontRef idx="minor"/>
+    </dgm:style>
+  </dgm:styleLbl>
+  <dgm:styleLbl name="alignAcc1">
+    <dgm:scene3d>
+      <a:camera prst="orthographicFront"/>
+      <a:lightRig rig="threePt" dir="t"/>
+    </dgm:scene3d>
+    <dgm:sp3d/>
+    <dgm:txPr/>
+    <dgm:style>
+      <a:lnRef idx="2">
+        <a:scrgbClr r="0" g="0" b="0"/>
+      </a:lnRef>
+      <a:fillRef idx="1">
+        <a:scrgbClr r="0" g="0" b="0"/>
+      </a:fillRef>
+      <a:effectRef idx="0">
+        <a:scrgbClr r="0" g="0" b="0"/>
+      </a:effectRef>
+      <a:fontRef idx="minor"/>
+    </dgm:style>
+  </dgm:styleLbl>
+  <dgm:styleLbl name="trAlignAcc1">
+    <dgm:scene3d>
+      <a:camera prst="orthographicFront"/>
+      <a:lightRig rig="threePt" dir="t"/>
+    </dgm:scene3d>
+    <dgm:sp3d/>
+    <dgm:txPr/>
+    <dgm:style>
+      <a:lnRef idx="1">
+        <a:scrgbClr r="0" g="0" b="0"/>
+      </a:lnRef>
+      <a:fillRef idx="1">
+        <a:scrgbClr r="0" g="0" b="0"/>
+      </a:fillRef>
+      <a:effectRef idx="0">
+        <a:scrgbClr r="0" g="0" b="0"/>
+      </a:effectRef>
+      <a:fontRef idx="minor"/>
+    </dgm:style>
+  </dgm:styleLbl>
+  <dgm:styleLbl name="bgAcc1">
+    <dgm:scene3d>
+      <a:camera prst="orthographicFront"/>
+      <a:lightRig rig="threePt" dir="t"/>
+    </dgm:scene3d>
+    <dgm:sp3d/>
+    <dgm:txPr/>
+    <dgm:style>
+      <a:lnRef idx="2">
+        <a:scrgbClr r="0" g="0" b="0"/>
+      </a:lnRef>
+      <a:fillRef idx="1">
+        <a:scrgbClr r="0" g="0" b="0"/>
+      </a:fillRef>
+      <a:effectRef idx="0">
+        <a:scrgbClr r="0" g="0" b="0"/>
+      </a:effectRef>
+      <a:fontRef idx="minor"/>
+    </dgm:style>
+  </dgm:styleLbl>
+  <dgm:styleLbl name="solidFgAcc1">
+    <dgm:scene3d>
+      <a:camera prst="orthographicFront"/>
+      <a:lightRig rig="threePt" dir="t"/>
+    </dgm:scene3d>
+    <dgm:sp3d/>
+    <dgm:txPr/>
+    <dgm:style>
+      <a:lnRef idx="2">
+        <a:scrgbClr r="0" g="0" b="0"/>
+      </a:lnRef>
+      <a:fillRef idx="1">
+        <a:scrgbClr r="0" g="0" b="0"/>
+      </a:fillRef>
+      <a:effectRef idx="0">
+        <a:scrgbClr r="0" g="0" b="0"/>
+      </a:effectRef>
+      <a:fontRef idx="minor"/>
+    </dgm:style>
+  </dgm:styleLbl>
+  <dgm:styleLbl name="solidAlignAcc1">
+    <dgm:scene3d>
+      <a:camera prst="orthographicFront"/>
+      <a:lightRig rig="threePt" dir="t"/>
+    </dgm:scene3d>
+    <dgm:sp3d/>
+    <dgm:txPr/>
+    <dgm:style>
+      <a:lnRef idx="2">
+        <a:scrgbClr r="0" g="0" b="0"/>
+      </a:lnRef>
+      <a:fillRef idx="1">
+        <a:scrgbClr r="0" g="0" b="0"/>
+      </a:fillRef>
+      <a:effectRef idx="0">
+        <a:scrgbClr r="0" g="0" b="0"/>
+      </a:effectRef>
+      <a:fontRef idx="minor"/>
+    </dgm:style>
+  </dgm:styleLbl>
+  <dgm:styleLbl name="solidBgAcc1">
+    <dgm:scene3d>
+      <a:camera prst="orthographicFront"/>
+      <a:lightRig rig="threePt" dir="t"/>
+    </dgm:scene3d>
+    <dgm:sp3d/>
+    <dgm:txPr/>
+    <dgm:style>
+      <a:lnRef idx="2">
+        <a:scrgbClr r="0" g="0" b="0"/>
+      </a:lnRef>
+      <a:fillRef idx="1">
+        <a:scrgbClr r="0" g="0" b="0"/>
+      </a:fillRef>
+      <a:effectRef idx="0">
+        <a:scrgbClr r="0" g="0" b="0"/>
+      </a:effectRef>
+      <a:fontRef idx="minor"/>
+    </dgm:style>
+  </dgm:styleLbl>
+  <dgm:styleLbl name="fgAccFollowNode1">
+    <dgm:scene3d>
+      <a:camera prst="orthographicFront"/>
+      <a:lightRig rig="threePt" dir="t"/>
+    </dgm:scene3d>
+    <dgm:sp3d/>
+    <dgm:txPr/>
+    <dgm:style>
+      <a:lnRef idx="2">
+        <a:scrgbClr r="0" g="0" b="0"/>
+      </a:lnRef>
+      <a:fillRef idx="1">
+        <a:scrgbClr r="0" g="0" b="0"/>
+      </a:fillRef>
+      <a:effectRef idx="0">
+        <a:scrgbClr r="0" g="0" b="0"/>
+      </a:effectRef>
+      <a:fontRef idx="minor"/>
+    </dgm:style>
+  </dgm:styleLbl>
+  <dgm:styleLbl name="alignAccFollowNode1">
+    <dgm:scene3d>
+      <a:camera prst="orthographicFront"/>
+      <a:lightRig rig="threePt" dir="t"/>
+    </dgm:scene3d>
+    <dgm:sp3d/>
+    <dgm:txPr/>
+    <dgm:style>
+      <a:lnRef idx="2">
+        <a:scrgbClr r="0" g="0" b="0"/>
+      </a:lnRef>
+      <a:fillRef idx="1">
+        <a:scrgbClr r="0" g="0" b="0"/>
+      </a:fillRef>
+      <a:effectRef idx="0">
+        <a:scrgbClr r="0" g="0" b="0"/>
+      </a:effectRef>
+      <a:fontRef idx="minor"/>
+    </dgm:style>
+  </dgm:styleLbl>
+  <dgm:styleLbl name="bgAccFollowNode1">
+    <dgm:scene3d>
+      <a:camera prst="orthographicFront"/>
+      <a:lightRig rig="threePt" dir="t"/>
+    </dgm:scene3d>
+    <dgm:sp3d/>
+    <dgm:txPr/>
+    <dgm:style>
+      <a:lnRef idx="2">
+        <a:scrgbClr r="0" g="0" b="0"/>
+      </a:lnRef>
+      <a:fillRef idx="1">
+        <a:scrgbClr r="0" g="0" b="0"/>
+      </a:fillRef>
+      <a:effectRef idx="0">
+        <a:scrgbClr r="0" g="0" b="0"/>
+      </a:effectRef>
+      <a:fontRef idx="minor"/>
+    </dgm:style>
+  </dgm:styleLbl>
+  <dgm:styleLbl name="fgAcc0">
+    <dgm:scene3d>
+      <a:camera prst="orthographicFront"/>
+      <a:lightRig rig="threePt" dir="t"/>
+    </dgm:scene3d>
+    <dgm:sp3d/>
+    <dgm:txPr/>
+    <dgm:style>
+      <a:lnRef idx="2">
+        <a:scrgbClr r="0" g="0" b="0"/>
+      </a:lnRef>
+      <a:fillRef idx="1">
+        <a:scrgbClr r="0" g="0" b="0"/>
+      </a:fillRef>
+      <a:effectRef idx="0">
+        <a:scrgbClr r="0" g="0" b="0"/>
+      </a:effectRef>
+      <a:fontRef idx="minor"/>
+    </dgm:style>
+  </dgm:styleLbl>
+  <dgm:styleLbl name="fgAcc2">
+    <dgm:scene3d>
+      <a:camera prst="orthographicFront"/>
+      <a:lightRig rig="threePt" dir="t"/>
+    </dgm:scene3d>
+    <dgm:sp3d/>
+    <dgm:txPr/>
+    <dgm:style>
+      <a:lnRef idx="2">
+        <a:scrgbClr r="0" g="0" b="0"/>
+      </a:lnRef>
+      <a:fillRef idx="1">
+        <a:scrgbClr r="0" g="0" b="0"/>
+      </a:fillRef>
+      <a:effectRef idx="0">
+        <a:scrgbClr r="0" g="0" b="0"/>
+      </a:effectRef>
+      <a:fontRef idx="minor"/>
+    </dgm:style>
+  </dgm:styleLbl>
+  <dgm:styleLbl name="fgAcc3">
+    <dgm:scene3d>
+      <a:camera prst="orthographicFront"/>
+      <a:lightRig rig="threePt" dir="t"/>
+    </dgm:scene3d>
+    <dgm:sp3d/>
+    <dgm:txPr/>
+    <dgm:style>
+      <a:lnRef idx="2">
+        <a:scrgbClr r="0" g="0" b="0"/>
+      </a:lnRef>
+      <a:fillRef idx="1">
+        <a:scrgbClr r="0" g="0" b="0"/>
+      </a:fillRef>
+      <a:effectRef idx="0">
+        <a:scrgbClr r="0" g="0" b="0"/>
+      </a:effectRef>
+      <a:fontRef idx="minor"/>
+    </dgm:style>
+  </dgm:styleLbl>
+  <dgm:styleLbl name="fgAcc4">
+    <dgm:scene3d>
+      <a:camera prst="orthographicFront"/>
+      <a:lightRig rig="threePt" dir="t"/>
+    </dgm:scene3d>
+    <dgm:sp3d/>
+    <dgm:txPr/>
+    <dgm:style>
+      <a:lnRef idx="2">
+        <a:scrgbClr r="0" g="0" b="0"/>
+      </a:lnRef>
+      <a:fillRef idx="1">
+        <a:scrgbClr r="0" g="0" b="0"/>
+      </a:fillRef>
+      <a:effectRef idx="0">
+        <a:scrgbClr r="0" g="0" b="0"/>
+      </a:effectRef>
+      <a:fontRef idx="minor"/>
+    </dgm:style>
+  </dgm:styleLbl>
+  <dgm:styleLbl name="bgShp">
+    <dgm:scene3d>
+      <a:camera prst="orthographicFront"/>
+      <a:lightRig rig="threePt" dir="t"/>
+    </dgm:scene3d>
+    <dgm:sp3d/>
+    <dgm:txPr/>
+    <dgm:style>
+      <a:lnRef idx="0">
+        <a:scrgbClr r="0" g="0" b="0"/>
+      </a:lnRef>
+      <a:fillRef idx="1">
+        <a:scrgbClr r="0" g="0" b="0"/>
+      </a:fillRef>
+      <a:effectRef idx="0">
+        <a:scrgbClr r="0" g="0" b="0"/>
+      </a:effectRef>
+      <a:fontRef idx="minor"/>
+    </dgm:style>
+  </dgm:styleLbl>
+  <dgm:styleLbl name="dkBgShp">
+    <dgm:scene3d>
+      <a:camera prst="orthographicFront"/>
+      <a:lightRig rig="threePt" dir="t"/>
+    </dgm:scene3d>
+    <dgm:sp3d/>
+    <dgm:txPr/>
+    <dgm:style>
+      <a:lnRef idx="0">
+        <a:scrgbClr r="0" g="0" b="0"/>
+      </a:lnRef>
+      <a:fillRef idx="1">
+        <a:scrgbClr r="0" g="0" b="0"/>
+      </a:fillRef>
+      <a:effectRef idx="0">
+        <a:scrgbClr r="0" g="0" b="0"/>
+      </a:effectRef>
+      <a:fontRef idx="minor"/>
+    </dgm:style>
+  </dgm:styleLbl>
+  <dgm:styleLbl name="trBgShp">
+    <dgm:scene3d>
+      <a:camera prst="orthographicFront"/>
+      <a:lightRig rig="threePt" dir="t"/>
+    </dgm:scene3d>
+    <dgm:sp3d/>
+    <dgm:txPr/>
+    <dgm:style>
+      <a:lnRef idx="0">
+        <a:scrgbClr r="0" g="0" b="0"/>
+      </a:lnRef>
+      <a:fillRef idx="1">
+        <a:scrgbClr r="0" g="0" b="0"/>
+      </a:fillRef>
+      <a:effectRef idx="0">
+        <a:scrgbClr r="0" g="0" b="0"/>
+      </a:effectRef>
+      <a:fontRef idx="minor"/>
+    </dgm:style>
+  </dgm:styleLbl>
+  <dgm:styleLbl name="fgShp">
+    <dgm:scene3d>
+      <a:camera prst="orthographicFront"/>
+      <a:lightRig rig="threePt" dir="t"/>
+    </dgm:scene3d>
+    <dgm:sp3d/>
+    <dgm:txPr/>
+    <dgm:style>
+      <a:lnRef idx="2">
+        <a:scrgbClr r="0" g="0" b="0"/>
+      </a:lnRef>
+      <a:fillRef idx="1">
+        <a:scrgbClr r="0" g="0" b="0"/>
+      </a:fillRef>
+      <a:effectRef idx="0">
+        <a:scrgbClr r="0" g="0" b="0"/>
+      </a:effectRef>
+      <a:fontRef idx="minor"/>
+    </dgm:style>
+  </dgm:styleLbl>
+  <dgm:styleLbl name="revTx">
+    <dgm:scene3d>
+      <a:camera prst="orthographicFront"/>
+      <a:lightRig rig="threePt" dir="t"/>
+    </dgm:scene3d>
+    <dgm:sp3d/>
+    <dgm:txPr/>
+    <dgm:style>
+      <a:lnRef idx="0">
+        <a:scrgbClr r="0" g="0" b="0"/>
+      </a:lnRef>
+      <a:fillRef idx="0">
+        <a:scrgbClr r="0" g="0" b="0"/>
+      </a:fillRef>
+      <a:effectRef idx="0">
+        <a:scrgbClr r="0" g="0" b="0"/>
+      </a:effectRef>
+      <a:fontRef idx="minor"/>
+    </dgm:style>
+  </dgm:styleLbl>
+</dgm:styleDef>
+</file>
+
+<file path=ppt/diagrams/quickStyle3.xml><?xml version="1.0" encoding="utf-8"?>
 <dgm:styleDef xmlns:dgm="http://schemas.openxmlformats.org/drawingml/2006/diagram" xmlns:a="http://schemas.openxmlformats.org/drawingml/2006/main" uniqueId="urn:microsoft.com/office/officeart/2005/8/quickstyle/simple1">
   <dgm:title val=""/>
   <dgm:desc val=""/>
@@ -3522,7 +9205,7 @@
           <a:p>
             <a:fld id="{AC50DAF2-5A13-4F9F-8B41-7AF55E875BD6}" type="datetimeFigureOut">
               <a:rPr lang="de-DE" smtClean="0"/>
-              <a:t>27.06.2023</a:t>
+              <a:t>28.06.2023</a:t>
             </a:fld>
             <a:endParaRPr lang="de-DE"/>
           </a:p>
@@ -4035,7 +9718,7 @@
           <a:p>
             <a:fld id="{524C6359-9BB8-4148-8114-537E698DA205}" type="datetime1">
               <a:rPr lang="en-US" smtClean="0"/>
-              <a:t>6/27/2023</a:t>
+              <a:t>6/28/2023</a:t>
             </a:fld>
             <a:endParaRPr lang="en-US" dirty="0"/>
           </a:p>
@@ -5095,7 +10778,7 @@
           <a:p>
             <a:fld id="{A4649BD0-10DB-43E7-8F22-40B3D51B8FC3}" type="datetime1">
               <a:rPr lang="en-US" smtClean="0"/>
-              <a:t>6/27/2023</a:t>
+              <a:t>6/28/2023</a:t>
             </a:fld>
             <a:endParaRPr lang="en-US"/>
           </a:p>
@@ -6156,7 +11839,7 @@
           <a:p>
             <a:fld id="{0A16C79C-F566-427A-93F6-434A4E613134}" type="datetime1">
               <a:rPr lang="en-US" smtClean="0"/>
-              <a:t>6/27/2023</a:t>
+              <a:t>6/28/2023</a:t>
             </a:fld>
             <a:endParaRPr lang="en-US"/>
           </a:p>
@@ -7212,7 +12895,7 @@
           <a:p>
             <a:fld id="{9376191F-481E-48E9-BB9A-369A67A7362D}" type="datetime1">
               <a:rPr lang="en-US" smtClean="0"/>
-              <a:t>6/27/2023</a:t>
+              <a:t>6/28/2023</a:t>
             </a:fld>
             <a:endParaRPr lang="en-US" dirty="0"/>
           </a:p>
@@ -8341,7 +14024,7 @@
           <a:p>
             <a:fld id="{6C5677DE-DD04-48CC-9C18-7BE9FF2DEB6B}" type="datetime1">
               <a:rPr lang="en-US" smtClean="0"/>
-              <a:t>6/27/2023</a:t>
+              <a:t>6/28/2023</a:t>
             </a:fld>
             <a:endParaRPr lang="en-US"/>
           </a:p>
@@ -9460,7 +15143,7 @@
           <a:p>
             <a:fld id="{463255ED-7101-4D18-A8AE-3B5E4CB87EA5}" type="datetime1">
               <a:rPr lang="en-US" smtClean="0"/>
-              <a:t>6/27/2023</a:t>
+              <a:t>6/28/2023</a:t>
             </a:fld>
             <a:endParaRPr lang="en-US"/>
           </a:p>
@@ -10766,7 +16449,7 @@
           <a:p>
             <a:fld id="{CD52F23D-51F6-4C94-8CD5-B9ABBF67EE23}" type="datetime1">
               <a:rPr lang="en-US" smtClean="0"/>
-              <a:t>6/27/2023</a:t>
+              <a:t>6/28/2023</a:t>
             </a:fld>
             <a:endParaRPr lang="en-US"/>
           </a:p>
@@ -10913,7 +16596,7 @@
           <a:p>
             <a:fld id="{D51A702F-6367-4FD1-89A8-3744BE6BA9A2}" type="datetime1">
               <a:rPr lang="en-US" smtClean="0"/>
-              <a:t>6/27/2023</a:t>
+              <a:t>6/28/2023</a:t>
             </a:fld>
             <a:endParaRPr lang="en-US"/>
           </a:p>
@@ -11877,7 +17560,7 @@
           <a:p>
             <a:fld id="{4A6E99BD-4B4F-4460-B452-0E8146ACCF8F}" type="datetime1">
               <a:rPr lang="en-US" smtClean="0"/>
-              <a:t>6/27/2023</a:t>
+              <a:t>6/28/2023</a:t>
             </a:fld>
             <a:endParaRPr lang="en-US"/>
           </a:p>
@@ -12196,7 +17879,7 @@
           <a:p>
             <a:fld id="{EB6FD34C-1867-42A9-AC54-D15ADD8A65E7}" type="datetime1">
               <a:rPr lang="en-US" smtClean="0"/>
-              <a:t>6/27/2023</a:t>
+              <a:t>6/28/2023</a:t>
             </a:fld>
             <a:endParaRPr lang="en-US"/>
           </a:p>
@@ -13344,7 +19027,7 @@
           <a:p>
             <a:fld id="{336133E9-A654-4C17-8C3C-DDCAC83D6EBF}" type="datetime1">
               <a:rPr lang="en-US" smtClean="0"/>
-              <a:t>6/27/2023</a:t>
+              <a:t>6/28/2023</a:t>
             </a:fld>
             <a:endParaRPr lang="en-US"/>
           </a:p>
@@ -15754,7 +21437,7 @@
           <a:p>
             <a:fld id="{8769D389-4C4C-4FD7-9E6B-9F44477F0EB8}" type="datetime1">
               <a:rPr lang="en-US" smtClean="0"/>
-              <a:t>6/27/2023</a:t>
+              <a:t>6/28/2023</a:t>
             </a:fld>
             <a:endParaRPr lang="en-US" dirty="0"/>
           </a:p>
@@ -19316,12 +24999,12 @@
                         </a:spcAft>
                       </a:pPr>
                       <a:r>
-                        <a:rPr lang="de-CH" sz="1100" kern="100">
+                        <a:rPr lang="de-CH" sz="1100" kern="100" dirty="0">
                           <a:effectLst/>
                         </a:rPr>
                         <a:t>erfüllt</a:t>
                       </a:r>
-                      <a:endParaRPr lang="de-DE" sz="1100" kern="100">
+                      <a:endParaRPr lang="de-DE" sz="1100" kern="100" dirty="0">
                         <a:effectLst/>
                         <a:latin typeface="Avenir Next LT Pro" panose="020B0504020202020204" pitchFamily="34" charset="0"/>
                         <a:ea typeface="Calibri" panose="020F0502020204030204" pitchFamily="34" charset="0"/>
@@ -19561,31 +25244,37 @@
           </a:p>
         </p:txBody>
       </p:sp>
-      <p:sp>
-        <p:nvSpPr>
-          <p:cNvPr id="3" name="Inhaltsplatzhalter 2">
+      <p:graphicFrame>
+        <p:nvGraphicFramePr>
+          <p:cNvPr id="4" name="Inhaltsplatzhalter 3">
             <a:extLst>
               <a:ext uri="{FF2B5EF4-FFF2-40B4-BE49-F238E27FC236}">
-                <a16:creationId xmlns:a16="http://schemas.microsoft.com/office/drawing/2014/main" id="{57168CCA-3F82-6C3C-97F5-437AD86C3547}"/>
+                <a16:creationId xmlns:a16="http://schemas.microsoft.com/office/drawing/2014/main" id="{4C9D054A-EC9A-CC56-3A96-F3AE185356A1}"/>
               </a:ext>
             </a:extLst>
           </p:cNvPr>
-          <p:cNvSpPr>
-            <a:spLocks noGrp="1"/>
-          </p:cNvSpPr>
+          <p:cNvGraphicFramePr>
+            <a:graphicFrameLocks noGrp="1"/>
+          </p:cNvGraphicFramePr>
           <p:nvPr>
             <p:ph idx="1"/>
+            <p:extLst>
+              <p:ext uri="{D42A27DB-BD31-4B8C-83A1-F6EECF244321}">
+                <p14:modId xmlns:p14="http://schemas.microsoft.com/office/powerpoint/2010/main" val="147453721"/>
+              </p:ext>
+            </p:extLst>
           </p:nvPr>
-        </p:nvSpPr>
-        <p:spPr/>
-        <p:txBody>
-          <a:bodyPr/>
-          <a:lstStyle/>
-          <a:p>
-            <a:endParaRPr lang="de-DE"/>
-          </a:p>
-        </p:txBody>
-      </p:sp>
+        </p:nvGraphicFramePr>
+        <p:xfrm>
+          <a:off x="525717" y="2697480"/>
+          <a:ext cx="9776523" cy="3373450"/>
+        </p:xfrm>
+        <a:graphic>
+          <a:graphicData uri="http://schemas.openxmlformats.org/drawingml/2006/diagram">
+            <dgm:relIds xmlns:dgm="http://schemas.openxmlformats.org/drawingml/2006/diagram" xmlns:r="http://schemas.openxmlformats.org/officeDocument/2006/relationships" r:dm="rId2" r:lo="rId3" r:qs="rId4" r:cs="rId5"/>
+          </a:graphicData>
+        </a:graphic>
+      </p:graphicFrame>
     </p:spTree>
     <p:extLst>
       <p:ext uri="{BB962C8B-B14F-4D97-AF65-F5344CB8AC3E}">
@@ -24623,7 +30312,7 @@
             <p:ph idx="1"/>
             <p:extLst>
               <p:ext uri="{D42A27DB-BD31-4B8C-83A1-F6EECF244321}">
-                <p14:modId xmlns:p14="http://schemas.microsoft.com/office/powerpoint/2010/main" val="75594100"/>
+                <p14:modId xmlns:p14="http://schemas.microsoft.com/office/powerpoint/2010/main" val="3961763791"/>
               </p:ext>
             </p:extLst>
           </p:nvPr>
@@ -25885,15 +31574,7 @@
             </a:pPr>
             <a:r>
               <a:rPr lang="de-DE" dirty="0"/>
-              <a:t>Eigene </a:t>
-            </a:r>
-            <a:r>
-              <a:rPr lang="de-DE" dirty="0" err="1"/>
-              <a:t>Social</a:t>
-            </a:r>
-            <a:r>
-              <a:rPr lang="de-DE" dirty="0"/>
-              <a:t> Media Applikation</a:t>
+              <a:t>Entwicklung einer sozialen Medienplattform für den Austausch von Inhalten </a:t>
             </a:r>
           </a:p>
           <a:p>
@@ -25903,7 +31584,7 @@
             </a:pPr>
             <a:r>
               <a:rPr lang="de-DE" dirty="0"/>
-              <a:t>User, Posts</a:t>
+              <a:t>Neue Technologie kennenlernen</a:t>
             </a:r>
           </a:p>
           <a:p>
@@ -25913,7 +31594,7 @@
             </a:pPr>
             <a:r>
               <a:rPr lang="de-DE" dirty="0"/>
-              <a:t>punkt2	</a:t>
+              <a:t>User, Posts und Comments	</a:t>
             </a:r>
           </a:p>
         </p:txBody>
@@ -29775,7 +35456,7 @@
           <a:lstStyle/>
           <a:p>
             <a:r>
-              <a:rPr lang="en-US" sz="4000" b="1" i="0">
+              <a:rPr lang="en-US" sz="4000" b="1" i="0" dirty="0">
                 <a:solidFill>
                   <a:srgbClr val="FFFFFF"/>
                 </a:solidFill>
@@ -29783,91 +35464,40 @@
               </a:rPr>
               <a:t>Kanban-Board</a:t>
             </a:r>
-            <a:endParaRPr lang="en-US" sz="4000" b="1" i="0" dirty="0">
-              <a:solidFill>
-                <a:srgbClr val="FFFFFF"/>
-              </a:solidFill>
-              <a:latin typeface="+mn-lt"/>
-            </a:endParaRPr>
           </a:p>
         </p:txBody>
       </p:sp>
-      <p:sp>
-        <p:nvSpPr>
-          <p:cNvPr id="3" name="Inhaltsplatzhalter 2">
+      <p:graphicFrame>
+        <p:nvGraphicFramePr>
+          <p:cNvPr id="9" name="Inhaltsplatzhalter 8">
             <a:extLst>
               <a:ext uri="{FF2B5EF4-FFF2-40B4-BE49-F238E27FC236}">
-                <a16:creationId xmlns:a16="http://schemas.microsoft.com/office/drawing/2014/main" id="{299AB996-0BB5-0ADD-3416-1F47708A57BA}"/>
+                <a16:creationId xmlns:a16="http://schemas.microsoft.com/office/drawing/2014/main" id="{2AB63FF4-EA53-5642-1655-34AD525E9A19}"/>
               </a:ext>
             </a:extLst>
           </p:cNvPr>
-          <p:cNvSpPr>
-            <a:spLocks noGrp="1"/>
-          </p:cNvSpPr>
+          <p:cNvGraphicFramePr>
+            <a:graphicFrameLocks noGrp="1"/>
+          </p:cNvGraphicFramePr>
           <p:nvPr>
             <p:ph idx="1"/>
+            <p:extLst>
+              <p:ext uri="{D42A27DB-BD31-4B8C-83A1-F6EECF244321}">
+                <p14:modId xmlns:p14="http://schemas.microsoft.com/office/powerpoint/2010/main" val="4116671201"/>
+              </p:ext>
+            </p:extLst>
           </p:nvPr>
-        </p:nvSpPr>
-        <p:spPr>
-          <a:xfrm>
-            <a:off x="6652366" y="1204332"/>
-            <a:ext cx="5040785" cy="1351444"/>
-          </a:xfrm>
-        </p:spPr>
-        <p:txBody>
-          <a:bodyPr vert="horz" lIns="91440" tIns="45720" rIns="91440" bIns="45720" rtlCol="0" anchor="t">
-            <a:normAutofit/>
-          </a:bodyPr>
-          <a:lstStyle/>
-          <a:p>
-            <a:pPr marL="342900" indent="-342900">
-              <a:buFont typeface="Arial" panose="020B0604020202020204" pitchFamily="34" charset="0"/>
-              <a:buChar char="•"/>
-            </a:pPr>
-            <a:r>
-              <a:rPr lang="en-US">
-                <a:solidFill>
-                  <a:srgbClr val="FFFFFF"/>
-                </a:solidFill>
-              </a:rPr>
-              <a:t>To Do, Doing, Done</a:t>
-            </a:r>
-          </a:p>
-          <a:p>
-            <a:pPr marL="342900" indent="-342900">
-              <a:buFont typeface="Arial" panose="020B0604020202020204" pitchFamily="34" charset="0"/>
-              <a:buChar char="•"/>
-            </a:pPr>
-            <a:r>
-              <a:rPr lang="en-US">
-                <a:solidFill>
-                  <a:srgbClr val="FFFFFF"/>
-                </a:solidFill>
-              </a:rPr>
-              <a:t>Arbeitspakette</a:t>
-            </a:r>
-          </a:p>
-          <a:p>
-            <a:pPr marL="342900" indent="-342900">
-              <a:buFont typeface="Arial" panose="020B0604020202020204" pitchFamily="34" charset="0"/>
-              <a:buChar char="•"/>
-            </a:pPr>
-            <a:r>
-              <a:rPr lang="en-US">
-                <a:solidFill>
-                  <a:srgbClr val="FFFFFF"/>
-                </a:solidFill>
-              </a:rPr>
-              <a:t>Zeiteinplanung</a:t>
-            </a:r>
-            <a:endParaRPr lang="en-US" dirty="0">
-              <a:solidFill>
-                <a:srgbClr val="FFFFFF"/>
-              </a:solidFill>
-            </a:endParaRPr>
-          </a:p>
-        </p:txBody>
-      </p:sp>
+        </p:nvGraphicFramePr>
+        <p:xfrm>
+          <a:off x="6652366" y="1204331"/>
+          <a:ext cx="5233566" cy="2395251"/>
+        </p:xfrm>
+        <a:graphic>
+          <a:graphicData uri="http://schemas.openxmlformats.org/drawingml/2006/diagram">
+            <dgm:relIds xmlns:dgm="http://schemas.openxmlformats.org/drawingml/2006/diagram" xmlns:r="http://schemas.openxmlformats.org/officeDocument/2006/relationships" r:dm="rId3" r:lo="rId4" r:qs="rId5" r:cs="rId6"/>
+          </a:graphicData>
+        </a:graphic>
+      </p:graphicFrame>
       <p:grpSp>
         <p:nvGrpSpPr>
           <p:cNvPr id="36" name="Graphic 78">
@@ -32039,6 +37669,14 @@
 <file path=ppt/slides/slide5.xml><?xml version="1.0" encoding="utf-8"?>
 <p:sld xmlns:a="http://schemas.openxmlformats.org/drawingml/2006/main" xmlns:r="http://schemas.openxmlformats.org/officeDocument/2006/relationships" xmlns:p="http://schemas.openxmlformats.org/presentationml/2006/main">
   <p:cSld>
+    <p:bg>
+      <p:bgPr>
+        <a:solidFill>
+          <a:schemeClr val="bg2"/>
+        </a:solidFill>
+        <a:effectLst/>
+      </p:bgPr>
+    </p:bg>
     <p:spTree>
       <p:nvGrpSpPr>
         <p:cNvPr id="1" name=""/>
@@ -32053,6 +37691,66 @@
           <a:chExt cx="0" cy="0"/>
         </a:xfrm>
       </p:grpSpPr>
+      <p:sp useBgFill="1">
+        <p:nvSpPr>
+          <p:cNvPr id="37" name="Rectangle 36">
+            <a:extLst>
+              <a:ext uri="{FF2B5EF4-FFF2-40B4-BE49-F238E27FC236}">
+                <a16:creationId xmlns:a16="http://schemas.microsoft.com/office/drawing/2014/main" id="{F420BC5C-C418-4843-B04B-6918968D0982}"/>
+              </a:ext>
+              <a:ext uri="{C183D7F6-B498-43B3-948B-1728B52AA6E4}">
+                <adec:decorative xmlns:adec="http://schemas.microsoft.com/office/drawing/2017/decorative" val="1"/>
+              </a:ext>
+            </a:extLst>
+          </p:cNvPr>
+          <p:cNvSpPr>
+            <a:spLocks noGrp="1" noRot="1" noChangeAspect="1" noMove="1" noResize="1" noEditPoints="1" noAdjustHandles="1" noChangeArrowheads="1" noChangeShapeType="1" noTextEdit="1"/>
+          </p:cNvSpPr>
+          <p:nvPr>
+            <p:extLst>
+              <p:ext uri="{386F3935-93C4-4BCD-93E2-E3B085C9AB24}">
+                <p16:designElem xmlns:p16="http://schemas.microsoft.com/office/powerpoint/2015/main" val="1"/>
+              </p:ext>
+            </p:extLst>
+          </p:nvPr>
+        </p:nvSpPr>
+        <p:spPr>
+          <a:xfrm>
+            <a:off x="0" y="0"/>
+            <a:ext cx="12188952" cy="6857995"/>
+          </a:xfrm>
+          <a:prstGeom prst="rect">
+            <a:avLst/>
+          </a:prstGeom>
+          <a:ln>
+            <a:noFill/>
+          </a:ln>
+        </p:spPr>
+        <p:style>
+          <a:lnRef idx="2">
+            <a:schemeClr val="accent1">
+              <a:shade val="50000"/>
+            </a:schemeClr>
+          </a:lnRef>
+          <a:fillRef idx="1">
+            <a:schemeClr val="accent1"/>
+          </a:fillRef>
+          <a:effectRef idx="0">
+            <a:schemeClr val="accent1"/>
+          </a:effectRef>
+          <a:fontRef idx="minor">
+            <a:schemeClr val="lt1"/>
+          </a:fontRef>
+        </p:style>
+        <p:txBody>
+          <a:bodyPr rtlCol="0" anchor="ctr"/>
+          <a:lstStyle/>
+          <a:p>
+            <a:pPr algn="ctr"/>
+            <a:endParaRPr lang="en-US" dirty="0"/>
+          </a:p>
+        </p:txBody>
+      </p:sp>
       <p:sp>
         <p:nvSpPr>
           <p:cNvPr id="2" name="Titel 1">
@@ -32069,9 +37767,16 @@
             <p:ph type="title"/>
           </p:nvPr>
         </p:nvSpPr>
-        <p:spPr/>
+        <p:spPr>
+          <a:xfrm>
+            <a:off x="517871" y="976160"/>
+            <a:ext cx="4767930" cy="1848734"/>
+          </a:xfrm>
+        </p:spPr>
         <p:txBody>
-          <a:bodyPr/>
+          <a:bodyPr>
+            <a:normAutofit/>
+          </a:bodyPr>
           <a:lstStyle/>
           <a:p>
             <a:r>
@@ -32080,6 +37785,1135 @@
               </a:rPr>
               <a:t>Gantt-Diagramm</a:t>
             </a:r>
+          </a:p>
+        </p:txBody>
+      </p:sp>
+      <p:sp>
+        <p:nvSpPr>
+          <p:cNvPr id="39" name="Freeform: Shape 38">
+            <a:extLst>
+              <a:ext uri="{FF2B5EF4-FFF2-40B4-BE49-F238E27FC236}">
+                <a16:creationId xmlns:a16="http://schemas.microsoft.com/office/drawing/2014/main" id="{13E5F285-BD95-4989-B20B-77899015947C}"/>
+              </a:ext>
+              <a:ext uri="{C183D7F6-B498-43B3-948B-1728B52AA6E4}">
+                <adec:decorative xmlns:adec="http://schemas.microsoft.com/office/drawing/2017/decorative" val="1"/>
+              </a:ext>
+            </a:extLst>
+          </p:cNvPr>
+          <p:cNvSpPr>
+            <a:spLocks noGrp="1" noRot="1" noChangeAspect="1" noMove="1" noResize="1" noEditPoints="1" noAdjustHandles="1" noChangeArrowheads="1" noChangeShapeType="1" noTextEdit="1"/>
+          </p:cNvSpPr>
+          <p:nvPr>
+            <p:extLst>
+              <p:ext uri="{386F3935-93C4-4BCD-93E2-E3B085C9AB24}">
+                <p16:designElem xmlns:p16="http://schemas.microsoft.com/office/powerpoint/2015/main" val="1"/>
+              </p:ext>
+            </p:extLst>
+          </p:nvPr>
+        </p:nvSpPr>
+        <p:spPr>
+          <a:xfrm flipH="1">
+            <a:off x="-2" y="-21648"/>
+            <a:ext cx="1839951" cy="1423657"/>
+          </a:xfrm>
+          <a:custGeom>
+            <a:avLst/>
+            <a:gdLst>
+              <a:gd name="connsiteX0" fmla="*/ 0 w 2331138"/>
+              <a:gd name="connsiteY0" fmla="*/ 0 h 3352676"/>
+              <a:gd name="connsiteX1" fmla="*/ 2331138 w 2331138"/>
+              <a:gd name="connsiteY1" fmla="*/ 0 h 3352676"/>
+              <a:gd name="connsiteX2" fmla="*/ 2331138 w 2331138"/>
+              <a:gd name="connsiteY2" fmla="*/ 3352676 h 3352676"/>
+              <a:gd name="connsiteX3" fmla="*/ 2097210 w 2331138"/>
+              <a:gd name="connsiteY3" fmla="*/ 3226228 h 3352676"/>
+              <a:gd name="connsiteX4" fmla="*/ 214881 w 2331138"/>
+              <a:gd name="connsiteY4" fmla="*/ 1176738 h 3352676"/>
+              <a:gd name="connsiteX5" fmla="*/ 1129 w 2331138"/>
+              <a:gd name="connsiteY5" fmla="*/ 67475 h 3352676"/>
+            </a:gdLst>
+            <a:ahLst/>
+            <a:cxnLst>
+              <a:cxn ang="0">
+                <a:pos x="connsiteX0" y="connsiteY0"/>
+              </a:cxn>
+              <a:cxn ang="0">
+                <a:pos x="connsiteX1" y="connsiteY1"/>
+              </a:cxn>
+              <a:cxn ang="0">
+                <a:pos x="connsiteX2" y="connsiteY2"/>
+              </a:cxn>
+              <a:cxn ang="0">
+                <a:pos x="connsiteX3" y="connsiteY3"/>
+              </a:cxn>
+              <a:cxn ang="0">
+                <a:pos x="connsiteX4" y="connsiteY4"/>
+              </a:cxn>
+              <a:cxn ang="0">
+                <a:pos x="connsiteX5" y="connsiteY5"/>
+              </a:cxn>
+            </a:cxnLst>
+            <a:rect l="l" t="t" r="r" b="b"/>
+            <a:pathLst>
+              <a:path w="2331138" h="3352676">
+                <a:moveTo>
+                  <a:pt x="0" y="0"/>
+                </a:moveTo>
+                <a:lnTo>
+                  <a:pt x="2331138" y="0"/>
+                </a:lnTo>
+                <a:lnTo>
+                  <a:pt x="2331138" y="3352676"/>
+                </a:lnTo>
+                <a:lnTo>
+                  <a:pt x="2097210" y="3226228"/>
+                </a:lnTo>
+                <a:cubicBezTo>
+                  <a:pt x="1273150" y="2744079"/>
+                  <a:pt x="560886" y="2027200"/>
+                  <a:pt x="214881" y="1176738"/>
+                </a:cubicBezTo>
+                <a:cubicBezTo>
+                  <a:pt x="72781" y="827511"/>
+                  <a:pt x="14297" y="430630"/>
+                  <a:pt x="1129" y="67475"/>
+                </a:cubicBezTo>
+                <a:close/>
+              </a:path>
+            </a:pathLst>
+          </a:custGeom>
+          <a:solidFill>
+            <a:schemeClr val="accent3">
+              <a:lumMod val="40000"/>
+              <a:lumOff val="60000"/>
+              <a:alpha val="20000"/>
+            </a:schemeClr>
+          </a:solidFill>
+          <a:ln>
+            <a:noFill/>
+          </a:ln>
+        </p:spPr>
+        <p:style>
+          <a:lnRef idx="2">
+            <a:schemeClr val="accent1">
+              <a:shade val="50000"/>
+            </a:schemeClr>
+          </a:lnRef>
+          <a:fillRef idx="1">
+            <a:schemeClr val="accent1"/>
+          </a:fillRef>
+          <a:effectRef idx="0">
+            <a:schemeClr val="accent1"/>
+          </a:effectRef>
+          <a:fontRef idx="minor">
+            <a:schemeClr val="lt1"/>
+          </a:fontRef>
+        </p:style>
+        <p:txBody>
+          <a:bodyPr wrap="square" rtlCol="0" anchor="ctr">
+            <a:noAutofit/>
+          </a:bodyPr>
+          <a:lstStyle/>
+          <a:p>
+            <a:pPr algn="ctr"/>
+            <a:endParaRPr lang="en-US" dirty="0"/>
+          </a:p>
+        </p:txBody>
+      </p:sp>
+      <p:grpSp>
+        <p:nvGrpSpPr>
+          <p:cNvPr id="41" name="Graphic 78">
+            <a:extLst>
+              <a:ext uri="{FF2B5EF4-FFF2-40B4-BE49-F238E27FC236}">
+                <a16:creationId xmlns:a16="http://schemas.microsoft.com/office/drawing/2014/main" id="{6C02F4BE-6538-4CAD-B506-5FEB41D378BC}"/>
+              </a:ext>
+              <a:ext uri="{C183D7F6-B498-43B3-948B-1728B52AA6E4}">
+                <adec:decorative xmlns:adec="http://schemas.microsoft.com/office/drawing/2017/decorative" val="1"/>
+              </a:ext>
+            </a:extLst>
+          </p:cNvPr>
+          <p:cNvGrpSpPr>
+            <a:grpSpLocks noGrp="1" noUngrp="1" noRot="1" noChangeAspect="1" noMove="1" noResize="1"/>
+          </p:cNvGrpSpPr>
+          <p:nvPr>
+            <p:extLst>
+              <p:ext uri="{386F3935-93C4-4BCD-93E2-E3B085C9AB24}">
+                <p16:designElem xmlns:p16="http://schemas.microsoft.com/office/powerpoint/2015/main" val="1"/>
+              </p:ext>
+            </p:extLst>
+          </p:nvPr>
+        </p:nvGrpSpPr>
+        <p:grpSpPr>
+          <a:xfrm>
+            <a:off x="574415" y="3039261"/>
+            <a:ext cx="1020166" cy="45718"/>
+            <a:chOff x="4886325" y="3371754"/>
+            <a:chExt cx="2418492" cy="113728"/>
+          </a:xfrm>
+          <a:solidFill>
+            <a:schemeClr val="accent1"/>
+          </a:solidFill>
+        </p:grpSpPr>
+        <p:sp>
+          <p:nvSpPr>
+            <p:cNvPr id="42" name="Graphic 78">
+              <a:extLst>
+                <a:ext uri="{FF2B5EF4-FFF2-40B4-BE49-F238E27FC236}">
+                  <a16:creationId xmlns:a16="http://schemas.microsoft.com/office/drawing/2014/main" id="{3937246C-D7B5-4CC9-B979-0999DFD5BF05}"/>
+                </a:ext>
+                <a:ext uri="{C183D7F6-B498-43B3-948B-1728B52AA6E4}">
+                  <adec:decorative xmlns:adec="http://schemas.microsoft.com/office/drawing/2017/decorative" val="1"/>
+                </a:ext>
+              </a:extLst>
+            </p:cNvPr>
+            <p:cNvSpPr/>
+            <p:nvPr>
+              <p:extLst>
+                <p:ext uri="{386F3935-93C4-4BCD-93E2-E3B085C9AB24}">
+                  <p16:designElem xmlns:p16="http://schemas.microsoft.com/office/powerpoint/2015/main" val="1"/>
+                </p:ext>
+              </p:extLst>
+            </p:nvPr>
+          </p:nvSpPr>
+          <p:spPr>
+            <a:xfrm>
+              <a:off x="4886325" y="3428428"/>
+              <a:ext cx="2418302" cy="9525"/>
+            </a:xfrm>
+            <a:custGeom>
+              <a:avLst/>
+              <a:gdLst>
+                <a:gd name="connsiteX0" fmla="*/ 0 w 2418302"/>
+                <a:gd name="connsiteY0" fmla="*/ 0 h 9525"/>
+                <a:gd name="connsiteX1" fmla="*/ 2418302 w 2418302"/>
+                <a:gd name="connsiteY1" fmla="*/ 0 h 9525"/>
+              </a:gdLst>
+              <a:ahLst/>
+              <a:cxnLst>
+                <a:cxn ang="0">
+                  <a:pos x="connsiteX0" y="connsiteY0"/>
+                </a:cxn>
+                <a:cxn ang="0">
+                  <a:pos x="connsiteX1" y="connsiteY1"/>
+                </a:cxn>
+              </a:cxnLst>
+              <a:rect l="l" t="t" r="r" b="b"/>
+              <a:pathLst>
+                <a:path w="2418302" h="9525">
+                  <a:moveTo>
+                    <a:pt x="0" y="0"/>
+                  </a:moveTo>
+                  <a:lnTo>
+                    <a:pt x="2418302" y="0"/>
+                  </a:lnTo>
+                </a:path>
+              </a:pathLst>
+            </a:custGeom>
+            <a:grpFill/>
+            <a:ln w="9525" cap="flat">
+              <a:noFill/>
+              <a:prstDash val="solid"/>
+              <a:miter/>
+            </a:ln>
+          </p:spPr>
+          <p:txBody>
+            <a:bodyPr rtlCol="0" anchor="ctr"/>
+            <a:lstStyle/>
+            <a:p>
+              <a:pPr algn="ctr"/>
+              <a:endParaRPr lang="en-US"/>
+            </a:p>
+          </p:txBody>
+        </p:sp>
+        <p:grpSp>
+          <p:nvGrpSpPr>
+            <p:cNvPr id="43" name="Graphic 78">
+              <a:extLst>
+                <a:ext uri="{FF2B5EF4-FFF2-40B4-BE49-F238E27FC236}">
+                  <a16:creationId xmlns:a16="http://schemas.microsoft.com/office/drawing/2014/main" id="{559392DF-C926-44F7-920D-C232D60C05F3}"/>
+                </a:ext>
+                <a:ext uri="{C183D7F6-B498-43B3-948B-1728B52AA6E4}">
+                  <adec:decorative xmlns:adec="http://schemas.microsoft.com/office/drawing/2017/decorative" val="1"/>
+                </a:ext>
+              </a:extLst>
+            </p:cNvPr>
+            <p:cNvGrpSpPr/>
+            <p:nvPr>
+              <p:extLst>
+                <p:ext uri="{386F3935-93C4-4BCD-93E2-E3B085C9AB24}">
+                  <p16:designElem xmlns:p16="http://schemas.microsoft.com/office/powerpoint/2015/main" val="1"/>
+                </p:ext>
+              </p:extLst>
+            </p:nvPr>
+          </p:nvGrpSpPr>
+          <p:grpSpPr>
+            <a:xfrm>
+              <a:off x="4886709" y="3371754"/>
+              <a:ext cx="2418108" cy="113728"/>
+              <a:chOff x="4886709" y="3371754"/>
+              <a:chExt cx="2418108" cy="113728"/>
+            </a:xfrm>
+            <a:grpFill/>
+          </p:grpSpPr>
+          <p:sp>
+            <p:nvSpPr>
+              <p:cNvPr id="44" name="Graphic 78">
+                <a:extLst>
+                  <a:ext uri="{FF2B5EF4-FFF2-40B4-BE49-F238E27FC236}">
+                    <a16:creationId xmlns:a16="http://schemas.microsoft.com/office/drawing/2014/main" id="{437FE2E3-579D-4AA7-8775-C78D1D5631D3}"/>
+                  </a:ext>
+                  <a:ext uri="{C183D7F6-B498-43B3-948B-1728B52AA6E4}">
+                    <adec:decorative xmlns:adec="http://schemas.microsoft.com/office/drawing/2017/decorative" val="1"/>
+                  </a:ext>
+                </a:extLst>
+              </p:cNvPr>
+              <p:cNvSpPr/>
+              <p:nvPr>
+                <p:extLst>
+                  <p:ext uri="{386F3935-93C4-4BCD-93E2-E3B085C9AB24}">
+                    <p16:designElem xmlns:p16="http://schemas.microsoft.com/office/powerpoint/2015/main" val="1"/>
+                  </p:ext>
+                </p:extLst>
+              </p:nvPr>
+            </p:nvSpPr>
+            <p:spPr>
+              <a:xfrm>
+                <a:off x="4895088" y="3474384"/>
+                <a:ext cx="32575" cy="2906"/>
+              </a:xfrm>
+              <a:custGeom>
+                <a:avLst/>
+                <a:gdLst>
+                  <a:gd name="connsiteX0" fmla="*/ 0 w 32575"/>
+                  <a:gd name="connsiteY0" fmla="*/ 49 h 2906"/>
+                  <a:gd name="connsiteX1" fmla="*/ 32576 w 32575"/>
+                  <a:gd name="connsiteY1" fmla="*/ 2907 h 2906"/>
+                  <a:gd name="connsiteX2" fmla="*/ 0 w 32575"/>
+                  <a:gd name="connsiteY2" fmla="*/ 49 h 2906"/>
+                </a:gdLst>
+                <a:ahLst/>
+                <a:cxnLst>
+                  <a:cxn ang="0">
+                    <a:pos x="connsiteX0" y="connsiteY0"/>
+                  </a:cxn>
+                  <a:cxn ang="0">
+                    <a:pos x="connsiteX1" y="connsiteY1"/>
+                  </a:cxn>
+                  <a:cxn ang="0">
+                    <a:pos x="connsiteX2" y="connsiteY2"/>
+                  </a:cxn>
+                </a:cxnLst>
+                <a:rect l="l" t="t" r="r" b="b"/>
+                <a:pathLst>
+                  <a:path w="32575" h="2906">
+                    <a:moveTo>
+                      <a:pt x="0" y="49"/>
+                    </a:moveTo>
+                    <a:cubicBezTo>
+                      <a:pt x="7430" y="2335"/>
+                      <a:pt x="20384" y="2526"/>
+                      <a:pt x="32576" y="2907"/>
+                    </a:cubicBezTo>
+                    <a:cubicBezTo>
+                      <a:pt x="23146" y="716"/>
+                      <a:pt x="13240" y="-236"/>
+                      <a:pt x="0" y="49"/>
+                    </a:cubicBezTo>
+                    <a:close/>
+                  </a:path>
+                </a:pathLst>
+              </a:custGeom>
+              <a:grpFill/>
+              <a:ln w="9525" cap="flat">
+                <a:noFill/>
+                <a:prstDash val="solid"/>
+                <a:miter/>
+              </a:ln>
+            </p:spPr>
+            <p:txBody>
+              <a:bodyPr rtlCol="0" anchor="ctr"/>
+              <a:lstStyle/>
+              <a:p>
+                <a:pPr algn="ctr"/>
+                <a:endParaRPr lang="en-US"/>
+              </a:p>
+            </p:txBody>
+          </p:sp>
+          <p:sp>
+            <p:nvSpPr>
+              <p:cNvPr id="45" name="Graphic 78">
+                <a:extLst>
+                  <a:ext uri="{FF2B5EF4-FFF2-40B4-BE49-F238E27FC236}">
+                    <a16:creationId xmlns:a16="http://schemas.microsoft.com/office/drawing/2014/main" id="{A6A05323-CAFA-4D34-83D6-3B23B0208537}"/>
+                  </a:ext>
+                  <a:ext uri="{C183D7F6-B498-43B3-948B-1728B52AA6E4}">
+                    <adec:decorative xmlns:adec="http://schemas.microsoft.com/office/drawing/2017/decorative" val="1"/>
+                  </a:ext>
+                </a:extLst>
+              </p:cNvPr>
+              <p:cNvSpPr/>
+              <p:nvPr>
+                <p:extLst>
+                  <p:ext uri="{386F3935-93C4-4BCD-93E2-E3B085C9AB24}">
+                    <p16:designElem xmlns:p16="http://schemas.microsoft.com/office/powerpoint/2015/main" val="1"/>
+                  </p:ext>
+                </p:extLst>
+              </p:nvPr>
+            </p:nvSpPr>
+            <p:spPr>
+              <a:xfrm>
+                <a:off x="4927758" y="3477344"/>
+                <a:ext cx="380" cy="42"/>
+              </a:xfrm>
+              <a:custGeom>
+                <a:avLst/>
+                <a:gdLst>
+                  <a:gd name="connsiteX0" fmla="*/ 190 w 380"/>
+                  <a:gd name="connsiteY0" fmla="*/ 42 h 42"/>
+                  <a:gd name="connsiteX1" fmla="*/ 381 w 380"/>
+                  <a:gd name="connsiteY1" fmla="*/ 42 h 42"/>
+                  <a:gd name="connsiteX2" fmla="*/ 0 w 380"/>
+                  <a:gd name="connsiteY2" fmla="*/ 42 h 42"/>
+                  <a:gd name="connsiteX3" fmla="*/ 190 w 380"/>
+                  <a:gd name="connsiteY3" fmla="*/ 42 h 42"/>
+                </a:gdLst>
+                <a:ahLst/>
+                <a:cxnLst>
+                  <a:cxn ang="0">
+                    <a:pos x="connsiteX0" y="connsiteY0"/>
+                  </a:cxn>
+                  <a:cxn ang="0">
+                    <a:pos x="connsiteX1" y="connsiteY1"/>
+                  </a:cxn>
+                  <a:cxn ang="0">
+                    <a:pos x="connsiteX2" y="connsiteY2"/>
+                  </a:cxn>
+                  <a:cxn ang="0">
+                    <a:pos x="connsiteX3" y="connsiteY3"/>
+                  </a:cxn>
+                </a:cxnLst>
+                <a:rect l="l" t="t" r="r" b="b"/>
+                <a:pathLst>
+                  <a:path w="380" h="42">
+                    <a:moveTo>
+                      <a:pt x="190" y="42"/>
+                    </a:moveTo>
+                    <a:cubicBezTo>
+                      <a:pt x="190" y="42"/>
+                      <a:pt x="286" y="42"/>
+                      <a:pt x="381" y="42"/>
+                    </a:cubicBezTo>
+                    <a:cubicBezTo>
+                      <a:pt x="190" y="42"/>
+                      <a:pt x="95" y="42"/>
+                      <a:pt x="0" y="42"/>
+                    </a:cubicBezTo>
+                    <a:cubicBezTo>
+                      <a:pt x="0" y="-53"/>
+                      <a:pt x="95" y="42"/>
+                      <a:pt x="190" y="42"/>
+                    </a:cubicBezTo>
+                    <a:close/>
+                  </a:path>
+                </a:pathLst>
+              </a:custGeom>
+              <a:grpFill/>
+              <a:ln w="9525" cap="flat">
+                <a:noFill/>
+                <a:prstDash val="solid"/>
+                <a:miter/>
+              </a:ln>
+            </p:spPr>
+            <p:txBody>
+              <a:bodyPr rtlCol="0" anchor="ctr"/>
+              <a:lstStyle/>
+              <a:p>
+                <a:pPr algn="ctr"/>
+                <a:endParaRPr lang="en-US"/>
+              </a:p>
+            </p:txBody>
+          </p:sp>
+          <p:sp>
+            <p:nvSpPr>
+              <p:cNvPr id="46" name="Graphic 78">
+                <a:extLst>
+                  <a:ext uri="{FF2B5EF4-FFF2-40B4-BE49-F238E27FC236}">
+                    <a16:creationId xmlns:a16="http://schemas.microsoft.com/office/drawing/2014/main" id="{D49C45E0-CA07-4FD4-9097-BF313F498AE8}"/>
+                  </a:ext>
+                  <a:ext uri="{C183D7F6-B498-43B3-948B-1728B52AA6E4}">
+                    <adec:decorative xmlns:adec="http://schemas.microsoft.com/office/drawing/2017/decorative" val="1"/>
+                  </a:ext>
+                </a:extLst>
+              </p:cNvPr>
+              <p:cNvSpPr/>
+              <p:nvPr>
+                <p:extLst>
+                  <p:ext uri="{386F3935-93C4-4BCD-93E2-E3B085C9AB24}">
+                    <p16:designElem xmlns:p16="http://schemas.microsoft.com/office/powerpoint/2015/main" val="1"/>
+                  </p:ext>
+                </p:extLst>
+              </p:nvPr>
+            </p:nvSpPr>
+            <p:spPr>
+              <a:xfrm>
+                <a:off x="7285577" y="3374517"/>
+                <a:ext cx="10001" cy="190"/>
+              </a:xfrm>
+              <a:custGeom>
+                <a:avLst/>
+                <a:gdLst>
+                  <a:gd name="connsiteX0" fmla="*/ 10001 w 10001"/>
+                  <a:gd name="connsiteY0" fmla="*/ 0 h 190"/>
+                  <a:gd name="connsiteX1" fmla="*/ 0 w 10001"/>
+                  <a:gd name="connsiteY1" fmla="*/ 191 h 190"/>
+                  <a:gd name="connsiteX2" fmla="*/ 10001 w 10001"/>
+                  <a:gd name="connsiteY2" fmla="*/ 0 h 190"/>
+                </a:gdLst>
+                <a:ahLst/>
+                <a:cxnLst>
+                  <a:cxn ang="0">
+                    <a:pos x="connsiteX0" y="connsiteY0"/>
+                  </a:cxn>
+                  <a:cxn ang="0">
+                    <a:pos x="connsiteX1" y="connsiteY1"/>
+                  </a:cxn>
+                  <a:cxn ang="0">
+                    <a:pos x="connsiteX2" y="connsiteY2"/>
+                  </a:cxn>
+                </a:cxnLst>
+                <a:rect l="l" t="t" r="r" b="b"/>
+                <a:pathLst>
+                  <a:path w="10001" h="190">
+                    <a:moveTo>
+                      <a:pt x="10001" y="0"/>
+                    </a:moveTo>
+                    <a:cubicBezTo>
+                      <a:pt x="6953" y="0"/>
+                      <a:pt x="3524" y="95"/>
+                      <a:pt x="0" y="191"/>
+                    </a:cubicBezTo>
+                    <a:cubicBezTo>
+                      <a:pt x="3334" y="191"/>
+                      <a:pt x="6763" y="191"/>
+                      <a:pt x="10001" y="0"/>
+                    </a:cubicBezTo>
+                    <a:close/>
+                  </a:path>
+                </a:pathLst>
+              </a:custGeom>
+              <a:grpFill/>
+              <a:ln w="9525" cap="flat">
+                <a:noFill/>
+                <a:prstDash val="solid"/>
+                <a:miter/>
+              </a:ln>
+            </p:spPr>
+            <p:txBody>
+              <a:bodyPr rtlCol="0" anchor="ctr"/>
+              <a:lstStyle/>
+              <a:p>
+                <a:pPr algn="ctr"/>
+                <a:endParaRPr lang="en-US"/>
+              </a:p>
+            </p:txBody>
+          </p:sp>
+          <p:sp>
+            <p:nvSpPr>
+              <p:cNvPr id="47" name="Graphic 78">
+                <a:extLst>
+                  <a:ext uri="{FF2B5EF4-FFF2-40B4-BE49-F238E27FC236}">
+                    <a16:creationId xmlns:a16="http://schemas.microsoft.com/office/drawing/2014/main" id="{1EC741B7-EEE8-43D3-9F8E-C2B4DD1965B2}"/>
+                  </a:ext>
+                  <a:ext uri="{C183D7F6-B498-43B3-948B-1728B52AA6E4}">
+                    <adec:decorative xmlns:adec="http://schemas.microsoft.com/office/drawing/2017/decorative" val="1"/>
+                  </a:ext>
+                </a:extLst>
+              </p:cNvPr>
+              <p:cNvSpPr/>
+              <p:nvPr>
+                <p:extLst>
+                  <p:ext uri="{386F3935-93C4-4BCD-93E2-E3B085C9AB24}">
+                    <p16:designElem xmlns:p16="http://schemas.microsoft.com/office/powerpoint/2015/main" val="1"/>
+                  </p:ext>
+                </p:extLst>
+              </p:nvPr>
+            </p:nvSpPr>
+            <p:spPr>
+              <a:xfrm>
+                <a:off x="4886709" y="3371754"/>
+                <a:ext cx="2418108" cy="113728"/>
+              </a:xfrm>
+              <a:custGeom>
+                <a:avLst/>
+                <a:gdLst>
+                  <a:gd name="connsiteX0" fmla="*/ 632266 w 2418108"/>
+                  <a:gd name="connsiteY0" fmla="*/ 112205 h 113728"/>
+                  <a:gd name="connsiteX1" fmla="*/ 723039 w 2418108"/>
+                  <a:gd name="connsiteY1" fmla="*/ 109538 h 113728"/>
+                  <a:gd name="connsiteX2" fmla="*/ 735136 w 2418108"/>
+                  <a:gd name="connsiteY2" fmla="*/ 111823 h 113728"/>
+                  <a:gd name="connsiteX3" fmla="*/ 752471 w 2418108"/>
+                  <a:gd name="connsiteY3" fmla="*/ 108680 h 113728"/>
+                  <a:gd name="connsiteX4" fmla="*/ 772569 w 2418108"/>
+                  <a:gd name="connsiteY4" fmla="*/ 110585 h 113728"/>
+                  <a:gd name="connsiteX5" fmla="*/ 1112993 w 2418108"/>
+                  <a:gd name="connsiteY5" fmla="*/ 112967 h 113728"/>
+                  <a:gd name="connsiteX6" fmla="*/ 1083465 w 2418108"/>
+                  <a:gd name="connsiteY6" fmla="*/ 108776 h 113728"/>
+                  <a:gd name="connsiteX7" fmla="*/ 1296825 w 2418108"/>
+                  <a:gd name="connsiteY7" fmla="*/ 108966 h 113728"/>
+                  <a:gd name="connsiteX8" fmla="*/ 1346736 w 2418108"/>
+                  <a:gd name="connsiteY8" fmla="*/ 103632 h 113728"/>
+                  <a:gd name="connsiteX9" fmla="*/ 1360643 w 2418108"/>
+                  <a:gd name="connsiteY9" fmla="*/ 107633 h 113728"/>
+                  <a:gd name="connsiteX10" fmla="*/ 1381788 w 2418108"/>
+                  <a:gd name="connsiteY10" fmla="*/ 107442 h 113728"/>
+                  <a:gd name="connsiteX11" fmla="*/ 1371692 w 2418108"/>
+                  <a:gd name="connsiteY11" fmla="*/ 106490 h 113728"/>
+                  <a:gd name="connsiteX12" fmla="*/ 1430080 w 2418108"/>
+                  <a:gd name="connsiteY12" fmla="*/ 105537 h 113728"/>
+                  <a:gd name="connsiteX13" fmla="*/ 1420269 w 2418108"/>
+                  <a:gd name="connsiteY13" fmla="*/ 104108 h 113728"/>
+                  <a:gd name="connsiteX14" fmla="*/ 1455702 w 2418108"/>
+                  <a:gd name="connsiteY14" fmla="*/ 107061 h 113728"/>
+                  <a:gd name="connsiteX15" fmla="*/ 1439414 w 2418108"/>
+                  <a:gd name="connsiteY15" fmla="*/ 108109 h 113728"/>
+                  <a:gd name="connsiteX16" fmla="*/ 1503613 w 2418108"/>
+                  <a:gd name="connsiteY16" fmla="*/ 105918 h 113728"/>
+                  <a:gd name="connsiteX17" fmla="*/ 1495802 w 2418108"/>
+                  <a:gd name="connsiteY17" fmla="*/ 105823 h 113728"/>
+                  <a:gd name="connsiteX18" fmla="*/ 1695923 w 2418108"/>
+                  <a:gd name="connsiteY18" fmla="*/ 95155 h 113728"/>
+                  <a:gd name="connsiteX19" fmla="*/ 1684016 w 2418108"/>
+                  <a:gd name="connsiteY19" fmla="*/ 92488 h 113728"/>
+                  <a:gd name="connsiteX20" fmla="*/ 1706210 w 2418108"/>
+                  <a:gd name="connsiteY20" fmla="*/ 90202 h 113728"/>
+                  <a:gd name="connsiteX21" fmla="*/ 1693351 w 2418108"/>
+                  <a:gd name="connsiteY21" fmla="*/ 98108 h 113728"/>
+                  <a:gd name="connsiteX22" fmla="*/ 2058539 w 2418108"/>
+                  <a:gd name="connsiteY22" fmla="*/ 102203 h 113728"/>
+                  <a:gd name="connsiteX23" fmla="*/ 2064540 w 2418108"/>
+                  <a:gd name="connsiteY23" fmla="*/ 95060 h 113728"/>
+                  <a:gd name="connsiteX24" fmla="*/ 2227132 w 2418108"/>
+                  <a:gd name="connsiteY24" fmla="*/ 96203 h 113728"/>
+                  <a:gd name="connsiteX25" fmla="*/ 2245229 w 2418108"/>
+                  <a:gd name="connsiteY25" fmla="*/ 96869 h 113728"/>
+                  <a:gd name="connsiteX26" fmla="*/ 2254278 w 2418108"/>
+                  <a:gd name="connsiteY26" fmla="*/ 94393 h 113728"/>
+                  <a:gd name="connsiteX27" fmla="*/ 2418108 w 2418108"/>
+                  <a:gd name="connsiteY27" fmla="*/ 5810 h 113728"/>
+                  <a:gd name="connsiteX28" fmla="*/ 2399058 w 2418108"/>
+                  <a:gd name="connsiteY28" fmla="*/ 2858 h 113728"/>
+                  <a:gd name="connsiteX29" fmla="*/ 2241039 w 2418108"/>
+                  <a:gd name="connsiteY29" fmla="*/ 1905 h 113728"/>
+                  <a:gd name="connsiteX30" fmla="*/ 2243991 w 2418108"/>
+                  <a:gd name="connsiteY30" fmla="*/ 1048 h 113728"/>
+                  <a:gd name="connsiteX31" fmla="*/ 2197128 w 2418108"/>
+                  <a:gd name="connsiteY31" fmla="*/ 0 h 113728"/>
+                  <a:gd name="connsiteX32" fmla="*/ 1710591 w 2418108"/>
+                  <a:gd name="connsiteY32" fmla="*/ 6287 h 113728"/>
+                  <a:gd name="connsiteX33" fmla="*/ 1713353 w 2418108"/>
+                  <a:gd name="connsiteY33" fmla="*/ 5906 h 113728"/>
+                  <a:gd name="connsiteX34" fmla="*/ 1210814 w 2418108"/>
+                  <a:gd name="connsiteY34" fmla="*/ 7715 h 113728"/>
+                  <a:gd name="connsiteX35" fmla="*/ 684463 w 2418108"/>
+                  <a:gd name="connsiteY35" fmla="*/ 13716 h 113728"/>
+                  <a:gd name="connsiteX36" fmla="*/ 687511 w 2418108"/>
+                  <a:gd name="connsiteY36" fmla="*/ 12859 h 113728"/>
+                  <a:gd name="connsiteX37" fmla="*/ 435670 w 2418108"/>
+                  <a:gd name="connsiteY37" fmla="*/ 12192 h 113728"/>
+                  <a:gd name="connsiteX38" fmla="*/ 440718 w 2418108"/>
+                  <a:gd name="connsiteY38" fmla="*/ 12668 h 113728"/>
+                  <a:gd name="connsiteX39" fmla="*/ 386807 w 2418108"/>
+                  <a:gd name="connsiteY39" fmla="*/ 9906 h 113728"/>
+                  <a:gd name="connsiteX40" fmla="*/ 16856 w 2418108"/>
+                  <a:gd name="connsiteY40" fmla="*/ 12192 h 113728"/>
+                  <a:gd name="connsiteX41" fmla="*/ 63528 w 2418108"/>
+                  <a:gd name="connsiteY41" fmla="*/ 102870 h 113728"/>
+                  <a:gd name="connsiteX42" fmla="*/ 42668 w 2418108"/>
+                  <a:gd name="connsiteY42" fmla="*/ 102584 h 113728"/>
+                  <a:gd name="connsiteX43" fmla="*/ 41430 w 2418108"/>
+                  <a:gd name="connsiteY43" fmla="*/ 105537 h 113728"/>
+                  <a:gd name="connsiteX44" fmla="*/ 54575 w 2418108"/>
+                  <a:gd name="connsiteY44" fmla="*/ 105347 h 113728"/>
+                  <a:gd name="connsiteX45" fmla="*/ 388140 w 2418108"/>
+                  <a:gd name="connsiteY45" fmla="*/ 112109 h 113728"/>
+                  <a:gd name="connsiteX46" fmla="*/ 482152 w 2418108"/>
+                  <a:gd name="connsiteY46" fmla="*/ 113729 h 113728"/>
+                  <a:gd name="connsiteX47" fmla="*/ 632266 w 2418108"/>
+                  <a:gd name="connsiteY47" fmla="*/ 112205 h 113728"/>
+                </a:gdLst>
+                <a:ahLst/>
+                <a:cxnLst>
+                  <a:cxn ang="0">
+                    <a:pos x="connsiteX0" y="connsiteY0"/>
+                  </a:cxn>
+                  <a:cxn ang="0">
+                    <a:pos x="connsiteX1" y="connsiteY1"/>
+                  </a:cxn>
+                  <a:cxn ang="0">
+                    <a:pos x="connsiteX2" y="connsiteY2"/>
+                  </a:cxn>
+                  <a:cxn ang="0">
+                    <a:pos x="connsiteX3" y="connsiteY3"/>
+                  </a:cxn>
+                  <a:cxn ang="0">
+                    <a:pos x="connsiteX4" y="connsiteY4"/>
+                  </a:cxn>
+                  <a:cxn ang="0">
+                    <a:pos x="connsiteX5" y="connsiteY5"/>
+                  </a:cxn>
+                  <a:cxn ang="0">
+                    <a:pos x="connsiteX6" y="connsiteY6"/>
+                  </a:cxn>
+                  <a:cxn ang="0">
+                    <a:pos x="connsiteX7" y="connsiteY7"/>
+                  </a:cxn>
+                  <a:cxn ang="0">
+                    <a:pos x="connsiteX8" y="connsiteY8"/>
+                  </a:cxn>
+                  <a:cxn ang="0">
+                    <a:pos x="connsiteX9" y="connsiteY9"/>
+                  </a:cxn>
+                  <a:cxn ang="0">
+                    <a:pos x="connsiteX10" y="connsiteY10"/>
+                  </a:cxn>
+                  <a:cxn ang="0">
+                    <a:pos x="connsiteX11" y="connsiteY11"/>
+                  </a:cxn>
+                  <a:cxn ang="0">
+                    <a:pos x="connsiteX12" y="connsiteY12"/>
+                  </a:cxn>
+                  <a:cxn ang="0">
+                    <a:pos x="connsiteX13" y="connsiteY13"/>
+                  </a:cxn>
+                  <a:cxn ang="0">
+                    <a:pos x="connsiteX14" y="connsiteY14"/>
+                  </a:cxn>
+                  <a:cxn ang="0">
+                    <a:pos x="connsiteX15" y="connsiteY15"/>
+                  </a:cxn>
+                  <a:cxn ang="0">
+                    <a:pos x="connsiteX16" y="connsiteY16"/>
+                  </a:cxn>
+                  <a:cxn ang="0">
+                    <a:pos x="connsiteX17" y="connsiteY17"/>
+                  </a:cxn>
+                  <a:cxn ang="0">
+                    <a:pos x="connsiteX18" y="connsiteY18"/>
+                  </a:cxn>
+                  <a:cxn ang="0">
+                    <a:pos x="connsiteX19" y="connsiteY19"/>
+                  </a:cxn>
+                  <a:cxn ang="0">
+                    <a:pos x="connsiteX20" y="connsiteY20"/>
+                  </a:cxn>
+                  <a:cxn ang="0">
+                    <a:pos x="connsiteX21" y="connsiteY21"/>
+                  </a:cxn>
+                  <a:cxn ang="0">
+                    <a:pos x="connsiteX22" y="connsiteY22"/>
+                  </a:cxn>
+                  <a:cxn ang="0">
+                    <a:pos x="connsiteX23" y="connsiteY23"/>
+                  </a:cxn>
+                  <a:cxn ang="0">
+                    <a:pos x="connsiteX24" y="connsiteY24"/>
+                  </a:cxn>
+                  <a:cxn ang="0">
+                    <a:pos x="connsiteX25" y="connsiteY25"/>
+                  </a:cxn>
+                  <a:cxn ang="0">
+                    <a:pos x="connsiteX26" y="connsiteY26"/>
+                  </a:cxn>
+                  <a:cxn ang="0">
+                    <a:pos x="connsiteX27" y="connsiteY27"/>
+                  </a:cxn>
+                  <a:cxn ang="0">
+                    <a:pos x="connsiteX28" y="connsiteY28"/>
+                  </a:cxn>
+                  <a:cxn ang="0">
+                    <a:pos x="connsiteX29" y="connsiteY29"/>
+                  </a:cxn>
+                  <a:cxn ang="0">
+                    <a:pos x="connsiteX30" y="connsiteY30"/>
+                  </a:cxn>
+                  <a:cxn ang="0">
+                    <a:pos x="connsiteX31" y="connsiteY31"/>
+                  </a:cxn>
+                  <a:cxn ang="0">
+                    <a:pos x="connsiteX32" y="connsiteY32"/>
+                  </a:cxn>
+                  <a:cxn ang="0">
+                    <a:pos x="connsiteX33" y="connsiteY33"/>
+                  </a:cxn>
+                  <a:cxn ang="0">
+                    <a:pos x="connsiteX34" y="connsiteY34"/>
+                  </a:cxn>
+                  <a:cxn ang="0">
+                    <a:pos x="connsiteX35" y="connsiteY35"/>
+                  </a:cxn>
+                  <a:cxn ang="0">
+                    <a:pos x="connsiteX36" y="connsiteY36"/>
+                  </a:cxn>
+                  <a:cxn ang="0">
+                    <a:pos x="connsiteX37" y="connsiteY37"/>
+                  </a:cxn>
+                  <a:cxn ang="0">
+                    <a:pos x="connsiteX38" y="connsiteY38"/>
+                  </a:cxn>
+                  <a:cxn ang="0">
+                    <a:pos x="connsiteX39" y="connsiteY39"/>
+                  </a:cxn>
+                  <a:cxn ang="0">
+                    <a:pos x="connsiteX40" y="connsiteY40"/>
+                  </a:cxn>
+                  <a:cxn ang="0">
+                    <a:pos x="connsiteX41" y="connsiteY41"/>
+                  </a:cxn>
+                  <a:cxn ang="0">
+                    <a:pos x="connsiteX42" y="connsiteY42"/>
+                  </a:cxn>
+                  <a:cxn ang="0">
+                    <a:pos x="connsiteX43" y="connsiteY43"/>
+                  </a:cxn>
+                  <a:cxn ang="0">
+                    <a:pos x="connsiteX44" y="connsiteY44"/>
+                  </a:cxn>
+                  <a:cxn ang="0">
+                    <a:pos x="connsiteX45" y="connsiteY45"/>
+                  </a:cxn>
+                  <a:cxn ang="0">
+                    <a:pos x="connsiteX46" y="connsiteY46"/>
+                  </a:cxn>
+                  <a:cxn ang="0">
+                    <a:pos x="connsiteX47" y="connsiteY47"/>
+                  </a:cxn>
+                </a:cxnLst>
+                <a:rect l="l" t="t" r="r" b="b"/>
+                <a:pathLst>
+                  <a:path w="2418108" h="113728">
+                    <a:moveTo>
+                      <a:pt x="632266" y="112205"/>
+                    </a:moveTo>
+                    <a:cubicBezTo>
+                      <a:pt x="656364" y="104680"/>
+                      <a:pt x="694940" y="114110"/>
+                      <a:pt x="723039" y="109538"/>
+                    </a:cubicBezTo>
+                    <a:cubicBezTo>
+                      <a:pt x="722849" y="109919"/>
+                      <a:pt x="735898" y="110109"/>
+                      <a:pt x="735136" y="111823"/>
+                    </a:cubicBezTo>
+                    <a:cubicBezTo>
+                      <a:pt x="735041" y="108776"/>
+                      <a:pt x="767616" y="112300"/>
+                      <a:pt x="752471" y="108680"/>
+                    </a:cubicBezTo>
+                    <a:cubicBezTo>
+                      <a:pt x="754757" y="107633"/>
+                      <a:pt x="790571" y="107633"/>
+                      <a:pt x="772569" y="110585"/>
+                    </a:cubicBezTo>
+                    <a:cubicBezTo>
+                      <a:pt x="822099" y="111633"/>
+                      <a:pt x="1059653" y="114395"/>
+                      <a:pt x="1112993" y="112967"/>
+                    </a:cubicBezTo>
+                    <a:cubicBezTo>
+                      <a:pt x="1106135" y="110776"/>
+                      <a:pt x="1089656" y="112205"/>
+                      <a:pt x="1083465" y="108776"/>
+                    </a:cubicBezTo>
+                    <a:cubicBezTo>
+                      <a:pt x="1153950" y="111728"/>
+                      <a:pt x="1230626" y="113157"/>
+                      <a:pt x="1296825" y="108966"/>
+                    </a:cubicBezTo>
+                    <a:cubicBezTo>
+                      <a:pt x="1277680" y="103251"/>
+                      <a:pt x="1356071" y="110966"/>
+                      <a:pt x="1346736" y="103632"/>
+                    </a:cubicBezTo>
+                    <a:cubicBezTo>
+                      <a:pt x="1351213" y="105347"/>
+                      <a:pt x="1374454" y="106109"/>
+                      <a:pt x="1360643" y="107633"/>
+                    </a:cubicBezTo>
+                    <a:cubicBezTo>
+                      <a:pt x="1368548" y="107728"/>
+                      <a:pt x="1376168" y="108299"/>
+                      <a:pt x="1381788" y="107442"/>
+                    </a:cubicBezTo>
+                    <a:lnTo>
+                      <a:pt x="1371692" y="106490"/>
+                    </a:lnTo>
+                    <a:cubicBezTo>
+                      <a:pt x="1398266" y="106013"/>
+                      <a:pt x="1412744" y="108680"/>
+                      <a:pt x="1430080" y="105537"/>
+                    </a:cubicBezTo>
+                    <a:lnTo>
+                      <a:pt x="1420269" y="104108"/>
+                    </a:lnTo>
+                    <a:cubicBezTo>
+                      <a:pt x="1436176" y="103918"/>
+                      <a:pt x="1449416" y="103632"/>
+                      <a:pt x="1455702" y="107061"/>
+                    </a:cubicBezTo>
+                    <a:lnTo>
+                      <a:pt x="1439414" y="108109"/>
+                    </a:lnTo>
+                    <a:cubicBezTo>
+                      <a:pt x="1465799" y="108014"/>
+                      <a:pt x="1481610" y="107823"/>
+                      <a:pt x="1503613" y="105918"/>
+                    </a:cubicBezTo>
+                    <a:lnTo>
+                      <a:pt x="1495802" y="105823"/>
+                    </a:lnTo>
+                    <a:cubicBezTo>
+                      <a:pt x="1523806" y="102394"/>
+                      <a:pt x="1670110" y="99441"/>
+                      <a:pt x="1695923" y="95155"/>
+                    </a:cubicBezTo>
+                    <a:lnTo>
+                      <a:pt x="1684016" y="92488"/>
+                    </a:lnTo>
+                    <a:lnTo>
+                      <a:pt x="1706210" y="90202"/>
+                    </a:lnTo>
+                    <a:cubicBezTo>
+                      <a:pt x="1703543" y="90202"/>
+                      <a:pt x="1695542" y="98965"/>
+                      <a:pt x="1693351" y="98108"/>
+                    </a:cubicBezTo>
+                    <a:cubicBezTo>
+                      <a:pt x="1757549" y="99441"/>
+                      <a:pt x="2045109" y="91345"/>
+                      <a:pt x="2058539" y="102203"/>
+                    </a:cubicBezTo>
+                    <a:cubicBezTo>
+                      <a:pt x="2079780" y="101917"/>
+                      <a:pt x="2071303" y="103918"/>
+                      <a:pt x="2064540" y="95060"/>
+                    </a:cubicBezTo>
+                    <a:cubicBezTo>
+                      <a:pt x="2086638" y="95441"/>
+                      <a:pt x="2259707" y="88773"/>
+                      <a:pt x="2227132" y="96203"/>
+                    </a:cubicBezTo>
+                    <a:cubicBezTo>
+                      <a:pt x="2232371" y="96298"/>
+                      <a:pt x="2240372" y="95917"/>
+                      <a:pt x="2245229" y="96869"/>
+                    </a:cubicBezTo>
+                    <a:cubicBezTo>
+                      <a:pt x="2235704" y="94583"/>
+                      <a:pt x="2261708" y="95345"/>
+                      <a:pt x="2254278" y="94393"/>
+                    </a:cubicBezTo>
+                    <a:cubicBezTo>
+                      <a:pt x="2395724" y="108776"/>
+                      <a:pt x="2341527" y="36576"/>
+                      <a:pt x="2418108" y="5810"/>
+                    </a:cubicBezTo>
+                    <a:cubicBezTo>
+                      <a:pt x="2398772" y="4763"/>
+                      <a:pt x="2335717" y="7239"/>
+                      <a:pt x="2399058" y="2858"/>
+                    </a:cubicBezTo>
+                    <a:cubicBezTo>
+                      <a:pt x="2343527" y="-572"/>
+                      <a:pt x="2296283" y="1238"/>
+                      <a:pt x="2241039" y="1905"/>
+                    </a:cubicBezTo>
+                    <a:lnTo>
+                      <a:pt x="2243991" y="1048"/>
+                    </a:lnTo>
+                    <a:cubicBezTo>
+                      <a:pt x="2234181" y="-381"/>
+                      <a:pt x="2214845" y="1524"/>
+                      <a:pt x="2197128" y="0"/>
+                    </a:cubicBezTo>
+                    <a:cubicBezTo>
+                      <a:pt x="2115880" y="6096"/>
+                      <a:pt x="1816128" y="3524"/>
+                      <a:pt x="1710591" y="6287"/>
+                    </a:cubicBezTo>
+                    <a:lnTo>
+                      <a:pt x="1713353" y="5906"/>
+                    </a:lnTo>
+                    <a:cubicBezTo>
+                      <a:pt x="1577146" y="5429"/>
+                      <a:pt x="1349308" y="11240"/>
+                      <a:pt x="1210814" y="7715"/>
+                    </a:cubicBezTo>
+                    <a:cubicBezTo>
+                      <a:pt x="1095848" y="23717"/>
+                      <a:pt x="819051" y="5429"/>
+                      <a:pt x="684463" y="13716"/>
+                    </a:cubicBezTo>
+                    <a:lnTo>
+                      <a:pt x="687511" y="12859"/>
+                    </a:lnTo>
+                    <a:cubicBezTo>
+                      <a:pt x="655316" y="14192"/>
+                      <a:pt x="473008" y="10954"/>
+                      <a:pt x="435670" y="12192"/>
+                    </a:cubicBezTo>
+                    <a:lnTo>
+                      <a:pt x="440718" y="12668"/>
+                    </a:lnTo>
+                    <a:cubicBezTo>
+                      <a:pt x="408047" y="14764"/>
+                      <a:pt x="412524" y="11049"/>
+                      <a:pt x="386807" y="9906"/>
+                    </a:cubicBezTo>
+                    <a:cubicBezTo>
+                      <a:pt x="275174" y="28004"/>
+                      <a:pt x="142395" y="18764"/>
+                      <a:pt x="16856" y="12192"/>
+                    </a:cubicBezTo>
+                    <a:cubicBezTo>
+                      <a:pt x="-6195" y="35528"/>
+                      <a:pt x="-17434" y="114395"/>
+                      <a:pt x="63528" y="102870"/>
+                    </a:cubicBezTo>
+                    <a:cubicBezTo>
+                      <a:pt x="63528" y="102870"/>
+                      <a:pt x="42668" y="102584"/>
+                      <a:pt x="42668" y="102584"/>
+                    </a:cubicBezTo>
+                    <a:cubicBezTo>
+                      <a:pt x="58004" y="103156"/>
+                      <a:pt x="47336" y="104299"/>
+                      <a:pt x="41430" y="105537"/>
+                    </a:cubicBezTo>
+                    <a:cubicBezTo>
+                      <a:pt x="46764" y="105537"/>
+                      <a:pt x="68386" y="107442"/>
+                      <a:pt x="54575" y="105347"/>
+                    </a:cubicBezTo>
+                    <a:cubicBezTo>
+                      <a:pt x="158588" y="108109"/>
+                      <a:pt x="297462" y="110109"/>
+                      <a:pt x="388140" y="112109"/>
+                    </a:cubicBezTo>
+                    <a:cubicBezTo>
+                      <a:pt x="420525" y="113348"/>
+                      <a:pt x="453577" y="106680"/>
+                      <a:pt x="482152" y="113729"/>
+                    </a:cubicBezTo>
+                    <a:cubicBezTo>
+                      <a:pt x="477580" y="111919"/>
+                      <a:pt x="629885" y="111728"/>
+                      <a:pt x="632266" y="112205"/>
+                    </a:cubicBezTo>
+                    <a:close/>
+                  </a:path>
+                </a:pathLst>
+              </a:custGeom>
+              <a:grpFill/>
+              <a:ln w="9525" cap="flat">
+                <a:noFill/>
+                <a:prstDash val="solid"/>
+                <a:miter/>
+              </a:ln>
+            </p:spPr>
+            <p:txBody>
+              <a:bodyPr rtlCol="0" anchor="ctr"/>
+              <a:lstStyle/>
+              <a:p>
+                <a:pPr algn="ctr"/>
+                <a:endParaRPr lang="en-US"/>
+              </a:p>
+            </p:txBody>
+          </p:sp>
+        </p:grpSp>
+      </p:grpSp>
+      <p:sp>
+        <p:nvSpPr>
+          <p:cNvPr id="8" name="Content Placeholder 7">
+            <a:extLst>
+              <a:ext uri="{FF2B5EF4-FFF2-40B4-BE49-F238E27FC236}">
+                <a16:creationId xmlns:a16="http://schemas.microsoft.com/office/drawing/2014/main" id="{1DDD0C8B-9CE4-2FF4-1221-D9D630D57582}"/>
+              </a:ext>
+            </a:extLst>
+          </p:cNvPr>
+          <p:cNvSpPr>
+            <a:spLocks noGrp="1"/>
+          </p:cNvSpPr>
+          <p:nvPr>
+            <p:ph idx="1"/>
+          </p:nvPr>
+        </p:nvSpPr>
+        <p:spPr>
+          <a:xfrm>
+            <a:off x="517871" y="3299404"/>
+            <a:ext cx="4767930" cy="2745750"/>
+          </a:xfrm>
+        </p:spPr>
+        <p:txBody>
+          <a:bodyPr>
+            <a:normAutofit/>
+          </a:bodyPr>
+          <a:lstStyle/>
+          <a:p>
+            <a:r>
+              <a:rPr lang="en-US" b="1" dirty="0"/>
+              <a:t>Zeitplanung</a:t>
+            </a:r>
+          </a:p>
+          <a:p>
+            <a:pPr marL="342900" indent="-342900">
+              <a:buFont typeface="Arial" panose="020B0604020202020204" pitchFamily="34" charset="0"/>
+              <a:buChar char="•"/>
+            </a:pPr>
+            <a:r>
+              <a:rPr lang="de-DE" dirty="0"/>
+              <a:t>Meilensteine des Projekts</a:t>
+            </a:r>
+          </a:p>
+          <a:p>
+            <a:pPr marL="342900" indent="-342900">
+              <a:buFont typeface="Arial" panose="020B0604020202020204" pitchFamily="34" charset="0"/>
+              <a:buChar char="•"/>
+            </a:pPr>
+            <a:r>
+              <a:rPr lang="de-DE" dirty="0"/>
+              <a:t>Erstellung eines Zeitplans mit Start- und Endterminen</a:t>
+            </a:r>
+          </a:p>
+          <a:p>
+            <a:pPr marL="342900" indent="-342900">
+              <a:buFont typeface="Arial" panose="020B0604020202020204" pitchFamily="34" charset="0"/>
+              <a:buChar char="•"/>
+            </a:pPr>
+            <a:r>
+              <a:rPr lang="de-DE" dirty="0"/>
+              <a:t>Überwachung des Projektfortschritts</a:t>
+            </a:r>
+          </a:p>
+          <a:p>
+            <a:pPr marL="342900" indent="-342900">
+              <a:buFont typeface="Arial" panose="020B0604020202020204" pitchFamily="34" charset="0"/>
+              <a:buChar char="•"/>
+            </a:pPr>
+            <a:endParaRPr lang="en-US" dirty="0"/>
+          </a:p>
+          <a:p>
+            <a:endParaRPr lang="en-US" dirty="0"/>
+          </a:p>
+          <a:p>
+            <a:endParaRPr lang="en-US" dirty="0"/>
+          </a:p>
+          <a:p>
+            <a:endParaRPr lang="en-US" dirty="0"/>
+          </a:p>
+          <a:p>
+            <a:endParaRPr lang="en-US" dirty="0"/>
           </a:p>
         </p:txBody>
       </p:sp>
@@ -32093,28 +38927,1267 @@
             </a:extLst>
           </p:cNvPr>
           <p:cNvPicPr>
-            <a:picLocks noGrp="1" noChangeAspect="1"/>
+            <a:picLocks noChangeAspect="1"/>
           </p:cNvPicPr>
-          <p:nvPr>
-            <p:ph idx="1"/>
-          </p:nvPr>
+          <p:nvPr/>
         </p:nvPicPr>
-        <p:blipFill>
+        <p:blipFill rotWithShape="1">
           <a:blip r:embed="rId2"/>
-          <a:stretch>
-            <a:fillRect/>
-          </a:stretch>
+          <a:srcRect r="43249" b="-2"/>
+          <a:stretch/>
         </p:blipFill>
         <p:spPr>
           <a:xfrm>
-            <a:off x="5056874" y="2522870"/>
-            <a:ext cx="6250413" cy="3548062"/>
+            <a:off x="5980742" y="565167"/>
+            <a:ext cx="5654663" cy="5654663"/>
           </a:xfrm>
           <a:prstGeom prst="rect">
             <a:avLst/>
           </a:prstGeom>
         </p:spPr>
       </p:pic>
+      <p:sp>
+        <p:nvSpPr>
+          <p:cNvPr id="49" name="Freeform: Shape 48">
+            <a:extLst>
+              <a:ext uri="{FF2B5EF4-FFF2-40B4-BE49-F238E27FC236}">
+                <a16:creationId xmlns:a16="http://schemas.microsoft.com/office/drawing/2014/main" id="{6B6061A8-D267-4967-AF47-C3CC45138582}"/>
+              </a:ext>
+              <a:ext uri="{C183D7F6-B498-43B3-948B-1728B52AA6E4}">
+                <adec:decorative xmlns:adec="http://schemas.microsoft.com/office/drawing/2017/decorative" val="1"/>
+              </a:ext>
+            </a:extLst>
+          </p:cNvPr>
+          <p:cNvSpPr>
+            <a:spLocks noGrp="1" noRot="1" noChangeAspect="1" noMove="1" noResize="1" noEditPoints="1" noAdjustHandles="1" noChangeArrowheads="1" noChangeShapeType="1" noTextEdit="1"/>
+          </p:cNvSpPr>
+          <p:nvPr>
+            <p:extLst>
+              <p:ext uri="{386F3935-93C4-4BCD-93E2-E3B085C9AB24}">
+                <p16:designElem xmlns:p16="http://schemas.microsoft.com/office/powerpoint/2015/main" val="1"/>
+              </p:ext>
+            </p:extLst>
+          </p:nvPr>
+        </p:nvSpPr>
+        <p:spPr>
+          <a:xfrm flipH="1">
+            <a:off x="7899042" y="5602884"/>
+            <a:ext cx="4292956" cy="1255116"/>
+          </a:xfrm>
+          <a:custGeom>
+            <a:avLst/>
+            <a:gdLst>
+              <a:gd name="connsiteX0" fmla="*/ 0 w 4238069"/>
+              <a:gd name="connsiteY0" fmla="*/ 0 h 1903025"/>
+              <a:gd name="connsiteX1" fmla="*/ 113310 w 4238069"/>
+              <a:gd name="connsiteY1" fmla="*/ 8960 h 1903025"/>
+              <a:gd name="connsiteX2" fmla="*/ 291503 w 4238069"/>
+              <a:gd name="connsiteY2" fmla="*/ 37000 h 1903025"/>
+              <a:gd name="connsiteX3" fmla="*/ 3082930 w 4238069"/>
+              <a:gd name="connsiteY3" fmla="*/ 1104916 h 1903025"/>
+              <a:gd name="connsiteX4" fmla="*/ 3881548 w 4238069"/>
+              <a:gd name="connsiteY4" fmla="*/ 1668276 h 1903025"/>
+              <a:gd name="connsiteX5" fmla="*/ 4238069 w 4238069"/>
+              <a:gd name="connsiteY5" fmla="*/ 1903025 h 1903025"/>
+              <a:gd name="connsiteX6" fmla="*/ 0 w 4238069"/>
+              <a:gd name="connsiteY6" fmla="*/ 1903025 h 1903025"/>
+            </a:gdLst>
+            <a:ahLst/>
+            <a:cxnLst>
+              <a:cxn ang="0">
+                <a:pos x="connsiteX0" y="connsiteY0"/>
+              </a:cxn>
+              <a:cxn ang="0">
+                <a:pos x="connsiteX1" y="connsiteY1"/>
+              </a:cxn>
+              <a:cxn ang="0">
+                <a:pos x="connsiteX2" y="connsiteY2"/>
+              </a:cxn>
+              <a:cxn ang="0">
+                <a:pos x="connsiteX3" y="connsiteY3"/>
+              </a:cxn>
+              <a:cxn ang="0">
+                <a:pos x="connsiteX4" y="connsiteY4"/>
+              </a:cxn>
+              <a:cxn ang="0">
+                <a:pos x="connsiteX5" y="connsiteY5"/>
+              </a:cxn>
+              <a:cxn ang="0">
+                <a:pos x="connsiteX6" y="connsiteY6"/>
+              </a:cxn>
+            </a:cxnLst>
+            <a:rect l="l" t="t" r="r" b="b"/>
+            <a:pathLst>
+              <a:path w="4238069" h="1903025">
+                <a:moveTo>
+                  <a:pt x="0" y="0"/>
+                </a:moveTo>
+                <a:lnTo>
+                  <a:pt x="113310" y="8960"/>
+                </a:lnTo>
+                <a:cubicBezTo>
+                  <a:pt x="173365" y="16155"/>
+                  <a:pt x="232870" y="25632"/>
+                  <a:pt x="291503" y="37000"/>
+                </a:cubicBezTo>
+                <a:cubicBezTo>
+                  <a:pt x="1250780" y="222537"/>
+                  <a:pt x="2264787" y="499636"/>
+                  <a:pt x="3082930" y="1104916"/>
+                </a:cubicBezTo>
+                <a:cubicBezTo>
+                  <a:pt x="3348371" y="1301283"/>
+                  <a:pt x="3614239" y="1488349"/>
+                  <a:pt x="3881548" y="1668276"/>
+                </a:cubicBezTo>
+                <a:lnTo>
+                  <a:pt x="4238069" y="1903025"/>
+                </a:lnTo>
+                <a:lnTo>
+                  <a:pt x="0" y="1903025"/>
+                </a:lnTo>
+                <a:close/>
+              </a:path>
+            </a:pathLst>
+          </a:custGeom>
+          <a:solidFill>
+            <a:schemeClr val="accent6">
+              <a:lumMod val="40000"/>
+              <a:lumOff val="60000"/>
+            </a:schemeClr>
+          </a:solidFill>
+          <a:ln>
+            <a:noFill/>
+          </a:ln>
+        </p:spPr>
+        <p:style>
+          <a:lnRef idx="2">
+            <a:schemeClr val="accent1">
+              <a:shade val="50000"/>
+            </a:schemeClr>
+          </a:lnRef>
+          <a:fillRef idx="1">
+            <a:schemeClr val="accent1"/>
+          </a:fillRef>
+          <a:effectRef idx="0">
+            <a:schemeClr val="accent1"/>
+          </a:effectRef>
+          <a:fontRef idx="minor">
+            <a:schemeClr val="lt1"/>
+          </a:fontRef>
+        </p:style>
+        <p:txBody>
+          <a:bodyPr wrap="square" rtlCol="0" anchor="ctr">
+            <a:noAutofit/>
+          </a:bodyPr>
+          <a:lstStyle/>
+          <a:p>
+            <a:pPr algn="ctr"/>
+            <a:endParaRPr lang="en-US"/>
+          </a:p>
+        </p:txBody>
+      </p:sp>
+      <p:grpSp>
+        <p:nvGrpSpPr>
+          <p:cNvPr id="51" name="Group 50">
+            <a:extLst>
+              <a:ext uri="{FF2B5EF4-FFF2-40B4-BE49-F238E27FC236}">
+                <a16:creationId xmlns:a16="http://schemas.microsoft.com/office/drawing/2014/main" id="{12DB770A-658D-4212-9BF2-236070D5D7A4}"/>
+              </a:ext>
+              <a:ext uri="{C183D7F6-B498-43B3-948B-1728B52AA6E4}">
+                <adec:decorative xmlns:adec="http://schemas.microsoft.com/office/drawing/2017/decorative" val="1"/>
+              </a:ext>
+            </a:extLst>
+          </p:cNvPr>
+          <p:cNvGrpSpPr>
+            <a:grpSpLocks noGrp="1" noUngrp="1" noRot="1" noChangeAspect="1" noMove="1" noResize="1"/>
+          </p:cNvGrpSpPr>
+          <p:nvPr>
+            <p:extLst>
+              <p:ext uri="{386F3935-93C4-4BCD-93E2-E3B085C9AB24}">
+                <p16:designElem xmlns:p16="http://schemas.microsoft.com/office/powerpoint/2015/main" val="1"/>
+              </p:ext>
+            </p:extLst>
+          </p:nvPr>
+        </p:nvGrpSpPr>
+        <p:grpSpPr>
+          <a:xfrm flipH="1">
+            <a:off x="8891063" y="5736410"/>
+            <a:ext cx="886141" cy="802496"/>
+            <a:chOff x="10948005" y="3272152"/>
+            <a:chExt cx="868640" cy="786648"/>
+          </a:xfrm>
+          <a:solidFill>
+            <a:schemeClr val="accent6"/>
+          </a:solidFill>
+        </p:grpSpPr>
+        <p:sp>
+          <p:nvSpPr>
+            <p:cNvPr id="52" name="Freeform: Shape 51">
+              <a:extLst>
+                <a:ext uri="{FF2B5EF4-FFF2-40B4-BE49-F238E27FC236}">
+                  <a16:creationId xmlns:a16="http://schemas.microsoft.com/office/drawing/2014/main" id="{A9B99195-76A3-4B90-8F45-BAEF05699C06}"/>
+                </a:ext>
+                <a:ext uri="{C183D7F6-B498-43B3-948B-1728B52AA6E4}">
+                  <adec:decorative xmlns:adec="http://schemas.microsoft.com/office/drawing/2017/decorative" val="1"/>
+                </a:ext>
+              </a:extLst>
+            </p:cNvPr>
+            <p:cNvSpPr/>
+            <p:nvPr>
+              <p:extLst>
+                <p:ext uri="{386F3935-93C4-4BCD-93E2-E3B085C9AB24}">
+                  <p16:designElem xmlns:p16="http://schemas.microsoft.com/office/powerpoint/2015/main" val="1"/>
+                </p:ext>
+              </p:extLst>
+            </p:nvPr>
+          </p:nvSpPr>
+          <p:spPr>
+            <a:xfrm>
+              <a:off x="11194317" y="3944888"/>
+              <a:ext cx="128449" cy="113912"/>
+            </a:xfrm>
+            <a:custGeom>
+              <a:avLst/>
+              <a:gdLst>
+                <a:gd name="connsiteX0" fmla="*/ 237621 w 453152"/>
+                <a:gd name="connsiteY0" fmla="*/ 965 h 401867"/>
+                <a:gd name="connsiteX1" fmla="*/ 370246 w 453152"/>
+                <a:gd name="connsiteY1" fmla="*/ 23666 h 401867"/>
+                <a:gd name="connsiteX2" fmla="*/ 437392 w 453152"/>
+                <a:gd name="connsiteY2" fmla="*/ 198545 h 401867"/>
+                <a:gd name="connsiteX3" fmla="*/ 67745 w 453152"/>
+                <a:gd name="connsiteY3" fmla="*/ 392003 h 401867"/>
+                <a:gd name="connsiteX4" fmla="*/ 911 w 453152"/>
+                <a:gd name="connsiteY4" fmla="*/ 254095 h 401867"/>
+                <a:gd name="connsiteX5" fmla="*/ 115564 w 453152"/>
+                <a:gd name="connsiteY5" fmla="*/ 51160 h 401867"/>
+                <a:gd name="connsiteX6" fmla="*/ 237621 w 453152"/>
+                <a:gd name="connsiteY6" fmla="*/ 965 h 401867"/>
+              </a:gdLst>
+              <a:ahLst/>
+              <a:cxnLst>
+                <a:cxn ang="0">
+                  <a:pos x="connsiteX0" y="connsiteY0"/>
+                </a:cxn>
+                <a:cxn ang="0">
+                  <a:pos x="connsiteX1" y="connsiteY1"/>
+                </a:cxn>
+                <a:cxn ang="0">
+                  <a:pos x="connsiteX2" y="connsiteY2"/>
+                </a:cxn>
+                <a:cxn ang="0">
+                  <a:pos x="connsiteX3" y="connsiteY3"/>
+                </a:cxn>
+                <a:cxn ang="0">
+                  <a:pos x="connsiteX4" y="connsiteY4"/>
+                </a:cxn>
+                <a:cxn ang="0">
+                  <a:pos x="connsiteX5" y="connsiteY5"/>
+                </a:cxn>
+                <a:cxn ang="0">
+                  <a:pos x="connsiteX6" y="connsiteY6"/>
+                </a:cxn>
+              </a:cxnLst>
+              <a:rect l="l" t="t" r="r" b="b"/>
+              <a:pathLst>
+                <a:path w="453152" h="401867">
+                  <a:moveTo>
+                    <a:pt x="237621" y="965"/>
+                  </a:moveTo>
+                  <a:cubicBezTo>
+                    <a:pt x="283632" y="-2971"/>
+                    <a:pt x="331405" y="5243"/>
+                    <a:pt x="370246" y="23666"/>
+                  </a:cubicBezTo>
+                  <a:cubicBezTo>
+                    <a:pt x="436830" y="55275"/>
+                    <a:pt x="477168" y="116810"/>
+                    <a:pt x="437392" y="198545"/>
+                  </a:cubicBezTo>
+                  <a:cubicBezTo>
+                    <a:pt x="391568" y="292624"/>
+                    <a:pt x="176850" y="441630"/>
+                    <a:pt x="67745" y="392003"/>
+                  </a:cubicBezTo>
+                  <a:cubicBezTo>
+                    <a:pt x="18056" y="369372"/>
+                    <a:pt x="-5012" y="308398"/>
+                    <a:pt x="911" y="254095"/>
+                  </a:cubicBezTo>
+                  <a:cubicBezTo>
+                    <a:pt x="9203" y="178033"/>
+                    <a:pt x="61012" y="103094"/>
+                    <a:pt x="115564" y="51160"/>
+                  </a:cubicBezTo>
+                  <a:cubicBezTo>
+                    <a:pt x="147361" y="20985"/>
+                    <a:pt x="191610" y="4900"/>
+                    <a:pt x="237621" y="965"/>
+                  </a:cubicBezTo>
+                  <a:close/>
+                </a:path>
+              </a:pathLst>
+            </a:custGeom>
+            <a:grpFill/>
+            <a:ln>
+              <a:noFill/>
+            </a:ln>
+          </p:spPr>
+          <p:style>
+            <a:lnRef idx="2">
+              <a:schemeClr val="accent1">
+                <a:shade val="50000"/>
+              </a:schemeClr>
+            </a:lnRef>
+            <a:fillRef idx="1">
+              <a:schemeClr val="accent1"/>
+            </a:fillRef>
+            <a:effectRef idx="0">
+              <a:schemeClr val="accent1"/>
+            </a:effectRef>
+            <a:fontRef idx="minor">
+              <a:schemeClr val="lt1"/>
+            </a:fontRef>
+          </p:style>
+          <p:txBody>
+            <a:bodyPr rtlCol="0" anchor="ctr"/>
+            <a:lstStyle/>
+            <a:p>
+              <a:pPr marL="0" marR="0" lvl="0" indent="0" algn="ctr" defTabSz="914400" rtl="0" eaLnBrk="1" fontAlgn="auto" latinLnBrk="0" hangingPunct="1">
+                <a:lnSpc>
+                  <a:spcPct val="100000"/>
+                </a:lnSpc>
+                <a:spcBef>
+                  <a:spcPts val="0"/>
+                </a:spcBef>
+                <a:spcAft>
+                  <a:spcPts val="0"/>
+                </a:spcAft>
+                <a:buClrTx/>
+                <a:buSzTx/>
+                <a:buFontTx/>
+                <a:buNone/>
+                <a:tabLst/>
+                <a:defRPr/>
+              </a:pPr>
+              <a:endParaRPr kumimoji="0" lang="en-US" sz="1800" b="0" i="0" u="none" strike="noStrike" kern="1200" cap="none" spc="0" normalizeH="0" baseline="0" noProof="0">
+                <a:ln>
+                  <a:noFill/>
+                </a:ln>
+                <a:solidFill>
+                  <a:prstClr val="white"/>
+                </a:solidFill>
+                <a:effectLst/>
+                <a:uLnTx/>
+                <a:uFillTx/>
+                <a:latin typeface="Avenir Next LT Pro Light"/>
+                <a:ea typeface="+mn-ea"/>
+                <a:cs typeface="+mn-cs"/>
+              </a:endParaRPr>
+            </a:p>
+          </p:txBody>
+        </p:sp>
+        <p:sp>
+          <p:nvSpPr>
+            <p:cNvPr id="53" name="Freeform: Shape 52">
+              <a:extLst>
+                <a:ext uri="{FF2B5EF4-FFF2-40B4-BE49-F238E27FC236}">
+                  <a16:creationId xmlns:a16="http://schemas.microsoft.com/office/drawing/2014/main" id="{F1029419-581A-4B40-B3E3-BD5931F996FE}"/>
+                </a:ext>
+                <a:ext uri="{C183D7F6-B498-43B3-948B-1728B52AA6E4}">
+                  <adec:decorative xmlns:adec="http://schemas.microsoft.com/office/drawing/2017/decorative" val="1"/>
+                </a:ext>
+              </a:extLst>
+            </p:cNvPr>
+            <p:cNvSpPr/>
+            <p:nvPr>
+              <p:extLst>
+                <p:ext uri="{386F3935-93C4-4BCD-93E2-E3B085C9AB24}">
+                  <p16:designElem xmlns:p16="http://schemas.microsoft.com/office/powerpoint/2015/main" val="1"/>
+                </p:ext>
+              </p:extLst>
+            </p:nvPr>
+          </p:nvSpPr>
+          <p:spPr>
+            <a:xfrm>
+              <a:off x="10953045" y="3808430"/>
+              <a:ext cx="144912" cy="193414"/>
+            </a:xfrm>
+            <a:custGeom>
+              <a:avLst/>
+              <a:gdLst>
+                <a:gd name="connsiteX0" fmla="*/ 390625 w 511232"/>
+                <a:gd name="connsiteY0" fmla="*/ 1621 h 682341"/>
+                <a:gd name="connsiteX1" fmla="*/ 508142 w 511232"/>
+                <a:gd name="connsiteY1" fmla="*/ 64038 h 682341"/>
+                <a:gd name="connsiteX2" fmla="*/ 508453 w 511232"/>
+                <a:gd name="connsiteY2" fmla="*/ 121832 h 682341"/>
+                <a:gd name="connsiteX3" fmla="*/ 316492 w 511232"/>
+                <a:gd name="connsiteY3" fmla="*/ 567602 h 682341"/>
+                <a:gd name="connsiteX4" fmla="*/ 80265 w 511232"/>
+                <a:gd name="connsiteY4" fmla="*/ 640359 h 682341"/>
+                <a:gd name="connsiteX5" fmla="*/ 13306 w 511232"/>
+                <a:gd name="connsiteY5" fmla="*/ 274828 h 682341"/>
+                <a:gd name="connsiteX6" fmla="*/ 140989 w 511232"/>
+                <a:gd name="connsiteY6" fmla="*/ 107181 h 682341"/>
+                <a:gd name="connsiteX7" fmla="*/ 390625 w 511232"/>
+                <a:gd name="connsiteY7" fmla="*/ 1621 h 682341"/>
+              </a:gdLst>
+              <a:ahLst/>
+              <a:cxnLst>
+                <a:cxn ang="0">
+                  <a:pos x="connsiteX0" y="connsiteY0"/>
+                </a:cxn>
+                <a:cxn ang="0">
+                  <a:pos x="connsiteX1" y="connsiteY1"/>
+                </a:cxn>
+                <a:cxn ang="0">
+                  <a:pos x="connsiteX2" y="connsiteY2"/>
+                </a:cxn>
+                <a:cxn ang="0">
+                  <a:pos x="connsiteX3" y="connsiteY3"/>
+                </a:cxn>
+                <a:cxn ang="0">
+                  <a:pos x="connsiteX4" y="connsiteY4"/>
+                </a:cxn>
+                <a:cxn ang="0">
+                  <a:pos x="connsiteX5" y="connsiteY5"/>
+                </a:cxn>
+                <a:cxn ang="0">
+                  <a:pos x="connsiteX6" y="connsiteY6"/>
+                </a:cxn>
+                <a:cxn ang="0">
+                  <a:pos x="connsiteX7" y="connsiteY7"/>
+                </a:cxn>
+              </a:cxnLst>
+              <a:rect l="l" t="t" r="r" b="b"/>
+              <a:pathLst>
+                <a:path w="511232" h="682341">
+                  <a:moveTo>
+                    <a:pt x="390625" y="1621"/>
+                  </a:moveTo>
+                  <a:cubicBezTo>
+                    <a:pt x="446543" y="-5212"/>
+                    <a:pt x="493343" y="8441"/>
+                    <a:pt x="508142" y="64038"/>
+                  </a:cubicBezTo>
+                  <a:cubicBezTo>
+                    <a:pt x="513192" y="82866"/>
+                    <a:pt x="511134" y="102754"/>
+                    <a:pt x="508453" y="121832"/>
+                  </a:cubicBezTo>
+                  <a:cubicBezTo>
+                    <a:pt x="485324" y="287796"/>
+                    <a:pt x="417242" y="443971"/>
+                    <a:pt x="316492" y="567602"/>
+                  </a:cubicBezTo>
+                  <a:cubicBezTo>
+                    <a:pt x="253024" y="645534"/>
+                    <a:pt x="165055" y="737743"/>
+                    <a:pt x="80265" y="640359"/>
+                  </a:cubicBezTo>
+                  <a:cubicBezTo>
+                    <a:pt x="5014" y="553948"/>
+                    <a:pt x="-17368" y="383621"/>
+                    <a:pt x="13306" y="274828"/>
+                  </a:cubicBezTo>
+                  <a:cubicBezTo>
+                    <a:pt x="33443" y="203318"/>
+                    <a:pt x="83382" y="146521"/>
+                    <a:pt x="140989" y="107181"/>
+                  </a:cubicBezTo>
+                  <a:cubicBezTo>
+                    <a:pt x="178904" y="81308"/>
+                    <a:pt x="297428" y="13010"/>
+                    <a:pt x="390625" y="1621"/>
+                  </a:cubicBezTo>
+                  <a:close/>
+                </a:path>
+              </a:pathLst>
+            </a:custGeom>
+            <a:grpFill/>
+            <a:ln>
+              <a:noFill/>
+            </a:ln>
+          </p:spPr>
+          <p:style>
+            <a:lnRef idx="2">
+              <a:schemeClr val="accent1">
+                <a:shade val="50000"/>
+              </a:schemeClr>
+            </a:lnRef>
+            <a:fillRef idx="1">
+              <a:schemeClr val="accent1"/>
+            </a:fillRef>
+            <a:effectRef idx="0">
+              <a:schemeClr val="accent1"/>
+            </a:effectRef>
+            <a:fontRef idx="minor">
+              <a:schemeClr val="lt1"/>
+            </a:fontRef>
+          </p:style>
+          <p:txBody>
+            <a:bodyPr rtlCol="0" anchor="ctr"/>
+            <a:lstStyle/>
+            <a:p>
+              <a:pPr marL="0" marR="0" lvl="0" indent="0" algn="ctr" defTabSz="914400" rtl="0" eaLnBrk="1" fontAlgn="auto" latinLnBrk="0" hangingPunct="1">
+                <a:lnSpc>
+                  <a:spcPct val="100000"/>
+                </a:lnSpc>
+                <a:spcBef>
+                  <a:spcPts val="0"/>
+                </a:spcBef>
+                <a:spcAft>
+                  <a:spcPts val="0"/>
+                </a:spcAft>
+                <a:buClrTx/>
+                <a:buSzTx/>
+                <a:buFontTx/>
+                <a:buNone/>
+                <a:tabLst/>
+                <a:defRPr/>
+              </a:pPr>
+              <a:endParaRPr kumimoji="0" lang="en-US" sz="1800" b="0" i="0" u="none" strike="noStrike" kern="1200" cap="none" spc="0" normalizeH="0" baseline="0" noProof="0">
+                <a:ln>
+                  <a:noFill/>
+                </a:ln>
+                <a:solidFill>
+                  <a:prstClr val="white"/>
+                </a:solidFill>
+                <a:effectLst/>
+                <a:uLnTx/>
+                <a:uFillTx/>
+                <a:latin typeface="Avenir Next LT Pro Light"/>
+                <a:ea typeface="+mn-ea"/>
+                <a:cs typeface="+mn-cs"/>
+              </a:endParaRPr>
+            </a:p>
+          </p:txBody>
+        </p:sp>
+        <p:sp>
+          <p:nvSpPr>
+            <p:cNvPr id="54" name="Freeform: Shape 53">
+              <a:extLst>
+                <a:ext uri="{FF2B5EF4-FFF2-40B4-BE49-F238E27FC236}">
+                  <a16:creationId xmlns:a16="http://schemas.microsoft.com/office/drawing/2014/main" id="{38F181C6-C3A7-463D-B837-E6FB1B08015E}"/>
+                </a:ext>
+                <a:ext uri="{C183D7F6-B498-43B3-948B-1728B52AA6E4}">
+                  <adec:decorative xmlns:adec="http://schemas.microsoft.com/office/drawing/2017/decorative" val="1"/>
+                </a:ext>
+              </a:extLst>
+            </p:cNvPr>
+            <p:cNvSpPr/>
+            <p:nvPr>
+              <p:extLst>
+                <p:ext uri="{386F3935-93C4-4BCD-93E2-E3B085C9AB24}">
+                  <p16:designElem xmlns:p16="http://schemas.microsoft.com/office/powerpoint/2015/main" val="1"/>
+                </p:ext>
+              </p:extLst>
+            </p:nvPr>
+          </p:nvSpPr>
+          <p:spPr>
+            <a:xfrm>
+              <a:off x="11684524" y="3907536"/>
+              <a:ext cx="132121" cy="93006"/>
+            </a:xfrm>
+            <a:custGeom>
+              <a:avLst/>
+              <a:gdLst>
+                <a:gd name="connsiteX0" fmla="*/ 252822 w 466107"/>
+                <a:gd name="connsiteY0" fmla="*/ 1539 h 328114"/>
+                <a:gd name="connsiteX1" fmla="*/ 451641 w 466107"/>
+                <a:gd name="connsiteY1" fmla="*/ 122177 h 328114"/>
+                <a:gd name="connsiteX2" fmla="*/ 391790 w 466107"/>
+                <a:gd name="connsiteY2" fmla="*/ 297430 h 328114"/>
+                <a:gd name="connsiteX3" fmla="*/ 8614 w 466107"/>
+                <a:gd name="connsiteY3" fmla="*/ 243252 h 328114"/>
+                <a:gd name="connsiteX4" fmla="*/ 45897 w 466107"/>
+                <a:gd name="connsiteY4" fmla="*/ 97302 h 328114"/>
+                <a:gd name="connsiteX5" fmla="*/ 252822 w 466107"/>
+                <a:gd name="connsiteY5" fmla="*/ 1539 h 328114"/>
+              </a:gdLst>
+              <a:ahLst/>
+              <a:cxnLst>
+                <a:cxn ang="0">
+                  <a:pos x="connsiteX0" y="connsiteY0"/>
+                </a:cxn>
+                <a:cxn ang="0">
+                  <a:pos x="connsiteX1" y="connsiteY1"/>
+                </a:cxn>
+                <a:cxn ang="0">
+                  <a:pos x="connsiteX2" y="connsiteY2"/>
+                </a:cxn>
+                <a:cxn ang="0">
+                  <a:pos x="connsiteX3" y="connsiteY3"/>
+                </a:cxn>
+                <a:cxn ang="0">
+                  <a:pos x="connsiteX4" y="connsiteY4"/>
+                </a:cxn>
+                <a:cxn ang="0">
+                  <a:pos x="connsiteX5" y="connsiteY5"/>
+                </a:cxn>
+              </a:cxnLst>
+              <a:rect l="l" t="t" r="r" b="b"/>
+              <a:pathLst>
+                <a:path w="466107" h="328114">
+                  <a:moveTo>
+                    <a:pt x="252822" y="1539"/>
+                  </a:moveTo>
+                  <a:cubicBezTo>
+                    <a:pt x="335429" y="-10494"/>
+                    <a:pt x="418848" y="49794"/>
+                    <a:pt x="451641" y="122177"/>
+                  </a:cubicBezTo>
+                  <a:cubicBezTo>
+                    <a:pt x="479697" y="184273"/>
+                    <a:pt x="470594" y="255285"/>
+                    <a:pt x="391790" y="297430"/>
+                  </a:cubicBezTo>
+                  <a:cubicBezTo>
+                    <a:pt x="301077" y="345935"/>
+                    <a:pt x="55935" y="343254"/>
+                    <a:pt x="8614" y="243252"/>
+                  </a:cubicBezTo>
+                  <a:cubicBezTo>
+                    <a:pt x="-12895" y="197678"/>
+                    <a:pt x="8240" y="136766"/>
+                    <a:pt x="45897" y="97302"/>
+                  </a:cubicBezTo>
+                  <a:cubicBezTo>
+                    <a:pt x="98704" y="42064"/>
+                    <a:pt x="181872" y="11950"/>
+                    <a:pt x="252822" y="1539"/>
+                  </a:cubicBezTo>
+                  <a:close/>
+                </a:path>
+              </a:pathLst>
+            </a:custGeom>
+            <a:grpFill/>
+            <a:ln>
+              <a:noFill/>
+            </a:ln>
+          </p:spPr>
+          <p:style>
+            <a:lnRef idx="2">
+              <a:schemeClr val="accent1">
+                <a:shade val="50000"/>
+              </a:schemeClr>
+            </a:lnRef>
+            <a:fillRef idx="1">
+              <a:schemeClr val="accent1"/>
+            </a:fillRef>
+            <a:effectRef idx="0">
+              <a:schemeClr val="accent1"/>
+            </a:effectRef>
+            <a:fontRef idx="minor">
+              <a:schemeClr val="lt1"/>
+            </a:fontRef>
+          </p:style>
+          <p:txBody>
+            <a:bodyPr rtlCol="0" anchor="ctr"/>
+            <a:lstStyle/>
+            <a:p>
+              <a:pPr marL="0" marR="0" lvl="0" indent="0" algn="ctr" defTabSz="914400" rtl="0" eaLnBrk="1" fontAlgn="auto" latinLnBrk="0" hangingPunct="1">
+                <a:lnSpc>
+                  <a:spcPct val="100000"/>
+                </a:lnSpc>
+                <a:spcBef>
+                  <a:spcPts val="0"/>
+                </a:spcBef>
+                <a:spcAft>
+                  <a:spcPts val="0"/>
+                </a:spcAft>
+                <a:buClrTx/>
+                <a:buSzTx/>
+                <a:buFontTx/>
+                <a:buNone/>
+                <a:tabLst/>
+                <a:defRPr/>
+              </a:pPr>
+              <a:endParaRPr kumimoji="0" lang="en-US" sz="1800" b="0" i="0" u="none" strike="noStrike" kern="1200" cap="none" spc="0" normalizeH="0" baseline="0" noProof="0">
+                <a:ln>
+                  <a:noFill/>
+                </a:ln>
+                <a:solidFill>
+                  <a:prstClr val="white"/>
+                </a:solidFill>
+                <a:effectLst/>
+                <a:uLnTx/>
+                <a:uFillTx/>
+                <a:latin typeface="Avenir Next LT Pro Light"/>
+                <a:ea typeface="+mn-ea"/>
+                <a:cs typeface="+mn-cs"/>
+              </a:endParaRPr>
+            </a:p>
+          </p:txBody>
+        </p:sp>
+        <p:sp>
+          <p:nvSpPr>
+            <p:cNvPr id="55" name="Graphic 12">
+              <a:extLst>
+                <a:ext uri="{FF2B5EF4-FFF2-40B4-BE49-F238E27FC236}">
+                  <a16:creationId xmlns:a16="http://schemas.microsoft.com/office/drawing/2014/main" id="{FB6F6AFA-67F5-4D3A-839B-6B3980B6FC22}"/>
+                </a:ext>
+                <a:ext uri="{C183D7F6-B498-43B3-948B-1728B52AA6E4}">
+                  <adec:decorative xmlns:adec="http://schemas.microsoft.com/office/drawing/2017/decorative" val="1"/>
+                </a:ext>
+              </a:extLst>
+            </p:cNvPr>
+            <p:cNvSpPr/>
+            <p:nvPr>
+              <p:extLst>
+                <p:ext uri="{386F3935-93C4-4BCD-93E2-E3B085C9AB24}">
+                  <p16:designElem xmlns:p16="http://schemas.microsoft.com/office/powerpoint/2015/main" val="1"/>
+                </p:ext>
+              </p:extLst>
+            </p:nvPr>
+          </p:nvSpPr>
+          <p:spPr>
+            <a:xfrm>
+              <a:off x="11142141" y="3272152"/>
+              <a:ext cx="180625" cy="158824"/>
+            </a:xfrm>
+            <a:custGeom>
+              <a:avLst/>
+              <a:gdLst>
+                <a:gd name="connsiteX0" fmla="*/ 63289 w 3341477"/>
+                <a:gd name="connsiteY0" fmla="*/ 1933384 h 2938167"/>
+                <a:gd name="connsiteX1" fmla="*/ 263314 w 3341477"/>
+                <a:gd name="connsiteY1" fmla="*/ 514159 h 2938167"/>
+                <a:gd name="connsiteX2" fmla="*/ 1098276 w 3341477"/>
+                <a:gd name="connsiteY2" fmla="*/ 952 h 2938167"/>
+                <a:gd name="connsiteX3" fmla="*/ 2654089 w 3341477"/>
+                <a:gd name="connsiteY3" fmla="*/ 371284 h 2938167"/>
+                <a:gd name="connsiteX4" fmla="*/ 3219398 w 3341477"/>
+                <a:gd name="connsiteY4" fmla="*/ 2080926 h 2938167"/>
+                <a:gd name="connsiteX5" fmla="*/ 2044489 w 3341477"/>
+                <a:gd name="connsiteY5" fmla="*/ 2933509 h 2938167"/>
+                <a:gd name="connsiteX6" fmla="*/ 453814 w 3341477"/>
+                <a:gd name="connsiteY6" fmla="*/ 2495359 h 2938167"/>
+                <a:gd name="connsiteX7" fmla="*/ 63289 w 3341477"/>
+                <a:gd name="connsiteY7" fmla="*/ 1933384 h 2938167"/>
+              </a:gdLst>
+              <a:ahLst/>
+              <a:cxnLst>
+                <a:cxn ang="0">
+                  <a:pos x="connsiteX0" y="connsiteY0"/>
+                </a:cxn>
+                <a:cxn ang="0">
+                  <a:pos x="connsiteX1" y="connsiteY1"/>
+                </a:cxn>
+                <a:cxn ang="0">
+                  <a:pos x="connsiteX2" y="connsiteY2"/>
+                </a:cxn>
+                <a:cxn ang="0">
+                  <a:pos x="connsiteX3" y="connsiteY3"/>
+                </a:cxn>
+                <a:cxn ang="0">
+                  <a:pos x="connsiteX4" y="connsiteY4"/>
+                </a:cxn>
+                <a:cxn ang="0">
+                  <a:pos x="connsiteX5" y="connsiteY5"/>
+                </a:cxn>
+                <a:cxn ang="0">
+                  <a:pos x="connsiteX6" y="connsiteY6"/>
+                </a:cxn>
+                <a:cxn ang="0">
+                  <a:pos x="connsiteX7" y="connsiteY7"/>
+                </a:cxn>
+              </a:cxnLst>
+              <a:rect l="l" t="t" r="r" b="b"/>
+              <a:pathLst>
+                <a:path w="3341477" h="2938167">
+                  <a:moveTo>
+                    <a:pt x="63289" y="1933384"/>
+                  </a:moveTo>
+                  <a:cubicBezTo>
+                    <a:pt x="56717" y="1895856"/>
+                    <a:pt x="-165311" y="914209"/>
+                    <a:pt x="263314" y="514159"/>
+                  </a:cubicBezTo>
+                  <a:cubicBezTo>
+                    <a:pt x="691939" y="114109"/>
+                    <a:pt x="609262" y="11620"/>
+                    <a:pt x="1098276" y="952"/>
+                  </a:cubicBezTo>
+                  <a:cubicBezTo>
+                    <a:pt x="1587289" y="-9716"/>
+                    <a:pt x="2320714" y="66484"/>
+                    <a:pt x="2654089" y="371284"/>
+                  </a:cubicBezTo>
+                  <a:cubicBezTo>
+                    <a:pt x="2987464" y="676084"/>
+                    <a:pt x="3603732" y="1514094"/>
+                    <a:pt x="3219398" y="2080926"/>
+                  </a:cubicBezTo>
+                  <a:cubicBezTo>
+                    <a:pt x="2835064" y="2647759"/>
+                    <a:pt x="2558839" y="2895409"/>
+                    <a:pt x="2044489" y="2933509"/>
+                  </a:cubicBezTo>
+                  <a:cubicBezTo>
+                    <a:pt x="1530139" y="2971609"/>
+                    <a:pt x="701464" y="2771584"/>
+                    <a:pt x="453814" y="2495359"/>
+                  </a:cubicBezTo>
+                  <a:cubicBezTo>
+                    <a:pt x="206164" y="2219134"/>
+                    <a:pt x="101389" y="2152459"/>
+                    <a:pt x="63289" y="1933384"/>
+                  </a:cubicBezTo>
+                  <a:close/>
+                </a:path>
+              </a:pathLst>
+            </a:custGeom>
+            <a:grpFill/>
+            <a:ln w="9525" cap="flat">
+              <a:noFill/>
+              <a:prstDash val="solid"/>
+              <a:miter/>
+            </a:ln>
+          </p:spPr>
+          <p:txBody>
+            <a:bodyPr rtlCol="0" anchor="ctr"/>
+            <a:lstStyle/>
+            <a:p>
+              <a:endParaRPr lang="en-US"/>
+            </a:p>
+          </p:txBody>
+        </p:sp>
+        <p:sp>
+          <p:nvSpPr>
+            <p:cNvPr id="56" name="Graphic 15">
+              <a:extLst>
+                <a:ext uri="{FF2B5EF4-FFF2-40B4-BE49-F238E27FC236}">
+                  <a16:creationId xmlns:a16="http://schemas.microsoft.com/office/drawing/2014/main" id="{E9F49015-3756-46EC-AF1A-2F33219CB135}"/>
+                </a:ext>
+                <a:ext uri="{C183D7F6-B498-43B3-948B-1728B52AA6E4}">
+                  <adec:decorative xmlns:adec="http://schemas.microsoft.com/office/drawing/2017/decorative" val="1"/>
+                </a:ext>
+              </a:extLst>
+            </p:cNvPr>
+            <p:cNvSpPr/>
+            <p:nvPr>
+              <p:extLst>
+                <p:ext uri="{386F3935-93C4-4BCD-93E2-E3B085C9AB24}">
+                  <p16:designElem xmlns:p16="http://schemas.microsoft.com/office/powerpoint/2015/main" val="1"/>
+                </p:ext>
+              </p:extLst>
+            </p:nvPr>
+          </p:nvSpPr>
+          <p:spPr>
+            <a:xfrm>
+              <a:off x="11602136" y="3379098"/>
+              <a:ext cx="82388" cy="75292"/>
+            </a:xfrm>
+            <a:custGeom>
+              <a:avLst/>
+              <a:gdLst>
+                <a:gd name="connsiteX0" fmla="*/ 17664 w 5240764"/>
+                <a:gd name="connsiteY0" fmla="*/ 2947947 h 4789394"/>
+                <a:gd name="connsiteX1" fmla="*/ 903489 w 5240764"/>
+                <a:gd name="connsiteY1" fmla="*/ 195222 h 4789394"/>
+                <a:gd name="connsiteX2" fmla="*/ 3560964 w 5240764"/>
+                <a:gd name="connsiteY2" fmla="*/ 357147 h 4789394"/>
+                <a:gd name="connsiteX3" fmla="*/ 5240602 w 5240764"/>
+                <a:gd name="connsiteY3" fmla="*/ 2076409 h 4789394"/>
+                <a:gd name="connsiteX4" fmla="*/ 4568328 w 5240764"/>
+                <a:gd name="connsiteY4" fmla="*/ 3879397 h 4789394"/>
+                <a:gd name="connsiteX5" fmla="*/ 3284739 w 5240764"/>
+                <a:gd name="connsiteY5" fmla="*/ 4605297 h 4789394"/>
+                <a:gd name="connsiteX6" fmla="*/ 1074939 w 5240764"/>
+                <a:gd name="connsiteY6" fmla="*/ 4357647 h 4789394"/>
+                <a:gd name="connsiteX7" fmla="*/ 15187 w 5240764"/>
+                <a:gd name="connsiteY7" fmla="*/ 2830313 h 4789394"/>
+              </a:gdLst>
+              <a:ahLst/>
+              <a:cxnLst>
+                <a:cxn ang="0">
+                  <a:pos x="connsiteX0" y="connsiteY0"/>
+                </a:cxn>
+                <a:cxn ang="0">
+                  <a:pos x="connsiteX1" y="connsiteY1"/>
+                </a:cxn>
+                <a:cxn ang="0">
+                  <a:pos x="connsiteX2" y="connsiteY2"/>
+                </a:cxn>
+                <a:cxn ang="0">
+                  <a:pos x="connsiteX3" y="connsiteY3"/>
+                </a:cxn>
+                <a:cxn ang="0">
+                  <a:pos x="connsiteX4" y="connsiteY4"/>
+                </a:cxn>
+                <a:cxn ang="0">
+                  <a:pos x="connsiteX5" y="connsiteY5"/>
+                </a:cxn>
+                <a:cxn ang="0">
+                  <a:pos x="connsiteX6" y="connsiteY6"/>
+                </a:cxn>
+                <a:cxn ang="0">
+                  <a:pos x="connsiteX7" y="connsiteY7"/>
+                </a:cxn>
+              </a:cxnLst>
+              <a:rect l="l" t="t" r="r" b="b"/>
+              <a:pathLst>
+                <a:path w="5240764" h="4789394">
+                  <a:moveTo>
+                    <a:pt x="17664" y="2947947"/>
+                  </a:moveTo>
+                  <a:cubicBezTo>
+                    <a:pt x="17664" y="2900322"/>
+                    <a:pt x="-201411" y="490497"/>
+                    <a:pt x="903489" y="195222"/>
+                  </a:cubicBezTo>
+                  <a:cubicBezTo>
+                    <a:pt x="2008389" y="-100053"/>
+                    <a:pt x="2598939" y="-71478"/>
+                    <a:pt x="3560964" y="357147"/>
+                  </a:cubicBezTo>
+                  <a:cubicBezTo>
+                    <a:pt x="4522989" y="785772"/>
+                    <a:pt x="5253271" y="1338222"/>
+                    <a:pt x="5240602" y="2076409"/>
+                  </a:cubicBezTo>
+                  <a:cubicBezTo>
+                    <a:pt x="5227934" y="2814597"/>
+                    <a:pt x="4842267" y="3677276"/>
+                    <a:pt x="4568328" y="3879397"/>
+                  </a:cubicBezTo>
+                  <a:cubicBezTo>
+                    <a:pt x="4294389" y="4081422"/>
+                    <a:pt x="4065789" y="4548147"/>
+                    <a:pt x="3284739" y="4605297"/>
+                  </a:cubicBezTo>
+                  <a:cubicBezTo>
+                    <a:pt x="2503689" y="4662447"/>
+                    <a:pt x="1579764" y="5110122"/>
+                    <a:pt x="1074939" y="4357647"/>
+                  </a:cubicBezTo>
+                  <a:cubicBezTo>
+                    <a:pt x="570114" y="3605172"/>
+                    <a:pt x="12615" y="3617554"/>
+                    <a:pt x="15187" y="2830313"/>
+                  </a:cubicBezTo>
+                </a:path>
+              </a:pathLst>
+            </a:custGeom>
+            <a:grpFill/>
+            <a:ln w="9525" cap="flat">
+              <a:noFill/>
+              <a:prstDash val="solid"/>
+              <a:miter/>
+            </a:ln>
+          </p:spPr>
+          <p:txBody>
+            <a:bodyPr rtlCol="0" anchor="ctr"/>
+            <a:lstStyle/>
+            <a:p>
+              <a:endParaRPr lang="en-US"/>
+            </a:p>
+          </p:txBody>
+        </p:sp>
+        <p:sp>
+          <p:nvSpPr>
+            <p:cNvPr id="57" name="Graphic 15">
+              <a:extLst>
+                <a:ext uri="{FF2B5EF4-FFF2-40B4-BE49-F238E27FC236}">
+                  <a16:creationId xmlns:a16="http://schemas.microsoft.com/office/drawing/2014/main" id="{44C1E606-364B-4793-83A8-61AC96EDBE5E}"/>
+                </a:ext>
+                <a:ext uri="{C183D7F6-B498-43B3-948B-1728B52AA6E4}">
+                  <adec:decorative xmlns:adec="http://schemas.microsoft.com/office/drawing/2017/decorative" val="1"/>
+                </a:ext>
+              </a:extLst>
+            </p:cNvPr>
+            <p:cNvSpPr/>
+            <p:nvPr>
+              <p:extLst>
+                <p:ext uri="{386F3935-93C4-4BCD-93E2-E3B085C9AB24}">
+                  <p16:designElem xmlns:p16="http://schemas.microsoft.com/office/powerpoint/2015/main" val="1"/>
+                </p:ext>
+              </p:extLst>
+            </p:nvPr>
+          </p:nvSpPr>
+          <p:spPr>
+            <a:xfrm>
+              <a:off x="10948005" y="3504095"/>
+              <a:ext cx="82388" cy="75292"/>
+            </a:xfrm>
+            <a:custGeom>
+              <a:avLst/>
+              <a:gdLst>
+                <a:gd name="connsiteX0" fmla="*/ 17664 w 5240764"/>
+                <a:gd name="connsiteY0" fmla="*/ 2947947 h 4789394"/>
+                <a:gd name="connsiteX1" fmla="*/ 903489 w 5240764"/>
+                <a:gd name="connsiteY1" fmla="*/ 195222 h 4789394"/>
+                <a:gd name="connsiteX2" fmla="*/ 3560964 w 5240764"/>
+                <a:gd name="connsiteY2" fmla="*/ 357147 h 4789394"/>
+                <a:gd name="connsiteX3" fmla="*/ 5240602 w 5240764"/>
+                <a:gd name="connsiteY3" fmla="*/ 2076409 h 4789394"/>
+                <a:gd name="connsiteX4" fmla="*/ 4568328 w 5240764"/>
+                <a:gd name="connsiteY4" fmla="*/ 3879397 h 4789394"/>
+                <a:gd name="connsiteX5" fmla="*/ 3284739 w 5240764"/>
+                <a:gd name="connsiteY5" fmla="*/ 4605297 h 4789394"/>
+                <a:gd name="connsiteX6" fmla="*/ 1074939 w 5240764"/>
+                <a:gd name="connsiteY6" fmla="*/ 4357647 h 4789394"/>
+                <a:gd name="connsiteX7" fmla="*/ 15187 w 5240764"/>
+                <a:gd name="connsiteY7" fmla="*/ 2830313 h 4789394"/>
+              </a:gdLst>
+              <a:ahLst/>
+              <a:cxnLst>
+                <a:cxn ang="0">
+                  <a:pos x="connsiteX0" y="connsiteY0"/>
+                </a:cxn>
+                <a:cxn ang="0">
+                  <a:pos x="connsiteX1" y="connsiteY1"/>
+                </a:cxn>
+                <a:cxn ang="0">
+                  <a:pos x="connsiteX2" y="connsiteY2"/>
+                </a:cxn>
+                <a:cxn ang="0">
+                  <a:pos x="connsiteX3" y="connsiteY3"/>
+                </a:cxn>
+                <a:cxn ang="0">
+                  <a:pos x="connsiteX4" y="connsiteY4"/>
+                </a:cxn>
+                <a:cxn ang="0">
+                  <a:pos x="connsiteX5" y="connsiteY5"/>
+                </a:cxn>
+                <a:cxn ang="0">
+                  <a:pos x="connsiteX6" y="connsiteY6"/>
+                </a:cxn>
+                <a:cxn ang="0">
+                  <a:pos x="connsiteX7" y="connsiteY7"/>
+                </a:cxn>
+              </a:cxnLst>
+              <a:rect l="l" t="t" r="r" b="b"/>
+              <a:pathLst>
+                <a:path w="5240764" h="4789394">
+                  <a:moveTo>
+                    <a:pt x="17664" y="2947947"/>
+                  </a:moveTo>
+                  <a:cubicBezTo>
+                    <a:pt x="17664" y="2900322"/>
+                    <a:pt x="-201411" y="490497"/>
+                    <a:pt x="903489" y="195222"/>
+                  </a:cubicBezTo>
+                  <a:cubicBezTo>
+                    <a:pt x="2008389" y="-100053"/>
+                    <a:pt x="2598939" y="-71478"/>
+                    <a:pt x="3560964" y="357147"/>
+                  </a:cubicBezTo>
+                  <a:cubicBezTo>
+                    <a:pt x="4522989" y="785772"/>
+                    <a:pt x="5253271" y="1338222"/>
+                    <a:pt x="5240602" y="2076409"/>
+                  </a:cubicBezTo>
+                  <a:cubicBezTo>
+                    <a:pt x="5227934" y="2814597"/>
+                    <a:pt x="4842267" y="3677276"/>
+                    <a:pt x="4568328" y="3879397"/>
+                  </a:cubicBezTo>
+                  <a:cubicBezTo>
+                    <a:pt x="4294389" y="4081422"/>
+                    <a:pt x="4065789" y="4548147"/>
+                    <a:pt x="3284739" y="4605297"/>
+                  </a:cubicBezTo>
+                  <a:cubicBezTo>
+                    <a:pt x="2503689" y="4662447"/>
+                    <a:pt x="1579764" y="5110122"/>
+                    <a:pt x="1074939" y="4357647"/>
+                  </a:cubicBezTo>
+                  <a:cubicBezTo>
+                    <a:pt x="570114" y="3605172"/>
+                    <a:pt x="12615" y="3617554"/>
+                    <a:pt x="15187" y="2830313"/>
+                  </a:cubicBezTo>
+                </a:path>
+              </a:pathLst>
+            </a:custGeom>
+            <a:grpFill/>
+            <a:ln w="9525" cap="flat">
+              <a:noFill/>
+              <a:prstDash val="solid"/>
+              <a:miter/>
+            </a:ln>
+          </p:spPr>
+          <p:txBody>
+            <a:bodyPr rtlCol="0" anchor="ctr"/>
+            <a:lstStyle/>
+            <a:p>
+              <a:endParaRPr lang="en-US"/>
+            </a:p>
+          </p:txBody>
+        </p:sp>
+        <p:sp>
+          <p:nvSpPr>
+            <p:cNvPr id="58" name="Freeform: Shape 57">
+              <a:extLst>
+                <a:ext uri="{FF2B5EF4-FFF2-40B4-BE49-F238E27FC236}">
+                  <a16:creationId xmlns:a16="http://schemas.microsoft.com/office/drawing/2014/main" id="{4D62BB33-881E-4E43-A746-75C1E7C322EB}"/>
+                </a:ext>
+                <a:ext uri="{C183D7F6-B498-43B3-948B-1728B52AA6E4}">
+                  <adec:decorative xmlns:adec="http://schemas.microsoft.com/office/drawing/2017/decorative" val="1"/>
+                </a:ext>
+              </a:extLst>
+            </p:cNvPr>
+            <p:cNvSpPr/>
+            <p:nvPr>
+              <p:extLst>
+                <p:ext uri="{386F3935-93C4-4BCD-93E2-E3B085C9AB24}">
+                  <p16:designElem xmlns:p16="http://schemas.microsoft.com/office/powerpoint/2015/main" val="1"/>
+                </p:ext>
+              </p:extLst>
+            </p:nvPr>
+          </p:nvSpPr>
+          <p:spPr>
+            <a:xfrm>
+              <a:off x="11343727" y="3666564"/>
+              <a:ext cx="173527" cy="138496"/>
+            </a:xfrm>
+            <a:custGeom>
+              <a:avLst/>
+              <a:gdLst>
+                <a:gd name="connsiteX0" fmla="*/ 237392 w 789043"/>
+                <a:gd name="connsiteY0" fmla="*/ 81 h 629754"/>
+                <a:gd name="connsiteX1" fmla="*/ 758692 w 789043"/>
+                <a:gd name="connsiteY1" fmla="*/ 233550 h 629754"/>
+                <a:gd name="connsiteX2" fmla="*/ 650647 w 789043"/>
+                <a:gd name="connsiteY2" fmla="*/ 335111 h 629754"/>
+                <a:gd name="connsiteX3" fmla="*/ 315041 w 789043"/>
+                <a:gd name="connsiteY3" fmla="*/ 584992 h 629754"/>
+                <a:gd name="connsiteX4" fmla="*/ 192159 w 789043"/>
+                <a:gd name="connsiteY4" fmla="*/ 625953 h 629754"/>
+                <a:gd name="connsiteX5" fmla="*/ 124264 w 789043"/>
+                <a:gd name="connsiteY5" fmla="*/ 552260 h 629754"/>
+                <a:gd name="connsiteX6" fmla="*/ 1631 w 789043"/>
+                <a:gd name="connsiteY6" fmla="*/ 133735 h 629754"/>
+                <a:gd name="connsiteX7" fmla="*/ 35422 w 789043"/>
+                <a:gd name="connsiteY7" fmla="*/ 14157 h 629754"/>
+                <a:gd name="connsiteX8" fmla="*/ 113728 w 789043"/>
+                <a:gd name="connsiteY8" fmla="*/ 378 h 629754"/>
+                <a:gd name="connsiteX9" fmla="*/ 237392 w 789043"/>
+                <a:gd name="connsiteY9" fmla="*/ 81 h 629754"/>
+              </a:gdLst>
+              <a:ahLst/>
+              <a:cxnLst>
+                <a:cxn ang="0">
+                  <a:pos x="connsiteX0" y="connsiteY0"/>
+                </a:cxn>
+                <a:cxn ang="0">
+                  <a:pos x="connsiteX1" y="connsiteY1"/>
+                </a:cxn>
+                <a:cxn ang="0">
+                  <a:pos x="connsiteX2" y="connsiteY2"/>
+                </a:cxn>
+                <a:cxn ang="0">
+                  <a:pos x="connsiteX3" y="connsiteY3"/>
+                </a:cxn>
+                <a:cxn ang="0">
+                  <a:pos x="connsiteX4" y="connsiteY4"/>
+                </a:cxn>
+                <a:cxn ang="0">
+                  <a:pos x="connsiteX5" y="connsiteY5"/>
+                </a:cxn>
+                <a:cxn ang="0">
+                  <a:pos x="connsiteX6" y="connsiteY6"/>
+                </a:cxn>
+                <a:cxn ang="0">
+                  <a:pos x="connsiteX7" y="connsiteY7"/>
+                </a:cxn>
+                <a:cxn ang="0">
+                  <a:pos x="connsiteX8" y="connsiteY8"/>
+                </a:cxn>
+                <a:cxn ang="0">
+                  <a:pos x="connsiteX9" y="connsiteY9"/>
+                </a:cxn>
+              </a:cxnLst>
+              <a:rect l="l" t="t" r="r" b="b"/>
+              <a:pathLst>
+                <a:path w="789043" h="629754">
+                  <a:moveTo>
+                    <a:pt x="237392" y="81"/>
+                  </a:moveTo>
+                  <a:cubicBezTo>
+                    <a:pt x="474795" y="-992"/>
+                    <a:pt x="907215" y="10463"/>
+                    <a:pt x="758692" y="233550"/>
+                  </a:cubicBezTo>
+                  <a:cubicBezTo>
+                    <a:pt x="731135" y="274948"/>
+                    <a:pt x="690486" y="305435"/>
+                    <a:pt x="650647" y="335111"/>
+                  </a:cubicBezTo>
+                  <a:cubicBezTo>
+                    <a:pt x="538737" y="418405"/>
+                    <a:pt x="426889" y="501698"/>
+                    <a:pt x="315041" y="584992"/>
+                  </a:cubicBezTo>
+                  <a:cubicBezTo>
+                    <a:pt x="278943" y="611863"/>
+                    <a:pt x="234865" y="640167"/>
+                    <a:pt x="192159" y="625953"/>
+                  </a:cubicBezTo>
+                  <a:cubicBezTo>
+                    <a:pt x="159614" y="615105"/>
+                    <a:pt x="139851" y="582810"/>
+                    <a:pt x="124264" y="552260"/>
+                  </a:cubicBezTo>
+                  <a:cubicBezTo>
+                    <a:pt x="57742" y="422021"/>
+                    <a:pt x="15908" y="279250"/>
+                    <a:pt x="1631" y="133735"/>
+                  </a:cubicBezTo>
+                  <a:cubicBezTo>
+                    <a:pt x="-2671" y="90343"/>
+                    <a:pt x="-676" y="38596"/>
+                    <a:pt x="35422" y="14157"/>
+                  </a:cubicBezTo>
+                  <a:cubicBezTo>
+                    <a:pt x="57804" y="-931"/>
+                    <a:pt x="86795" y="-557"/>
+                    <a:pt x="113728" y="378"/>
+                  </a:cubicBezTo>
+                  <a:cubicBezTo>
+                    <a:pt x="138207" y="1243"/>
+                    <a:pt x="182606" y="328"/>
+                    <a:pt x="237392" y="81"/>
+                  </a:cubicBezTo>
+                  <a:close/>
+                </a:path>
+              </a:pathLst>
+            </a:custGeom>
+            <a:grpFill/>
+            <a:ln>
+              <a:noFill/>
+            </a:ln>
+          </p:spPr>
+          <p:style>
+            <a:lnRef idx="2">
+              <a:schemeClr val="accent1">
+                <a:shade val="50000"/>
+              </a:schemeClr>
+            </a:lnRef>
+            <a:fillRef idx="1">
+              <a:schemeClr val="accent1"/>
+            </a:fillRef>
+            <a:effectRef idx="0">
+              <a:schemeClr val="accent1"/>
+            </a:effectRef>
+            <a:fontRef idx="minor">
+              <a:schemeClr val="lt1"/>
+            </a:fontRef>
+          </p:style>
+          <p:txBody>
+            <a:bodyPr rtlCol="0" anchor="ctr"/>
+            <a:lstStyle/>
+            <a:p>
+              <a:pPr algn="ctr"/>
+              <a:endParaRPr lang="en-US" dirty="0"/>
+            </a:p>
+          </p:txBody>
+        </p:sp>
+      </p:grpSp>
     </p:spTree>
     <p:extLst>
       <p:ext uri="{BB962C8B-B14F-4D97-AF65-F5344CB8AC3E}">
@@ -33347,7 +41420,7 @@
         <p:spPr>
           <a:xfrm>
             <a:off x="525717" y="2796427"/>
-            <a:ext cx="4663649" cy="3274503"/>
+            <a:ext cx="5031560" cy="3274503"/>
           </a:xfrm>
         </p:spPr>
         <p:txBody>
@@ -33356,13 +41429,19 @@
           </a:bodyPr>
           <a:lstStyle/>
           <a:p>
+            <a:r>
+              <a:rPr lang="de-DE" b="1" dirty="0"/>
+              <a:t>Design</a:t>
+            </a:r>
+          </a:p>
+          <a:p>
             <a:pPr marL="342900" indent="-342900">
               <a:buFont typeface="Arial" panose="020B0604020202020204" pitchFamily="34" charset="0"/>
               <a:buChar char="•"/>
             </a:pPr>
             <a:r>
               <a:rPr lang="de-DE" dirty="0"/>
-              <a:t>Visualisierung der Benutzerfläche</a:t>
+              <a:t>Visualisierung der Benutzeroberfläche</a:t>
             </a:r>
           </a:p>
           <a:p>
@@ -33373,6 +41452,16 @@
             <a:r>
               <a:rPr lang="de-DE" dirty="0"/>
               <a:t>Desktop sowie Handyversion</a:t>
+            </a:r>
+          </a:p>
+          <a:p>
+            <a:pPr marL="342900" indent="-342900">
+              <a:buFont typeface="Arial" panose="020B0604020202020204" pitchFamily="34" charset="0"/>
+              <a:buChar char="•"/>
+            </a:pPr>
+            <a:r>
+              <a:rPr lang="de-DE" dirty="0"/>
+              <a:t>Layout und Elemente</a:t>
             </a:r>
           </a:p>
           <a:p>
@@ -34814,7 +42903,7 @@
               <a:buChar char="o"/>
             </a:pPr>
             <a:r>
-              <a:rPr lang="de-DE" sz="2000" dirty="0"/>
+              <a:rPr lang="de-DE" sz="1800" dirty="0"/>
               <a:t>User</a:t>
             </a:r>
           </a:p>
@@ -34828,8 +42917,12 @@
               <a:buChar char="o"/>
             </a:pPr>
             <a:r>
+              <a:rPr lang="de-DE" sz="1800" dirty="0"/>
+              <a:t>Posts</a:t>
+            </a:r>
+            <a:r>
               <a:rPr lang="de-DE" sz="2000" dirty="0"/>
-              <a:t>Posts	</a:t>
+              <a:t>	</a:t>
             </a:r>
             <a:r>
               <a:rPr lang="de-DE" sz="2600" dirty="0"/>
@@ -34863,7 +42956,7 @@
               <a:rPr lang="de-DE" sz="1800" dirty="0" err="1"/>
               <a:t>bcrypt</a:t>
             </a:r>
-            <a:endParaRPr lang="de-DE" sz="2000" dirty="0"/>
+            <a:endParaRPr lang="de-DE" sz="1800" dirty="0"/>
           </a:p>
           <a:p>
             <a:pPr marL="800100" lvl="2" indent="-342900">
@@ -36157,7 +44250,7 @@
         </p:nvSpPr>
         <p:spPr>
           <a:xfrm>
-            <a:off x="525717" y="2796426"/>
+            <a:off x="525717" y="2796427"/>
             <a:ext cx="7344263" cy="4404525"/>
           </a:xfrm>
         </p:spPr>
@@ -36183,9 +44276,9 @@
               <a:lnSpc>
                 <a:spcPct val="100000"/>
               </a:lnSpc>
-              <a:buSzPct val="125000"/>
-              <a:buFont typeface="Arial" panose="020B0604020202020204" pitchFamily="34" charset="0"/>
-              <a:buChar char="•"/>
+              <a:buSzPct val="100000"/>
+              <a:buFont typeface="Courier New" panose="02070309020205020404" pitchFamily="49" charset="0"/>
+              <a:buChar char="o"/>
             </a:pPr>
             <a:r>
               <a:rPr lang="en-US" sz="1900" dirty="0"/>
@@ -36197,9 +44290,9 @@
               <a:lnSpc>
                 <a:spcPct val="100000"/>
               </a:lnSpc>
-              <a:buSzPct val="125000"/>
-              <a:buFont typeface="Arial" panose="020B0604020202020204" pitchFamily="34" charset="0"/>
-              <a:buChar char="•"/>
+              <a:buSzPct val="100000"/>
+              <a:buFont typeface="Courier New" panose="02070309020205020404" pitchFamily="49" charset="0"/>
+              <a:buChar char="o"/>
             </a:pPr>
             <a:r>
               <a:rPr lang="en-US" sz="1900" dirty="0"/>
@@ -36211,9 +44304,9 @@
               <a:lnSpc>
                 <a:spcPct val="100000"/>
               </a:lnSpc>
-              <a:buSzPct val="125000"/>
-              <a:buFont typeface="Arial" panose="020B0604020202020204" pitchFamily="34" charset="0"/>
-              <a:buChar char="•"/>
+              <a:buSzPct val="100000"/>
+              <a:buFont typeface="Courier New" panose="02070309020205020404" pitchFamily="49" charset="0"/>
+              <a:buChar char="o"/>
             </a:pPr>
             <a:r>
               <a:rPr lang="en-US" sz="1900" dirty="0"/>
@@ -36225,9 +44318,9 @@
               <a:lnSpc>
                 <a:spcPct val="100000"/>
               </a:lnSpc>
-              <a:buSzPct val="125000"/>
-              <a:buFont typeface="Arial" panose="020B0604020202020204" pitchFamily="34" charset="0"/>
-              <a:buChar char="•"/>
+              <a:buSzPct val="100000"/>
+              <a:buFont typeface="Courier New" panose="02070309020205020404" pitchFamily="49" charset="0"/>
+              <a:buChar char="o"/>
             </a:pPr>
             <a:r>
               <a:rPr lang="en-US" sz="1900" dirty="0"/>
@@ -36252,9 +44345,9 @@
               <a:lnSpc>
                 <a:spcPct val="100000"/>
               </a:lnSpc>
-              <a:buSzPct val="125000"/>
-              <a:buFont typeface="Arial" panose="020B0604020202020204" pitchFamily="34" charset="0"/>
-              <a:buChar char="•"/>
+              <a:buSzPct val="100000"/>
+              <a:buFont typeface="Courier New" panose="02070309020205020404" pitchFamily="49" charset="0"/>
+              <a:buChar char="o"/>
             </a:pPr>
             <a:r>
               <a:rPr lang="en-US" sz="1900" dirty="0"/>
@@ -36266,9 +44359,9 @@
               <a:lnSpc>
                 <a:spcPct val="100000"/>
               </a:lnSpc>
-              <a:buSzPct val="125000"/>
-              <a:buFont typeface="Arial" panose="020B0604020202020204" pitchFamily="34" charset="0"/>
-              <a:buChar char="•"/>
+              <a:buSzPct val="100000"/>
+              <a:buFont typeface="Courier New" panose="02070309020205020404" pitchFamily="49" charset="0"/>
+              <a:buChar char="o"/>
             </a:pPr>
             <a:r>
               <a:rPr lang="en-US" sz="1900" dirty="0"/>
@@ -36280,9 +44373,9 @@
               <a:lnSpc>
                 <a:spcPct val="100000"/>
               </a:lnSpc>
-              <a:buSzPct val="125000"/>
-              <a:buFont typeface="Arial" panose="020B0604020202020204" pitchFamily="34" charset="0"/>
-              <a:buChar char="•"/>
+              <a:buSzPct val="100000"/>
+              <a:buFont typeface="Courier New" panose="02070309020205020404" pitchFamily="49" charset="0"/>
+              <a:buChar char="o"/>
             </a:pPr>
             <a:r>
               <a:rPr lang="en-US" sz="1900" dirty="0"/>
@@ -36294,9 +44387,9 @@
               <a:lnSpc>
                 <a:spcPct val="100000"/>
               </a:lnSpc>
-              <a:buSzPct val="125000"/>
-              <a:buFont typeface="Arial" panose="020B0604020202020204" pitchFamily="34" charset="0"/>
-              <a:buChar char="•"/>
+              <a:buSzPct val="100000"/>
+              <a:buFont typeface="Courier New" panose="02070309020205020404" pitchFamily="49" charset="0"/>
+              <a:buChar char="o"/>
             </a:pPr>
             <a:r>
               <a:rPr lang="en-US" sz="1900" dirty="0"/>
@@ -36320,9 +44413,9 @@
               <a:lnSpc>
                 <a:spcPct val="100000"/>
               </a:lnSpc>
-              <a:buSzPct val="125000"/>
-              <a:buFont typeface="Arial" panose="020B0604020202020204" pitchFamily="34" charset="0"/>
-              <a:buChar char="•"/>
+              <a:buSzPct val="100000"/>
+              <a:buFont typeface="Courier New" panose="02070309020205020404" pitchFamily="49" charset="0"/>
+              <a:buChar char="o"/>
             </a:pPr>
             <a:r>
               <a:rPr lang="en-US" sz="1900" dirty="0" err="1"/>
@@ -36335,9 +44428,9 @@
               <a:lnSpc>
                 <a:spcPct val="100000"/>
               </a:lnSpc>
-              <a:buSzPct val="125000"/>
-              <a:buFont typeface="Arial" panose="020B0604020202020204" pitchFamily="34" charset="0"/>
-              <a:buChar char="•"/>
+              <a:buSzPct val="100000"/>
+              <a:buFont typeface="Courier New" panose="02070309020205020404" pitchFamily="49" charset="0"/>
+              <a:buChar char="o"/>
             </a:pPr>
             <a:r>
               <a:rPr lang="en-US" sz="1900" dirty="0" err="1"/>
@@ -36350,9 +44443,9 @@
               <a:lnSpc>
                 <a:spcPct val="100000"/>
               </a:lnSpc>
-              <a:buSzPct val="125000"/>
-              <a:buFont typeface="Arial" panose="020B0604020202020204" pitchFamily="34" charset="0"/>
-              <a:buChar char="•"/>
+              <a:buSzPct val="100000"/>
+              <a:buFont typeface="Courier New" panose="02070309020205020404" pitchFamily="49" charset="0"/>
+              <a:buChar char="o"/>
             </a:pPr>
             <a:r>
               <a:rPr lang="en-US" sz="1900" dirty="0" err="1"/>
@@ -37720,7 +45813,7 @@
       </p:grpSpPr>
       <p:sp useBgFill="1">
         <p:nvSpPr>
-          <p:cNvPr id="10" name="Rectangle 9">
+          <p:cNvPr id="36" name="Rectangle 35">
             <a:extLst>
               <a:ext uri="{FF2B5EF4-FFF2-40B4-BE49-F238E27FC236}">
                 <a16:creationId xmlns:a16="http://schemas.microsoft.com/office/drawing/2014/main" id="{2F9C493A-9F03-49B4-B3FB-19CE5AC115BE}"/>
@@ -37832,7 +45925,7 @@
       </p:sp>
       <p:sp>
         <p:nvSpPr>
-          <p:cNvPr id="12" name="Freeform: Shape 11">
+          <p:cNvPr id="38" name="Freeform: Shape 37">
             <a:extLst>
               <a:ext uri="{FF2B5EF4-FFF2-40B4-BE49-F238E27FC236}">
                 <a16:creationId xmlns:a16="http://schemas.microsoft.com/office/drawing/2014/main" id="{90A46C7D-C1BB-49B8-8D37-39742820E964}"/>
@@ -37982,7 +46075,7 @@
       </p:sp>
       <p:grpSp>
         <p:nvGrpSpPr>
-          <p:cNvPr id="14" name="Graphic 78">
+          <p:cNvPr id="40" name="Graphic 78">
             <a:extLst>
               <a:ext uri="{FF2B5EF4-FFF2-40B4-BE49-F238E27FC236}">
                 <a16:creationId xmlns:a16="http://schemas.microsoft.com/office/drawing/2014/main" id="{61BBAB6F-65E6-4E2B-B363-6AB27C84E0C1}"/>
@@ -38016,7 +46109,7 @@
         </p:grpSpPr>
         <p:sp>
           <p:nvSpPr>
-            <p:cNvPr id="15" name="Graphic 78">
+            <p:cNvPr id="41" name="Graphic 78">
               <a:extLst>
                 <a:ext uri="{FF2B5EF4-FFF2-40B4-BE49-F238E27FC236}">
                   <a16:creationId xmlns:a16="http://schemas.microsoft.com/office/drawing/2014/main" id="{6DA3BBB2-E620-4C13-98C9-FE1EF7D2ED14}"/>
@@ -38087,7 +46180,7 @@
         </p:sp>
         <p:grpSp>
           <p:nvGrpSpPr>
-            <p:cNvPr id="16" name="Graphic 78">
+            <p:cNvPr id="42" name="Graphic 78">
               <a:extLst>
                 <a:ext uri="{FF2B5EF4-FFF2-40B4-BE49-F238E27FC236}">
                   <a16:creationId xmlns:a16="http://schemas.microsoft.com/office/drawing/2014/main" id="{ADC9AB5D-88A1-4FA9-B467-E8EF8FFE5B5D}"/>
@@ -38117,7 +46210,7 @@
           </p:grpSpPr>
           <p:sp>
             <p:nvSpPr>
-              <p:cNvPr id="17" name="Graphic 78">
+              <p:cNvPr id="43" name="Graphic 78">
                 <a:extLst>
                   <a:ext uri="{FF2B5EF4-FFF2-40B4-BE49-F238E27FC236}">
                     <a16:creationId xmlns:a16="http://schemas.microsoft.com/office/drawing/2014/main" id="{0867B8E5-4535-4743-8235-6612FEA410C5}"/>
@@ -38201,7 +46294,7 @@
           </p:sp>
           <p:sp>
             <p:nvSpPr>
-              <p:cNvPr id="18" name="Graphic 78">
+              <p:cNvPr id="44" name="Graphic 78">
                 <a:extLst>
                   <a:ext uri="{FF2B5EF4-FFF2-40B4-BE49-F238E27FC236}">
                     <a16:creationId xmlns:a16="http://schemas.microsoft.com/office/drawing/2014/main" id="{BE48FEA7-5915-4751-8090-63F3094324AA}"/>
@@ -38295,7 +46388,7 @@
           </p:sp>
           <p:sp>
             <p:nvSpPr>
-              <p:cNvPr id="19" name="Graphic 78">
+              <p:cNvPr id="45" name="Graphic 78">
                 <a:extLst>
                   <a:ext uri="{FF2B5EF4-FFF2-40B4-BE49-F238E27FC236}">
                     <a16:creationId xmlns:a16="http://schemas.microsoft.com/office/drawing/2014/main" id="{32B378CE-44FD-4120-B9ED-7828D4EE9AE3}"/>
@@ -38379,7 +46472,7 @@
           </p:sp>
           <p:sp>
             <p:nvSpPr>
-              <p:cNvPr id="20" name="Graphic 78">
+              <p:cNvPr id="46" name="Graphic 78">
                 <a:extLst>
                   <a:ext uri="{FF2B5EF4-FFF2-40B4-BE49-F238E27FC236}">
                     <a16:creationId xmlns:a16="http://schemas.microsoft.com/office/drawing/2014/main" id="{40FA43D3-D34B-4BC7-80D0-F3E75A222AC6}"/>
@@ -38967,10 +47060,10 @@
       </p:sp>
       <p:pic>
         <p:nvPicPr>
-          <p:cNvPr id="7" name="Graphic 6" descr="Lehrer">
+          <p:cNvPr id="4" name="Grafik 3" descr="Ein Bild, das Multimedia, Software, Screenshot, Computer enthält.&#10;&#10;Automatisch generierte Beschreibung">
             <a:extLst>
               <a:ext uri="{FF2B5EF4-FFF2-40B4-BE49-F238E27FC236}">
-                <a16:creationId xmlns:a16="http://schemas.microsoft.com/office/drawing/2014/main" id="{1EAE3195-0A08-E951-88A8-C2A37E68D86F}"/>
+                <a16:creationId xmlns:a16="http://schemas.microsoft.com/office/drawing/2014/main" id="{D094FC56-AA81-B7A8-7580-FCC3623F89B8}"/>
               </a:ext>
             </a:extLst>
           </p:cNvPr>
@@ -38980,13 +47073,10 @@
           <p:nvPr/>
         </p:nvPicPr>
         <p:blipFill>
-          <a:blip r:embed="rId2">
+          <a:blip r:embed="rId2" cstate="print">
             <a:extLst>
               <a:ext uri="{28A0092B-C50C-407E-A947-70E740481C1C}">
                 <a14:useLocalDpi xmlns:a14="http://schemas.microsoft.com/office/drawing/2010/main" val="0"/>
-              </a:ext>
-              <a:ext uri="{96DAC541-7B7A-43D3-8B79-37D633B846F1}">
-                <asvg:svgBlip xmlns:asvg="http://schemas.microsoft.com/office/drawing/2016/SVG/main" r:embed="rId3"/>
               </a:ext>
             </a:extLst>
           </a:blip>
@@ -38994,19 +47084,20 @@
             <a:fillRect/>
           </a:stretch>
         </p:blipFill>
-        <p:spPr>
+        <p:spPr bwMode="auto">
           <a:xfrm>
-            <a:off x="5953780" y="553415"/>
-            <a:ext cx="5660211" cy="5660211"/>
+            <a:off x="5953780" y="1756210"/>
+            <a:ext cx="5660211" cy="3254621"/>
           </a:xfrm>
           <a:prstGeom prst="rect">
             <a:avLst/>
           </a:prstGeom>
+          <a:noFill/>
         </p:spPr>
       </p:pic>
       <p:sp>
         <p:nvSpPr>
-          <p:cNvPr id="22" name="Freeform: Shape 21">
+          <p:cNvPr id="48" name="Freeform: Shape 47">
             <a:extLst>
               <a:ext uri="{FF2B5EF4-FFF2-40B4-BE49-F238E27FC236}">
                 <a16:creationId xmlns:a16="http://schemas.microsoft.com/office/drawing/2014/main" id="{55820E42-2F9D-41EF-B67F-522A133B3373}"/>
@@ -39165,7 +47256,7 @@
       </p:sp>
       <p:grpSp>
         <p:nvGrpSpPr>
-          <p:cNvPr id="24" name="Group 23">
+          <p:cNvPr id="50" name="Group 49">
             <a:extLst>
               <a:ext uri="{FF2B5EF4-FFF2-40B4-BE49-F238E27FC236}">
                 <a16:creationId xmlns:a16="http://schemas.microsoft.com/office/drawing/2014/main" id="{13D9BC31-B57D-4933-AD83-94F462D4C2F9}"/>
@@ -39199,7 +47290,7 @@
         </p:grpSpPr>
         <p:sp>
           <p:nvSpPr>
-            <p:cNvPr id="25" name="Freeform: Shape 24">
+            <p:cNvPr id="51" name="Freeform: Shape 50">
               <a:extLst>
                 <a:ext uri="{FF2B5EF4-FFF2-40B4-BE49-F238E27FC236}">
                   <a16:creationId xmlns:a16="http://schemas.microsoft.com/office/drawing/2014/main" id="{D84AFEA3-A055-41AE-96F3-34BA5814244A}"/>
@@ -39366,7 +47457,7 @@
         </p:sp>
         <p:sp>
           <p:nvSpPr>
-            <p:cNvPr id="26" name="Freeform: Shape 25">
+            <p:cNvPr id="52" name="Freeform: Shape 51">
               <a:extLst>
                 <a:ext uri="{FF2B5EF4-FFF2-40B4-BE49-F238E27FC236}">
                   <a16:creationId xmlns:a16="http://schemas.microsoft.com/office/drawing/2014/main" id="{9028771F-62FA-4349-B7A8-CE1682D2CE08}"/>
@@ -39543,7 +47634,7 @@
         </p:sp>
         <p:sp>
           <p:nvSpPr>
-            <p:cNvPr id="27" name="Freeform: Shape 26">
+            <p:cNvPr id="53" name="Freeform: Shape 52">
               <a:extLst>
                 <a:ext uri="{FF2B5EF4-FFF2-40B4-BE49-F238E27FC236}">
                   <a16:creationId xmlns:a16="http://schemas.microsoft.com/office/drawing/2014/main" id="{319CDEE6-CB2F-49F0-B237-2A26A3D1DCC4}"/>
@@ -39700,7 +47791,7 @@
         </p:sp>
         <p:sp>
           <p:nvSpPr>
-            <p:cNvPr id="28" name="Graphic 12">
+            <p:cNvPr id="54" name="Graphic 12">
               <a:extLst>
                 <a:ext uri="{FF2B5EF4-FFF2-40B4-BE49-F238E27FC236}">
                   <a16:creationId xmlns:a16="http://schemas.microsoft.com/office/drawing/2014/main" id="{3DD82286-02D2-4210-A797-5D502D44A386}"/>
@@ -39833,7 +47924,7 @@
         </p:sp>
         <p:sp>
           <p:nvSpPr>
-            <p:cNvPr id="29" name="Graphic 15">
+            <p:cNvPr id="55" name="Graphic 15">
               <a:extLst>
                 <a:ext uri="{FF2B5EF4-FFF2-40B4-BE49-F238E27FC236}">
                   <a16:creationId xmlns:a16="http://schemas.microsoft.com/office/drawing/2014/main" id="{735449F4-80DA-4E06-B3B6-B9F519F4A63F}"/>
@@ -39965,7 +48056,7 @@
         </p:sp>
         <p:sp>
           <p:nvSpPr>
-            <p:cNvPr id="30" name="Graphic 15">
+            <p:cNvPr id="56" name="Graphic 15">
               <a:extLst>
                 <a:ext uri="{FF2B5EF4-FFF2-40B4-BE49-F238E27FC236}">
                   <a16:creationId xmlns:a16="http://schemas.microsoft.com/office/drawing/2014/main" id="{61FABA3B-05B6-433C-90F9-8D9691A84063}"/>
@@ -40097,7 +48188,7 @@
         </p:sp>
         <p:sp>
           <p:nvSpPr>
-            <p:cNvPr id="31" name="Freeform: Shape 30">
+            <p:cNvPr id="57" name="Freeform: Shape 56">
               <a:extLst>
                 <a:ext uri="{FF2B5EF4-FFF2-40B4-BE49-F238E27FC236}">
                   <a16:creationId xmlns:a16="http://schemas.microsoft.com/office/drawing/2014/main" id="{E1FEBA45-D0A3-4091-9956-161EDA21A0D7}"/>
